--- a/Decks/LC QBR AMJ'22.pptx
+++ b/Decks/LC QBR AMJ'22.pptx
@@ -278,7 +278,7 @@
 </file>
 
 <file path=ppt/charts/chart1.xml><?xml version="1.0" encoding="utf-8"?>
-<c:chartSpace xmlns:c="http://schemas.openxmlformats.org/drawingml/2006/chart" xmlns:a="http://schemas.openxmlformats.org/drawingml/2006/main" xmlns:r="http://schemas.openxmlformats.org/officeDocument/2006/relationships" xmlns:c16r2="http://schemas.microsoft.com/office/drawing/2015/06/chart">
+<c:chartSpace xmlns:c="http://schemas.openxmlformats.org/drawingml/2006/chart" xmlns:a="http://schemas.openxmlformats.org/drawingml/2006/main" xmlns:r="http://schemas.openxmlformats.org/officeDocument/2006/relationships">
   <c:date1904 val="0"/>
   <c:lang val="en-US"/>
   <c:roundedCorners val="0"/>
@@ -298,7 +298,7 @@
           <a:lstStyle/>
           <a:p>
             <a:pPr>
-              <a:defRPr sz="1320" b="0" i="0" u="none" strike="noStrike" kern="1200" spc="0" baseline="0">
+              <a:defRPr sz="1320" b="1" i="0" u="none" strike="noStrike" kern="1200" spc="0" baseline="0">
                 <a:solidFill>
                   <a:schemeClr val="tx1"/>
                 </a:solidFill>
@@ -308,12 +308,13 @@
               </a:defRPr>
             </a:pPr>
             <a:r>
-              <a:rPr lang="en-IN"/>
+              <a:rPr lang="en-IN" sz="1320" b="1"/>
               <a:t>MoM Top Loyalists Shopped</a:t>
             </a:r>
           </a:p>
         </c:rich>
       </c:tx>
+      <c:layout/>
       <c:overlay val="0"/>
       <c:spPr>
         <a:noFill/>
@@ -327,7 +328,7 @@
         <a:lstStyle/>
         <a:p>
           <a:pPr>
-            <a:defRPr sz="1320" b="0" i="0" u="none" strike="noStrike" kern="1200" spc="0" baseline="0">
+            <a:defRPr sz="1320" b="1" i="0" u="none" strike="noStrike" kern="1200" spc="0" baseline="0">
               <a:solidFill>
                 <a:schemeClr val="tx1"/>
               </a:solidFill>
@@ -352,7 +353,7 @@
           <c:order val="0"/>
           <c:tx>
             <c:strRef>
-              <c:f>'Repeat Customer Deep Dive'!$B$7</c:f>
+              <c:f>'[LL QBR AMJ.xlsx]Repeat Customer Deep Dive'!$B$7</c:f>
               <c:strCache>
                 <c:ptCount val="1"/>
                 <c:pt idx="0">
@@ -404,8 +405,9 @@
             <c:showPercent val="0"/>
             <c:showBubbleSize val="0"/>
             <c:showLeaderLines val="0"/>
-            <c:extLst>
+            <c:extLst xmlns:c16r2="http://schemas.microsoft.com/office/drawing/2015/06/chart">
               <c:ext xmlns:c15="http://schemas.microsoft.com/office/drawing/2012/chart" uri="{CE6537A1-D6FC-4f65-9D91-7224C49458BB}">
+                <c15:layout/>
                 <c15:showLeaderLines val="1"/>
                 <c15:leaderLines>
                   <c:spPr>
@@ -426,7 +428,7 @@
           </c:dLbls>
           <c:cat>
             <c:strRef>
-              <c:f>'Repeat Customer Deep Dive'!$A$8:$A$10</c:f>
+              <c:f>'[LL QBR AMJ.xlsx]Repeat Customer Deep Dive'!$A$8:$A$10</c:f>
               <c:strCache>
                 <c:ptCount val="3"/>
                 <c:pt idx="0">
@@ -443,25 +445,25 @@
           </c:cat>
           <c:val>
             <c:numRef>
-              <c:f>'Repeat Customer Deep Dive'!$B$8:$B$10</c:f>
+              <c:f>'[LL QBR AMJ.xlsx]Repeat Customer Deep Dive'!$B$8:$B$10</c:f>
               <c:numCache>
                 <c:formatCode>_ * #,##0_ ;_ * \-#,##0_ ;_ * "-"??_ ;_ @_ </c:formatCode>
                 <c:ptCount val="3"/>
                 <c:pt idx="0">
-                  <c:v>6638</c:v>
+                  <c:v>2285</c:v>
                 </c:pt>
                 <c:pt idx="1">
-                  <c:v>5972</c:v>
+                  <c:v>2084</c:v>
                 </c:pt>
                 <c:pt idx="2">
-                  <c:v>5614</c:v>
+                  <c:v>1805</c:v>
                 </c:pt>
               </c:numCache>
             </c:numRef>
           </c:val>
-          <c:extLst>
+          <c:extLst xmlns:c16r2="http://schemas.microsoft.com/office/drawing/2015/06/chart">
             <c:ext xmlns:c16="http://schemas.microsoft.com/office/drawing/2014/chart" uri="{C3380CC4-5D6E-409C-BE32-E72D297353CC}">
-              <c16:uniqueId val="{00000000-E7FD-48B1-B4DA-13DA10A75C3B}"/>
+              <c16:uniqueId val="{00000000-E2FC-448E-A4F6-AC1EF66EEC06}"/>
             </c:ext>
           </c:extLst>
         </c:ser>
@@ -470,7 +472,7 @@
           <c:order val="1"/>
           <c:tx>
             <c:strRef>
-              <c:f>'Repeat Customer Deep Dive'!$C$7</c:f>
+              <c:f>'[LL QBR AMJ.xlsx]Repeat Customer Deep Dive'!$C$7</c:f>
               <c:strCache>
                 <c:ptCount val="1"/>
                 <c:pt idx="0">
@@ -522,8 +524,9 @@
             <c:showPercent val="0"/>
             <c:showBubbleSize val="0"/>
             <c:showLeaderLines val="0"/>
-            <c:extLst>
+            <c:extLst xmlns:c16r2="http://schemas.microsoft.com/office/drawing/2015/06/chart">
               <c:ext xmlns:c15="http://schemas.microsoft.com/office/drawing/2012/chart" uri="{CE6537A1-D6FC-4f65-9D91-7224C49458BB}">
+                <c15:layout/>
                 <c15:showLeaderLines val="1"/>
                 <c15:leaderLines>
                   <c:spPr>
@@ -544,7 +547,7 @@
           </c:dLbls>
           <c:cat>
             <c:strRef>
-              <c:f>'Repeat Customer Deep Dive'!$A$8:$A$10</c:f>
+              <c:f>'[LL QBR AMJ.xlsx]Repeat Customer Deep Dive'!$A$8:$A$10</c:f>
               <c:strCache>
                 <c:ptCount val="3"/>
                 <c:pt idx="0">
@@ -561,25 +564,25 @@
           </c:cat>
           <c:val>
             <c:numRef>
-              <c:f>'Repeat Customer Deep Dive'!$C$8:$C$10</c:f>
+              <c:f>'[LL QBR AMJ.xlsx]Repeat Customer Deep Dive'!$C$8:$C$10</c:f>
               <c:numCache>
                 <c:formatCode>_ * #,##0_ ;_ * \-#,##0_ ;_ * "-"??_ ;_ @_ </c:formatCode>
                 <c:ptCount val="3"/>
                 <c:pt idx="0">
-                  <c:v>3075</c:v>
+                  <c:v>1217</c:v>
                 </c:pt>
                 <c:pt idx="1">
-                  <c:v>361</c:v>
+                  <c:v>290</c:v>
                 </c:pt>
                 <c:pt idx="2">
-                  <c:v>3035</c:v>
+                  <c:v>760</c:v>
                 </c:pt>
               </c:numCache>
             </c:numRef>
           </c:val>
-          <c:extLst>
+          <c:extLst xmlns:c16r2="http://schemas.microsoft.com/office/drawing/2015/06/chart">
             <c:ext xmlns:c16="http://schemas.microsoft.com/office/drawing/2014/chart" uri="{C3380CC4-5D6E-409C-BE32-E72D297353CC}">
-              <c16:uniqueId val="{00000001-E7FD-48B1-B4DA-13DA10A75C3B}"/>
+              <c16:uniqueId val="{00000001-E2FC-448E-A4F6-AC1EF66EEC06}"/>
             </c:ext>
           </c:extLst>
         </c:ser>
@@ -594,11 +597,11 @@
         </c:dLbls>
         <c:gapWidth val="219"/>
         <c:overlap val="-27"/>
-        <c:axId val="1245275039"/>
-        <c:axId val="1245275871"/>
+        <c:axId val="-236438912"/>
+        <c:axId val="-236441632"/>
       </c:barChart>
       <c:catAx>
-        <c:axId val="1245275039"/>
+        <c:axId val="-236438912"/>
         <c:scaling>
           <c:orientation val="minMax"/>
         </c:scaling>
@@ -638,7 +641,7 @@
             <a:endParaRPr lang="en-US"/>
           </a:p>
         </c:txPr>
-        <c:crossAx val="1245275871"/>
+        <c:crossAx val="-236441632"/>
         <c:crosses val="autoZero"/>
         <c:auto val="1"/>
         <c:lblAlgn val="ctr"/>
@@ -646,7 +649,7 @@
         <c:noMultiLvlLbl val="0"/>
       </c:catAx>
       <c:valAx>
-        <c:axId val="1245275871"/>
+        <c:axId val="-236441632"/>
         <c:scaling>
           <c:orientation val="minMax"/>
         </c:scaling>
@@ -694,7 +697,7 @@
             <a:endParaRPr lang="en-US"/>
           </a:p>
         </c:txPr>
-        <c:crossAx val="1245275039"/>
+        <c:crossAx val="-236438912"/>
         <c:crosses val="autoZero"/>
         <c:crossBetween val="between"/>
       </c:valAx>
@@ -708,6 +711,7 @@
     </c:plotArea>
     <c:legend>
       <c:legendPos val="b"/>
+      <c:layout/>
       <c:overlay val="0"/>
       <c:spPr>
         <a:noFill/>
@@ -766,7 +770,7 @@
 </file>
 
 <file path=ppt/charts/chart2.xml><?xml version="1.0" encoding="utf-8"?>
-<c:chartSpace xmlns:c="http://schemas.openxmlformats.org/drawingml/2006/chart" xmlns:a="http://schemas.openxmlformats.org/drawingml/2006/main" xmlns:r="http://schemas.openxmlformats.org/officeDocument/2006/relationships" xmlns:c16r2="http://schemas.microsoft.com/office/drawing/2015/06/chart">
+<c:chartSpace xmlns:c="http://schemas.openxmlformats.org/drawingml/2006/chart" xmlns:a="http://schemas.openxmlformats.org/drawingml/2006/main" xmlns:r="http://schemas.openxmlformats.org/officeDocument/2006/relationships">
   <c:date1904 val="0"/>
   <c:lang val="en-US"/>
   <c:roundedCorners val="0"/>
@@ -786,7 +790,7 @@
           <a:lstStyle/>
           <a:p>
             <a:pPr>
-              <a:defRPr sz="1400" b="0" i="0" u="none" strike="noStrike" kern="1200" spc="0" baseline="0">
+              <a:defRPr sz="1320" b="1" i="0" u="none" strike="noStrike" kern="1200" spc="0" baseline="0">
                 <a:solidFill>
                   <a:schemeClr val="tx1"/>
                 </a:solidFill>
@@ -796,12 +800,13 @@
               </a:defRPr>
             </a:pPr>
             <a:r>
-              <a:rPr lang="en-IN"/>
+              <a:rPr lang="en-IN" b="1" dirty="0"/>
               <a:t>Tier wise Repeat Customers</a:t>
             </a:r>
           </a:p>
         </c:rich>
       </c:tx>
+      <c:layout/>
       <c:overlay val="0"/>
       <c:spPr>
         <a:noFill/>
@@ -815,7 +820,7 @@
         <a:lstStyle/>
         <a:p>
           <a:pPr>
-            <a:defRPr sz="1400" b="0" i="0" u="none" strike="noStrike" kern="1200" spc="0" baseline="0">
+            <a:defRPr sz="1320" b="1" i="0" u="none" strike="noStrike" kern="1200" spc="0" baseline="0">
               <a:solidFill>
                 <a:schemeClr val="tx1"/>
               </a:solidFill>
@@ -840,7 +845,7 @@
           <c:order val="0"/>
           <c:tx>
             <c:strRef>
-              <c:f>'Repeat Customer Deep Dive'!$B$21</c:f>
+              <c:f>'[LL QBR AMJ.xlsx]Repeat Customer Deep Dive'!$B$21</c:f>
               <c:strCache>
                 <c:ptCount val="1"/>
                 <c:pt idx="0">
@@ -872,7 +877,7 @@
               <a:lstStyle/>
               <a:p>
                 <a:pPr>
-                  <a:defRPr sz="900" b="0" i="0" u="none" strike="noStrike" kern="1200" baseline="0">
+                  <a:defRPr sz="1100" b="0" i="0" u="none" strike="noStrike" kern="1200" baseline="0">
                     <a:solidFill>
                       <a:schemeClr val="tx1"/>
                     </a:solidFill>
@@ -892,8 +897,9 @@
             <c:showPercent val="0"/>
             <c:showBubbleSize val="0"/>
             <c:showLeaderLines val="0"/>
-            <c:extLst>
+            <c:extLst xmlns:c16r2="http://schemas.microsoft.com/office/drawing/2015/06/chart">
               <c:ext xmlns:c15="http://schemas.microsoft.com/office/drawing/2012/chart" uri="{CE6537A1-D6FC-4f65-9D91-7224C49458BB}">
+                <c15:layout/>
                 <c15:showLeaderLines val="1"/>
                 <c15:leaderLines>
                   <c:spPr>
@@ -914,11 +920,11 @@
           </c:dLbls>
           <c:cat>
             <c:strRef>
-              <c:f>'Repeat Customer Deep Dive'!$A$22:$A$25</c:f>
+              <c:f>'[LL QBR AMJ.xlsx]Repeat Customer Deep Dive'!$A$22:$A$25</c:f>
               <c:strCache>
                 <c:ptCount val="4"/>
                 <c:pt idx="0">
-                  <c:v>BLUE</c:v>
+                  <c:v>None</c:v>
                 </c:pt>
                 <c:pt idx="1">
                   <c:v>SILVER</c:v>
@@ -934,28 +940,28 @@
           </c:cat>
           <c:val>
             <c:numRef>
-              <c:f>'Repeat Customer Deep Dive'!$B$22:$B$25</c:f>
+              <c:f>'[LL QBR AMJ.xlsx]Repeat Customer Deep Dive'!$B$22:$B$25</c:f>
               <c:numCache>
                 <c:formatCode>_ * #,##0_ ;_ * \-#,##0_ ;_ * "-"??_ ;_ @_ </c:formatCode>
                 <c:ptCount val="4"/>
                 <c:pt idx="0">
-                  <c:v>9659</c:v>
+                  <c:v>90</c:v>
                 </c:pt>
                 <c:pt idx="1">
-                  <c:v>13714</c:v>
+                  <c:v>7004</c:v>
                 </c:pt>
                 <c:pt idx="2">
-                  <c:v>15276</c:v>
+                  <c:v>7288</c:v>
                 </c:pt>
                 <c:pt idx="3">
-                  <c:v>28551</c:v>
+                  <c:v>12455</c:v>
                 </c:pt>
               </c:numCache>
             </c:numRef>
           </c:val>
-          <c:extLst>
+          <c:extLst xmlns:c16r2="http://schemas.microsoft.com/office/drawing/2015/06/chart">
             <c:ext xmlns:c16="http://schemas.microsoft.com/office/drawing/2014/chart" uri="{C3380CC4-5D6E-409C-BE32-E72D297353CC}">
-              <c16:uniqueId val="{00000000-49D1-4B7F-8726-43A0FE9D09E6}"/>
+              <c16:uniqueId val="{00000000-6C35-4386-AEE7-34814E6ABE3F}"/>
             </c:ext>
           </c:extLst>
         </c:ser>
@@ -964,7 +970,7 @@
           <c:order val="1"/>
           <c:tx>
             <c:strRef>
-              <c:f>'Repeat Customer Deep Dive'!$C$21</c:f>
+              <c:f>'[LL QBR AMJ.xlsx]Repeat Customer Deep Dive'!$C$21</c:f>
               <c:strCache>
                 <c:ptCount val="1"/>
                 <c:pt idx="0">
@@ -996,7 +1002,7 @@
               <a:lstStyle/>
               <a:p>
                 <a:pPr>
-                  <a:defRPr sz="900" b="0" i="0" u="none" strike="noStrike" kern="1200" baseline="0">
+                  <a:defRPr sz="1100" b="0" i="0" u="none" strike="noStrike" kern="1200" baseline="0">
                     <a:solidFill>
                       <a:schemeClr val="tx1"/>
                     </a:solidFill>
@@ -1016,8 +1022,9 @@
             <c:showPercent val="0"/>
             <c:showBubbleSize val="0"/>
             <c:showLeaderLines val="0"/>
-            <c:extLst>
+            <c:extLst xmlns:c16r2="http://schemas.microsoft.com/office/drawing/2015/06/chart">
               <c:ext xmlns:c15="http://schemas.microsoft.com/office/drawing/2012/chart" uri="{CE6537A1-D6FC-4f65-9D91-7224C49458BB}">
+                <c15:layout/>
                 <c15:showLeaderLines val="1"/>
                 <c15:leaderLines>
                   <c:spPr>
@@ -1038,11 +1045,11 @@
           </c:dLbls>
           <c:cat>
             <c:strRef>
-              <c:f>'Repeat Customer Deep Dive'!$A$22:$A$25</c:f>
+              <c:f>'[LL QBR AMJ.xlsx]Repeat Customer Deep Dive'!$A$22:$A$25</c:f>
               <c:strCache>
                 <c:ptCount val="4"/>
                 <c:pt idx="0">
-                  <c:v>BLUE</c:v>
+                  <c:v>None</c:v>
                 </c:pt>
                 <c:pt idx="1">
                   <c:v>SILVER</c:v>
@@ -1058,28 +1065,28 @@
           </c:cat>
           <c:val>
             <c:numRef>
-              <c:f>'Repeat Customer Deep Dive'!$C$22:$C$25</c:f>
+              <c:f>'[LL QBR AMJ.xlsx]Repeat Customer Deep Dive'!$C$22:$C$25</c:f>
               <c:numCache>
                 <c:formatCode>_ * #,##0_ ;_ * \-#,##0_ ;_ * "-"??_ ;_ @_ </c:formatCode>
                 <c:ptCount val="4"/>
                 <c:pt idx="0">
-                  <c:v>1855</c:v>
+                  <c:v>19</c:v>
                 </c:pt>
                 <c:pt idx="1">
-                  <c:v>3734</c:v>
+                  <c:v>2031</c:v>
                 </c:pt>
                 <c:pt idx="2">
-                  <c:v>5312</c:v>
+                  <c:v>2258</c:v>
                 </c:pt>
                 <c:pt idx="3">
-                  <c:v>11854</c:v>
+                  <c:v>5310</c:v>
                 </c:pt>
               </c:numCache>
             </c:numRef>
           </c:val>
-          <c:extLst>
+          <c:extLst xmlns:c16r2="http://schemas.microsoft.com/office/drawing/2015/06/chart">
             <c:ext xmlns:c16="http://schemas.microsoft.com/office/drawing/2014/chart" uri="{C3380CC4-5D6E-409C-BE32-E72D297353CC}">
-              <c16:uniqueId val="{00000001-49D1-4B7F-8726-43A0FE9D09E6}"/>
+              <c16:uniqueId val="{00000001-6C35-4386-AEE7-34814E6ABE3F}"/>
             </c:ext>
           </c:extLst>
         </c:ser>
@@ -1094,11 +1101,11 @@
         </c:dLbls>
         <c:gapWidth val="219"/>
         <c:overlap val="-27"/>
-        <c:axId val="1154915215"/>
-        <c:axId val="1154916879"/>
+        <c:axId val="-115614656"/>
+        <c:axId val="-115607584"/>
       </c:barChart>
       <c:catAx>
-        <c:axId val="1154915215"/>
+        <c:axId val="-115614656"/>
         <c:scaling>
           <c:orientation val="minMax"/>
         </c:scaling>
@@ -1126,7 +1133,7 @@
           <a:lstStyle/>
           <a:p>
             <a:pPr>
-              <a:defRPr sz="900" b="0" i="0" u="none" strike="noStrike" kern="1200" baseline="0">
+              <a:defRPr sz="1100" b="0" i="0" u="none" strike="noStrike" kern="1200" baseline="0">
                 <a:solidFill>
                   <a:schemeClr val="tx1"/>
                 </a:solidFill>
@@ -1138,7 +1145,7 @@
             <a:endParaRPr lang="en-US"/>
           </a:p>
         </c:txPr>
-        <c:crossAx val="1154916879"/>
+        <c:crossAx val="-115607584"/>
         <c:crosses val="autoZero"/>
         <c:auto val="1"/>
         <c:lblAlgn val="ctr"/>
@@ -1146,7 +1153,7 @@
         <c:noMultiLvlLbl val="0"/>
       </c:catAx>
       <c:valAx>
-        <c:axId val="1154916879"/>
+        <c:axId val="-115607584"/>
         <c:scaling>
           <c:orientation val="minMax"/>
         </c:scaling>
@@ -1182,7 +1189,7 @@
           <a:lstStyle/>
           <a:p>
             <a:pPr>
-              <a:defRPr sz="900" b="0" i="0" u="none" strike="noStrike" kern="1200" baseline="0">
+              <a:defRPr sz="1100" b="0" i="0" u="none" strike="noStrike" kern="1200" baseline="0">
                 <a:solidFill>
                   <a:schemeClr val="tx1"/>
                 </a:solidFill>
@@ -1194,7 +1201,7 @@
             <a:endParaRPr lang="en-US"/>
           </a:p>
         </c:txPr>
-        <c:crossAx val="1154915215"/>
+        <c:crossAx val="-115614656"/>
         <c:crosses val="autoZero"/>
         <c:crossBetween val="between"/>
       </c:valAx>
@@ -1208,6 +1215,7 @@
     </c:plotArea>
     <c:legend>
       <c:legendPos val="b"/>
+      <c:layout/>
       <c:overlay val="0"/>
       <c:spPr>
         <a:noFill/>
@@ -1221,7 +1229,7 @@
         <a:lstStyle/>
         <a:p>
           <a:pPr>
-            <a:defRPr sz="900" b="0" i="0" u="none" strike="noStrike" kern="1200" baseline="0">
+            <a:defRPr sz="1100" b="0" i="0" u="none" strike="noStrike" kern="1200" baseline="0">
               <a:solidFill>
                 <a:schemeClr val="tx1"/>
               </a:solidFill>
@@ -1250,7 +1258,7 @@
     <a:lstStyle/>
     <a:p>
       <a:pPr>
-        <a:defRPr>
+        <a:defRPr sz="1100">
           <a:solidFill>
             <a:schemeClr val="tx1"/>
           </a:solidFill>
@@ -1266,7 +1274,7 @@
 </file>
 
 <file path=ppt/charts/chart3.xml><?xml version="1.0" encoding="utf-8"?>
-<c:chartSpace xmlns:c="http://schemas.openxmlformats.org/drawingml/2006/chart" xmlns:a="http://schemas.openxmlformats.org/drawingml/2006/main" xmlns:r="http://schemas.openxmlformats.org/officeDocument/2006/relationships" xmlns:c16r2="http://schemas.microsoft.com/office/drawing/2015/06/chart">
+<c:chartSpace xmlns:c="http://schemas.openxmlformats.org/drawingml/2006/chart" xmlns:a="http://schemas.openxmlformats.org/drawingml/2006/main" xmlns:r="http://schemas.openxmlformats.org/officeDocument/2006/relationships">
   <c:date1904 val="0"/>
   <c:lang val="en-US"/>
   <c:roundedCorners val="0"/>
@@ -1286,7 +1294,7 @@
           <a:lstStyle/>
           <a:p>
             <a:pPr>
-              <a:defRPr sz="1400" b="0" i="0" u="none" strike="noStrike" kern="1200" spc="0" baseline="0">
+              <a:defRPr sz="1320" b="1" i="0" u="none" strike="noStrike" kern="1200" spc="0" baseline="0">
                 <a:solidFill>
                   <a:schemeClr val="tx1"/>
                 </a:solidFill>
@@ -1296,12 +1304,13 @@
               </a:defRPr>
             </a:pPr>
             <a:r>
-              <a:rPr lang="en-IN"/>
+              <a:rPr lang="en-IN" b="1"/>
               <a:t>Visit wise Repeat Customers</a:t>
             </a:r>
           </a:p>
         </c:rich>
       </c:tx>
+      <c:layout/>
       <c:overlay val="0"/>
       <c:spPr>
         <a:noFill/>
@@ -1315,7 +1324,7 @@
         <a:lstStyle/>
         <a:p>
           <a:pPr>
-            <a:defRPr sz="1400" b="0" i="0" u="none" strike="noStrike" kern="1200" spc="0" baseline="0">
+            <a:defRPr sz="1320" b="1" i="0" u="none" strike="noStrike" kern="1200" spc="0" baseline="0">
               <a:solidFill>
                 <a:schemeClr val="tx1"/>
               </a:solidFill>
@@ -1340,7 +1349,7 @@
           <c:order val="0"/>
           <c:tx>
             <c:strRef>
-              <c:f>'Repeat Customer Deep Dive'!$B$42</c:f>
+              <c:f>'[LL QBR AMJ.xlsx]Repeat Customer Deep Dive'!$B$37</c:f>
               <c:strCache>
                 <c:ptCount val="1"/>
                 <c:pt idx="0">
@@ -1372,7 +1381,7 @@
               <a:lstStyle/>
               <a:p>
                 <a:pPr>
-                  <a:defRPr sz="900" b="0" i="0" u="none" strike="noStrike" kern="1200" baseline="0">
+                  <a:defRPr sz="1100" b="0" i="0" u="none" strike="noStrike" kern="1200" baseline="0">
                     <a:solidFill>
                       <a:schemeClr val="tx1"/>
                     </a:solidFill>
@@ -1392,8 +1401,9 @@
             <c:showPercent val="0"/>
             <c:showBubbleSize val="0"/>
             <c:showLeaderLines val="0"/>
-            <c:extLst>
+            <c:extLst xmlns:c16r2="http://schemas.microsoft.com/office/drawing/2015/06/chart">
               <c:ext xmlns:c15="http://schemas.microsoft.com/office/drawing/2012/chart" uri="{CE6537A1-D6FC-4f65-9D91-7224C49458BB}">
+                <c15:layout/>
                 <c15:showLeaderLines val="1"/>
                 <c15:leaderLines>
                   <c:spPr>
@@ -1414,7 +1424,7 @@
           </c:dLbls>
           <c:cat>
             <c:strRef>
-              <c:f>'Repeat Customer Deep Dive'!$A$43:$A$45</c:f>
+              <c:f>'[LL QBR AMJ.xlsx]Repeat Customer Deep Dive'!$A$38:$A$40</c:f>
               <c:strCache>
                 <c:ptCount val="3"/>
                 <c:pt idx="0">
@@ -1431,25 +1441,25 @@
           </c:cat>
           <c:val>
             <c:numRef>
-              <c:f>'Repeat Customer Deep Dive'!$B$43:$B$45</c:f>
+              <c:f>'[LL QBR AMJ.xlsx]Repeat Customer Deep Dive'!$B$38:$B$40</c:f>
               <c:numCache>
                 <c:formatCode>_ * #,##0_ ;_ * \-#,##0_ ;_ * "-"??_ ;_ @_ </c:formatCode>
                 <c:ptCount val="3"/>
                 <c:pt idx="0">
-                  <c:v>360</c:v>
+                  <c:v>202</c:v>
                 </c:pt>
                 <c:pt idx="1">
-                  <c:v>1058</c:v>
+                  <c:v>461</c:v>
                 </c:pt>
                 <c:pt idx="2">
-                  <c:v>18320</c:v>
+                  <c:v>7187</c:v>
                 </c:pt>
               </c:numCache>
             </c:numRef>
           </c:val>
-          <c:extLst>
+          <c:extLst xmlns:c16r2="http://schemas.microsoft.com/office/drawing/2015/06/chart">
             <c:ext xmlns:c16="http://schemas.microsoft.com/office/drawing/2014/chart" uri="{C3380CC4-5D6E-409C-BE32-E72D297353CC}">
-              <c16:uniqueId val="{00000000-6308-424C-9E02-C72521B85BE2}"/>
+              <c16:uniqueId val="{00000000-FDD9-4364-B97F-807CF17B3FA5}"/>
             </c:ext>
           </c:extLst>
         </c:ser>
@@ -1458,7 +1468,7 @@
           <c:order val="1"/>
           <c:tx>
             <c:strRef>
-              <c:f>'Repeat Customer Deep Dive'!$C$42</c:f>
+              <c:f>'[LL QBR AMJ.xlsx]Repeat Customer Deep Dive'!$C$37</c:f>
               <c:strCache>
                 <c:ptCount val="1"/>
                 <c:pt idx="0">
@@ -1490,7 +1500,7 @@
               <a:lstStyle/>
               <a:p>
                 <a:pPr>
-                  <a:defRPr sz="900" b="0" i="0" u="none" strike="noStrike" kern="1200" baseline="0">
+                  <a:defRPr sz="1100" b="0" i="0" u="none" strike="noStrike" kern="1200" baseline="0">
                     <a:solidFill>
                       <a:schemeClr val="tx1"/>
                     </a:solidFill>
@@ -1510,8 +1520,9 @@
             <c:showPercent val="0"/>
             <c:showBubbleSize val="0"/>
             <c:showLeaderLines val="0"/>
-            <c:extLst>
+            <c:extLst xmlns:c16r2="http://schemas.microsoft.com/office/drawing/2015/06/chart">
               <c:ext xmlns:c15="http://schemas.microsoft.com/office/drawing/2012/chart" uri="{CE6537A1-D6FC-4f65-9D91-7224C49458BB}">
+                <c15:layout/>
                 <c15:showLeaderLines val="1"/>
                 <c15:leaderLines>
                   <c:spPr>
@@ -1532,7 +1543,7 @@
           </c:dLbls>
           <c:cat>
             <c:strRef>
-              <c:f>'Repeat Customer Deep Dive'!$A$43:$A$45</c:f>
+              <c:f>'[LL QBR AMJ.xlsx]Repeat Customer Deep Dive'!$A$38:$A$40</c:f>
               <c:strCache>
                 <c:ptCount val="3"/>
                 <c:pt idx="0">
@@ -1549,25 +1560,25 @@
           </c:cat>
           <c:val>
             <c:numRef>
-              <c:f>'Repeat Customer Deep Dive'!$C$43:$C$45</c:f>
+              <c:f>'[LL QBR AMJ.xlsx]Repeat Customer Deep Dive'!$C$38:$C$40</c:f>
               <c:numCache>
                 <c:formatCode>_ * #,##0_ ;_ * \-#,##0_ ;_ * "-"??_ ;_ @_ </c:formatCode>
                 <c:ptCount val="3"/>
                 <c:pt idx="0">
-                  <c:v>95</c:v>
+                  <c:v>41</c:v>
                 </c:pt>
                 <c:pt idx="1">
-                  <c:v>262</c:v>
+                  <c:v>99</c:v>
                 </c:pt>
                 <c:pt idx="2">
-                  <c:v>5414</c:v>
+                  <c:v>1828</c:v>
                 </c:pt>
               </c:numCache>
             </c:numRef>
           </c:val>
-          <c:extLst>
+          <c:extLst xmlns:c16r2="http://schemas.microsoft.com/office/drawing/2015/06/chart">
             <c:ext xmlns:c16="http://schemas.microsoft.com/office/drawing/2014/chart" uri="{C3380CC4-5D6E-409C-BE32-E72D297353CC}">
-              <c16:uniqueId val="{00000001-6308-424C-9E02-C72521B85BE2}"/>
+              <c16:uniqueId val="{00000001-FDD9-4364-B97F-807CF17B3FA5}"/>
             </c:ext>
           </c:extLst>
         </c:ser>
@@ -1582,11 +1593,11 @@
         </c:dLbls>
         <c:gapWidth val="219"/>
         <c:overlap val="-27"/>
-        <c:axId val="1238743615"/>
-        <c:axId val="1238740703"/>
+        <c:axId val="-115606496"/>
+        <c:axId val="-115605952"/>
       </c:barChart>
       <c:catAx>
-        <c:axId val="1238743615"/>
+        <c:axId val="-115606496"/>
         <c:scaling>
           <c:orientation val="minMax"/>
         </c:scaling>
@@ -1614,7 +1625,7 @@
           <a:lstStyle/>
           <a:p>
             <a:pPr>
-              <a:defRPr sz="900" b="0" i="0" u="none" strike="noStrike" kern="1200" baseline="0">
+              <a:defRPr sz="1100" b="0" i="0" u="none" strike="noStrike" kern="1200" baseline="0">
                 <a:solidFill>
                   <a:schemeClr val="tx1"/>
                 </a:solidFill>
@@ -1626,7 +1637,7 @@
             <a:endParaRPr lang="en-US"/>
           </a:p>
         </c:txPr>
-        <c:crossAx val="1238740703"/>
+        <c:crossAx val="-115605952"/>
         <c:crosses val="autoZero"/>
         <c:auto val="1"/>
         <c:lblAlgn val="ctr"/>
@@ -1634,7 +1645,7 @@
         <c:noMultiLvlLbl val="0"/>
       </c:catAx>
       <c:valAx>
-        <c:axId val="1238740703"/>
+        <c:axId val="-115605952"/>
         <c:scaling>
           <c:orientation val="minMax"/>
         </c:scaling>
@@ -1670,7 +1681,7 @@
           <a:lstStyle/>
           <a:p>
             <a:pPr>
-              <a:defRPr sz="900" b="0" i="0" u="none" strike="noStrike" kern="1200" baseline="0">
+              <a:defRPr sz="1100" b="0" i="0" u="none" strike="noStrike" kern="1200" baseline="0">
                 <a:solidFill>
                   <a:schemeClr val="tx1"/>
                 </a:solidFill>
@@ -1682,7 +1693,7 @@
             <a:endParaRPr lang="en-US"/>
           </a:p>
         </c:txPr>
-        <c:crossAx val="1238743615"/>
+        <c:crossAx val="-115606496"/>
         <c:crosses val="autoZero"/>
         <c:crossBetween val="between"/>
         <c:majorUnit val="5000"/>
@@ -1697,6 +1708,7 @@
     </c:plotArea>
     <c:legend>
       <c:legendPos val="b"/>
+      <c:layout/>
       <c:overlay val="0"/>
       <c:spPr>
         <a:noFill/>
@@ -1710,7 +1722,7 @@
         <a:lstStyle/>
         <a:p>
           <a:pPr>
-            <a:defRPr sz="900" b="0" i="0" u="none" strike="noStrike" kern="1200" baseline="0">
+            <a:defRPr sz="1100" b="0" i="0" u="none" strike="noStrike" kern="1200" baseline="0">
               <a:solidFill>
                 <a:schemeClr val="tx1"/>
               </a:solidFill>
@@ -1739,7 +1751,7 @@
     <a:lstStyle/>
     <a:p>
       <a:pPr>
-        <a:defRPr>
+        <a:defRPr sz="1100">
           <a:solidFill>
             <a:schemeClr val="tx1"/>
           </a:solidFill>
@@ -1755,7 +1767,7 @@
 </file>
 
 <file path=ppt/charts/chart4.xml><?xml version="1.0" encoding="utf-8"?>
-<c:chartSpace xmlns:c="http://schemas.openxmlformats.org/drawingml/2006/chart" xmlns:a="http://schemas.openxmlformats.org/drawingml/2006/main" xmlns:r="http://schemas.openxmlformats.org/officeDocument/2006/relationships" xmlns:c16r2="http://schemas.microsoft.com/office/drawing/2015/06/chart">
+<c:chartSpace xmlns:c="http://schemas.openxmlformats.org/drawingml/2006/chart" xmlns:a="http://schemas.openxmlformats.org/drawingml/2006/main" xmlns:r="http://schemas.openxmlformats.org/officeDocument/2006/relationships">
   <c:date1904 val="0"/>
   <c:lang val="en-US"/>
   <c:roundedCorners val="0"/>
@@ -1775,7 +1787,7 @@
           <a:lstStyle/>
           <a:p>
             <a:pPr>
-              <a:defRPr sz="1400" b="0" i="0" u="none" strike="noStrike" kern="1200" spc="0" baseline="0">
+              <a:defRPr sz="1320" b="1" i="0" u="none" strike="noStrike" kern="1200" spc="0" baseline="0">
                 <a:solidFill>
                   <a:schemeClr val="tx1"/>
                 </a:solidFill>
@@ -1785,12 +1797,13 @@
               </a:defRPr>
             </a:pPr>
             <a:r>
-              <a:rPr lang="en-IN"/>
+              <a:rPr lang="en-IN" b="1"/>
               <a:t>% Active Base</a:t>
             </a:r>
           </a:p>
         </c:rich>
       </c:tx>
+      <c:layout/>
       <c:overlay val="0"/>
       <c:spPr>
         <a:noFill/>
@@ -1804,7 +1817,7 @@
         <a:lstStyle/>
         <a:p>
           <a:pPr>
-            <a:defRPr sz="1400" b="0" i="0" u="none" strike="noStrike" kern="1200" spc="0" baseline="0">
+            <a:defRPr sz="1320" b="1" i="0" u="none" strike="noStrike" kern="1200" spc="0" baseline="0">
               <a:solidFill>
                 <a:schemeClr val="tx1"/>
               </a:solidFill>
@@ -1829,7 +1842,7 @@
           <c:order val="0"/>
           <c:tx>
             <c:strRef>
-              <c:f>'Repeat Customer Deep Dive'!$B$56</c:f>
+              <c:f>'[LL QBR AMJ.xlsx]Repeat Customer Deep Dive'!$B$56</c:f>
               <c:strCache>
                 <c:ptCount val="1"/>
                 <c:pt idx="0">
@@ -1861,7 +1874,7 @@
               <a:lstStyle/>
               <a:p>
                 <a:pPr>
-                  <a:defRPr sz="900" b="0" i="0" u="none" strike="noStrike" kern="1200" baseline="0">
+                  <a:defRPr sz="1100" b="0" i="0" u="none" strike="noStrike" kern="1200" baseline="0">
                     <a:solidFill>
                       <a:schemeClr val="tx1"/>
                     </a:solidFill>
@@ -1881,8 +1894,9 @@
             <c:showPercent val="0"/>
             <c:showBubbleSize val="0"/>
             <c:showLeaderLines val="0"/>
-            <c:extLst>
+            <c:extLst xmlns:c16r2="http://schemas.microsoft.com/office/drawing/2015/06/chart">
               <c:ext xmlns:c15="http://schemas.microsoft.com/office/drawing/2012/chart" uri="{CE6537A1-D6FC-4f65-9D91-7224C49458BB}">
+                <c15:layout/>
                 <c15:showLeaderLines val="1"/>
                 <c15:leaderLines>
                   <c:spPr>
@@ -1903,7 +1917,7 @@
           </c:dLbls>
           <c:cat>
             <c:strRef>
-              <c:f>'Repeat Customer Deep Dive'!$A$57:$A$59</c:f>
+              <c:f>'[LL QBR AMJ.xlsx]Repeat Customer Deep Dive'!$A$57:$A$59</c:f>
               <c:strCache>
                 <c:ptCount val="3"/>
                 <c:pt idx="0">
@@ -1920,25 +1934,25 @@
           </c:cat>
           <c:val>
             <c:numRef>
-              <c:f>'Repeat Customer Deep Dive'!$B$57:$B$59</c:f>
+              <c:f>'[LL QBR AMJ.xlsx]Repeat Customer Deep Dive'!$B$57:$B$59</c:f>
               <c:numCache>
                 <c:formatCode>0.00%</c:formatCode>
                 <c:ptCount val="3"/>
                 <c:pt idx="0">
-                  <c:v>0.21099999999999999</c:v>
+                  <c:v>0.2051</c:v>
                 </c:pt>
                 <c:pt idx="1">
-                  <c:v>0.21659999999999999</c:v>
+                  <c:v>0.21229999999999999</c:v>
                 </c:pt>
                 <c:pt idx="2">
-                  <c:v>0.21010000000000001</c:v>
+                  <c:v>0.20569999999999999</c:v>
                 </c:pt>
               </c:numCache>
             </c:numRef>
           </c:val>
-          <c:extLst>
+          <c:extLst xmlns:c16r2="http://schemas.microsoft.com/office/drawing/2015/06/chart">
             <c:ext xmlns:c16="http://schemas.microsoft.com/office/drawing/2014/chart" uri="{C3380CC4-5D6E-409C-BE32-E72D297353CC}">
-              <c16:uniqueId val="{00000000-B38C-42F4-870F-F0D0949A97E6}"/>
+              <c16:uniqueId val="{00000000-27C1-424E-AE6F-BE297C0D192C}"/>
             </c:ext>
           </c:extLst>
         </c:ser>
@@ -1947,7 +1961,7 @@
           <c:order val="1"/>
           <c:tx>
             <c:strRef>
-              <c:f>'Repeat Customer Deep Dive'!$C$56</c:f>
+              <c:f>'[LL QBR AMJ.xlsx]Repeat Customer Deep Dive'!$C$56</c:f>
               <c:strCache>
                 <c:ptCount val="1"/>
                 <c:pt idx="0">
@@ -1979,7 +1993,7 @@
               <a:lstStyle/>
               <a:p>
                 <a:pPr>
-                  <a:defRPr sz="900" b="0" i="0" u="none" strike="noStrike" kern="1200" baseline="0">
+                  <a:defRPr sz="1100" b="0" i="0" u="none" strike="noStrike" kern="1200" baseline="0">
                     <a:solidFill>
                       <a:schemeClr val="tx1"/>
                     </a:solidFill>
@@ -1999,8 +2013,9 @@
             <c:showPercent val="0"/>
             <c:showBubbleSize val="0"/>
             <c:showLeaderLines val="0"/>
-            <c:extLst>
+            <c:extLst xmlns:c16r2="http://schemas.microsoft.com/office/drawing/2015/06/chart">
               <c:ext xmlns:c15="http://schemas.microsoft.com/office/drawing/2012/chart" uri="{CE6537A1-D6FC-4f65-9D91-7224C49458BB}">
+                <c15:layout/>
                 <c15:showLeaderLines val="1"/>
                 <c15:leaderLines>
                   <c:spPr>
@@ -2021,7 +2036,7 @@
           </c:dLbls>
           <c:cat>
             <c:strRef>
-              <c:f>'Repeat Customer Deep Dive'!$A$57:$A$59</c:f>
+              <c:f>'[LL QBR AMJ.xlsx]Repeat Customer Deep Dive'!$A$57:$A$59</c:f>
               <c:strCache>
                 <c:ptCount val="3"/>
                 <c:pt idx="0">
@@ -2038,25 +2053,25 @@
           </c:cat>
           <c:val>
             <c:numRef>
-              <c:f>'Repeat Customer Deep Dive'!$C$57:$C$59</c:f>
+              <c:f>'[LL QBR AMJ.xlsx]Repeat Customer Deep Dive'!$C$57:$C$59</c:f>
               <c:numCache>
                 <c:formatCode>0.00%</c:formatCode>
                 <c:ptCount val="3"/>
                 <c:pt idx="0">
-                  <c:v>0.19040000000000001</c:v>
+                  <c:v>0.1918</c:v>
                 </c:pt>
                 <c:pt idx="1">
-                  <c:v>0.18010000000000001</c:v>
+                  <c:v>0.18290000000000001</c:v>
                 </c:pt>
                 <c:pt idx="2">
-                  <c:v>0.1704</c:v>
+                  <c:v>0.1699</c:v>
                 </c:pt>
               </c:numCache>
             </c:numRef>
           </c:val>
-          <c:extLst>
+          <c:extLst xmlns:c16r2="http://schemas.microsoft.com/office/drawing/2015/06/chart">
             <c:ext xmlns:c16="http://schemas.microsoft.com/office/drawing/2014/chart" uri="{C3380CC4-5D6E-409C-BE32-E72D297353CC}">
-              <c16:uniqueId val="{00000001-B38C-42F4-870F-F0D0949A97E6}"/>
+              <c16:uniqueId val="{00000001-27C1-424E-AE6F-BE297C0D192C}"/>
             </c:ext>
           </c:extLst>
         </c:ser>
@@ -2071,11 +2086,11 @@
         </c:dLbls>
         <c:gapWidth val="219"/>
         <c:overlap val="-27"/>
-        <c:axId val="1248345151"/>
-        <c:axId val="1248347231"/>
+        <c:axId val="-236440544"/>
+        <c:axId val="-236434560"/>
       </c:barChart>
       <c:catAx>
-        <c:axId val="1248345151"/>
+        <c:axId val="-236440544"/>
         <c:scaling>
           <c:orientation val="minMax"/>
         </c:scaling>
@@ -2103,7 +2118,7 @@
           <a:lstStyle/>
           <a:p>
             <a:pPr>
-              <a:defRPr sz="900" b="0" i="0" u="none" strike="noStrike" kern="1200" baseline="0">
+              <a:defRPr sz="1100" b="0" i="0" u="none" strike="noStrike" kern="1200" baseline="0">
                 <a:solidFill>
                   <a:schemeClr val="tx1"/>
                 </a:solidFill>
@@ -2115,7 +2130,7 @@
             <a:endParaRPr lang="en-US"/>
           </a:p>
         </c:txPr>
-        <c:crossAx val="1248347231"/>
+        <c:crossAx val="-236434560"/>
         <c:crosses val="autoZero"/>
         <c:auto val="1"/>
         <c:lblAlgn val="ctr"/>
@@ -2123,7 +2138,7 @@
         <c:noMultiLvlLbl val="0"/>
       </c:catAx>
       <c:valAx>
-        <c:axId val="1248347231"/>
+        <c:axId val="-236434560"/>
         <c:scaling>
           <c:orientation val="minMax"/>
         </c:scaling>
@@ -2159,7 +2174,7 @@
           <a:lstStyle/>
           <a:p>
             <a:pPr>
-              <a:defRPr sz="900" b="0" i="0" u="none" strike="noStrike" kern="1200" baseline="0">
+              <a:defRPr sz="1100" b="0" i="0" u="none" strike="noStrike" kern="1200" baseline="0">
                 <a:solidFill>
                   <a:schemeClr val="tx1"/>
                 </a:solidFill>
@@ -2171,7 +2186,7 @@
             <a:endParaRPr lang="en-US"/>
           </a:p>
         </c:txPr>
-        <c:crossAx val="1248345151"/>
+        <c:crossAx val="-236440544"/>
         <c:crosses val="autoZero"/>
         <c:crossBetween val="between"/>
       </c:valAx>
@@ -2185,6 +2200,7 @@
     </c:plotArea>
     <c:legend>
       <c:legendPos val="b"/>
+      <c:layout/>
       <c:overlay val="0"/>
       <c:spPr>
         <a:noFill/>
@@ -2198,7 +2214,7 @@
         <a:lstStyle/>
         <a:p>
           <a:pPr>
-            <a:defRPr sz="900" b="0" i="0" u="none" strike="noStrike" kern="1200" baseline="0">
+            <a:defRPr sz="1100" b="0" i="0" u="none" strike="noStrike" kern="1200" baseline="0">
               <a:solidFill>
                 <a:schemeClr val="tx1"/>
               </a:solidFill>
@@ -2227,7 +2243,7 @@
     <a:lstStyle/>
     <a:p>
       <a:pPr>
-        <a:defRPr>
+        <a:defRPr sz="1100">
           <a:solidFill>
             <a:schemeClr val="tx1"/>
           </a:solidFill>
@@ -2243,7 +2259,7 @@
 </file>
 
 <file path=ppt/charts/chart5.xml><?xml version="1.0" encoding="utf-8"?>
-<c:chartSpace xmlns:c="http://schemas.openxmlformats.org/drawingml/2006/chart" xmlns:a="http://schemas.openxmlformats.org/drawingml/2006/main" xmlns:r="http://schemas.openxmlformats.org/officeDocument/2006/relationships" xmlns:c16r2="http://schemas.microsoft.com/office/drawing/2015/06/chart">
+<c:chartSpace xmlns:c="http://schemas.openxmlformats.org/drawingml/2006/chart" xmlns:a="http://schemas.openxmlformats.org/drawingml/2006/main" xmlns:r="http://schemas.openxmlformats.org/officeDocument/2006/relationships">
   <c:date1904 val="0"/>
   <c:lang val="en-US"/>
   <c:roundedCorners val="0"/>
@@ -2263,7 +2279,7 @@
           <a:lstStyle/>
           <a:p>
             <a:pPr>
-              <a:defRPr sz="1320" b="0" i="0" u="none" strike="noStrike" kern="1200" spc="0" baseline="0">
+              <a:defRPr sz="1320" b="1" i="0" u="none" strike="noStrike" kern="1200" spc="0" baseline="0">
                 <a:solidFill>
                   <a:schemeClr val="tx1"/>
                 </a:solidFill>
@@ -2273,12 +2289,13 @@
               </a:defRPr>
             </a:pPr>
             <a:r>
-              <a:rPr lang="en-IN"/>
+              <a:rPr lang="en-IN" b="1"/>
               <a:t>Repeat Customer Breakdown</a:t>
             </a:r>
           </a:p>
         </c:rich>
       </c:tx>
+      <c:layout/>
       <c:overlay val="0"/>
       <c:spPr>
         <a:noFill/>
@@ -2292,7 +2309,7 @@
         <a:lstStyle/>
         <a:p>
           <a:pPr>
-            <a:defRPr sz="1320" b="0" i="0" u="none" strike="noStrike" kern="1200" spc="0" baseline="0">
+            <a:defRPr sz="1320" b="1" i="0" u="none" strike="noStrike" kern="1200" spc="0" baseline="0">
               <a:solidFill>
                 <a:schemeClr val="tx1"/>
               </a:solidFill>
@@ -2307,7 +2324,17 @@
     </c:title>
     <c:autoTitleDeleted val="0"/>
     <c:plotArea>
-      <c:layout/>
+      <c:layout>
+        <c:manualLayout>
+          <c:layoutTarget val="inner"/>
+          <c:xMode val="edge"/>
+          <c:yMode val="edge"/>
+          <c:x val="7.2003664060607583E-2"/>
+          <c:y val="0.13623792806456114"/>
+          <c:w val="0.91266356374674129"/>
+          <c:h val="0.67063586263020736"/>
+        </c:manualLayout>
+      </c:layout>
       <c:barChart>
         <c:barDir val="col"/>
         <c:grouping val="clustered"/>
@@ -2369,8 +2396,9 @@
             <c:showPercent val="0"/>
             <c:showBubbleSize val="0"/>
             <c:showLeaderLines val="0"/>
-            <c:extLst>
+            <c:extLst xmlns:c16r2="http://schemas.microsoft.com/office/drawing/2015/06/chart">
               <c:ext xmlns:c15="http://schemas.microsoft.com/office/drawing/2012/chart" uri="{CE6537A1-D6FC-4f65-9D91-7224C49458BB}">
+                <c15:layout/>
                 <c15:showLeaderLines val="1"/>
                 <c15:leaderLines>
                   <c:spPr>
@@ -2413,20 +2441,20 @@
                 <c:formatCode>_ * #,##0_ ;_ * \-#,##0_ ;_ * "-"??_ ;_ @_ </c:formatCode>
                 <c:ptCount val="3"/>
                 <c:pt idx="0">
-                  <c:v>20597</c:v>
+                  <c:v>8114</c:v>
                 </c:pt>
                 <c:pt idx="1">
-                  <c:v>38850</c:v>
+                  <c:v>15213</c:v>
                 </c:pt>
                 <c:pt idx="2">
-                  <c:v>8349</c:v>
+                  <c:v>3791</c:v>
                 </c:pt>
               </c:numCache>
             </c:numRef>
           </c:val>
-          <c:extLst>
+          <c:extLst xmlns:c16r2="http://schemas.microsoft.com/office/drawing/2015/06/chart">
             <c:ext xmlns:c16="http://schemas.microsoft.com/office/drawing/2014/chart" uri="{C3380CC4-5D6E-409C-BE32-E72D297353CC}">
-              <c16:uniqueId val="{00000000-2C0B-4FCD-B3CA-6D51B4661E50}"/>
+              <c16:uniqueId val="{00000000-8897-45D1-9CC8-ACFB43C8E48F}"/>
             </c:ext>
           </c:extLst>
         </c:ser>
@@ -2446,7 +2474,7 @@
           </c:tx>
           <c:spPr>
             <a:solidFill>
-              <a:srgbClr val="FFC000"/>
+              <a:schemeClr val="accent4"/>
             </a:solidFill>
             <a:ln>
               <a:noFill/>
@@ -2487,8 +2515,9 @@
             <c:showPercent val="0"/>
             <c:showBubbleSize val="0"/>
             <c:showLeaderLines val="0"/>
-            <c:extLst>
+            <c:extLst xmlns:c16r2="http://schemas.microsoft.com/office/drawing/2015/06/chart">
               <c:ext xmlns:c15="http://schemas.microsoft.com/office/drawing/2012/chart" uri="{CE6537A1-D6FC-4f65-9D91-7224C49458BB}">
+                <c15:layout/>
                 <c15:showLeaderLines val="1"/>
                 <c15:leaderLines>
                   <c:spPr>
@@ -2531,20 +2560,20 @@
                 <c:formatCode>_ * #,##0_ ;_ * \-#,##0_ ;_ * "-"??_ ;_ @_ </c:formatCode>
                 <c:ptCount val="3"/>
                 <c:pt idx="0">
-                  <c:v>6867</c:v>
+                  <c:v>3008</c:v>
                 </c:pt>
                 <c:pt idx="1">
-                  <c:v>13721</c:v>
+                  <c:v>5913</c:v>
                 </c:pt>
                 <c:pt idx="2">
-                  <c:v>2598</c:v>
+                  <c:v>901</c:v>
                 </c:pt>
               </c:numCache>
             </c:numRef>
           </c:val>
-          <c:extLst>
+          <c:extLst xmlns:c16r2="http://schemas.microsoft.com/office/drawing/2015/06/chart">
             <c:ext xmlns:c16="http://schemas.microsoft.com/office/drawing/2014/chart" uri="{C3380CC4-5D6E-409C-BE32-E72D297353CC}">
-              <c16:uniqueId val="{00000001-2C0B-4FCD-B3CA-6D51B4661E50}"/>
+              <c16:uniqueId val="{00000001-8897-45D1-9CC8-ACFB43C8E48F}"/>
             </c:ext>
           </c:extLst>
         </c:ser>
@@ -2559,11 +2588,11 @@
         </c:dLbls>
         <c:gapWidth val="219"/>
         <c:overlap val="-27"/>
-        <c:axId val="1458782911"/>
-        <c:axId val="1458777087"/>
+        <c:axId val="-153779440"/>
+        <c:axId val="-153782704"/>
       </c:barChart>
       <c:catAx>
-        <c:axId val="1458782911"/>
+        <c:axId val="-153779440"/>
         <c:scaling>
           <c:orientation val="minMax"/>
         </c:scaling>
@@ -2603,7 +2632,7 @@
             <a:endParaRPr lang="en-US"/>
           </a:p>
         </c:txPr>
-        <c:crossAx val="1458777087"/>
+        <c:crossAx val="-153782704"/>
         <c:crosses val="autoZero"/>
         <c:auto val="1"/>
         <c:lblAlgn val="ctr"/>
@@ -2611,12 +2640,26 @@
         <c:noMultiLvlLbl val="0"/>
       </c:catAx>
       <c:valAx>
-        <c:axId val="1458777087"/>
+        <c:axId val="-153782704"/>
         <c:scaling>
           <c:orientation val="minMax"/>
         </c:scaling>
         <c:delete val="0"/>
         <c:axPos val="l"/>
+        <c:majorGridlines>
+          <c:spPr>
+            <a:ln w="9525" cap="flat" cmpd="sng" algn="ctr">
+              <a:solidFill>
+                <a:schemeClr val="tx1">
+                  <a:lumMod val="15000"/>
+                  <a:lumOff val="85000"/>
+                </a:schemeClr>
+              </a:solidFill>
+              <a:round/>
+            </a:ln>
+            <a:effectLst/>
+          </c:spPr>
+        </c:majorGridlines>
         <c:numFmt formatCode="_ * #,##0_ ;_ * \-#,##0_ ;_ * &quot;-&quot;??_ ;_ @_ " sourceLinked="1"/>
         <c:majorTickMark val="none"/>
         <c:minorTickMark val="none"/>
@@ -2645,7 +2688,7 @@
             <a:endParaRPr lang="en-US"/>
           </a:p>
         </c:txPr>
-        <c:crossAx val="1458782911"/>
+        <c:crossAx val="-153779440"/>
         <c:crosses val="autoZero"/>
         <c:crossBetween val="between"/>
       </c:valAx>
@@ -2659,6 +2702,7 @@
     </c:plotArea>
     <c:legend>
       <c:legendPos val="b"/>
+      <c:layout/>
       <c:overlay val="0"/>
       <c:spPr>
         <a:noFill/>
@@ -2717,7 +2761,7 @@
 </file>
 
 <file path=ppt/charts/chart6.xml><?xml version="1.0" encoding="utf-8"?>
-<c:chartSpace xmlns:c="http://schemas.openxmlformats.org/drawingml/2006/chart" xmlns:a="http://schemas.openxmlformats.org/drawingml/2006/main" xmlns:r="http://schemas.openxmlformats.org/officeDocument/2006/relationships" xmlns:c16r2="http://schemas.microsoft.com/office/drawing/2015/06/chart">
+<c:chartSpace xmlns:c="http://schemas.openxmlformats.org/drawingml/2006/chart" xmlns:a="http://schemas.openxmlformats.org/drawingml/2006/main" xmlns:r="http://schemas.openxmlformats.org/officeDocument/2006/relationships">
   <c:date1904 val="0"/>
   <c:lang val="en-US"/>
   <c:roundedCorners val="0"/>
@@ -2737,12 +2781,9 @@
           <a:lstStyle/>
           <a:p>
             <a:pPr>
-              <a:defRPr sz="1440" b="0" i="0" u="none" strike="noStrike" kern="1200" spc="0" baseline="0">
+              <a:defRPr sz="1400" b="1" i="0" u="none" strike="noStrike" kern="1200" spc="0" baseline="0">
                 <a:solidFill>
-                  <a:schemeClr val="tx1">
-                    <a:lumMod val="65000"/>
-                    <a:lumOff val="35000"/>
-                  </a:schemeClr>
+                  <a:schemeClr val="tx1"/>
                 </a:solidFill>
                 <a:latin typeface="+mn-lt"/>
                 <a:ea typeface="+mn-ea"/>
@@ -2750,12 +2791,13 @@
               </a:defRPr>
             </a:pPr>
             <a:r>
-              <a:rPr lang="en-IN"/>
+              <a:rPr lang="en-IN" sz="1400" b="1"/>
               <a:t>Top Ten Purchased By People In their Second Visit</a:t>
             </a:r>
           </a:p>
         </c:rich>
       </c:tx>
+      <c:layout/>
       <c:overlay val="0"/>
       <c:spPr>
         <a:noFill/>
@@ -2769,12 +2811,9 @@
         <a:lstStyle/>
         <a:p>
           <a:pPr>
-            <a:defRPr sz="1440" b="0" i="0" u="none" strike="noStrike" kern="1200" spc="0" baseline="0">
+            <a:defRPr sz="1400" b="1" i="0" u="none" strike="noStrike" kern="1200" spc="0" baseline="0">
               <a:solidFill>
-                <a:schemeClr val="tx1">
-                  <a:lumMod val="65000"/>
-                  <a:lumOff val="35000"/>
-                </a:schemeClr>
+                <a:schemeClr val="tx1"/>
               </a:solidFill>
               <a:latin typeface="+mn-lt"/>
               <a:ea typeface="+mn-ea"/>
@@ -2805,149 +2844,92 @@
             <a:effectLst/>
           </c:spPr>
           <c:invertIfNegative val="0"/>
-          <c:dLbls>
-            <c:spPr>
-              <a:noFill/>
-              <a:ln>
-                <a:noFill/>
-              </a:ln>
-              <a:effectLst/>
-            </c:spPr>
-            <c:txPr>
-              <a:bodyPr rot="0" spcFirstLastPara="1" vertOverflow="ellipsis" vert="horz" wrap="square" anchor="ctr" anchorCtr="1"/>
-              <a:lstStyle/>
-              <a:p>
-                <a:pPr>
-                  <a:defRPr sz="1200" b="0" i="0" u="none" strike="noStrike" kern="1200" baseline="0">
-                    <a:solidFill>
-                      <a:schemeClr val="tx1">
-                        <a:lumMod val="75000"/>
-                        <a:lumOff val="25000"/>
-                      </a:schemeClr>
-                    </a:solidFill>
-                    <a:latin typeface="+mn-lt"/>
-                    <a:ea typeface="+mn-ea"/>
-                    <a:cs typeface="+mn-cs"/>
-                  </a:defRPr>
-                </a:pPr>
-                <a:endParaRPr lang="en-US"/>
-              </a:p>
-            </c:txPr>
-            <c:dLblPos val="outEnd"/>
-            <c:showLegendKey val="0"/>
-            <c:showVal val="1"/>
-            <c:showCatName val="0"/>
-            <c:showSerName val="0"/>
-            <c:showPercent val="0"/>
-            <c:showBubbleSize val="0"/>
-            <c:showLeaderLines val="0"/>
-            <c:extLst>
-              <c:ext xmlns:c15="http://schemas.microsoft.com/office/drawing/2012/chart" uri="{CE6537A1-D6FC-4f65-9D91-7224C49458BB}">
-                <c15:showLeaderLines val="1"/>
-                <c15:leaderLines>
-                  <c:spPr>
-                    <a:ln w="9525" cap="flat" cmpd="sng" algn="ctr">
-                      <a:solidFill>
-                        <a:schemeClr val="tx1">
-                          <a:lumMod val="35000"/>
-                          <a:lumOff val="65000"/>
-                        </a:schemeClr>
-                      </a:solidFill>
-                      <a:round/>
-                    </a:ln>
-                    <a:effectLst/>
-                  </c:spPr>
-                </c15:leaderLines>
-              </c:ext>
-            </c:extLst>
-          </c:dLbls>
           <c:cat>
             <c:strRef>
-              <c:f>'Second Visit Study'!$A$3:$A$12</c:f>
+              <c:f>'[LL QBR AMJ.xlsx]Second Visit Study'!$A$3:$A$12</c:f>
               <c:strCache>
                 <c:ptCount val="10"/>
                 <c:pt idx="0">
-                  <c:v>SHIRT + UNCLASSIFIED</c:v>
+                  <c:v>Shirting + UNCLASSIFIED</c:v>
                 </c:pt>
                 <c:pt idx="1">
-                  <c:v>UNCLASSIFIED + Trousers</c:v>
+                  <c:v>UNCLASSIFIED + Suiting</c:v>
                 </c:pt>
                 <c:pt idx="2">
-                  <c:v>UNCLASSIFIED + Tie</c:v>
+                  <c:v>Shirting</c:v>
                 </c:pt>
                 <c:pt idx="3">
-                  <c:v>UNCLASSIFIED + Khakis</c:v>
+                  <c:v>Shirting + UNCLASSIFIED + Suiting</c:v>
                 </c:pt>
                 <c:pt idx="4">
-                  <c:v>UNCLASSIFIED + Jackets</c:v>
+                  <c:v>UNCLASSIFIED + Shirt</c:v>
                 </c:pt>
                 <c:pt idx="5">
-                  <c:v>UNCLASSIFIED + Suits</c:v>
+                  <c:v>Suiting</c:v>
                 </c:pt>
                 <c:pt idx="6">
-                  <c:v>Innerwear - Trunk + UNCLASSIFIED</c:v>
+                  <c:v>Shirt</c:v>
                 </c:pt>
                 <c:pt idx="7">
-                  <c:v>SHIRT + UNCLASSIFIED + Trousers</c:v>
+                  <c:v>UNCLASSIFIED + Combo</c:v>
                 </c:pt>
                 <c:pt idx="8">
-                  <c:v>UNCLASSIFIED + Footwear - Sandals</c:v>
+                  <c:v>Shirting + Suiting</c:v>
                 </c:pt>
                 <c:pt idx="9">
-                  <c:v>Jackets</c:v>
+                  <c:v>Stitch + UNCLASSIFIED</c:v>
                 </c:pt>
               </c:strCache>
             </c:strRef>
           </c:cat>
           <c:val>
             <c:numRef>
-              <c:f>'Second Visit Study'!$D$3:$D$12</c:f>
+              <c:f>'[LL QBR AMJ.xlsx]Second Visit Study'!$D$3:$D$12</c:f>
               <c:numCache>
                 <c:formatCode>0.0%</c:formatCode>
                 <c:ptCount val="10"/>
                 <c:pt idx="0">
-                  <c:v>8.0307204832919629E-2</c:v>
+                  <c:v>0.62616794829109246</c:v>
                 </c:pt>
                 <c:pt idx="1">
-                  <c:v>5.0198542438408024E-2</c:v>
+                  <c:v>0.15772241451569841</c:v>
                 </c:pt>
                 <c:pt idx="2">
-                  <c:v>3.4438495053238975E-2</c:v>
+                  <c:v>9.3042419059124887E-2</c:v>
                 </c:pt>
                 <c:pt idx="3">
-                  <c:v>2.4628658640477571E-2</c:v>
+                  <c:v>5.2449678709829493E-2</c:v>
                 </c:pt>
                 <c:pt idx="4">
-                  <c:v>2.4415230510263095E-2</c:v>
+                  <c:v>2.2817492806458957E-2</c:v>
                 </c:pt>
                 <c:pt idx="5">
-                  <c:v>2.2157300375610183E-2</c:v>
+                  <c:v>1.1576570609201959E-2</c:v>
                 </c:pt>
                 <c:pt idx="6">
-                  <c:v>1.3097204345996838E-2</c:v>
+                  <c:v>7.6983552482941722E-3</c:v>
                 </c:pt>
                 <c:pt idx="7">
-                  <c:v>1.1883134899764843E-2</c:v>
+                  <c:v>7.5642033492610578E-3</c:v>
                 </c:pt>
                 <c:pt idx="8">
-                  <c:v>1.0567545965756164E-2</c:v>
+                  <c:v>5.8493604970750439E-3</c:v>
                 </c:pt>
                 <c:pt idx="9">
-                  <c:v>7.9304233449346614E-3</c:v>
+                  <c:v>5.7231665156029891E-3</c:v>
                 </c:pt>
               </c:numCache>
             </c:numRef>
           </c:val>
-          <c:extLst>
+          <c:extLst xmlns:c16r2="http://schemas.microsoft.com/office/drawing/2015/06/chart">
             <c:ext xmlns:c16="http://schemas.microsoft.com/office/drawing/2014/chart" uri="{C3380CC4-5D6E-409C-BE32-E72D297353CC}">
-              <c16:uniqueId val="{00000000-283A-49DD-9100-11A7BA70BF5D}"/>
+              <c16:uniqueId val="{00000000-2F17-460C-BEEE-3DB5B6F9083B}"/>
             </c:ext>
           </c:extLst>
         </c:ser>
         <c:dLbls>
-          <c:dLblPos val="outEnd"/>
           <c:showLegendKey val="0"/>
-          <c:showVal val="1"/>
+          <c:showVal val="0"/>
           <c:showCatName val="0"/>
           <c:showSerName val="0"/>
           <c:showPercent val="0"/>
@@ -2955,11 +2937,11 @@
         </c:dLbls>
         <c:gapWidth val="219"/>
         <c:overlap val="-27"/>
-        <c:axId val="366859568"/>
-        <c:axId val="366878704"/>
+        <c:axId val="-236442176"/>
+        <c:axId val="-236432384"/>
       </c:barChart>
       <c:catAx>
-        <c:axId val="366859568"/>
+        <c:axId val="-236442176"/>
         <c:scaling>
           <c:orientation val="minMax"/>
         </c:scaling>
@@ -2987,12 +2969,9 @@
           <a:lstStyle/>
           <a:p>
             <a:pPr>
-              <a:defRPr sz="1200" b="0" i="0" u="none" strike="noStrike" kern="1200" baseline="0">
+              <a:defRPr sz="1100" b="0" i="0" u="none" strike="noStrike" kern="1200" baseline="0">
                 <a:solidFill>
-                  <a:schemeClr val="tx1">
-                    <a:lumMod val="65000"/>
-                    <a:lumOff val="35000"/>
-                  </a:schemeClr>
+                  <a:schemeClr val="tx1"/>
                 </a:solidFill>
                 <a:latin typeface="+mn-lt"/>
                 <a:ea typeface="+mn-ea"/>
@@ -3002,21 +2981,35 @@
             <a:endParaRPr lang="en-US"/>
           </a:p>
         </c:txPr>
-        <c:crossAx val="366878704"/>
+        <c:crossAx val="-236432384"/>
         <c:crosses val="autoZero"/>
-        <c:auto val="0"/>
+        <c:auto val="1"/>
         <c:lblAlgn val="ctr"/>
         <c:lblOffset val="100"/>
         <c:noMultiLvlLbl val="0"/>
       </c:catAx>
       <c:valAx>
-        <c:axId val="366878704"/>
+        <c:axId val="-236432384"/>
         <c:scaling>
           <c:orientation val="minMax"/>
         </c:scaling>
         <c:delete val="0"/>
         <c:axPos val="l"/>
-        <c:numFmt formatCode="0%" sourceLinked="0"/>
+        <c:majorGridlines>
+          <c:spPr>
+            <a:ln w="9525" cap="flat" cmpd="sng" algn="ctr">
+              <a:solidFill>
+                <a:schemeClr val="tx1">
+                  <a:lumMod val="15000"/>
+                  <a:lumOff val="85000"/>
+                </a:schemeClr>
+              </a:solidFill>
+              <a:round/>
+            </a:ln>
+            <a:effectLst/>
+          </c:spPr>
+        </c:majorGridlines>
+        <c:numFmt formatCode="0.0%" sourceLinked="1"/>
         <c:majorTickMark val="none"/>
         <c:minorTickMark val="none"/>
         <c:tickLblPos val="nextTo"/>
@@ -3032,12 +3025,9 @@
           <a:lstStyle/>
           <a:p>
             <a:pPr>
-              <a:defRPr sz="1200" b="0" i="0" u="none" strike="noStrike" kern="1200" baseline="0">
+              <a:defRPr sz="1100" b="0" i="0" u="none" strike="noStrike" kern="1200" baseline="0">
                 <a:solidFill>
-                  <a:schemeClr val="tx1">
-                    <a:lumMod val="65000"/>
-                    <a:lumOff val="35000"/>
-                  </a:schemeClr>
+                  <a:schemeClr val="tx1"/>
                 </a:solidFill>
                 <a:latin typeface="+mn-lt"/>
                 <a:ea typeface="+mn-ea"/>
@@ -3047,7 +3037,7 @@
             <a:endParaRPr lang="en-US"/>
           </a:p>
         </c:txPr>
-        <c:crossAx val="366859568"/>
+        <c:crossAx val="-236442176"/>
         <c:crosses val="autoZero"/>
         <c:crossBetween val="between"/>
       </c:valAx>
@@ -3075,8 +3065,10 @@
     <a:lstStyle/>
     <a:p>
       <a:pPr>
-        <a:defRPr sz="1200">
-          <a:latin typeface="+mn-lt"/>
+        <a:defRPr sz="1100">
+          <a:solidFill>
+            <a:schemeClr val="tx1"/>
+          </a:solidFill>
         </a:defRPr>
       </a:pPr>
       <a:endParaRPr lang="en-US"/>
@@ -3089,7 +3081,7 @@
 </file>
 
 <file path=ppt/charts/chart7.xml><?xml version="1.0" encoding="utf-8"?>
-<c:chartSpace xmlns:c="http://schemas.openxmlformats.org/drawingml/2006/chart" xmlns:a="http://schemas.openxmlformats.org/drawingml/2006/main" xmlns:r="http://schemas.openxmlformats.org/officeDocument/2006/relationships" xmlns:c16r2="http://schemas.microsoft.com/office/drawing/2015/06/chart">
+<c:chartSpace xmlns:c="http://schemas.openxmlformats.org/drawingml/2006/chart" xmlns:a="http://schemas.openxmlformats.org/drawingml/2006/main" xmlns:r="http://schemas.openxmlformats.org/officeDocument/2006/relationships">
   <c:date1904 val="0"/>
   <c:lang val="en-US"/>
   <c:roundedCorners val="0"/>
@@ -3108,13 +3100,10 @@
           <a:bodyPr rot="0" spcFirstLastPara="1" vertOverflow="ellipsis" vert="horz" wrap="square" anchor="ctr" anchorCtr="1"/>
           <a:lstStyle/>
           <a:p>
-            <a:pPr>
-              <a:defRPr sz="1800" b="0" i="0" u="none" strike="noStrike" kern="1200" spc="0" baseline="0">
+            <a:pPr algn="ctr" rtl="0">
+              <a:defRPr sz="1600" b="0" i="0" u="none" strike="noStrike" kern="1200" spc="0" baseline="0">
                 <a:solidFill>
-                  <a:schemeClr val="tx1">
-                    <a:lumMod val="65000"/>
-                    <a:lumOff val="35000"/>
-                  </a:schemeClr>
+                  <a:schemeClr val="tx1"/>
                 </a:solidFill>
                 <a:latin typeface="+mn-lt"/>
                 <a:ea typeface="+mn-ea"/>
@@ -3122,12 +3111,19 @@
               </a:defRPr>
             </a:pPr>
             <a:r>
-              <a:rPr lang="en-IN" sz="1800"/>
-              <a:t>Top 5 Formal Categories and % Contribution </a:t>
+              <a:rPr lang="en-IN" sz="1600"/>
+              <a:t>Shirting Categories &amp; % Contribution </a:t>
             </a:r>
+          </a:p>
+          <a:p>
+            <a:pPr algn="ctr" rtl="0">
+              <a:defRPr sz="1600"/>
+            </a:pPr>
+            <a:endParaRPr lang="en-IN" sz="1600"/>
           </a:p>
         </c:rich>
       </c:tx>
+      <c:layout/>
       <c:overlay val="0"/>
       <c:spPr>
         <a:noFill/>
@@ -3140,13 +3136,10 @@
         <a:bodyPr rot="0" spcFirstLastPara="1" vertOverflow="ellipsis" vert="horz" wrap="square" anchor="ctr" anchorCtr="1"/>
         <a:lstStyle/>
         <a:p>
-          <a:pPr>
-            <a:defRPr sz="1800" b="0" i="0" u="none" strike="noStrike" kern="1200" spc="0" baseline="0">
+          <a:pPr algn="ctr" rtl="0">
+            <a:defRPr sz="1600" b="0" i="0" u="none" strike="noStrike" kern="1200" spc="0" baseline="0">
               <a:solidFill>
-                <a:schemeClr val="tx1">
-                  <a:lumMod val="65000"/>
-                  <a:lumOff val="35000"/>
-                </a:schemeClr>
+                <a:schemeClr val="tx1"/>
               </a:solidFill>
               <a:latin typeface="+mn-lt"/>
               <a:ea typeface="+mn-ea"/>
@@ -3159,7 +3152,17 @@
     </c:title>
     <c:autoTitleDeleted val="0"/>
     <c:plotArea>
-      <c:layout/>
+      <c:layout>
+        <c:manualLayout>
+          <c:layoutTarget val="inner"/>
+          <c:xMode val="edge"/>
+          <c:yMode val="edge"/>
+          <c:x val="0.3431485712190453"/>
+          <c:y val="0.21012101773415701"/>
+          <c:w val="0.34458925026321713"/>
+          <c:h val="0.6287672111986804"/>
+        </c:manualLayout>
+      </c:layout>
       <c:pieChart>
         <c:varyColors val="1"/>
         <c:ser>
@@ -3179,11 +3182,6 @@
               </a:ln>
               <a:effectLst/>
             </c:spPr>
-            <c:extLst>
-              <c:ext xmlns:c16="http://schemas.microsoft.com/office/drawing/2014/chart" uri="{C3380CC4-5D6E-409C-BE32-E72D297353CC}">
-                <c16:uniqueId val="{00000001-2E14-4E2C-BBD3-A78B40D58121}"/>
-              </c:ext>
-            </c:extLst>
           </c:dPt>
           <c:dPt>
             <c:idx val="1"/>
@@ -3199,11 +3197,6 @@
               </a:ln>
               <a:effectLst/>
             </c:spPr>
-            <c:extLst>
-              <c:ext xmlns:c16="http://schemas.microsoft.com/office/drawing/2014/chart" uri="{C3380CC4-5D6E-409C-BE32-E72D297353CC}">
-                <c16:uniqueId val="{00000003-2E14-4E2C-BBD3-A78B40D58121}"/>
-              </c:ext>
-            </c:extLst>
           </c:dPt>
           <c:dPt>
             <c:idx val="2"/>
@@ -3219,11 +3212,6 @@
               </a:ln>
               <a:effectLst/>
             </c:spPr>
-            <c:extLst>
-              <c:ext xmlns:c16="http://schemas.microsoft.com/office/drawing/2014/chart" uri="{C3380CC4-5D6E-409C-BE32-E72D297353CC}">
-                <c16:uniqueId val="{00000005-2E14-4E2C-BBD3-A78B40D58121}"/>
-              </c:ext>
-            </c:extLst>
           </c:dPt>
           <c:dPt>
             <c:idx val="3"/>
@@ -3239,11 +3227,6 @@
               </a:ln>
               <a:effectLst/>
             </c:spPr>
-            <c:extLst>
-              <c:ext xmlns:c16="http://schemas.microsoft.com/office/drawing/2014/chart" uri="{C3380CC4-5D6E-409C-BE32-E72D297353CC}">
-                <c16:uniqueId val="{00000007-2E14-4E2C-BBD3-A78B40D58121}"/>
-              </c:ext>
-            </c:extLst>
           </c:dPt>
           <c:dPt>
             <c:idx val="4"/>
@@ -3259,13 +3242,149 @@
               </a:ln>
               <a:effectLst/>
             </c:spPr>
-            <c:extLst>
-              <c:ext xmlns:c16="http://schemas.microsoft.com/office/drawing/2014/chart" uri="{C3380CC4-5D6E-409C-BE32-E72D297353CC}">
-                <c16:uniqueId val="{00000009-2E14-4E2C-BBD3-A78B40D58121}"/>
-              </c:ext>
-            </c:extLst>
+          </c:dPt>
+          <c:dPt>
+            <c:idx val="5"/>
+            <c:bubble3D val="0"/>
+            <c:spPr>
+              <a:solidFill>
+                <a:schemeClr val="accent6"/>
+              </a:solidFill>
+              <a:ln w="19050">
+                <a:solidFill>
+                  <a:schemeClr val="lt1"/>
+                </a:solidFill>
+              </a:ln>
+              <a:effectLst/>
+            </c:spPr>
           </c:dPt>
           <c:dLbls>
+            <c:dLbl>
+              <c:idx val="0"/>
+              <c:layout>
+                <c:manualLayout>
+                  <c:x val="1.4958667234382635E-2"/>
+                  <c:y val="5.990807950058167E-4"/>
+                </c:manualLayout>
+              </c:layout>
+              <c:dLblPos val="bestFit"/>
+              <c:showLegendKey val="0"/>
+              <c:showVal val="1"/>
+              <c:showCatName val="0"/>
+              <c:showSerName val="0"/>
+              <c:showPercent val="0"/>
+              <c:showBubbleSize val="0"/>
+              <c:extLst>
+                <c:ext xmlns:c15="http://schemas.microsoft.com/office/drawing/2012/chart" uri="{CE6537A1-D6FC-4f65-9D91-7224C49458BB}">
+                  <c15:layout/>
+                </c:ext>
+              </c:extLst>
+            </c:dLbl>
+            <c:dLbl>
+              <c:idx val="1"/>
+              <c:layout>
+                <c:manualLayout>
+                  <c:x val="5.2542692814526747E-2"/>
+                  <c:y val="-5.0337465113357689E-2"/>
+                </c:manualLayout>
+              </c:layout>
+              <c:dLblPos val="bestFit"/>
+              <c:showLegendKey val="0"/>
+              <c:showVal val="1"/>
+              <c:showCatName val="0"/>
+              <c:showSerName val="0"/>
+              <c:showPercent val="0"/>
+              <c:showBubbleSize val="0"/>
+              <c:extLst>
+                <c:ext xmlns:c15="http://schemas.microsoft.com/office/drawing/2012/chart" uri="{CE6537A1-D6FC-4f65-9D91-7224C49458BB}">
+                  <c15:layout/>
+                </c:ext>
+              </c:extLst>
+            </c:dLbl>
+            <c:dLbl>
+              <c:idx val="2"/>
+              <c:layout>
+                <c:manualLayout>
+                  <c:x val="-2.6098159986650193E-3"/>
+                  <c:y val="-6.3273855363122269E-3"/>
+                </c:manualLayout>
+              </c:layout>
+              <c:dLblPos val="bestFit"/>
+              <c:showLegendKey val="0"/>
+              <c:showVal val="1"/>
+              <c:showCatName val="0"/>
+              <c:showSerName val="0"/>
+              <c:showPercent val="0"/>
+              <c:showBubbleSize val="0"/>
+              <c:extLst>
+                <c:ext xmlns:c15="http://schemas.microsoft.com/office/drawing/2012/chart" uri="{CE6537A1-D6FC-4f65-9D91-7224C49458BB}">
+                  <c15:layout/>
+                </c:ext>
+              </c:extLst>
+            </c:dLbl>
+            <c:dLbl>
+              <c:idx val="3"/>
+              <c:layout>
+                <c:manualLayout>
+                  <c:x val="-5.3210276656771548E-3"/>
+                  <c:y val="4.8418017073290224E-3"/>
+                </c:manualLayout>
+              </c:layout>
+              <c:dLblPos val="bestFit"/>
+              <c:showLegendKey val="0"/>
+              <c:showVal val="1"/>
+              <c:showCatName val="0"/>
+              <c:showSerName val="0"/>
+              <c:showPercent val="0"/>
+              <c:showBubbleSize val="0"/>
+              <c:extLst>
+                <c:ext xmlns:c15="http://schemas.microsoft.com/office/drawing/2012/chart" uri="{CE6537A1-D6FC-4f65-9D91-7224C49458BB}">
+                  <c15:layout/>
+                </c:ext>
+              </c:extLst>
+            </c:dLbl>
+            <c:dLbl>
+              <c:idx val="4"/>
+              <c:layout>
+                <c:manualLayout>
+                  <c:x val="4.3029552908708732E-3"/>
+                  <c:y val="-1.7579863785071174E-3"/>
+                </c:manualLayout>
+              </c:layout>
+              <c:dLblPos val="bestFit"/>
+              <c:showLegendKey val="0"/>
+              <c:showVal val="1"/>
+              <c:showCatName val="0"/>
+              <c:showSerName val="0"/>
+              <c:showPercent val="0"/>
+              <c:showBubbleSize val="0"/>
+              <c:extLst>
+                <c:ext xmlns:c15="http://schemas.microsoft.com/office/drawing/2012/chart" uri="{CE6537A1-D6FC-4f65-9D91-7224C49458BB}">
+                  <c15:layout/>
+                </c:ext>
+              </c:extLst>
+            </c:dLbl>
+            <c:dLbl>
+              <c:idx val="5"/>
+              <c:layout>
+                <c:manualLayout>
+                  <c:x val="2.5258558954285058E-2"/>
+                  <c:y val="-9.8798834472098879E-3"/>
+                </c:manualLayout>
+              </c:layout>
+              <c:dLblPos val="bestFit"/>
+              <c:showLegendKey val="0"/>
+              <c:showVal val="1"/>
+              <c:showCatName val="0"/>
+              <c:showSerName val="0"/>
+              <c:showPercent val="0"/>
+              <c:showBubbleSize val="0"/>
+              <c:extLst>
+                <c:ext xmlns:c15="http://schemas.microsoft.com/office/drawing/2012/chart" uri="{CE6537A1-D6FC-4f65-9D91-7224C49458BB}">
+                  <c15:layout/>
+                </c:ext>
+              </c:extLst>
+            </c:dLbl>
             <c:spPr>
               <a:noFill/>
               <a:ln>
@@ -3278,12 +3397,9 @@
               <a:lstStyle/>
               <a:p>
                 <a:pPr>
-                  <a:defRPr sz="1200" b="0" i="0" u="none" strike="noStrike" kern="1200" baseline="0">
+                  <a:defRPr sz="1100" b="0" i="0" u="none" strike="noStrike" kern="1200" baseline="0">
                     <a:solidFill>
-                      <a:schemeClr val="tx1">
-                        <a:lumMod val="75000"/>
-                        <a:lumOff val="25000"/>
-                      </a:schemeClr>
+                      <a:schemeClr val="tx1"/>
                     </a:solidFill>
                     <a:latin typeface="+mn-lt"/>
                     <a:ea typeface="+mn-ea"/>
@@ -3316,61 +3432,64 @@
               </c:spPr>
             </c:leaderLines>
             <c:extLst>
-              <c:ext xmlns:c15="http://schemas.microsoft.com/office/drawing/2012/chart" uri="{CE6537A1-D6FC-4f65-9D91-7224C49458BB}"/>
+              <c:ext xmlns:c15="http://schemas.microsoft.com/office/drawing/2012/chart" uri="{CE6537A1-D6FC-4f65-9D91-7224C49458BB}">
+                <c15:layout/>
+              </c:ext>
             </c:extLst>
           </c:dLbls>
           <c:cat>
             <c:strRef>
-              <c:f>'Category wise Sales'!$B$18:$B$22</c:f>
+              <c:f>'[LL QBR AMJ.xlsx]Category wise Sales'!$B$28:$B$33</c:f>
               <c:strCache>
-                <c:ptCount val="5"/>
+                <c:ptCount val="6"/>
                 <c:pt idx="0">
-                  <c:v>Jackets</c:v>
+                  <c:v>Chambray</c:v>
                 </c:pt>
                 <c:pt idx="1">
-                  <c:v>SHIRT</c:v>
+                  <c:v>Stripe</c:v>
                 </c:pt>
                 <c:pt idx="2">
-                  <c:v>Trousers</c:v>
+                  <c:v>Solid</c:v>
                 </c:pt>
                 <c:pt idx="3">
-                  <c:v>Suits</c:v>
+                  <c:v>Check</c:v>
                 </c:pt>
                 <c:pt idx="4">
-                  <c:v>Waist Coat</c:v>
+                  <c:v>Solid/Chambray</c:v>
+                </c:pt>
+                <c:pt idx="5">
+                  <c:v>Others</c:v>
                 </c:pt>
               </c:strCache>
             </c:strRef>
           </c:cat>
           <c:val>
             <c:numRef>
-              <c:f>'Category wise Sales'!$E$18:$E$22</c:f>
+              <c:f>'[LL QBR AMJ.xlsx]Category wise Sales'!$E$28:$E$33</c:f>
               <c:numCache>
                 <c:formatCode>0.0%</c:formatCode>
-                <c:ptCount val="5"/>
+                <c:ptCount val="6"/>
                 <c:pt idx="0">
-                  <c:v>0.4650900892377488</c:v>
+                  <c:v>0.31768745851857477</c:v>
                 </c:pt>
                 <c:pt idx="1">
-                  <c:v>0.31831235755560222</c:v>
+                  <c:v>0.23631984393633496</c:v>
                 </c:pt>
                 <c:pt idx="2">
-                  <c:v>0.1951455267075031</c:v>
+                  <c:v>0.19395878362250094</c:v>
                 </c:pt>
                 <c:pt idx="3">
-                  <c:v>1.71257636755449E-2</c:v>
+                  <c:v>0.12235504497039888</c:v>
                 </c:pt>
                 <c:pt idx="4">
-                  <c:v>4.3262628236008542E-3</c:v>
+                  <c:v>7.2904200457121843E-2</c:v>
+                </c:pt>
+                <c:pt idx="5">
+                  <c:v>5.6774668495068598E-2</c:v>
                 </c:pt>
               </c:numCache>
             </c:numRef>
           </c:val>
-          <c:extLst>
-            <c:ext xmlns:c16="http://schemas.microsoft.com/office/drawing/2014/chart" uri="{C3380CC4-5D6E-409C-BE32-E72D297353CC}">
-              <c16:uniqueId val="{0000000A-2E14-4E2C-BBD3-A78B40D58121}"/>
-            </c:ext>
-          </c:extLst>
         </c:ser>
         <c:dLbls>
           <c:dLblPos val="bestFit"/>
@@ -3394,6 +3513,7 @@
     </c:plotArea>
     <c:legend>
       <c:legendPos val="b"/>
+      <c:layout/>
       <c:overlay val="0"/>
       <c:spPr>
         <a:noFill/>
@@ -3407,12 +3527,9 @@
         <a:lstStyle/>
         <a:p>
           <a:pPr>
-            <a:defRPr sz="1200" b="0" i="0" u="none" strike="noStrike" kern="1200" baseline="0">
+            <a:defRPr sz="1100" b="0" i="0" u="none" strike="noStrike" kern="1200" baseline="0">
               <a:solidFill>
-                <a:schemeClr val="tx1">
-                  <a:lumMod val="65000"/>
-                  <a:lumOff val="35000"/>
-                </a:schemeClr>
+                <a:schemeClr val="tx1"/>
               </a:solidFill>
               <a:latin typeface="+mn-lt"/>
               <a:ea typeface="+mn-ea"/>
@@ -3439,7 +3556,11 @@
     <a:lstStyle/>
     <a:p>
       <a:pPr>
-        <a:defRPr sz="1200"/>
+        <a:defRPr sz="1100">
+          <a:solidFill>
+            <a:schemeClr val="tx1"/>
+          </a:solidFill>
+        </a:defRPr>
       </a:pPr>
       <a:endParaRPr lang="en-US"/>
     </a:p>
@@ -3451,7 +3572,7 @@
 </file>
 
 <file path=ppt/charts/chart8.xml><?xml version="1.0" encoding="utf-8"?>
-<c:chartSpace xmlns:c="http://schemas.openxmlformats.org/drawingml/2006/chart" xmlns:a="http://schemas.openxmlformats.org/drawingml/2006/main" xmlns:r="http://schemas.openxmlformats.org/officeDocument/2006/relationships" xmlns:c16r2="http://schemas.microsoft.com/office/drawing/2015/06/chart">
+<c:chartSpace xmlns:c="http://schemas.openxmlformats.org/drawingml/2006/chart" xmlns:a="http://schemas.openxmlformats.org/drawingml/2006/main" xmlns:r="http://schemas.openxmlformats.org/officeDocument/2006/relationships">
   <c:date1904 val="0"/>
   <c:lang val="en-US"/>
   <c:roundedCorners val="0"/>
@@ -3471,12 +3592,9 @@
           <a:lstStyle/>
           <a:p>
             <a:pPr>
-              <a:defRPr sz="1800" b="0" i="0" u="none" strike="noStrike" kern="1200" spc="0" baseline="0">
+              <a:defRPr sz="1600" b="0" i="0" u="none" strike="noStrike" kern="1200" spc="0" baseline="0">
                 <a:solidFill>
-                  <a:schemeClr val="tx1">
-                    <a:lumMod val="65000"/>
-                    <a:lumOff val="35000"/>
-                  </a:schemeClr>
+                  <a:schemeClr val="tx1"/>
                 </a:solidFill>
                 <a:latin typeface="+mn-lt"/>
                 <a:ea typeface="+mn-ea"/>
@@ -3484,12 +3602,13 @@
               </a:defRPr>
             </a:pPr>
             <a:r>
-              <a:rPr lang="en-IN" sz="1800"/>
-              <a:t>Top 5 Casuale Categories &amp; % Contribution </a:t>
+              <a:rPr lang="en-IN" sz="1600"/>
+              <a:t>Suiting Categories &amp; % Contribution </a:t>
             </a:r>
           </a:p>
         </c:rich>
       </c:tx>
+      <c:layout/>
       <c:overlay val="0"/>
       <c:spPr>
         <a:noFill/>
@@ -3503,12 +3622,9 @@
         <a:lstStyle/>
         <a:p>
           <a:pPr>
-            <a:defRPr sz="1800" b="0" i="0" u="none" strike="noStrike" kern="1200" spc="0" baseline="0">
+            <a:defRPr sz="1600" b="0" i="0" u="none" strike="noStrike" kern="1200" spc="0" baseline="0">
               <a:solidFill>
-                <a:schemeClr val="tx1">
-                  <a:lumMod val="65000"/>
-                  <a:lumOff val="35000"/>
-                </a:schemeClr>
+                <a:schemeClr val="tx1"/>
               </a:solidFill>
               <a:latin typeface="+mn-lt"/>
               <a:ea typeface="+mn-ea"/>
@@ -3521,7 +3637,17 @@
     </c:title>
     <c:autoTitleDeleted val="0"/>
     <c:plotArea>
-      <c:layout/>
+      <c:layout>
+        <c:manualLayout>
+          <c:layoutTarget val="inner"/>
+          <c:xMode val="edge"/>
+          <c:yMode val="edge"/>
+          <c:x val="0.3539508092990723"/>
+          <c:y val="0.17888445636195932"/>
+          <c:w val="0.3256016934812504"/>
+          <c:h val="0.66078014173548727"/>
+        </c:manualLayout>
+      </c:layout>
       <c:pieChart>
         <c:varyColors val="1"/>
         <c:ser>
@@ -3541,11 +3667,6 @@
               </a:ln>
               <a:effectLst/>
             </c:spPr>
-            <c:extLst>
-              <c:ext xmlns:c16="http://schemas.microsoft.com/office/drawing/2014/chart" uri="{C3380CC4-5D6E-409C-BE32-E72D297353CC}">
-                <c16:uniqueId val="{00000001-C7F5-4704-B580-1CE23B0A3E37}"/>
-              </c:ext>
-            </c:extLst>
           </c:dPt>
           <c:dPt>
             <c:idx val="1"/>
@@ -3561,11 +3682,6 @@
               </a:ln>
               <a:effectLst/>
             </c:spPr>
-            <c:extLst>
-              <c:ext xmlns:c16="http://schemas.microsoft.com/office/drawing/2014/chart" uri="{C3380CC4-5D6E-409C-BE32-E72D297353CC}">
-                <c16:uniqueId val="{00000003-C7F5-4704-B580-1CE23B0A3E37}"/>
-              </c:ext>
-            </c:extLst>
           </c:dPt>
           <c:dPt>
             <c:idx val="2"/>
@@ -3581,53 +3697,71 @@
               </a:ln>
               <a:effectLst/>
             </c:spPr>
-            <c:extLst>
-              <c:ext xmlns:c16="http://schemas.microsoft.com/office/drawing/2014/chart" uri="{C3380CC4-5D6E-409C-BE32-E72D297353CC}">
-                <c16:uniqueId val="{00000005-C7F5-4704-B580-1CE23B0A3E37}"/>
-              </c:ext>
-            </c:extLst>
-          </c:dPt>
-          <c:dPt>
-            <c:idx val="3"/>
-            <c:bubble3D val="0"/>
-            <c:spPr>
-              <a:solidFill>
-                <a:schemeClr val="accent4"/>
-              </a:solidFill>
-              <a:ln w="19050">
-                <a:solidFill>
-                  <a:schemeClr val="lt1"/>
-                </a:solidFill>
-              </a:ln>
-              <a:effectLst/>
-            </c:spPr>
-            <c:extLst>
-              <c:ext xmlns:c16="http://schemas.microsoft.com/office/drawing/2014/chart" uri="{C3380CC4-5D6E-409C-BE32-E72D297353CC}">
-                <c16:uniqueId val="{00000007-C7F5-4704-B580-1CE23B0A3E37}"/>
-              </c:ext>
-            </c:extLst>
-          </c:dPt>
-          <c:dPt>
-            <c:idx val="4"/>
-            <c:bubble3D val="0"/>
-            <c:spPr>
-              <a:solidFill>
-                <a:schemeClr val="accent5"/>
-              </a:solidFill>
-              <a:ln w="19050">
-                <a:solidFill>
-                  <a:schemeClr val="lt1"/>
-                </a:solidFill>
-              </a:ln>
-              <a:effectLst/>
-            </c:spPr>
-            <c:extLst>
-              <c:ext xmlns:c16="http://schemas.microsoft.com/office/drawing/2014/chart" uri="{C3380CC4-5D6E-409C-BE32-E72D297353CC}">
-                <c16:uniqueId val="{00000009-C7F5-4704-B580-1CE23B0A3E37}"/>
-              </c:ext>
-            </c:extLst>
           </c:dPt>
           <c:dLbls>
+            <c:dLbl>
+              <c:idx val="0"/>
+              <c:layout>
+                <c:manualLayout>
+                  <c:x val="1.2805501025261561E-2"/>
+                  <c:y val="-1.6173921955233858E-2"/>
+                </c:manualLayout>
+              </c:layout>
+              <c:dLblPos val="bestFit"/>
+              <c:showLegendKey val="0"/>
+              <c:showVal val="1"/>
+              <c:showCatName val="0"/>
+              <c:showSerName val="0"/>
+              <c:showPercent val="0"/>
+              <c:showBubbleSize val="0"/>
+              <c:extLst>
+                <c:ext xmlns:c15="http://schemas.microsoft.com/office/drawing/2012/chart" uri="{CE6537A1-D6FC-4f65-9D91-7224C49458BB}">
+                  <c15:layout/>
+                </c:ext>
+              </c:extLst>
+            </c:dLbl>
+            <c:dLbl>
+              <c:idx val="1"/>
+              <c:layout>
+                <c:manualLayout>
+                  <c:x val="-1.9170188157464813E-2"/>
+                  <c:y val="-4.476728978681551E-2"/>
+                </c:manualLayout>
+              </c:layout>
+              <c:dLblPos val="bestFit"/>
+              <c:showLegendKey val="0"/>
+              <c:showVal val="1"/>
+              <c:showCatName val="0"/>
+              <c:showSerName val="0"/>
+              <c:showPercent val="0"/>
+              <c:showBubbleSize val="0"/>
+              <c:extLst>
+                <c:ext xmlns:c15="http://schemas.microsoft.com/office/drawing/2012/chart" uri="{CE6537A1-D6FC-4f65-9D91-7224C49458BB}">
+                  <c15:layout/>
+                </c:ext>
+              </c:extLst>
+            </c:dLbl>
+            <c:dLbl>
+              <c:idx val="2"/>
+              <c:layout>
+                <c:manualLayout>
+                  <c:x val="-1.4157881625901791E-2"/>
+                  <c:y val="1.0365153200061797E-2"/>
+                </c:manualLayout>
+              </c:layout>
+              <c:dLblPos val="bestFit"/>
+              <c:showLegendKey val="0"/>
+              <c:showVal val="1"/>
+              <c:showCatName val="0"/>
+              <c:showSerName val="0"/>
+              <c:showPercent val="0"/>
+              <c:showBubbleSize val="0"/>
+              <c:extLst>
+                <c:ext xmlns:c15="http://schemas.microsoft.com/office/drawing/2012/chart" uri="{CE6537A1-D6FC-4f65-9D91-7224C49458BB}">
+                  <c15:layout/>
+                </c:ext>
+              </c:extLst>
+            </c:dLbl>
             <c:spPr>
               <a:noFill/>
               <a:ln>
@@ -3640,12 +3774,9 @@
               <a:lstStyle/>
               <a:p>
                 <a:pPr>
-                  <a:defRPr sz="1200" b="0" i="0" u="none" strike="noStrike" kern="1200" baseline="0">
+                  <a:defRPr sz="1100" b="0" i="0" u="none" strike="noStrike" kern="1200" baseline="0">
                     <a:solidFill>
-                      <a:schemeClr val="tx1">
-                        <a:lumMod val="75000"/>
-                        <a:lumOff val="25000"/>
-                      </a:schemeClr>
+                      <a:schemeClr val="tx1"/>
                     </a:solidFill>
                     <a:latin typeface="+mn-lt"/>
                     <a:ea typeface="+mn-ea"/>
@@ -3678,61 +3809,46 @@
               </c:spPr>
             </c:leaderLines>
             <c:extLst>
-              <c:ext xmlns:c15="http://schemas.microsoft.com/office/drawing/2012/chart" uri="{CE6537A1-D6FC-4f65-9D91-7224C49458BB}"/>
+              <c:ext xmlns:c15="http://schemas.microsoft.com/office/drawing/2012/chart" uri="{CE6537A1-D6FC-4f65-9D91-7224C49458BB}">
+                <c15:layout/>
+              </c:ext>
             </c:extLst>
           </c:dLbls>
           <c:cat>
             <c:strRef>
-              <c:f>'Category wise Sales'!$B$35:$B$52</c:f>
+              <c:f>'[LL QBR AMJ.xlsx]Category wise Sales'!$B$37:$B$39</c:f>
               <c:strCache>
-                <c:ptCount val="5"/>
+                <c:ptCount val="3"/>
                 <c:pt idx="0">
-                  <c:v>Khakis</c:v>
+                  <c:v>Chambray</c:v>
                 </c:pt>
                 <c:pt idx="1">
-                  <c:v>SHIRT</c:v>
+                  <c:v>Solid</c:v>
                 </c:pt>
                 <c:pt idx="2">
-                  <c:v>Sweat-Shirt</c:v>
-                </c:pt>
-                <c:pt idx="3">
-                  <c:v>Jackets</c:v>
-                </c:pt>
-                <c:pt idx="4">
-                  <c:v>T Shirt</c:v>
+                  <c:v>Check</c:v>
                 </c:pt>
               </c:strCache>
             </c:strRef>
           </c:cat>
           <c:val>
             <c:numRef>
-              <c:f>'Category wise Sales'!$E$35:$E$52</c:f>
+              <c:f>'[LL QBR AMJ.xlsx]Category wise Sales'!$E$37:$E$39</c:f>
               <c:numCache>
                 <c:formatCode>0.0%</c:formatCode>
-                <c:ptCount val="5"/>
+                <c:ptCount val="3"/>
                 <c:pt idx="0">
-                  <c:v>0.20123209274142945</c:v>
+                  <c:v>0.56861718734885203</c:v>
                 </c:pt>
                 <c:pt idx="1">
-                  <c:v>5.8916205034877739E-2</c:v>
+                  <c:v>0.27919588530889522</c:v>
                 </c:pt>
                 <c:pt idx="2">
-                  <c:v>2.8051408914736529E-2</c:v>
-                </c:pt>
-                <c:pt idx="3">
-                  <c:v>3.0673426845943975E-2</c:v>
-                </c:pt>
-                <c:pt idx="4">
-                  <c:v>4.3611044859299805E-3</c:v>
+                  <c:v>0.15218692734225273</c:v>
                 </c:pt>
               </c:numCache>
             </c:numRef>
           </c:val>
-          <c:extLst>
-            <c:ext xmlns:c16="http://schemas.microsoft.com/office/drawing/2014/chart" uri="{C3380CC4-5D6E-409C-BE32-E72D297353CC}">
-              <c16:uniqueId val="{0000000A-C7F5-4704-B580-1CE23B0A3E37}"/>
-            </c:ext>
-          </c:extLst>
         </c:ser>
         <c:dLbls>
           <c:dLblPos val="bestFit"/>
@@ -3756,6 +3872,7 @@
     </c:plotArea>
     <c:legend>
       <c:legendPos val="b"/>
+      <c:layout/>
       <c:overlay val="0"/>
       <c:spPr>
         <a:noFill/>
@@ -3769,12 +3886,9 @@
         <a:lstStyle/>
         <a:p>
           <a:pPr>
-            <a:defRPr sz="1200" b="0" i="0" u="none" strike="noStrike" kern="1200" baseline="0">
+            <a:defRPr sz="1100" b="0" i="0" u="none" strike="noStrike" kern="1200" baseline="0">
               <a:solidFill>
-                <a:schemeClr val="tx1">
-                  <a:lumMod val="65000"/>
-                  <a:lumOff val="35000"/>
-                </a:schemeClr>
+                <a:schemeClr val="tx1"/>
               </a:solidFill>
               <a:latin typeface="+mn-lt"/>
               <a:ea typeface="+mn-ea"/>
@@ -3801,7 +3915,11 @@
     <a:lstStyle/>
     <a:p>
       <a:pPr>
-        <a:defRPr sz="1200"/>
+        <a:defRPr sz="1100">
+          <a:solidFill>
+            <a:schemeClr val="tx1"/>
+          </a:solidFill>
+        </a:defRPr>
       </a:pPr>
       <a:endParaRPr lang="en-US"/>
     </a:p>
@@ -3961,12 +4079,9 @@
 </file>
 
 <file path=ppt/charts/colors5.xml><?xml version="1.0" encoding="utf-8"?>
-<cs:colorStyle xmlns:cs="http://schemas.microsoft.com/office/drawing/2012/chartStyle" xmlns:a="http://schemas.openxmlformats.org/drawingml/2006/main" meth="cycle" id="10">
-  <a:schemeClr val="accent1"/>
+<cs:colorStyle xmlns:cs="http://schemas.microsoft.com/office/drawing/2012/chartStyle" xmlns:a="http://schemas.openxmlformats.org/drawingml/2006/main" meth="cycle" id="12">
   <a:schemeClr val="accent2"/>
-  <a:schemeClr val="accent3"/>
   <a:schemeClr val="accent4"/>
-  <a:schemeClr val="accent5"/>
   <a:schemeClr val="accent6"/>
   <cs:variation/>
   <cs:variation>
@@ -4001,9 +4116,12 @@
 </file>
 
 <file path=ppt/charts/colors6.xml><?xml version="1.0" encoding="utf-8"?>
-<cs:colorStyle xmlns:cs="http://schemas.microsoft.com/office/drawing/2012/chartStyle" xmlns:a="http://schemas.openxmlformats.org/drawingml/2006/main" meth="cycle" id="12">
+<cs:colorStyle xmlns:cs="http://schemas.microsoft.com/office/drawing/2012/chartStyle" xmlns:a="http://schemas.openxmlformats.org/drawingml/2006/main" meth="cycle" id="10">
+  <a:schemeClr val="accent1"/>
   <a:schemeClr val="accent2"/>
+  <a:schemeClr val="accent3"/>
   <a:schemeClr val="accent4"/>
+  <a:schemeClr val="accent5"/>
   <a:schemeClr val="accent6"/>
   <cs:variation/>
   <cs:variation>
@@ -8255,7 +8373,7 @@
           <a:p>
             <a:fld id="{9E997AA6-01F9-4D2C-91E3-24F68242FFE3}" type="datetimeFigureOut">
               <a:rPr lang="en-IN" smtClean="0"/>
-              <a:t>25-07-2022</a:t>
+              <a:t>09-08-2022</a:t>
             </a:fld>
             <a:endParaRPr lang="en-IN"/>
           </a:p>
@@ -8716,7 +8834,7 @@
           <p:cNvPr id="2" name="Title Placeholder 1">
             <a:extLst>
               <a:ext uri="{FF2B5EF4-FFF2-40B4-BE49-F238E27FC236}">
-                <a16:creationId xmlns:a16="http://schemas.microsoft.com/office/drawing/2014/main" id="{230A2DA0-F7A9-2F4E-ADD0-6E603FF645EC}"/>
+                <a16:creationId xmlns:a16="http://schemas.microsoft.com/office/drawing/2014/main" xmlns="" id="{230A2DA0-F7A9-2F4E-ADD0-6E603FF645EC}"/>
               </a:ext>
             </a:extLst>
           </p:cNvPr>
@@ -8759,7 +8877,7 @@
           <p:cNvPr id="4" name="Text Placeholder 3">
             <a:extLst>
               <a:ext uri="{FF2B5EF4-FFF2-40B4-BE49-F238E27FC236}">
-                <a16:creationId xmlns:a16="http://schemas.microsoft.com/office/drawing/2014/main" id="{35B75447-E226-784A-BB7C-0732BCB84D74}"/>
+                <a16:creationId xmlns:a16="http://schemas.microsoft.com/office/drawing/2014/main" xmlns="" id="{35B75447-E226-784A-BB7C-0732BCB84D74}"/>
               </a:ext>
             </a:extLst>
           </p:cNvPr>
@@ -8806,7 +8924,7 @@
           <p:cNvPr id="5" name="Picture 4">
             <a:extLst>
               <a:ext uri="{FF2B5EF4-FFF2-40B4-BE49-F238E27FC236}">
-                <a16:creationId xmlns:a16="http://schemas.microsoft.com/office/drawing/2014/main" id="{F1CE89F4-8CB0-7C4D-83CC-74087DA0B926}"/>
+                <a16:creationId xmlns:a16="http://schemas.microsoft.com/office/drawing/2014/main" xmlns="" id="{F1CE89F4-8CB0-7C4D-83CC-74087DA0B926}"/>
               </a:ext>
             </a:extLst>
           </p:cNvPr>
@@ -8865,7 +8983,7 @@
           <p:cNvPr id="2" name="Title Placeholder 1">
             <a:extLst>
               <a:ext uri="{FF2B5EF4-FFF2-40B4-BE49-F238E27FC236}">
-                <a16:creationId xmlns:a16="http://schemas.microsoft.com/office/drawing/2014/main" id="{230A2DA0-F7A9-2F4E-ADD0-6E603FF645EC}"/>
+                <a16:creationId xmlns:a16="http://schemas.microsoft.com/office/drawing/2014/main" xmlns="" id="{230A2DA0-F7A9-2F4E-ADD0-6E603FF645EC}"/>
               </a:ext>
             </a:extLst>
           </p:cNvPr>
@@ -8915,7 +9033,7 @@
           <p:cNvPr id="4" name="Text Placeholder 3">
             <a:extLst>
               <a:ext uri="{FF2B5EF4-FFF2-40B4-BE49-F238E27FC236}">
-                <a16:creationId xmlns:a16="http://schemas.microsoft.com/office/drawing/2014/main" id="{35B75447-E226-784A-BB7C-0732BCB84D74}"/>
+                <a16:creationId xmlns:a16="http://schemas.microsoft.com/office/drawing/2014/main" xmlns="" id="{35B75447-E226-784A-BB7C-0732BCB84D74}"/>
               </a:ext>
             </a:extLst>
           </p:cNvPr>
@@ -8962,7 +9080,7 @@
           <p:cNvPr id="7" name="Picture 6">
             <a:extLst>
               <a:ext uri="{FF2B5EF4-FFF2-40B4-BE49-F238E27FC236}">
-                <a16:creationId xmlns:a16="http://schemas.microsoft.com/office/drawing/2014/main" id="{8379AFF5-B2FF-AE49-966C-57523A57AA39}"/>
+                <a16:creationId xmlns:a16="http://schemas.microsoft.com/office/drawing/2014/main" xmlns="" id="{8379AFF5-B2FF-AE49-966C-57523A57AA39}"/>
               </a:ext>
             </a:extLst>
           </p:cNvPr>
@@ -9021,7 +9139,7 @@
           <p:cNvPr id="3" name="Picture 2">
             <a:extLst>
               <a:ext uri="{FF2B5EF4-FFF2-40B4-BE49-F238E27FC236}">
-                <a16:creationId xmlns:a16="http://schemas.microsoft.com/office/drawing/2014/main" id="{86C0181A-8C86-7848-A97F-C0518BE2A67C}"/>
+                <a16:creationId xmlns:a16="http://schemas.microsoft.com/office/drawing/2014/main" xmlns="" id="{86C0181A-8C86-7848-A97F-C0518BE2A67C}"/>
               </a:ext>
             </a:extLst>
           </p:cNvPr>
@@ -9050,7 +9168,7 @@
           <p:cNvPr id="5" name="Title Placeholder 1">
             <a:extLst>
               <a:ext uri="{FF2B5EF4-FFF2-40B4-BE49-F238E27FC236}">
-                <a16:creationId xmlns:a16="http://schemas.microsoft.com/office/drawing/2014/main" id="{350E15BC-FBB7-684A-BD85-193D43D92790}"/>
+                <a16:creationId xmlns:a16="http://schemas.microsoft.com/office/drawing/2014/main" xmlns="" id="{350E15BC-FBB7-684A-BD85-193D43D92790}"/>
               </a:ext>
             </a:extLst>
           </p:cNvPr>
@@ -9089,7 +9207,7 @@
           <p:cNvPr id="9" name="Text Placeholder 5">
             <a:extLst>
               <a:ext uri="{FF2B5EF4-FFF2-40B4-BE49-F238E27FC236}">
-                <a16:creationId xmlns:a16="http://schemas.microsoft.com/office/drawing/2014/main" id="{97740D00-3F02-C547-B3EF-063864497576}"/>
+                <a16:creationId xmlns:a16="http://schemas.microsoft.com/office/drawing/2014/main" xmlns="" id="{97740D00-3F02-C547-B3EF-063864497576}"/>
               </a:ext>
             </a:extLst>
           </p:cNvPr>
@@ -9136,7 +9254,7 @@
           <p:cNvPr id="24" name="Text Placeholder 23">
             <a:extLst>
               <a:ext uri="{FF2B5EF4-FFF2-40B4-BE49-F238E27FC236}">
-                <a16:creationId xmlns:a16="http://schemas.microsoft.com/office/drawing/2014/main" id="{9DA92311-48E9-194F-B402-BA42FE12E57E}"/>
+                <a16:creationId xmlns:a16="http://schemas.microsoft.com/office/drawing/2014/main" xmlns="" id="{9DA92311-48E9-194F-B402-BA42FE12E57E}"/>
               </a:ext>
             </a:extLst>
           </p:cNvPr>
@@ -9241,7 +9359,7 @@
           <p:cNvPr id="3" name="Picture 2">
             <a:extLst>
               <a:ext uri="{FF2B5EF4-FFF2-40B4-BE49-F238E27FC236}">
-                <a16:creationId xmlns:a16="http://schemas.microsoft.com/office/drawing/2014/main" id="{86C0181A-8C86-7848-A97F-C0518BE2A67C}"/>
+                <a16:creationId xmlns:a16="http://schemas.microsoft.com/office/drawing/2014/main" xmlns="" id="{86C0181A-8C86-7848-A97F-C0518BE2A67C}"/>
               </a:ext>
             </a:extLst>
           </p:cNvPr>
@@ -9270,7 +9388,7 @@
           <p:cNvPr id="5" name="Title Placeholder 1">
             <a:extLst>
               <a:ext uri="{FF2B5EF4-FFF2-40B4-BE49-F238E27FC236}">
-                <a16:creationId xmlns:a16="http://schemas.microsoft.com/office/drawing/2014/main" id="{350E15BC-FBB7-684A-BD85-193D43D92790}"/>
+                <a16:creationId xmlns:a16="http://schemas.microsoft.com/office/drawing/2014/main" xmlns="" id="{350E15BC-FBB7-684A-BD85-193D43D92790}"/>
               </a:ext>
             </a:extLst>
           </p:cNvPr>
@@ -9313,7 +9431,7 @@
           <p:cNvPr id="9" name="Text Placeholder 5">
             <a:extLst>
               <a:ext uri="{FF2B5EF4-FFF2-40B4-BE49-F238E27FC236}">
-                <a16:creationId xmlns:a16="http://schemas.microsoft.com/office/drawing/2014/main" id="{97740D00-3F02-C547-B3EF-063864497576}"/>
+                <a16:creationId xmlns:a16="http://schemas.microsoft.com/office/drawing/2014/main" xmlns="" id="{97740D00-3F02-C547-B3EF-063864497576}"/>
               </a:ext>
             </a:extLst>
           </p:cNvPr>
@@ -9390,7 +9508,7 @@
           <p:cNvPr id="10" name="TextBox 9">
             <a:extLst>
               <a:ext uri="{FF2B5EF4-FFF2-40B4-BE49-F238E27FC236}">
-                <a16:creationId xmlns:a16="http://schemas.microsoft.com/office/drawing/2014/main" id="{9EFAD9FC-0F97-7549-B9E0-E49EF60D8B85}"/>
+                <a16:creationId xmlns:a16="http://schemas.microsoft.com/office/drawing/2014/main" xmlns="" id="{9EFAD9FC-0F97-7549-B9E0-E49EF60D8B85}"/>
               </a:ext>
             </a:extLst>
           </p:cNvPr>
@@ -9422,7 +9540,7 @@
           <p:cNvPr id="11" name="Title Placeholder 1">
             <a:extLst>
               <a:ext uri="{FF2B5EF4-FFF2-40B4-BE49-F238E27FC236}">
-                <a16:creationId xmlns:a16="http://schemas.microsoft.com/office/drawing/2014/main" id="{2A5EBDF9-0076-B749-A442-0DA9EDFDB519}"/>
+                <a16:creationId xmlns:a16="http://schemas.microsoft.com/office/drawing/2014/main" xmlns="" id="{2A5EBDF9-0076-B749-A442-0DA9EDFDB519}"/>
               </a:ext>
             </a:extLst>
           </p:cNvPr>
@@ -9467,7 +9585,7 @@
           <p:cNvPr id="12" name="Text Placeholder 5">
             <a:extLst>
               <a:ext uri="{FF2B5EF4-FFF2-40B4-BE49-F238E27FC236}">
-                <a16:creationId xmlns:a16="http://schemas.microsoft.com/office/drawing/2014/main" id="{A3B6DF50-4621-6941-AE51-AE09B658689E}"/>
+                <a16:creationId xmlns:a16="http://schemas.microsoft.com/office/drawing/2014/main" xmlns="" id="{A3B6DF50-4621-6941-AE51-AE09B658689E}"/>
               </a:ext>
             </a:extLst>
           </p:cNvPr>
@@ -9514,7 +9632,7 @@
           <p:cNvPr id="8" name="Graphic 7">
             <a:extLst>
               <a:ext uri="{FF2B5EF4-FFF2-40B4-BE49-F238E27FC236}">
-                <a16:creationId xmlns:a16="http://schemas.microsoft.com/office/drawing/2014/main" id="{04A90963-3A51-074F-B4C2-9DC695F352C5}"/>
+                <a16:creationId xmlns:a16="http://schemas.microsoft.com/office/drawing/2014/main" xmlns="" id="{04A90963-3A51-074F-B4C2-9DC695F352C5}"/>
               </a:ext>
             </a:extLst>
           </p:cNvPr>
@@ -9527,7 +9645,7 @@
           <a:blip r:embed="rId2">
             <a:extLst>
               <a:ext uri="{96DAC541-7B7A-43D3-8B79-37D633B846F1}">
-                <asvg:svgBlip xmlns="" xmlns:asvg="http://schemas.microsoft.com/office/drawing/2016/SVG/main" r:embed="rId3"/>
+                <asvg:svgBlip xmlns:asvg="http://schemas.microsoft.com/office/drawing/2016/SVG/main" xmlns="" r:embed="rId3"/>
               </a:ext>
             </a:extLst>
           </a:blip>
@@ -9550,7 +9668,7 @@
           <p:cNvPr id="9" name="Text Placeholder 3">
             <a:extLst>
               <a:ext uri="{FF2B5EF4-FFF2-40B4-BE49-F238E27FC236}">
-                <a16:creationId xmlns:a16="http://schemas.microsoft.com/office/drawing/2014/main" id="{561FB889-FC1F-274C-8634-D235D7141661}"/>
+                <a16:creationId xmlns:a16="http://schemas.microsoft.com/office/drawing/2014/main" xmlns="" id="{561FB889-FC1F-274C-8634-D235D7141661}"/>
               </a:ext>
             </a:extLst>
           </p:cNvPr>
@@ -9796,7 +9914,7 @@
           <p:cNvPr id="13" name="Picture 12">
             <a:extLst>
               <a:ext uri="{FF2B5EF4-FFF2-40B4-BE49-F238E27FC236}">
-                <a16:creationId xmlns:a16="http://schemas.microsoft.com/office/drawing/2014/main" id="{B3E75D9A-21EE-0846-9340-F0FD025DFCBB}"/>
+                <a16:creationId xmlns:a16="http://schemas.microsoft.com/office/drawing/2014/main" xmlns="" id="{B3E75D9A-21EE-0846-9340-F0FD025DFCBB}"/>
               </a:ext>
             </a:extLst>
           </p:cNvPr>
@@ -9856,7 +9974,7 @@
           <p:cNvPr id="10" name="TextBox 9">
             <a:extLst>
               <a:ext uri="{FF2B5EF4-FFF2-40B4-BE49-F238E27FC236}">
-                <a16:creationId xmlns:a16="http://schemas.microsoft.com/office/drawing/2014/main" id="{9EFAD9FC-0F97-7549-B9E0-E49EF60D8B85}"/>
+                <a16:creationId xmlns:a16="http://schemas.microsoft.com/office/drawing/2014/main" xmlns="" id="{9EFAD9FC-0F97-7549-B9E0-E49EF60D8B85}"/>
               </a:ext>
             </a:extLst>
           </p:cNvPr>
@@ -9888,7 +10006,7 @@
           <p:cNvPr id="11" name="Title Placeholder 1">
             <a:extLst>
               <a:ext uri="{FF2B5EF4-FFF2-40B4-BE49-F238E27FC236}">
-                <a16:creationId xmlns:a16="http://schemas.microsoft.com/office/drawing/2014/main" id="{2A5EBDF9-0076-B749-A442-0DA9EDFDB519}"/>
+                <a16:creationId xmlns:a16="http://schemas.microsoft.com/office/drawing/2014/main" xmlns="" id="{2A5EBDF9-0076-B749-A442-0DA9EDFDB519}"/>
               </a:ext>
             </a:extLst>
           </p:cNvPr>
@@ -9933,7 +10051,7 @@
           <p:cNvPr id="12" name="Text Placeholder 5">
             <a:extLst>
               <a:ext uri="{FF2B5EF4-FFF2-40B4-BE49-F238E27FC236}">
-                <a16:creationId xmlns:a16="http://schemas.microsoft.com/office/drawing/2014/main" id="{A3B6DF50-4621-6941-AE51-AE09B658689E}"/>
+                <a16:creationId xmlns:a16="http://schemas.microsoft.com/office/drawing/2014/main" xmlns="" id="{A3B6DF50-4621-6941-AE51-AE09B658689E}"/>
               </a:ext>
             </a:extLst>
           </p:cNvPr>
@@ -9980,7 +10098,7 @@
           <p:cNvPr id="14" name="Graphic 13">
             <a:extLst>
               <a:ext uri="{FF2B5EF4-FFF2-40B4-BE49-F238E27FC236}">
-                <a16:creationId xmlns:a16="http://schemas.microsoft.com/office/drawing/2014/main" id="{291BFB6B-EB3C-E34D-BA79-E009D2203C77}"/>
+                <a16:creationId xmlns:a16="http://schemas.microsoft.com/office/drawing/2014/main" xmlns="" id="{291BFB6B-EB3C-E34D-BA79-E009D2203C77}"/>
               </a:ext>
             </a:extLst>
           </p:cNvPr>
@@ -9993,7 +10111,7 @@
           <a:blip r:embed="rId2">
             <a:extLst>
               <a:ext uri="{96DAC541-7B7A-43D3-8B79-37D633B846F1}">
-                <asvg:svgBlip xmlns="" xmlns:asvg="http://schemas.microsoft.com/office/drawing/2016/SVG/main" r:embed="rId3"/>
+                <asvg:svgBlip xmlns:asvg="http://schemas.microsoft.com/office/drawing/2016/SVG/main" xmlns="" r:embed="rId3"/>
               </a:ext>
             </a:extLst>
           </a:blip>
@@ -10016,7 +10134,7 @@
           <p:cNvPr id="7" name="Text Placeholder 3">
             <a:extLst>
               <a:ext uri="{FF2B5EF4-FFF2-40B4-BE49-F238E27FC236}">
-                <a16:creationId xmlns:a16="http://schemas.microsoft.com/office/drawing/2014/main" id="{9DCC695C-C32F-A146-9FB8-7139C04D6440}"/>
+                <a16:creationId xmlns:a16="http://schemas.microsoft.com/office/drawing/2014/main" xmlns="" id="{9DCC695C-C32F-A146-9FB8-7139C04D6440}"/>
               </a:ext>
             </a:extLst>
           </p:cNvPr>
@@ -10262,7 +10380,7 @@
           <p:cNvPr id="15" name="Picture 14">
             <a:extLst>
               <a:ext uri="{FF2B5EF4-FFF2-40B4-BE49-F238E27FC236}">
-                <a16:creationId xmlns:a16="http://schemas.microsoft.com/office/drawing/2014/main" id="{F7644495-1EBC-0242-BDE8-81B5A9E2A2FC}"/>
+                <a16:creationId xmlns:a16="http://schemas.microsoft.com/office/drawing/2014/main" xmlns="" id="{F7644495-1EBC-0242-BDE8-81B5A9E2A2FC}"/>
               </a:ext>
             </a:extLst>
           </p:cNvPr>
@@ -10322,7 +10440,7 @@
           <p:cNvPr id="10" name="TextBox 9">
             <a:extLst>
               <a:ext uri="{FF2B5EF4-FFF2-40B4-BE49-F238E27FC236}">
-                <a16:creationId xmlns:a16="http://schemas.microsoft.com/office/drawing/2014/main" id="{9EFAD9FC-0F97-7549-B9E0-E49EF60D8B85}"/>
+                <a16:creationId xmlns:a16="http://schemas.microsoft.com/office/drawing/2014/main" xmlns="" id="{9EFAD9FC-0F97-7549-B9E0-E49EF60D8B85}"/>
               </a:ext>
             </a:extLst>
           </p:cNvPr>
@@ -10354,7 +10472,7 @@
           <p:cNvPr id="11" name="Title Placeholder 1">
             <a:extLst>
               <a:ext uri="{FF2B5EF4-FFF2-40B4-BE49-F238E27FC236}">
-                <a16:creationId xmlns:a16="http://schemas.microsoft.com/office/drawing/2014/main" id="{2A5EBDF9-0076-B749-A442-0DA9EDFDB519}"/>
+                <a16:creationId xmlns:a16="http://schemas.microsoft.com/office/drawing/2014/main" xmlns="" id="{2A5EBDF9-0076-B749-A442-0DA9EDFDB519}"/>
               </a:ext>
             </a:extLst>
           </p:cNvPr>
@@ -10399,7 +10517,7 @@
           <p:cNvPr id="12" name="Text Placeholder 5">
             <a:extLst>
               <a:ext uri="{FF2B5EF4-FFF2-40B4-BE49-F238E27FC236}">
-                <a16:creationId xmlns:a16="http://schemas.microsoft.com/office/drawing/2014/main" id="{A3B6DF50-4621-6941-AE51-AE09B658689E}"/>
+                <a16:creationId xmlns:a16="http://schemas.microsoft.com/office/drawing/2014/main" xmlns="" id="{A3B6DF50-4621-6941-AE51-AE09B658689E}"/>
               </a:ext>
             </a:extLst>
           </p:cNvPr>
@@ -10446,7 +10564,7 @@
           <p:cNvPr id="9" name="Graphic 8">
             <a:extLst>
               <a:ext uri="{FF2B5EF4-FFF2-40B4-BE49-F238E27FC236}">
-                <a16:creationId xmlns:a16="http://schemas.microsoft.com/office/drawing/2014/main" id="{A35A93FB-7170-2C4E-9B71-26F37266B606}"/>
+                <a16:creationId xmlns:a16="http://schemas.microsoft.com/office/drawing/2014/main" xmlns="" id="{A35A93FB-7170-2C4E-9B71-26F37266B606}"/>
               </a:ext>
             </a:extLst>
           </p:cNvPr>
@@ -10459,7 +10577,7 @@
           <a:blip r:embed="rId2">
             <a:extLst>
               <a:ext uri="{96DAC541-7B7A-43D3-8B79-37D633B846F1}">
-                <asvg:svgBlip xmlns="" xmlns:asvg="http://schemas.microsoft.com/office/drawing/2016/SVG/main" r:embed="rId3"/>
+                <asvg:svgBlip xmlns:asvg="http://schemas.microsoft.com/office/drawing/2016/SVG/main" xmlns="" r:embed="rId3"/>
               </a:ext>
             </a:extLst>
           </a:blip>
@@ -10482,7 +10600,7 @@
           <p:cNvPr id="7" name="Text Placeholder 3">
             <a:extLst>
               <a:ext uri="{FF2B5EF4-FFF2-40B4-BE49-F238E27FC236}">
-                <a16:creationId xmlns:a16="http://schemas.microsoft.com/office/drawing/2014/main" id="{CA7D2EB3-507E-8748-92B1-AAE841BE72F6}"/>
+                <a16:creationId xmlns:a16="http://schemas.microsoft.com/office/drawing/2014/main" xmlns="" id="{CA7D2EB3-507E-8748-92B1-AAE841BE72F6}"/>
               </a:ext>
             </a:extLst>
           </p:cNvPr>
@@ -10728,7 +10846,7 @@
           <p:cNvPr id="14" name="Picture 13">
             <a:extLst>
               <a:ext uri="{FF2B5EF4-FFF2-40B4-BE49-F238E27FC236}">
-                <a16:creationId xmlns:a16="http://schemas.microsoft.com/office/drawing/2014/main" id="{B959FE77-CC5A-E64B-B8A4-002308119064}"/>
+                <a16:creationId xmlns:a16="http://schemas.microsoft.com/office/drawing/2014/main" xmlns="" id="{B959FE77-CC5A-E64B-B8A4-002308119064}"/>
               </a:ext>
             </a:extLst>
           </p:cNvPr>
@@ -10788,7 +10906,7 @@
           <p:cNvPr id="10" name="TextBox 9">
             <a:extLst>
               <a:ext uri="{FF2B5EF4-FFF2-40B4-BE49-F238E27FC236}">
-                <a16:creationId xmlns:a16="http://schemas.microsoft.com/office/drawing/2014/main" id="{9EFAD9FC-0F97-7549-B9E0-E49EF60D8B85}"/>
+                <a16:creationId xmlns:a16="http://schemas.microsoft.com/office/drawing/2014/main" xmlns="" id="{9EFAD9FC-0F97-7549-B9E0-E49EF60D8B85}"/>
               </a:ext>
             </a:extLst>
           </p:cNvPr>
@@ -10820,7 +10938,7 @@
           <p:cNvPr id="11" name="Title Placeholder 1">
             <a:extLst>
               <a:ext uri="{FF2B5EF4-FFF2-40B4-BE49-F238E27FC236}">
-                <a16:creationId xmlns:a16="http://schemas.microsoft.com/office/drawing/2014/main" id="{2A5EBDF9-0076-B749-A442-0DA9EDFDB519}"/>
+                <a16:creationId xmlns:a16="http://schemas.microsoft.com/office/drawing/2014/main" xmlns="" id="{2A5EBDF9-0076-B749-A442-0DA9EDFDB519}"/>
               </a:ext>
             </a:extLst>
           </p:cNvPr>
@@ -10865,7 +10983,7 @@
           <p:cNvPr id="12" name="Text Placeholder 5">
             <a:extLst>
               <a:ext uri="{FF2B5EF4-FFF2-40B4-BE49-F238E27FC236}">
-                <a16:creationId xmlns:a16="http://schemas.microsoft.com/office/drawing/2014/main" id="{A3B6DF50-4621-6941-AE51-AE09B658689E}"/>
+                <a16:creationId xmlns:a16="http://schemas.microsoft.com/office/drawing/2014/main" xmlns="" id="{A3B6DF50-4621-6941-AE51-AE09B658689E}"/>
               </a:ext>
             </a:extLst>
           </p:cNvPr>
@@ -10912,7 +11030,7 @@
           <p:cNvPr id="9" name="Graphic 8">
             <a:extLst>
               <a:ext uri="{FF2B5EF4-FFF2-40B4-BE49-F238E27FC236}">
-                <a16:creationId xmlns:a16="http://schemas.microsoft.com/office/drawing/2014/main" id="{FCA05AF6-C88A-D94B-8974-FAF998A93386}"/>
+                <a16:creationId xmlns:a16="http://schemas.microsoft.com/office/drawing/2014/main" xmlns="" id="{FCA05AF6-C88A-D94B-8974-FAF998A93386}"/>
               </a:ext>
             </a:extLst>
           </p:cNvPr>
@@ -10925,7 +11043,7 @@
           <a:blip r:embed="rId2">
             <a:extLst>
               <a:ext uri="{96DAC541-7B7A-43D3-8B79-37D633B846F1}">
-                <asvg:svgBlip xmlns="" xmlns:asvg="http://schemas.microsoft.com/office/drawing/2016/SVG/main" r:embed="rId3"/>
+                <asvg:svgBlip xmlns:asvg="http://schemas.microsoft.com/office/drawing/2016/SVG/main" xmlns="" r:embed="rId3"/>
               </a:ext>
             </a:extLst>
           </a:blip>
@@ -10948,7 +11066,7 @@
           <p:cNvPr id="8" name="Text Placeholder 3">
             <a:extLst>
               <a:ext uri="{FF2B5EF4-FFF2-40B4-BE49-F238E27FC236}">
-                <a16:creationId xmlns:a16="http://schemas.microsoft.com/office/drawing/2014/main" id="{620B8BC0-BF5C-824E-9F97-F3DAF293A793}"/>
+                <a16:creationId xmlns:a16="http://schemas.microsoft.com/office/drawing/2014/main" xmlns="" id="{620B8BC0-BF5C-824E-9F97-F3DAF293A793}"/>
               </a:ext>
             </a:extLst>
           </p:cNvPr>
@@ -11194,7 +11312,7 @@
           <p:cNvPr id="14" name="Picture 13">
             <a:extLst>
               <a:ext uri="{FF2B5EF4-FFF2-40B4-BE49-F238E27FC236}">
-                <a16:creationId xmlns:a16="http://schemas.microsoft.com/office/drawing/2014/main" id="{2649370C-302E-584B-839F-9BAD72795E3E}"/>
+                <a16:creationId xmlns:a16="http://schemas.microsoft.com/office/drawing/2014/main" xmlns="" id="{2649370C-302E-584B-839F-9BAD72795E3E}"/>
               </a:ext>
             </a:extLst>
           </p:cNvPr>
@@ -11262,7 +11380,7 @@
           <p:cNvPr id="3" name="Graphic 2">
             <a:extLst>
               <a:ext uri="{FF2B5EF4-FFF2-40B4-BE49-F238E27FC236}">
-                <a16:creationId xmlns:a16="http://schemas.microsoft.com/office/drawing/2014/main" id="{92D4A042-530F-0D4E-989A-59BE466D0F7E}"/>
+                <a16:creationId xmlns:a16="http://schemas.microsoft.com/office/drawing/2014/main" xmlns="" id="{92D4A042-530F-0D4E-989A-59BE466D0F7E}"/>
               </a:ext>
             </a:extLst>
           </p:cNvPr>
@@ -11275,7 +11393,7 @@
           <a:blip r:embed="rId2">
             <a:extLst>
               <a:ext uri="{96DAC541-7B7A-43D3-8B79-37D633B846F1}">
-                <asvg:svgBlip xmlns="" xmlns:asvg="http://schemas.microsoft.com/office/drawing/2016/SVG/main" r:embed="rId3"/>
+                <asvg:svgBlip xmlns:asvg="http://schemas.microsoft.com/office/drawing/2016/SVG/main" xmlns="" r:embed="rId3"/>
               </a:ext>
             </a:extLst>
           </a:blip>
@@ -11298,7 +11416,7 @@
           <p:cNvPr id="6" name="Graphic 5">
             <a:extLst>
               <a:ext uri="{FF2B5EF4-FFF2-40B4-BE49-F238E27FC236}">
-                <a16:creationId xmlns:a16="http://schemas.microsoft.com/office/drawing/2014/main" id="{D96B4E80-CD1C-EE41-AF6E-DC4BC36881D9}"/>
+                <a16:creationId xmlns:a16="http://schemas.microsoft.com/office/drawing/2014/main" xmlns="" id="{D96B4E80-CD1C-EE41-AF6E-DC4BC36881D9}"/>
               </a:ext>
             </a:extLst>
           </p:cNvPr>
@@ -11311,7 +11429,7 @@
           <a:blip r:embed="rId4">
             <a:extLst>
               <a:ext uri="{96DAC541-7B7A-43D3-8B79-37D633B846F1}">
-                <asvg:svgBlip xmlns="" xmlns:asvg="http://schemas.microsoft.com/office/drawing/2016/SVG/main" r:embed="rId5"/>
+                <asvg:svgBlip xmlns:asvg="http://schemas.microsoft.com/office/drawing/2016/SVG/main" xmlns="" r:embed="rId5"/>
               </a:ext>
             </a:extLst>
           </a:blip>
@@ -11334,7 +11452,7 @@
           <p:cNvPr id="4" name="Text Placeholder 3">
             <a:extLst>
               <a:ext uri="{FF2B5EF4-FFF2-40B4-BE49-F238E27FC236}">
-                <a16:creationId xmlns:a16="http://schemas.microsoft.com/office/drawing/2014/main" id="{B8E712EF-DBF8-8A46-B5B7-E5FBCC5D01FD}"/>
+                <a16:creationId xmlns:a16="http://schemas.microsoft.com/office/drawing/2014/main" xmlns="" id="{B8E712EF-DBF8-8A46-B5B7-E5FBCC5D01FD}"/>
               </a:ext>
             </a:extLst>
           </p:cNvPr>
@@ -11435,7 +11553,7 @@
           <p:cNvPr id="4" name="Graphic 3">
             <a:extLst>
               <a:ext uri="{FF2B5EF4-FFF2-40B4-BE49-F238E27FC236}">
-                <a16:creationId xmlns:a16="http://schemas.microsoft.com/office/drawing/2014/main" id="{2DF1D077-C34A-4F4B-9828-031729A48D82}"/>
+                <a16:creationId xmlns:a16="http://schemas.microsoft.com/office/drawing/2014/main" xmlns="" id="{2DF1D077-C34A-4F4B-9828-031729A48D82}"/>
               </a:ext>
             </a:extLst>
           </p:cNvPr>
@@ -11448,7 +11566,7 @@
           <a:blip r:embed="rId4">
             <a:extLst>
               <a:ext uri="{96DAC541-7B7A-43D3-8B79-37D633B846F1}">
-                <asvg:svgBlip xmlns="" xmlns:asvg="http://schemas.microsoft.com/office/drawing/2016/SVG/main" r:embed="rId5"/>
+                <asvg:svgBlip xmlns:asvg="http://schemas.microsoft.com/office/drawing/2016/SVG/main" xmlns="" r:embed="rId5"/>
               </a:ext>
             </a:extLst>
           </a:blip>
@@ -11471,7 +11589,7 @@
           <p:cNvPr id="5" name="Google Shape;16;p1" descr="A close up of a logo&#10;&#10;Description automatically generated">
             <a:extLst>
               <a:ext uri="{FF2B5EF4-FFF2-40B4-BE49-F238E27FC236}">
-                <a16:creationId xmlns:a16="http://schemas.microsoft.com/office/drawing/2014/main" id="{5101BB32-3714-C646-ACE9-F044E5B0B1C0}"/>
+                <a16:creationId xmlns:a16="http://schemas.microsoft.com/office/drawing/2014/main" xmlns="" id="{5101BB32-3714-C646-ACE9-F044E5B0B1C0}"/>
               </a:ext>
             </a:extLst>
           </p:cNvPr>
@@ -11504,7 +11622,7 @@
           <p:cNvPr id="6" name="TextBox 5">
             <a:extLst>
               <a:ext uri="{FF2B5EF4-FFF2-40B4-BE49-F238E27FC236}">
-                <a16:creationId xmlns:a16="http://schemas.microsoft.com/office/drawing/2014/main" id="{EB14B746-BC39-4143-93FC-81A86D26A7F0}"/>
+                <a16:creationId xmlns:a16="http://schemas.microsoft.com/office/drawing/2014/main" xmlns="" id="{EB14B746-BC39-4143-93FC-81A86D26A7F0}"/>
               </a:ext>
             </a:extLst>
           </p:cNvPr>
@@ -11541,7 +11659,7 @@
           <p:cNvPr id="7" name="Rectangle 6">
             <a:extLst>
               <a:ext uri="{FF2B5EF4-FFF2-40B4-BE49-F238E27FC236}">
-                <a16:creationId xmlns:a16="http://schemas.microsoft.com/office/drawing/2014/main" id="{A1A29A8E-C0A3-5747-A367-63AF9ED1D5EB}"/>
+                <a16:creationId xmlns:a16="http://schemas.microsoft.com/office/drawing/2014/main" xmlns="" id="{A1A29A8E-C0A3-5747-A367-63AF9ED1D5EB}"/>
               </a:ext>
             </a:extLst>
           </p:cNvPr>
@@ -11593,7 +11711,7 @@
           <p:cNvPr id="8" name="Rectangle 7">
             <a:extLst>
               <a:ext uri="{FF2B5EF4-FFF2-40B4-BE49-F238E27FC236}">
-                <a16:creationId xmlns:a16="http://schemas.microsoft.com/office/drawing/2014/main" id="{1BA14B88-418E-0F4A-AA17-F9104A08B3AB}"/>
+                <a16:creationId xmlns:a16="http://schemas.microsoft.com/office/drawing/2014/main" xmlns="" id="{1BA14B88-418E-0F4A-AA17-F9104A08B3AB}"/>
               </a:ext>
             </a:extLst>
           </p:cNvPr>
@@ -11645,7 +11763,7 @@
           <p:cNvPr id="9" name="Rectangle 8">
             <a:extLst>
               <a:ext uri="{FF2B5EF4-FFF2-40B4-BE49-F238E27FC236}">
-                <a16:creationId xmlns:a16="http://schemas.microsoft.com/office/drawing/2014/main" id="{77493727-4C16-BE4B-91F6-A4B77887FEFE}"/>
+                <a16:creationId xmlns:a16="http://schemas.microsoft.com/office/drawing/2014/main" xmlns="" id="{77493727-4C16-BE4B-91F6-A4B77887FEFE}"/>
               </a:ext>
             </a:extLst>
           </p:cNvPr>
@@ -11697,7 +11815,7 @@
           <p:cNvPr id="10" name="Rectangle 9">
             <a:extLst>
               <a:ext uri="{FF2B5EF4-FFF2-40B4-BE49-F238E27FC236}">
-                <a16:creationId xmlns:a16="http://schemas.microsoft.com/office/drawing/2014/main" id="{E27EBA6A-512D-FB43-8BF8-F02D983E73E3}"/>
+                <a16:creationId xmlns:a16="http://schemas.microsoft.com/office/drawing/2014/main" xmlns="" id="{E27EBA6A-512D-FB43-8BF8-F02D983E73E3}"/>
               </a:ext>
             </a:extLst>
           </p:cNvPr>
@@ -11749,7 +11867,7 @@
           <p:cNvPr id="11" name="Rectangle 10">
             <a:extLst>
               <a:ext uri="{FF2B5EF4-FFF2-40B4-BE49-F238E27FC236}">
-                <a16:creationId xmlns:a16="http://schemas.microsoft.com/office/drawing/2014/main" id="{7BE65239-8280-FD4A-B4E2-78B4AC233F6A}"/>
+                <a16:creationId xmlns:a16="http://schemas.microsoft.com/office/drawing/2014/main" xmlns="" id="{7BE65239-8280-FD4A-B4E2-78B4AC233F6A}"/>
               </a:ext>
             </a:extLst>
           </p:cNvPr>
@@ -12530,7 +12648,7 @@
           <p:cNvPr id="7" name="Graphic 6">
             <a:extLst>
               <a:ext uri="{FF2B5EF4-FFF2-40B4-BE49-F238E27FC236}">
-                <a16:creationId xmlns:a16="http://schemas.microsoft.com/office/drawing/2014/main" id="{95C846F0-7FB7-6548-B019-C7E456134DED}"/>
+                <a16:creationId xmlns:a16="http://schemas.microsoft.com/office/drawing/2014/main" xmlns="" id="{95C846F0-7FB7-6548-B019-C7E456134DED}"/>
               </a:ext>
             </a:extLst>
           </p:cNvPr>
@@ -12543,7 +12661,7 @@
           <a:blip r:embed="rId4">
             <a:extLst>
               <a:ext uri="{96DAC541-7B7A-43D3-8B79-37D633B846F1}">
-                <asvg:svgBlip xmlns="" xmlns:asvg="http://schemas.microsoft.com/office/drawing/2016/SVG/main" r:embed="rId5"/>
+                <asvg:svgBlip xmlns:asvg="http://schemas.microsoft.com/office/drawing/2016/SVG/main" xmlns="" r:embed="rId5"/>
               </a:ext>
             </a:extLst>
           </a:blip>
@@ -12566,7 +12684,7 @@
           <p:cNvPr id="9" name="Graphic 8">
             <a:extLst>
               <a:ext uri="{FF2B5EF4-FFF2-40B4-BE49-F238E27FC236}">
-                <a16:creationId xmlns:a16="http://schemas.microsoft.com/office/drawing/2014/main" id="{16F1A1F7-2B12-5443-AA18-4DFEB4E4799C}"/>
+                <a16:creationId xmlns:a16="http://schemas.microsoft.com/office/drawing/2014/main" xmlns="" id="{16F1A1F7-2B12-5443-AA18-4DFEB4E4799C}"/>
               </a:ext>
             </a:extLst>
           </p:cNvPr>
@@ -12579,7 +12697,7 @@
           <a:blip r:embed="rId6">
             <a:extLst>
               <a:ext uri="{96DAC541-7B7A-43D3-8B79-37D633B846F1}">
-                <asvg:svgBlip xmlns="" xmlns:asvg="http://schemas.microsoft.com/office/drawing/2016/SVG/main" r:embed="rId7"/>
+                <asvg:svgBlip xmlns:asvg="http://schemas.microsoft.com/office/drawing/2016/SVG/main" xmlns="" r:embed="rId7"/>
               </a:ext>
             </a:extLst>
           </a:blip>
@@ -12602,7 +12720,7 @@
           <p:cNvPr id="5" name="TextBox 4">
             <a:extLst>
               <a:ext uri="{FF2B5EF4-FFF2-40B4-BE49-F238E27FC236}">
-                <a16:creationId xmlns:a16="http://schemas.microsoft.com/office/drawing/2014/main" id="{CA075139-338F-6340-A818-59FE6664876F}"/>
+                <a16:creationId xmlns:a16="http://schemas.microsoft.com/office/drawing/2014/main" xmlns="" id="{CA075139-338F-6340-A818-59FE6664876F}"/>
               </a:ext>
             </a:extLst>
           </p:cNvPr>
@@ -12639,7 +12757,7 @@
           <p:cNvPr id="6" name="Rectangle 5">
             <a:extLst>
               <a:ext uri="{FF2B5EF4-FFF2-40B4-BE49-F238E27FC236}">
-                <a16:creationId xmlns:a16="http://schemas.microsoft.com/office/drawing/2014/main" id="{D86031FC-0C32-7B4C-B80F-C99B639FB20E}"/>
+                <a16:creationId xmlns:a16="http://schemas.microsoft.com/office/drawing/2014/main" xmlns="" id="{D86031FC-0C32-7B4C-B80F-C99B639FB20E}"/>
               </a:ext>
             </a:extLst>
           </p:cNvPr>
@@ -12691,7 +12809,7 @@
           <p:cNvPr id="8" name="Rectangle 7">
             <a:extLst>
               <a:ext uri="{FF2B5EF4-FFF2-40B4-BE49-F238E27FC236}">
-                <a16:creationId xmlns:a16="http://schemas.microsoft.com/office/drawing/2014/main" id="{1097603F-CC62-2148-9ABE-B4A85220C70C}"/>
+                <a16:creationId xmlns:a16="http://schemas.microsoft.com/office/drawing/2014/main" xmlns="" id="{1097603F-CC62-2148-9ABE-B4A85220C70C}"/>
               </a:ext>
             </a:extLst>
           </p:cNvPr>
@@ -12743,7 +12861,7 @@
           <p:cNvPr id="10" name="Rectangle 9">
             <a:extLst>
               <a:ext uri="{FF2B5EF4-FFF2-40B4-BE49-F238E27FC236}">
-                <a16:creationId xmlns:a16="http://schemas.microsoft.com/office/drawing/2014/main" id="{1100DC98-8D3E-1746-98B2-0189F8274399}"/>
+                <a16:creationId xmlns:a16="http://schemas.microsoft.com/office/drawing/2014/main" xmlns="" id="{1100DC98-8D3E-1746-98B2-0189F8274399}"/>
               </a:ext>
             </a:extLst>
           </p:cNvPr>
@@ -12795,7 +12913,7 @@
           <p:cNvPr id="11" name="Rectangle 10">
             <a:extLst>
               <a:ext uri="{FF2B5EF4-FFF2-40B4-BE49-F238E27FC236}">
-                <a16:creationId xmlns:a16="http://schemas.microsoft.com/office/drawing/2014/main" id="{38B2C6DA-C971-B340-94C9-CBFDF1327D14}"/>
+                <a16:creationId xmlns:a16="http://schemas.microsoft.com/office/drawing/2014/main" xmlns="" id="{38B2C6DA-C971-B340-94C9-CBFDF1327D14}"/>
               </a:ext>
             </a:extLst>
           </p:cNvPr>
@@ -12847,7 +12965,7 @@
           <p:cNvPr id="12" name="Rectangle 11">
             <a:extLst>
               <a:ext uri="{FF2B5EF4-FFF2-40B4-BE49-F238E27FC236}">
-                <a16:creationId xmlns:a16="http://schemas.microsoft.com/office/drawing/2014/main" id="{F6B17A0E-F2DC-DB40-A645-39B0B9056374}"/>
+                <a16:creationId xmlns:a16="http://schemas.microsoft.com/office/drawing/2014/main" xmlns="" id="{F6B17A0E-F2DC-DB40-A645-39B0B9056374}"/>
               </a:ext>
             </a:extLst>
           </p:cNvPr>
@@ -13632,7 +13750,7 @@
           <p:cNvPr id="3" name="TextBox 2">
             <a:extLst>
               <a:ext uri="{FF2B5EF4-FFF2-40B4-BE49-F238E27FC236}">
-                <a16:creationId xmlns:a16="http://schemas.microsoft.com/office/drawing/2014/main" id="{139CCECF-18CF-7D4D-8325-21BAEB639376}"/>
+                <a16:creationId xmlns:a16="http://schemas.microsoft.com/office/drawing/2014/main" xmlns="" id="{139CCECF-18CF-7D4D-8325-21BAEB639376}"/>
               </a:ext>
             </a:extLst>
           </p:cNvPr>
@@ -13669,7 +13787,7 @@
           <p:cNvPr id="4" name="Rectangle 3">
             <a:extLst>
               <a:ext uri="{FF2B5EF4-FFF2-40B4-BE49-F238E27FC236}">
-                <a16:creationId xmlns:a16="http://schemas.microsoft.com/office/drawing/2014/main" id="{4D73276A-2066-8D4B-9B08-339C5A6D0921}"/>
+                <a16:creationId xmlns:a16="http://schemas.microsoft.com/office/drawing/2014/main" xmlns="" id="{4D73276A-2066-8D4B-9B08-339C5A6D0921}"/>
               </a:ext>
             </a:extLst>
           </p:cNvPr>
@@ -13721,7 +13839,7 @@
           <p:cNvPr id="5" name="Rectangle 4">
             <a:extLst>
               <a:ext uri="{FF2B5EF4-FFF2-40B4-BE49-F238E27FC236}">
-                <a16:creationId xmlns:a16="http://schemas.microsoft.com/office/drawing/2014/main" id="{006875BF-D592-4F4B-B246-6A09D63380A0}"/>
+                <a16:creationId xmlns:a16="http://schemas.microsoft.com/office/drawing/2014/main" xmlns="" id="{006875BF-D592-4F4B-B246-6A09D63380A0}"/>
               </a:ext>
             </a:extLst>
           </p:cNvPr>
@@ -13773,7 +13891,7 @@
           <p:cNvPr id="6" name="Rectangle 5">
             <a:extLst>
               <a:ext uri="{FF2B5EF4-FFF2-40B4-BE49-F238E27FC236}">
-                <a16:creationId xmlns:a16="http://schemas.microsoft.com/office/drawing/2014/main" id="{3335B823-7A34-F24B-AA6F-E915471647CB}"/>
+                <a16:creationId xmlns:a16="http://schemas.microsoft.com/office/drawing/2014/main" xmlns="" id="{3335B823-7A34-F24B-AA6F-E915471647CB}"/>
               </a:ext>
             </a:extLst>
           </p:cNvPr>
@@ -13825,7 +13943,7 @@
           <p:cNvPr id="7" name="Rectangle 6">
             <a:extLst>
               <a:ext uri="{FF2B5EF4-FFF2-40B4-BE49-F238E27FC236}">
-                <a16:creationId xmlns:a16="http://schemas.microsoft.com/office/drawing/2014/main" id="{964ED28B-D908-494E-95FC-64586031CF7D}"/>
+                <a16:creationId xmlns:a16="http://schemas.microsoft.com/office/drawing/2014/main" xmlns="" id="{964ED28B-D908-494E-95FC-64586031CF7D}"/>
               </a:ext>
             </a:extLst>
           </p:cNvPr>
@@ -13877,7 +13995,7 @@
           <p:cNvPr id="8" name="Rectangle 7">
             <a:extLst>
               <a:ext uri="{FF2B5EF4-FFF2-40B4-BE49-F238E27FC236}">
-                <a16:creationId xmlns:a16="http://schemas.microsoft.com/office/drawing/2014/main" id="{0BDA569A-EDC9-CB4B-82C1-03460D9E848A}"/>
+                <a16:creationId xmlns:a16="http://schemas.microsoft.com/office/drawing/2014/main" xmlns="" id="{0BDA569A-EDC9-CB4B-82C1-03460D9E848A}"/>
               </a:ext>
             </a:extLst>
           </p:cNvPr>
@@ -14664,7 +14782,7 @@
           <p:cNvPr id="8" name="Graphic 7">
             <a:extLst>
               <a:ext uri="{FF2B5EF4-FFF2-40B4-BE49-F238E27FC236}">
-                <a16:creationId xmlns:a16="http://schemas.microsoft.com/office/drawing/2014/main" id="{4770A9BC-C477-8F4C-B3B8-00EE49B1B990}"/>
+                <a16:creationId xmlns:a16="http://schemas.microsoft.com/office/drawing/2014/main" xmlns="" id="{4770A9BC-C477-8F4C-B3B8-00EE49B1B990}"/>
               </a:ext>
             </a:extLst>
           </p:cNvPr>
@@ -14677,7 +14795,7 @@
           <a:blip r:embed="rId3">
             <a:extLst>
               <a:ext uri="{96DAC541-7B7A-43D3-8B79-37D633B846F1}">
-                <asvg:svgBlip xmlns="" xmlns:asvg="http://schemas.microsoft.com/office/drawing/2016/SVG/main" r:embed="rId4"/>
+                <asvg:svgBlip xmlns:asvg="http://schemas.microsoft.com/office/drawing/2016/SVG/main" xmlns="" r:embed="rId4"/>
               </a:ext>
             </a:extLst>
           </a:blip>
@@ -14700,7 +14818,7 @@
           <p:cNvPr id="10" name="Graphic 9">
             <a:extLst>
               <a:ext uri="{FF2B5EF4-FFF2-40B4-BE49-F238E27FC236}">
-                <a16:creationId xmlns:a16="http://schemas.microsoft.com/office/drawing/2014/main" id="{DC6C0176-7AF6-664B-A34C-85987235DC70}"/>
+                <a16:creationId xmlns:a16="http://schemas.microsoft.com/office/drawing/2014/main" xmlns="" id="{DC6C0176-7AF6-664B-A34C-85987235DC70}"/>
               </a:ext>
             </a:extLst>
           </p:cNvPr>
@@ -14713,7 +14831,7 @@
           <a:blip r:embed="rId5">
             <a:extLst>
               <a:ext uri="{96DAC541-7B7A-43D3-8B79-37D633B846F1}">
-                <asvg:svgBlip xmlns="" xmlns:asvg="http://schemas.microsoft.com/office/drawing/2016/SVG/main" r:embed="rId6"/>
+                <asvg:svgBlip xmlns:asvg="http://schemas.microsoft.com/office/drawing/2016/SVG/main" xmlns="" r:embed="rId6"/>
               </a:ext>
             </a:extLst>
           </a:blip>
@@ -14736,7 +14854,7 @@
           <p:cNvPr id="5" name="Rectangle 4">
             <a:extLst>
               <a:ext uri="{FF2B5EF4-FFF2-40B4-BE49-F238E27FC236}">
-                <a16:creationId xmlns:a16="http://schemas.microsoft.com/office/drawing/2014/main" id="{1EBE8C2D-0FDD-5044-9DD6-ABF5BE199E1E}"/>
+                <a16:creationId xmlns:a16="http://schemas.microsoft.com/office/drawing/2014/main" xmlns="" id="{1EBE8C2D-0FDD-5044-9DD6-ABF5BE199E1E}"/>
               </a:ext>
             </a:extLst>
           </p:cNvPr>
@@ -14788,7 +14906,7 @@
           <p:cNvPr id="6" name="Rectangle 5">
             <a:extLst>
               <a:ext uri="{FF2B5EF4-FFF2-40B4-BE49-F238E27FC236}">
-                <a16:creationId xmlns:a16="http://schemas.microsoft.com/office/drawing/2014/main" id="{57293159-3E66-D94A-9CE6-984BABD92257}"/>
+                <a16:creationId xmlns:a16="http://schemas.microsoft.com/office/drawing/2014/main" xmlns="" id="{57293159-3E66-D94A-9CE6-984BABD92257}"/>
               </a:ext>
             </a:extLst>
           </p:cNvPr>
@@ -14840,7 +14958,7 @@
           <p:cNvPr id="7" name="Rectangle 6">
             <a:extLst>
               <a:ext uri="{FF2B5EF4-FFF2-40B4-BE49-F238E27FC236}">
-                <a16:creationId xmlns:a16="http://schemas.microsoft.com/office/drawing/2014/main" id="{719D885A-2A2B-A748-8EE8-6D6513E6EF0B}"/>
+                <a16:creationId xmlns:a16="http://schemas.microsoft.com/office/drawing/2014/main" xmlns="" id="{719D885A-2A2B-A748-8EE8-6D6513E6EF0B}"/>
               </a:ext>
             </a:extLst>
           </p:cNvPr>
@@ -14892,7 +15010,7 @@
           <p:cNvPr id="9" name="Rectangle 8">
             <a:extLst>
               <a:ext uri="{FF2B5EF4-FFF2-40B4-BE49-F238E27FC236}">
-                <a16:creationId xmlns:a16="http://schemas.microsoft.com/office/drawing/2014/main" id="{8AD4203B-1267-F141-A439-3B7C33070BDE}"/>
+                <a16:creationId xmlns:a16="http://schemas.microsoft.com/office/drawing/2014/main" xmlns="" id="{8AD4203B-1267-F141-A439-3B7C33070BDE}"/>
               </a:ext>
             </a:extLst>
           </p:cNvPr>
@@ -14944,7 +15062,7 @@
           <p:cNvPr id="12" name="Rectangle 11">
             <a:extLst>
               <a:ext uri="{FF2B5EF4-FFF2-40B4-BE49-F238E27FC236}">
-                <a16:creationId xmlns:a16="http://schemas.microsoft.com/office/drawing/2014/main" id="{A645F207-5D7F-D643-AE50-1CB85EC8F387}"/>
+                <a16:creationId xmlns:a16="http://schemas.microsoft.com/office/drawing/2014/main" xmlns="" id="{A645F207-5D7F-D643-AE50-1CB85EC8F387}"/>
               </a:ext>
             </a:extLst>
           </p:cNvPr>
@@ -15720,7 +15838,7 @@
           <p:cNvPr id="25" name="Title 24">
             <a:extLst>
               <a:ext uri="{FF2B5EF4-FFF2-40B4-BE49-F238E27FC236}">
-                <a16:creationId xmlns:a16="http://schemas.microsoft.com/office/drawing/2014/main" id="{D0944E6A-C544-4C2E-A4EA-20F9CEB7CEF8}"/>
+                <a16:creationId xmlns:a16="http://schemas.microsoft.com/office/drawing/2014/main" xmlns="" id="{D0944E6A-C544-4C2E-A4EA-20F9CEB7CEF8}"/>
               </a:ext>
             </a:extLst>
           </p:cNvPr>
@@ -15740,11 +15858,7 @@
           <a:p>
             <a:r>
               <a:rPr lang="en-US" sz="2400" smtClean="0"/>
-              <a:t>LL</a:t>
-            </a:r>
-            <a:r>
-              <a:rPr lang="en-US" sz="2400" smtClean="0"/>
-              <a:t>: </a:t>
+              <a:t>LL: </a:t>
             </a:r>
             <a:r>
               <a:rPr lang="en-US" sz="2400" dirty="0" smtClean="0"/>
@@ -15759,7 +15873,7 @@
           <p:cNvPr id="26" name="Text Placeholder 25">
             <a:extLst>
               <a:ext uri="{FF2B5EF4-FFF2-40B4-BE49-F238E27FC236}">
-                <a16:creationId xmlns:a16="http://schemas.microsoft.com/office/drawing/2014/main" id="{9AD4B5AA-ACCE-4D46-85DC-F72C9678FFE9}"/>
+                <a16:creationId xmlns:a16="http://schemas.microsoft.com/office/drawing/2014/main" xmlns="" id="{9AD4B5AA-ACCE-4D46-85DC-F72C9678FFE9}"/>
               </a:ext>
             </a:extLst>
           </p:cNvPr>
@@ -15825,7 +15939,7 @@
           <p:cNvPr id="2" name="Title 1">
             <a:extLst>
               <a:ext uri="{FF2B5EF4-FFF2-40B4-BE49-F238E27FC236}">
-                <a16:creationId xmlns:a16="http://schemas.microsoft.com/office/drawing/2014/main" id="{D437CD0C-86CA-44E4-B0ED-B97B96048AFE}"/>
+                <a16:creationId xmlns:a16="http://schemas.microsoft.com/office/drawing/2014/main" xmlns="" id="{D437CD0C-86CA-44E4-B0ED-B97B96048AFE}"/>
               </a:ext>
             </a:extLst>
           </p:cNvPr>
@@ -15860,7 +15974,7 @@
           <p:cNvPr id="6" name="TextBox 5">
             <a:extLst>
               <a:ext uri="{FF2B5EF4-FFF2-40B4-BE49-F238E27FC236}">
-                <a16:creationId xmlns:a16="http://schemas.microsoft.com/office/drawing/2014/main" id="{5E9976C7-0C54-4A47-A167-D9AD99D59A4B}"/>
+                <a16:creationId xmlns:a16="http://schemas.microsoft.com/office/drawing/2014/main" xmlns="" id="{5E9976C7-0C54-4A47-A167-D9AD99D59A4B}"/>
               </a:ext>
             </a:extLst>
           </p:cNvPr>
@@ -15947,21 +16061,21 @@
       </p:sp>
       <p:graphicFrame>
         <p:nvGraphicFramePr>
-          <p:cNvPr id="7" name="Chart 6"/>
+          <p:cNvPr id="8" name="Chart 7"/>
           <p:cNvGraphicFramePr>
             <a:graphicFrameLocks/>
           </p:cNvGraphicFramePr>
           <p:nvPr>
             <p:extLst>
               <p:ext uri="{D42A27DB-BD31-4B8C-83A1-F6EECF244321}">
-                <p14:modId xmlns:p14="http://schemas.microsoft.com/office/powerpoint/2010/main" val="2875242919"/>
+                <p14:modId xmlns:p14="http://schemas.microsoft.com/office/powerpoint/2010/main" val="3745607275"/>
               </p:ext>
             </p:extLst>
           </p:nvPr>
         </p:nvGraphicFramePr>
         <p:xfrm>
-          <a:off x="350110" y="1128112"/>
-          <a:ext cx="10796862" cy="4170398"/>
+          <a:off x="543694" y="1425011"/>
+          <a:ext cx="10215461" cy="3599916"/>
         </p:xfrm>
         <a:graphic>
           <a:graphicData uri="http://schemas.openxmlformats.org/drawingml/2006/chart">
@@ -15969,39 +16083,6 @@
           </a:graphicData>
         </a:graphic>
       </p:graphicFrame>
-      <p:sp>
-        <p:nvSpPr>
-          <p:cNvPr id="9" name="TextBox 8"/>
-          <p:cNvSpPr txBox="1"/>
-          <p:nvPr/>
-        </p:nvSpPr>
-        <p:spPr>
-          <a:xfrm>
-            <a:off x="10478530" y="6450227"/>
-            <a:ext cx="1118856" cy="307777"/>
-          </a:xfrm>
-          <a:prstGeom prst="rect">
-            <a:avLst/>
-          </a:prstGeom>
-          <a:solidFill>
-            <a:srgbClr val="92D050"/>
-          </a:solidFill>
-        </p:spPr>
-        <p:txBody>
-          <a:bodyPr wrap="square" rtlCol="0">
-            <a:spAutoFit/>
-          </a:bodyPr>
-          <a:lstStyle/>
-          <a:p>
-            <a:pPr algn="ctr"/>
-            <a:r>
-              <a:rPr lang="en-US" dirty="0" smtClean="0"/>
-              <a:t>P. DONE</a:t>
-            </a:r>
-            <a:endParaRPr lang="en-IN" dirty="0"/>
-          </a:p>
-        </p:txBody>
-      </p:sp>
     </p:spTree>
     <p:extLst>
       <p:ext uri="{BB962C8B-B14F-4D97-AF65-F5344CB8AC3E}">
@@ -16044,7 +16125,7 @@
           <p:cNvPr id="2" name="Title 1">
             <a:extLst>
               <a:ext uri="{FF2B5EF4-FFF2-40B4-BE49-F238E27FC236}">
-                <a16:creationId xmlns:a16="http://schemas.microsoft.com/office/drawing/2014/main" id="{C0C0BFE6-0688-4C81-ABD8-CDD2FE8BF5F1}"/>
+                <a16:creationId xmlns:a16="http://schemas.microsoft.com/office/drawing/2014/main" xmlns="" id="{C0C0BFE6-0688-4C81-ABD8-CDD2FE8BF5F1}"/>
               </a:ext>
             </a:extLst>
           </p:cNvPr>
@@ -16080,7 +16161,7 @@
           <p:cNvPr id="5" name="Grupo 37">
             <a:extLst>
               <a:ext uri="{FF2B5EF4-FFF2-40B4-BE49-F238E27FC236}">
-                <a16:creationId xmlns:a16="http://schemas.microsoft.com/office/drawing/2014/main" id="{D953834B-C322-44D6-8686-1CC8B374BDBA}"/>
+                <a16:creationId xmlns:a16="http://schemas.microsoft.com/office/drawing/2014/main" xmlns="" id="{D953834B-C322-44D6-8686-1CC8B374BDBA}"/>
               </a:ext>
             </a:extLst>
           </p:cNvPr>
@@ -16100,7 +16181,7 @@
             <p:cNvPr id="6" name="Grupo 3">
               <a:extLst>
                 <a:ext uri="{FF2B5EF4-FFF2-40B4-BE49-F238E27FC236}">
-                  <a16:creationId xmlns:a16="http://schemas.microsoft.com/office/drawing/2014/main" id="{86390C6B-CC74-47F1-9D5C-12C308AFDF1C}"/>
+                  <a16:creationId xmlns:a16="http://schemas.microsoft.com/office/drawing/2014/main" xmlns="" id="{86390C6B-CC74-47F1-9D5C-12C308AFDF1C}"/>
                 </a:ext>
               </a:extLst>
             </p:cNvPr>
@@ -16120,7 +16201,7 @@
               <p:cNvPr id="24" name="Oval 29">
                 <a:extLst>
                   <a:ext uri="{FF2B5EF4-FFF2-40B4-BE49-F238E27FC236}">
-                    <a16:creationId xmlns:a16="http://schemas.microsoft.com/office/drawing/2014/main" id="{45C42AD2-2E51-43C5-9B2D-7DF0097DB80D}"/>
+                    <a16:creationId xmlns:a16="http://schemas.microsoft.com/office/drawing/2014/main" xmlns="" id="{45C42AD2-2E51-43C5-9B2D-7DF0097DB80D}"/>
                   </a:ext>
                 </a:extLst>
               </p:cNvPr>
@@ -16180,7 +16261,7 @@
               <p:cNvPr id="25" name="TextBox 37">
                 <a:extLst>
                   <a:ext uri="{FF2B5EF4-FFF2-40B4-BE49-F238E27FC236}">
-                    <a16:creationId xmlns:a16="http://schemas.microsoft.com/office/drawing/2014/main" id="{509D647D-18D0-4E3D-A088-B09E12306E7F}"/>
+                    <a16:creationId xmlns:a16="http://schemas.microsoft.com/office/drawing/2014/main" xmlns="" id="{509D647D-18D0-4E3D-A088-B09E12306E7F}"/>
                   </a:ext>
                 </a:extLst>
               </p:cNvPr>
@@ -16189,8 +16270,8 @@
             </p:nvSpPr>
             <p:spPr>
               <a:xfrm>
-                <a:off x="695758" y="3961279"/>
-                <a:ext cx="1119716" cy="338554"/>
+                <a:off x="587842" y="3210641"/>
+                <a:ext cx="745655" cy="338554"/>
               </a:xfrm>
               <a:prstGeom prst="rect">
                 <a:avLst/>
@@ -16198,7 +16279,7 @@
               <a:noFill/>
             </p:spPr>
             <p:txBody>
-              <a:bodyPr>
+              <a:bodyPr wrap="square">
                 <a:spAutoFit/>
               </a:bodyPr>
               <a:lstStyle/>
@@ -16215,7 +16296,18 @@
                     <a:ea typeface="Roboto Condensed" panose="02000000000000000000" pitchFamily="2" charset="0"/>
                     <a:cs typeface="Source Sans Pro Light"/>
                   </a:rPr>
-                  <a:t>46%</a:t>
+                  <a:t>73.2</a:t>
+                </a:r>
+                <a:r>
+                  <a:rPr lang="en-JM" sz="1600" dirty="0" smtClean="0">
+                    <a:solidFill>
+                      <a:srgbClr val="BF0C43"/>
+                    </a:solidFill>
+                    <a:latin typeface="Roboto Condensed" panose="02000000000000000000" pitchFamily="2" charset="0"/>
+                    <a:ea typeface="Roboto Condensed" panose="02000000000000000000" pitchFamily="2" charset="0"/>
+                    <a:cs typeface="Source Sans Pro Light"/>
+                  </a:rPr>
+                  <a:t>%</a:t>
                 </a:r>
                 <a:endParaRPr lang="en-JM" sz="1600" dirty="0">
                   <a:solidFill>
@@ -16233,7 +16325,7 @@
               <p:cNvPr id="26" name="Pie 38">
                 <a:extLst>
                   <a:ext uri="{FF2B5EF4-FFF2-40B4-BE49-F238E27FC236}">
-                    <a16:creationId xmlns:a16="http://schemas.microsoft.com/office/drawing/2014/main" id="{57F3FD27-0AF1-46CF-B4CE-F04D9B285B61}"/>
+                    <a16:creationId xmlns:a16="http://schemas.microsoft.com/office/drawing/2014/main" xmlns="" id="{57F3FD27-0AF1-46CF-B4CE-F04D9B285B61}"/>
                   </a:ext>
                 </a:extLst>
               </p:cNvPr>
@@ -16250,7 +16342,7 @@
               <a:prstGeom prst="pie">
                 <a:avLst>
                   <a:gd name="adj1" fmla="val 16100058"/>
-                  <a:gd name="adj2" fmla="val 4444767"/>
+                  <a:gd name="adj2" fmla="val 10425772"/>
                 </a:avLst>
               </a:prstGeom>
               <a:solidFill>
@@ -16299,7 +16391,7 @@
             <p:cNvPr id="7" name="TextBox 54">
               <a:extLst>
                 <a:ext uri="{FF2B5EF4-FFF2-40B4-BE49-F238E27FC236}">
-                  <a16:creationId xmlns:a16="http://schemas.microsoft.com/office/drawing/2014/main" id="{320C1746-A4BC-4878-BA2F-D184C25B7FBA}"/>
+                  <a16:creationId xmlns:a16="http://schemas.microsoft.com/office/drawing/2014/main" xmlns="" id="{320C1746-A4BC-4878-BA2F-D184C25B7FBA}"/>
                 </a:ext>
               </a:extLst>
             </p:cNvPr>
@@ -16334,7 +16426,7 @@
                   <a:ea typeface="Roboto Condensed" panose="02000000000000000000" pitchFamily="2" charset="0"/>
                   <a:cs typeface="Source Sans Pro Light"/>
                 </a:rPr>
-                <a:t>FORMAL</a:t>
+                <a:t>SHIRTING</a:t>
               </a:r>
               <a:endParaRPr lang="en-JM" sz="1600" dirty="0">
                 <a:solidFill>
@@ -16352,7 +16444,7 @@
             <p:cNvPr id="8" name="Text Placeholder 5">
               <a:extLst>
                 <a:ext uri="{FF2B5EF4-FFF2-40B4-BE49-F238E27FC236}">
-                  <a16:creationId xmlns:a16="http://schemas.microsoft.com/office/drawing/2014/main" id="{0E45AF20-3ED8-4BCA-898B-31D8CD50B8E4}"/>
+                  <a16:creationId xmlns:a16="http://schemas.microsoft.com/office/drawing/2014/main" xmlns="" id="{0E45AF20-3ED8-4BCA-898B-31D8CD50B8E4}"/>
                 </a:ext>
               </a:extLst>
             </p:cNvPr>
@@ -16553,7 +16645,7 @@
             <p:cNvPr id="9" name="TextBox 56">
               <a:extLst>
                 <a:ext uri="{FF2B5EF4-FFF2-40B4-BE49-F238E27FC236}">
-                  <a16:creationId xmlns:a16="http://schemas.microsoft.com/office/drawing/2014/main" id="{3B1EE4BA-9A31-465F-9039-3C1BBCCABFB8}"/>
+                  <a16:creationId xmlns:a16="http://schemas.microsoft.com/office/drawing/2014/main" xmlns="" id="{3B1EE4BA-9A31-465F-9039-3C1BBCCABFB8}"/>
                 </a:ext>
               </a:extLst>
             </p:cNvPr>
@@ -16588,7 +16680,7 @@
                   <a:ea typeface="Roboto Condensed" panose="02000000000000000000" pitchFamily="2" charset="0"/>
                   <a:cs typeface="Source Sans Pro Light"/>
                 </a:rPr>
-                <a:t>Formal-NOS</a:t>
+                <a:t>SUITING</a:t>
               </a:r>
               <a:endParaRPr lang="en-JM" sz="1600" dirty="0">
                 <a:solidFill>
@@ -16606,7 +16698,7 @@
             <p:cNvPr id="10" name="TextBox 58">
               <a:extLst>
                 <a:ext uri="{FF2B5EF4-FFF2-40B4-BE49-F238E27FC236}">
-                  <a16:creationId xmlns:a16="http://schemas.microsoft.com/office/drawing/2014/main" id="{3033B78F-F8AD-497F-8AE0-F8A337C65E79}"/>
+                  <a16:creationId xmlns:a16="http://schemas.microsoft.com/office/drawing/2014/main" xmlns="" id="{3033B78F-F8AD-497F-8AE0-F8A337C65E79}"/>
                 </a:ext>
               </a:extLst>
             </p:cNvPr>
@@ -16641,7 +16733,7 @@
                   <a:ea typeface="Roboto Condensed" panose="02000000000000000000" pitchFamily="2" charset="0"/>
                   <a:cs typeface="Source Sans Pro Light"/>
                 </a:rPr>
-                <a:t>AFI</a:t>
+                <a:t>SHIRT</a:t>
               </a:r>
               <a:endParaRPr lang="en-JM" sz="1600" dirty="0">
                 <a:solidFill>
@@ -16659,7 +16751,7 @@
             <p:cNvPr id="11" name="TextBox 60">
               <a:extLst>
                 <a:ext uri="{FF2B5EF4-FFF2-40B4-BE49-F238E27FC236}">
-                  <a16:creationId xmlns:a16="http://schemas.microsoft.com/office/drawing/2014/main" id="{021733EB-D4DC-4103-BB09-CE4C6073CA01}"/>
+                  <a16:creationId xmlns:a16="http://schemas.microsoft.com/office/drawing/2014/main" xmlns="" id="{021733EB-D4DC-4103-BB09-CE4C6073CA01}"/>
                 </a:ext>
               </a:extLst>
             </p:cNvPr>
@@ -16686,7 +16778,7 @@
                 <a:defRPr/>
               </a:pPr>
               <a:r>
-                <a:rPr lang="en-JM" sz="1600" dirty="0" err="1" smtClean="0">
+                <a:rPr lang="en-JM" sz="1600" dirty="0" smtClean="0">
                   <a:solidFill>
                     <a:srgbClr val="137B97"/>
                   </a:solidFill>
@@ -16694,7 +16786,7 @@
                   <a:ea typeface="Roboto Condensed" panose="02000000000000000000" pitchFamily="2" charset="0"/>
                   <a:cs typeface="Source Sans Pro Light"/>
                 </a:rPr>
-                <a:t>Casuale</a:t>
+                <a:t>OTHERS</a:t>
               </a:r>
               <a:endParaRPr lang="en-JM" sz="1600" dirty="0">
                 <a:solidFill>
@@ -16712,7 +16804,7 @@
             <p:cNvPr id="12" name="Grupo 15">
               <a:extLst>
                 <a:ext uri="{FF2B5EF4-FFF2-40B4-BE49-F238E27FC236}">
-                  <a16:creationId xmlns:a16="http://schemas.microsoft.com/office/drawing/2014/main" id="{D0371D95-6E01-4DAE-982E-D1DDE119097B}"/>
+                  <a16:creationId xmlns:a16="http://schemas.microsoft.com/office/drawing/2014/main" xmlns="" id="{D0371D95-6E01-4DAE-982E-D1DDE119097B}"/>
                 </a:ext>
               </a:extLst>
             </p:cNvPr>
@@ -16732,7 +16824,7 @@
               <p:cNvPr id="21" name="TextBox 63">
                 <a:extLst>
                   <a:ext uri="{FF2B5EF4-FFF2-40B4-BE49-F238E27FC236}">
-                    <a16:creationId xmlns:a16="http://schemas.microsoft.com/office/drawing/2014/main" id="{A54E9CCD-396B-4069-BF11-F08BBEE35E63}"/>
+                    <a16:creationId xmlns:a16="http://schemas.microsoft.com/office/drawing/2014/main" xmlns="" id="{A54E9CCD-396B-4069-BF11-F08BBEE35E63}"/>
                   </a:ext>
                 </a:extLst>
               </p:cNvPr>
@@ -16767,7 +16859,18 @@
                     <a:ea typeface="Roboto Condensed" panose="02000000000000000000" pitchFamily="2" charset="0"/>
                     <a:cs typeface="Source Sans Pro Light"/>
                   </a:rPr>
-                  <a:t>25%</a:t>
+                  <a:t>20.3</a:t>
+                </a:r>
+                <a:r>
+                  <a:rPr lang="en-JM" sz="1600" dirty="0" smtClean="0">
+                    <a:solidFill>
+                      <a:srgbClr val="F9BA15"/>
+                    </a:solidFill>
+                    <a:latin typeface="Roboto Condensed" panose="02000000000000000000" pitchFamily="2" charset="0"/>
+                    <a:ea typeface="Roboto Condensed" panose="02000000000000000000" pitchFamily="2" charset="0"/>
+                    <a:cs typeface="Source Sans Pro Light"/>
+                  </a:rPr>
+                  <a:t>%</a:t>
                 </a:r>
                 <a:endParaRPr lang="en-JM" sz="1600" dirty="0">
                   <a:solidFill>
@@ -16785,7 +16888,7 @@
               <p:cNvPr id="22" name="Pie 64">
                 <a:extLst>
                   <a:ext uri="{FF2B5EF4-FFF2-40B4-BE49-F238E27FC236}">
-                    <a16:creationId xmlns:a16="http://schemas.microsoft.com/office/drawing/2014/main" id="{367B7FFC-EF7D-4528-9E8B-7ED670AE4B81}"/>
+                    <a16:creationId xmlns:a16="http://schemas.microsoft.com/office/drawing/2014/main" xmlns="" id="{367B7FFC-EF7D-4528-9E8B-7ED670AE4B81}"/>
                   </a:ext>
                 </a:extLst>
               </p:cNvPr>
@@ -16801,7 +16904,7 @@
               </a:xfrm>
               <a:prstGeom prst="pie">
                 <a:avLst>
-                  <a:gd name="adj1" fmla="val 10826348"/>
+                  <a:gd name="adj1" fmla="val 12118649"/>
                   <a:gd name="adj2" fmla="val 16128762"/>
                 </a:avLst>
               </a:prstGeom>
@@ -16850,7 +16953,7 @@
               <p:cNvPr id="23" name="Oval 30">
                 <a:extLst>
                   <a:ext uri="{FF2B5EF4-FFF2-40B4-BE49-F238E27FC236}">
-                    <a16:creationId xmlns:a16="http://schemas.microsoft.com/office/drawing/2014/main" id="{84B2C089-4138-4BC6-8497-4280BFC10A6A}"/>
+                    <a16:creationId xmlns:a16="http://schemas.microsoft.com/office/drawing/2014/main" xmlns="" id="{84B2C089-4138-4BC6-8497-4280BFC10A6A}"/>
                   </a:ext>
                 </a:extLst>
               </p:cNvPr>
@@ -16911,7 +17014,7 @@
             <p:cNvPr id="13" name="Grupo 19">
               <a:extLst>
                 <a:ext uri="{FF2B5EF4-FFF2-40B4-BE49-F238E27FC236}">
-                  <a16:creationId xmlns:a16="http://schemas.microsoft.com/office/drawing/2014/main" id="{B7BC7AC3-7375-4B34-82EF-BADC7A2C9BE0}"/>
+                  <a16:creationId xmlns:a16="http://schemas.microsoft.com/office/drawing/2014/main" xmlns="" id="{B7BC7AC3-7375-4B34-82EF-BADC7A2C9BE0}"/>
                 </a:ext>
               </a:extLst>
             </p:cNvPr>
@@ -16931,7 +17034,7 @@
               <p:cNvPr id="18" name="TextBox 67">
                 <a:extLst>
                   <a:ext uri="{FF2B5EF4-FFF2-40B4-BE49-F238E27FC236}">
-                    <a16:creationId xmlns:a16="http://schemas.microsoft.com/office/drawing/2014/main" id="{408884E0-0767-4DDB-85A6-999861EDA558}"/>
+                    <a16:creationId xmlns:a16="http://schemas.microsoft.com/office/drawing/2014/main" xmlns="" id="{408884E0-0767-4DDB-85A6-999861EDA558}"/>
                   </a:ext>
                 </a:extLst>
               </p:cNvPr>
@@ -16966,7 +17069,18 @@
                     <a:ea typeface="Roboto Condensed" panose="02000000000000000000" pitchFamily="2" charset="0"/>
                     <a:cs typeface="Source Sans Pro Light"/>
                   </a:rPr>
-                  <a:t>14%</a:t>
+                  <a:t>4.1</a:t>
+                </a:r>
+                <a:r>
+                  <a:rPr lang="en-JM" sz="1600" dirty="0" smtClean="0">
+                    <a:solidFill>
+                      <a:srgbClr val="8EAC00"/>
+                    </a:solidFill>
+                    <a:latin typeface="Roboto Condensed" panose="02000000000000000000" pitchFamily="2" charset="0"/>
+                    <a:ea typeface="Roboto Condensed" panose="02000000000000000000" pitchFamily="2" charset="0"/>
+                    <a:cs typeface="Source Sans Pro Light"/>
+                  </a:rPr>
+                  <a:t>%</a:t>
                 </a:r>
                 <a:endParaRPr lang="en-JM" sz="1600" dirty="0">
                   <a:solidFill>
@@ -16984,7 +17098,7 @@
               <p:cNvPr id="19" name="Pie 68">
                 <a:extLst>
                   <a:ext uri="{FF2B5EF4-FFF2-40B4-BE49-F238E27FC236}">
-                    <a16:creationId xmlns:a16="http://schemas.microsoft.com/office/drawing/2014/main" id="{2961A3A3-195F-4550-BAB6-01C959785553}"/>
+                    <a16:creationId xmlns:a16="http://schemas.microsoft.com/office/drawing/2014/main" xmlns="" id="{2961A3A3-195F-4550-BAB6-01C959785553}"/>
                   </a:ext>
                 </a:extLst>
               </p:cNvPr>
@@ -17001,7 +17115,7 @@
               <a:prstGeom prst="pie">
                 <a:avLst>
                   <a:gd name="adj1" fmla="val 18345491"/>
-                  <a:gd name="adj2" fmla="val 21530136"/>
+                  <a:gd name="adj2" fmla="val 18906873"/>
                 </a:avLst>
               </a:prstGeom>
               <a:solidFill>
@@ -17049,7 +17163,7 @@
               <p:cNvPr id="20" name="Oval 31">
                 <a:extLst>
                   <a:ext uri="{FF2B5EF4-FFF2-40B4-BE49-F238E27FC236}">
-                    <a16:creationId xmlns:a16="http://schemas.microsoft.com/office/drawing/2014/main" id="{061DAE26-F459-4D38-8D48-16D61CE131CF}"/>
+                    <a16:creationId xmlns:a16="http://schemas.microsoft.com/office/drawing/2014/main" xmlns="" id="{061DAE26-F459-4D38-8D48-16D61CE131CF}"/>
                   </a:ext>
                 </a:extLst>
               </p:cNvPr>
@@ -17110,7 +17224,7 @@
             <p:cNvPr id="14" name="Grupo 23">
               <a:extLst>
                 <a:ext uri="{FF2B5EF4-FFF2-40B4-BE49-F238E27FC236}">
-                  <a16:creationId xmlns:a16="http://schemas.microsoft.com/office/drawing/2014/main" id="{495E41F7-BF35-4B2D-944E-2DA0C561ACCC}"/>
+                  <a16:creationId xmlns:a16="http://schemas.microsoft.com/office/drawing/2014/main" xmlns="" id="{495E41F7-BF35-4B2D-944E-2DA0C561ACCC}"/>
                 </a:ext>
               </a:extLst>
             </p:cNvPr>
@@ -17130,7 +17244,7 @@
               <p:cNvPr id="15" name="TextBox 71">
                 <a:extLst>
                   <a:ext uri="{FF2B5EF4-FFF2-40B4-BE49-F238E27FC236}">
-                    <a16:creationId xmlns:a16="http://schemas.microsoft.com/office/drawing/2014/main" id="{4209F6A2-4373-41F6-A1B0-AD43ADE1F1A5}"/>
+                    <a16:creationId xmlns:a16="http://schemas.microsoft.com/office/drawing/2014/main" xmlns="" id="{4209F6A2-4373-41F6-A1B0-AD43ADE1F1A5}"/>
                   </a:ext>
                 </a:extLst>
               </p:cNvPr>
@@ -17165,7 +17279,18 @@
                     <a:ea typeface="Roboto Condensed" panose="02000000000000000000" pitchFamily="2" charset="0"/>
                     <a:cs typeface="Source Sans Pro Light"/>
                   </a:rPr>
-                  <a:t>10%</a:t>
+                  <a:t>0.6</a:t>
+                </a:r>
+                <a:r>
+                  <a:rPr lang="en-JM" sz="1600" dirty="0" smtClean="0">
+                    <a:solidFill>
+                      <a:srgbClr val="137B97"/>
+                    </a:solidFill>
+                    <a:latin typeface="Roboto Condensed" panose="02000000000000000000" pitchFamily="2" charset="0"/>
+                    <a:ea typeface="Roboto Condensed" panose="02000000000000000000" pitchFamily="2" charset="0"/>
+                    <a:cs typeface="Source Sans Pro Light"/>
+                  </a:rPr>
+                  <a:t>%</a:t>
                 </a:r>
                 <a:endParaRPr lang="en-JM" sz="1600" dirty="0">
                   <a:solidFill>
@@ -17183,7 +17308,7 @@
               <p:cNvPr id="16" name="Pie 72">
                 <a:extLst>
                   <a:ext uri="{FF2B5EF4-FFF2-40B4-BE49-F238E27FC236}">
-                    <a16:creationId xmlns:a16="http://schemas.microsoft.com/office/drawing/2014/main" id="{58DE9E43-A29E-443A-B2FD-7EE77ECEA0D1}"/>
+                    <a16:creationId xmlns:a16="http://schemas.microsoft.com/office/drawing/2014/main" xmlns="" id="{58DE9E43-A29E-443A-B2FD-7EE77ECEA0D1}"/>
                   </a:ext>
                 </a:extLst>
               </p:cNvPr>
@@ -17200,7 +17325,7 @@
               <a:prstGeom prst="pie">
                 <a:avLst>
                   <a:gd name="adj1" fmla="val 0"/>
-                  <a:gd name="adj2" fmla="val 1758669"/>
+                  <a:gd name="adj2" fmla="val 108743"/>
                 </a:avLst>
               </a:prstGeom>
               <a:solidFill>
@@ -17248,7 +17373,7 @@
               <p:cNvPr id="17" name="Oval 32">
                 <a:extLst>
                   <a:ext uri="{FF2B5EF4-FFF2-40B4-BE49-F238E27FC236}">
-                    <a16:creationId xmlns:a16="http://schemas.microsoft.com/office/drawing/2014/main" id="{E6E34961-A755-48B0-A86B-42707577A28A}"/>
+                    <a16:creationId xmlns:a16="http://schemas.microsoft.com/office/drawing/2014/main" xmlns="" id="{E6E34961-A755-48B0-A86B-42707577A28A}"/>
                   </a:ext>
                 </a:extLst>
               </p:cNvPr>
@@ -17310,7 +17435,7 @@
           <p:cNvPr id="27" name="Group 26">
             <a:extLst>
               <a:ext uri="{FF2B5EF4-FFF2-40B4-BE49-F238E27FC236}">
-                <a16:creationId xmlns:a16="http://schemas.microsoft.com/office/drawing/2014/main" id="{B44DBC38-1D68-4AFB-AC65-C20D0791176F}"/>
+                <a16:creationId xmlns:a16="http://schemas.microsoft.com/office/drawing/2014/main" xmlns="" id="{B44DBC38-1D68-4AFB-AC65-C20D0791176F}"/>
               </a:ext>
             </a:extLst>
           </p:cNvPr>
@@ -17330,7 +17455,7 @@
             <p:cNvPr id="28" name="Rectangle 13">
               <a:extLst>
                 <a:ext uri="{FF2B5EF4-FFF2-40B4-BE49-F238E27FC236}">
-                  <a16:creationId xmlns:a16="http://schemas.microsoft.com/office/drawing/2014/main" id="{3D55915B-E745-454F-B445-9B9C8858470B}"/>
+                  <a16:creationId xmlns:a16="http://schemas.microsoft.com/office/drawing/2014/main" xmlns="" id="{3D55915B-E745-454F-B445-9B9C8858470B}"/>
                 </a:ext>
               </a:extLst>
             </p:cNvPr>
@@ -17390,7 +17515,7 @@
             <p:cNvPr id="29" name="TextBox 120">
               <a:extLst>
                 <a:ext uri="{FF2B5EF4-FFF2-40B4-BE49-F238E27FC236}">
-                  <a16:creationId xmlns:a16="http://schemas.microsoft.com/office/drawing/2014/main" id="{F61A395F-4316-4972-8728-0922B29B0B17}"/>
+                  <a16:creationId xmlns:a16="http://schemas.microsoft.com/office/drawing/2014/main" xmlns="" id="{F61A395F-4316-4972-8728-0922B29B0B17}"/>
                 </a:ext>
               </a:extLst>
             </p:cNvPr>
@@ -17553,13 +17678,22 @@
                 <a:t>Almost </a:t>
               </a:r>
               <a:r>
+                <a:rPr lang="en-IN" altLang="es-ES" b="1" dirty="0" smtClean="0">
+                  <a:solidFill>
+                    <a:schemeClr val="bg1"/>
+                  </a:solidFill>
+                  <a:latin typeface="Lato" panose="020F0502020204030203" pitchFamily="34" charset="0"/>
+                </a:rPr>
+                <a:t>93.5% of </a:t>
+              </a:r>
+              <a:r>
                 <a:rPr lang="en-IN" altLang="es-ES" b="1" dirty="0">
                   <a:solidFill>
                     <a:schemeClr val="bg1"/>
                   </a:solidFill>
                   <a:latin typeface="Lato" panose="020F0502020204030203" pitchFamily="34" charset="0"/>
                 </a:rPr>
-                <a:t>of Sales is contributed by </a:t>
+                <a:t>Sales is contributed </a:t>
               </a:r>
               <a:r>
                 <a:rPr lang="en-IN" altLang="es-ES" b="1" dirty="0" smtClean="0">
@@ -17568,34 +17702,7 @@
                   </a:solidFill>
                   <a:latin typeface="Lato" panose="020F0502020204030203" pitchFamily="34" charset="0"/>
                 </a:rPr>
-                <a:t>Formal </a:t>
-              </a:r>
-              <a:r>
-                <a:rPr lang="en-IN" altLang="es-ES" b="1" dirty="0">
-                  <a:solidFill>
-                    <a:schemeClr val="bg1"/>
-                  </a:solidFill>
-                  <a:latin typeface="Lato" panose="020F0502020204030203" pitchFamily="34" charset="0"/>
-                </a:rPr>
-                <a:t>and </a:t>
-              </a:r>
-              <a:r>
-                <a:rPr lang="en-IN" altLang="es-ES" b="1" dirty="0" err="1" smtClean="0">
-                  <a:solidFill>
-                    <a:schemeClr val="bg1"/>
-                  </a:solidFill>
-                  <a:latin typeface="Lato" panose="020F0502020204030203" pitchFamily="34" charset="0"/>
-                </a:rPr>
-                <a:t>Casuale</a:t>
-              </a:r>
-              <a:r>
-                <a:rPr lang="en-IN" altLang="es-ES" b="1" dirty="0" smtClean="0">
-                  <a:solidFill>
-                    <a:schemeClr val="bg1"/>
-                  </a:solidFill>
-                  <a:latin typeface="Lato" panose="020F0502020204030203" pitchFamily="34" charset="0"/>
-                </a:rPr>
-                <a:t>.</a:t>
+                <a:t>by Shirting and Suiting.</a:t>
               </a:r>
               <a:endParaRPr lang="id-ID" altLang="es-ES" b="1" dirty="0">
                 <a:solidFill>
@@ -17611,7 +17718,7 @@
             <p:cNvPr id="30" name="Freeform 11">
               <a:extLst>
                 <a:ext uri="{FF2B5EF4-FFF2-40B4-BE49-F238E27FC236}">
-                  <a16:creationId xmlns:a16="http://schemas.microsoft.com/office/drawing/2014/main" id="{F366EC0A-13DA-4FF3-A837-6A4E800D072C}"/>
+                  <a16:creationId xmlns:a16="http://schemas.microsoft.com/office/drawing/2014/main" xmlns="" id="{F366EC0A-13DA-4FF3-A837-6A4E800D072C}"/>
                 </a:ext>
               </a:extLst>
             </p:cNvPr>
@@ -17713,7 +17820,7 @@
             <p:cNvPr id="31" name="Freeform 12">
               <a:extLst>
                 <a:ext uri="{FF2B5EF4-FFF2-40B4-BE49-F238E27FC236}">
-                  <a16:creationId xmlns:a16="http://schemas.microsoft.com/office/drawing/2014/main" id="{8E16C770-8F8B-4FA6-A482-7BB437B0AB63}"/>
+                  <a16:creationId xmlns:a16="http://schemas.microsoft.com/office/drawing/2014/main" xmlns="" id="{8E16C770-8F8B-4FA6-A482-7BB437B0AB63}"/>
                 </a:ext>
               </a:extLst>
             </p:cNvPr>
@@ -17820,7 +17927,7 @@
             <p:cNvPr id="32" name="Freeform 13">
               <a:extLst>
                 <a:ext uri="{FF2B5EF4-FFF2-40B4-BE49-F238E27FC236}">
-                  <a16:creationId xmlns:a16="http://schemas.microsoft.com/office/drawing/2014/main" id="{726DDA04-102A-40C6-A4EF-70E3D0CEC287}"/>
+                  <a16:creationId xmlns:a16="http://schemas.microsoft.com/office/drawing/2014/main" xmlns="" id="{726DDA04-102A-40C6-A4EF-70E3D0CEC287}"/>
                 </a:ext>
               </a:extLst>
             </p:cNvPr>
@@ -17921,7 +18028,7 @@
           <p:cNvPr id="33" name="Group 32">
             <a:extLst>
               <a:ext uri="{FF2B5EF4-FFF2-40B4-BE49-F238E27FC236}">
-                <a16:creationId xmlns:a16="http://schemas.microsoft.com/office/drawing/2014/main" id="{A48B3007-24E1-41EA-AFD1-0DFCD846BCEA}"/>
+                <a16:creationId xmlns:a16="http://schemas.microsoft.com/office/drawing/2014/main" xmlns="" id="{A48B3007-24E1-41EA-AFD1-0DFCD846BCEA}"/>
               </a:ext>
             </a:extLst>
           </p:cNvPr>
@@ -17941,7 +18048,7 @@
             <p:cNvPr id="34" name="Freeform 9">
               <a:extLst>
                 <a:ext uri="{FF2B5EF4-FFF2-40B4-BE49-F238E27FC236}">
-                  <a16:creationId xmlns:a16="http://schemas.microsoft.com/office/drawing/2014/main" id="{40056C85-EB03-4F58-BF7A-2F5EEB3C31F0}"/>
+                  <a16:creationId xmlns:a16="http://schemas.microsoft.com/office/drawing/2014/main" xmlns="" id="{40056C85-EB03-4F58-BF7A-2F5EEB3C31F0}"/>
                 </a:ext>
               </a:extLst>
             </p:cNvPr>
@@ -18043,7 +18150,7 @@
             <p:cNvPr id="35" name="Freeform 10">
               <a:extLst>
                 <a:ext uri="{FF2B5EF4-FFF2-40B4-BE49-F238E27FC236}">
-                  <a16:creationId xmlns:a16="http://schemas.microsoft.com/office/drawing/2014/main" id="{A9F32A4A-8509-44A9-A3F4-C071BC62862F}"/>
+                  <a16:creationId xmlns:a16="http://schemas.microsoft.com/office/drawing/2014/main" xmlns="" id="{A9F32A4A-8509-44A9-A3F4-C071BC62862F}"/>
                 </a:ext>
               </a:extLst>
             </p:cNvPr>
@@ -18145,7 +18252,7 @@
             <p:cNvPr id="36" name="Freeform 13">
               <a:extLst>
                 <a:ext uri="{FF2B5EF4-FFF2-40B4-BE49-F238E27FC236}">
-                  <a16:creationId xmlns:a16="http://schemas.microsoft.com/office/drawing/2014/main" id="{8196F381-2B80-4A09-B293-F0037D54D3D0}"/>
+                  <a16:creationId xmlns:a16="http://schemas.microsoft.com/office/drawing/2014/main" xmlns="" id="{8196F381-2B80-4A09-B293-F0037D54D3D0}"/>
                 </a:ext>
               </a:extLst>
             </p:cNvPr>
@@ -18245,7 +18352,7 @@
             <p:cNvPr id="37" name="Group 36">
               <a:extLst>
                 <a:ext uri="{FF2B5EF4-FFF2-40B4-BE49-F238E27FC236}">
-                  <a16:creationId xmlns:a16="http://schemas.microsoft.com/office/drawing/2014/main" id="{636D1E76-CA7F-4B73-A515-3422B8FDC779}"/>
+                  <a16:creationId xmlns:a16="http://schemas.microsoft.com/office/drawing/2014/main" xmlns="" id="{636D1E76-CA7F-4B73-A515-3422B8FDC779}"/>
                 </a:ext>
               </a:extLst>
             </p:cNvPr>
@@ -18254,10 +18361,10 @@
           </p:nvGrpSpPr>
           <p:grpSpPr>
             <a:xfrm>
-              <a:off x="8142288" y="2516187"/>
-              <a:ext cx="4049712" cy="841375"/>
-              <a:chOff x="8142288" y="2516187"/>
-              <a:chExt cx="4049712" cy="841375"/>
+              <a:off x="8142287" y="2516187"/>
+              <a:ext cx="4049713" cy="841375"/>
+              <a:chOff x="8142287" y="2516187"/>
+              <a:chExt cx="4049713" cy="841375"/>
             </a:xfrm>
           </p:grpSpPr>
           <p:sp>
@@ -18265,7 +18372,7 @@
               <p:cNvPr id="38" name="Rectangle 61">
                 <a:extLst>
                   <a:ext uri="{FF2B5EF4-FFF2-40B4-BE49-F238E27FC236}">
-                    <a16:creationId xmlns:a16="http://schemas.microsoft.com/office/drawing/2014/main" id="{F7A6B046-9ED9-4428-B1E0-1A840B95D6C3}"/>
+                    <a16:creationId xmlns:a16="http://schemas.microsoft.com/office/drawing/2014/main" xmlns="" id="{F7A6B046-9ED9-4428-B1E0-1A840B95D6C3}"/>
                   </a:ext>
                 </a:extLst>
               </p:cNvPr>
@@ -18325,7 +18432,7 @@
               <p:cNvPr id="39" name="TextBox 123">
                 <a:extLst>
                   <a:ext uri="{FF2B5EF4-FFF2-40B4-BE49-F238E27FC236}">
-                    <a16:creationId xmlns:a16="http://schemas.microsoft.com/office/drawing/2014/main" id="{03C72465-E545-431E-947B-26800D914BA1}"/>
+                    <a16:creationId xmlns:a16="http://schemas.microsoft.com/office/drawing/2014/main" xmlns="" id="{03C72465-E545-431E-947B-26800D914BA1}"/>
                   </a:ext>
                 </a:extLst>
               </p:cNvPr>
@@ -18336,8 +18443,8 @@
             </p:nvSpPr>
             <p:spPr bwMode="auto">
               <a:xfrm>
-                <a:off x="8178937" y="2575864"/>
-                <a:ext cx="3658837" cy="399693"/>
+                <a:off x="8142287" y="2737027"/>
+                <a:ext cx="3658837" cy="444104"/>
               </a:xfrm>
               <a:prstGeom prst="rect">
                 <a:avLst/>
@@ -18479,16 +18586,25 @@
               </a:lstStyle>
               <a:p>
                 <a:r>
-                  <a:rPr lang="en-IN" altLang="es-ES" sz="1200" b="1" dirty="0" smtClean="0">
+                  <a:rPr lang="en-IN" altLang="es-ES" b="1" dirty="0" smtClean="0">
                     <a:solidFill>
                       <a:schemeClr val="bg1"/>
                     </a:solidFill>
                     <a:latin typeface="Lato" panose="020F0502020204030203" pitchFamily="34" charset="0"/>
                   </a:rPr>
-                  <a:t>AFI and Urban </a:t>
+                  <a:t>Chambray</a:t>
                 </a:r>
                 <a:r>
-                  <a:rPr lang="en-IN" altLang="es-ES" sz="1200" b="1" dirty="0">
+                  <a:rPr lang="en-IN" altLang="es-ES" b="1" dirty="0" smtClean="0">
+                    <a:solidFill>
+                      <a:schemeClr val="bg1"/>
+                    </a:solidFill>
+                    <a:latin typeface="Lato" panose="020F0502020204030203" pitchFamily="34" charset="0"/>
+                  </a:rPr>
+                  <a:t> </a:t>
+                </a:r>
+                <a:r>
+                  <a:rPr lang="en-IN" altLang="es-ES" b="1" dirty="0">
                     <a:solidFill>
                       <a:schemeClr val="bg1"/>
                     </a:solidFill>
@@ -18497,7 +18613,25 @@
                   <a:t>contributes </a:t>
                 </a:r>
                 <a:r>
-                  <a:rPr lang="en-IN" altLang="es-ES" sz="1200" b="1" dirty="0" smtClean="0">
+                  <a:rPr lang="en-IN" altLang="es-ES" b="1" dirty="0" smtClean="0">
+                    <a:solidFill>
+                      <a:schemeClr val="bg1"/>
+                    </a:solidFill>
+                    <a:latin typeface="Lato" panose="020F0502020204030203" pitchFamily="34" charset="0"/>
+                  </a:rPr>
+                  <a:t>33% </a:t>
+                </a:r>
+                <a:r>
+                  <a:rPr lang="en-IN" altLang="es-ES" b="1" dirty="0">
+                    <a:solidFill>
+                      <a:schemeClr val="bg1"/>
+                    </a:solidFill>
+                    <a:latin typeface="Lato" panose="020F0502020204030203" pitchFamily="34" charset="0"/>
+                  </a:rPr>
+                  <a:t>in </a:t>
+                </a:r>
+                <a:r>
+                  <a:rPr lang="en-IN" altLang="es-ES" b="1" dirty="0" smtClean="0">
                     <a:solidFill>
                       <a:schemeClr val="bg1"/>
                     </a:solidFill>
@@ -18506,33 +18640,24 @@
                   <a:t> </a:t>
                 </a:r>
                 <a:r>
-                  <a:rPr lang="en-IN" altLang="es-ES" sz="1200" b="1" dirty="0">
+                  <a:rPr lang="en-IN" altLang="es-ES" b="1" dirty="0" smtClean="0">
                     <a:solidFill>
                       <a:schemeClr val="bg1"/>
                     </a:solidFill>
                     <a:latin typeface="Lato" panose="020F0502020204030203" pitchFamily="34" charset="0"/>
                   </a:rPr>
-                  <a:t>in </a:t>
+                  <a:t>total sales</a:t>
                 </a:r>
                 <a:r>
-                  <a:rPr lang="en-IN" altLang="es-ES" sz="1200" b="1" dirty="0" smtClean="0">
+                  <a:rPr lang="en-IN" altLang="es-ES" b="1" dirty="0">
                     <a:solidFill>
                       <a:schemeClr val="bg1"/>
                     </a:solidFill>
                     <a:latin typeface="Lato" panose="020F0502020204030203" pitchFamily="34" charset="0"/>
                   </a:rPr>
-                  <a:t> </a:t>
+                  <a:t>.</a:t>
                 </a:r>
-                <a:r>
-                  <a:rPr lang="en-IN" altLang="es-ES" sz="1200" b="1" dirty="0">
-                    <a:solidFill>
-                      <a:schemeClr val="bg1"/>
-                    </a:solidFill>
-                    <a:latin typeface="Lato" panose="020F0502020204030203" pitchFamily="34" charset="0"/>
-                  </a:rPr>
-                  <a:t>sales.</a:t>
-                </a:r>
-                <a:endParaRPr lang="id-ID" altLang="es-ES" sz="1200" b="1" dirty="0">
+                <a:endParaRPr lang="id-ID" altLang="es-ES" b="1" dirty="0">
                   <a:solidFill>
                     <a:schemeClr val="bg1"/>
                   </a:solidFill>
@@ -18545,21 +18670,21 @@
       </p:grpSp>
       <p:graphicFrame>
         <p:nvGraphicFramePr>
-          <p:cNvPr id="40" name="Chart 39"/>
+          <p:cNvPr id="41" name="Chart 40"/>
           <p:cNvGraphicFramePr>
             <a:graphicFrameLocks/>
           </p:cNvGraphicFramePr>
           <p:nvPr>
             <p:extLst>
               <p:ext uri="{D42A27DB-BD31-4B8C-83A1-F6EECF244321}">
-                <p14:modId xmlns:p14="http://schemas.microsoft.com/office/powerpoint/2010/main" val="588304473"/>
+                <p14:modId xmlns:p14="http://schemas.microsoft.com/office/powerpoint/2010/main" val="2188420061"/>
               </p:ext>
             </p:extLst>
           </p:nvPr>
         </p:nvGraphicFramePr>
         <p:xfrm>
-          <a:off x="5788733" y="3746586"/>
-          <a:ext cx="6082604" cy="3111413"/>
+          <a:off x="384040" y="3741989"/>
+          <a:ext cx="5345396" cy="3016015"/>
         </p:xfrm>
         <a:graphic>
           <a:graphicData uri="http://schemas.openxmlformats.org/drawingml/2006/chart">
@@ -18569,21 +18694,21 @@
       </p:graphicFrame>
       <p:graphicFrame>
         <p:nvGraphicFramePr>
-          <p:cNvPr id="42" name="Chart 41"/>
+          <p:cNvPr id="43" name="Chart 42"/>
           <p:cNvGraphicFramePr>
             <a:graphicFrameLocks/>
           </p:cNvGraphicFramePr>
           <p:nvPr>
             <p:extLst>
               <p:ext uri="{D42A27DB-BD31-4B8C-83A1-F6EECF244321}">
-                <p14:modId xmlns:p14="http://schemas.microsoft.com/office/powerpoint/2010/main" val="3693414056"/>
+                <p14:modId xmlns:p14="http://schemas.microsoft.com/office/powerpoint/2010/main" val="3915687162"/>
               </p:ext>
             </p:extLst>
           </p:nvPr>
         </p:nvGraphicFramePr>
         <p:xfrm>
-          <a:off x="86367" y="3746585"/>
-          <a:ext cx="5768707" cy="3111414"/>
+          <a:off x="6204245" y="3741989"/>
+          <a:ext cx="5306938" cy="3016015"/>
         </p:xfrm>
         <a:graphic>
           <a:graphicData uri="http://schemas.openxmlformats.org/drawingml/2006/chart">
@@ -18591,39 +18716,6 @@
           </a:graphicData>
         </a:graphic>
       </p:graphicFrame>
-      <p:sp>
-        <p:nvSpPr>
-          <p:cNvPr id="44" name="TextBox 43"/>
-          <p:cNvSpPr txBox="1"/>
-          <p:nvPr/>
-        </p:nvSpPr>
-        <p:spPr>
-          <a:xfrm>
-            <a:off x="10478530" y="6450227"/>
-            <a:ext cx="1118856" cy="307777"/>
-          </a:xfrm>
-          <a:prstGeom prst="rect">
-            <a:avLst/>
-          </a:prstGeom>
-          <a:solidFill>
-            <a:srgbClr val="92D050"/>
-          </a:solidFill>
-        </p:spPr>
-        <p:txBody>
-          <a:bodyPr wrap="square" rtlCol="0">
-            <a:spAutoFit/>
-          </a:bodyPr>
-          <a:lstStyle/>
-          <a:p>
-            <a:pPr algn="ctr"/>
-            <a:r>
-              <a:rPr lang="en-US" dirty="0" smtClean="0"/>
-              <a:t>P. DONE</a:t>
-            </a:r>
-            <a:endParaRPr lang="en-IN" dirty="0"/>
-          </a:p>
-        </p:txBody>
-      </p:sp>
     </p:spTree>
     <p:extLst>
       <p:ext uri="{BB962C8B-B14F-4D97-AF65-F5344CB8AC3E}">
@@ -18666,7 +18758,7 @@
           <p:cNvPr id="79" name="Straight Connector 78">
             <a:extLst>
               <a:ext uri="{FF2B5EF4-FFF2-40B4-BE49-F238E27FC236}">
-                <a16:creationId xmlns:a16="http://schemas.microsoft.com/office/drawing/2014/main" id="{B04F1C4A-DE46-4F7F-A6AE-EA070E2B184B}"/>
+                <a16:creationId xmlns:a16="http://schemas.microsoft.com/office/drawing/2014/main" xmlns="" id="{B04F1C4A-DE46-4F7F-A6AE-EA070E2B184B}"/>
               </a:ext>
             </a:extLst>
           </p:cNvPr>
@@ -18705,7 +18797,7 @@
           <p:cNvPr id="83" name="Straight Connector 82">
             <a:extLst>
               <a:ext uri="{FF2B5EF4-FFF2-40B4-BE49-F238E27FC236}">
-                <a16:creationId xmlns:a16="http://schemas.microsoft.com/office/drawing/2014/main" id="{AD02992B-E942-4E4D-A1AD-E5E078435C5A}"/>
+                <a16:creationId xmlns:a16="http://schemas.microsoft.com/office/drawing/2014/main" xmlns="" id="{AD02992B-E942-4E4D-A1AD-E5E078435C5A}"/>
               </a:ext>
             </a:extLst>
           </p:cNvPr>
@@ -18743,7 +18835,7 @@
           <p:cNvPr id="84" name="Straight Connector 83">
             <a:extLst>
               <a:ext uri="{FF2B5EF4-FFF2-40B4-BE49-F238E27FC236}">
-                <a16:creationId xmlns:a16="http://schemas.microsoft.com/office/drawing/2014/main" id="{6EC76398-343D-4918-96C3-8033FA8C7A75}"/>
+                <a16:creationId xmlns:a16="http://schemas.microsoft.com/office/drawing/2014/main" xmlns="" id="{6EC76398-343D-4918-96C3-8033FA8C7A75}"/>
               </a:ext>
             </a:extLst>
           </p:cNvPr>
@@ -18781,7 +18873,7 @@
           <p:cNvPr id="85" name="Straight Connector 84">
             <a:extLst>
               <a:ext uri="{FF2B5EF4-FFF2-40B4-BE49-F238E27FC236}">
-                <a16:creationId xmlns:a16="http://schemas.microsoft.com/office/drawing/2014/main" id="{FF3255E3-CC00-4F26-9E30-FC78AF864F5D}"/>
+                <a16:creationId xmlns:a16="http://schemas.microsoft.com/office/drawing/2014/main" xmlns="" id="{FF3255E3-CC00-4F26-9E30-FC78AF864F5D}"/>
               </a:ext>
             </a:extLst>
           </p:cNvPr>
@@ -18819,7 +18911,7 @@
           <p:cNvPr id="5" name="Title 4">
             <a:extLst>
               <a:ext uri="{FF2B5EF4-FFF2-40B4-BE49-F238E27FC236}">
-                <a16:creationId xmlns:a16="http://schemas.microsoft.com/office/drawing/2014/main" id="{34A8139F-8F6A-4A0A-A350-CDBC9F7769DA}"/>
+                <a16:creationId xmlns:a16="http://schemas.microsoft.com/office/drawing/2014/main" xmlns="" id="{34A8139F-8F6A-4A0A-A350-CDBC9F7769DA}"/>
               </a:ext>
             </a:extLst>
           </p:cNvPr>
@@ -18854,7 +18946,7 @@
           <p:cNvPr id="2" name="TextBox 1">
             <a:extLst>
               <a:ext uri="{FF2B5EF4-FFF2-40B4-BE49-F238E27FC236}">
-                <a16:creationId xmlns:a16="http://schemas.microsoft.com/office/drawing/2014/main" id="{8D06F462-6194-4EC9-854A-2D8069CA2858}"/>
+                <a16:creationId xmlns:a16="http://schemas.microsoft.com/office/drawing/2014/main" xmlns="" id="{8D06F462-6194-4EC9-854A-2D8069CA2858}"/>
               </a:ext>
             </a:extLst>
           </p:cNvPr>
@@ -18902,7 +18994,7 @@
           <p:cNvPr id="3" name="Group 2">
             <a:extLst>
               <a:ext uri="{FF2B5EF4-FFF2-40B4-BE49-F238E27FC236}">
-                <a16:creationId xmlns:a16="http://schemas.microsoft.com/office/drawing/2014/main" id="{F67F18BA-8F16-4F22-A64F-5B71AC077EED}"/>
+                <a16:creationId xmlns:a16="http://schemas.microsoft.com/office/drawing/2014/main" xmlns="" id="{F67F18BA-8F16-4F22-A64F-5B71AC077EED}"/>
               </a:ext>
             </a:extLst>
           </p:cNvPr>
@@ -18922,7 +19014,7 @@
             <p:cNvPr id="4" name="그룹 17">
               <a:extLst>
                 <a:ext uri="{FF2B5EF4-FFF2-40B4-BE49-F238E27FC236}">
-                  <a16:creationId xmlns:a16="http://schemas.microsoft.com/office/drawing/2014/main" id="{6A58F1E9-368E-4640-BAED-84D60ED30862}"/>
+                  <a16:creationId xmlns:a16="http://schemas.microsoft.com/office/drawing/2014/main" xmlns="" id="{6A58F1E9-368E-4640-BAED-84D60ED30862}"/>
                 </a:ext>
               </a:extLst>
             </p:cNvPr>
@@ -18948,7 +19040,7 @@
               <p:cNvPr id="6" name="타원 7">
                 <a:extLst>
                   <a:ext uri="{FF2B5EF4-FFF2-40B4-BE49-F238E27FC236}">
-                    <a16:creationId xmlns:a16="http://schemas.microsoft.com/office/drawing/2014/main" id="{68663EC1-7211-4CAA-89AB-523E63B07551}"/>
+                    <a16:creationId xmlns:a16="http://schemas.microsoft.com/office/drawing/2014/main" xmlns="" id="{68663EC1-7211-4CAA-89AB-523E63B07551}"/>
                   </a:ext>
                 </a:extLst>
               </p:cNvPr>
@@ -18996,7 +19088,7 @@
               <p:cNvPr id="7" name="타원 6">
                 <a:extLst>
                   <a:ext uri="{FF2B5EF4-FFF2-40B4-BE49-F238E27FC236}">
-                    <a16:creationId xmlns:a16="http://schemas.microsoft.com/office/drawing/2014/main" id="{75B8E928-CCF6-46C2-BE39-2D6DED4ABC5F}"/>
+                    <a16:creationId xmlns:a16="http://schemas.microsoft.com/office/drawing/2014/main" xmlns="" id="{75B8E928-CCF6-46C2-BE39-2D6DED4ABC5F}"/>
                   </a:ext>
                 </a:extLst>
               </p:cNvPr>
@@ -19038,7 +19130,7 @@
               <p:cNvPr id="8" name="타원 5">
                 <a:extLst>
                   <a:ext uri="{FF2B5EF4-FFF2-40B4-BE49-F238E27FC236}">
-                    <a16:creationId xmlns:a16="http://schemas.microsoft.com/office/drawing/2014/main" id="{2E89F066-2979-46C8-AA23-A2FC9CC0D6E4}"/>
+                    <a16:creationId xmlns:a16="http://schemas.microsoft.com/office/drawing/2014/main" xmlns="" id="{2E89F066-2979-46C8-AA23-A2FC9CC0D6E4}"/>
                   </a:ext>
                 </a:extLst>
               </p:cNvPr>
@@ -19080,7 +19172,7 @@
               <p:cNvPr id="9" name="타원 4">
                 <a:extLst>
                   <a:ext uri="{FF2B5EF4-FFF2-40B4-BE49-F238E27FC236}">
-                    <a16:creationId xmlns:a16="http://schemas.microsoft.com/office/drawing/2014/main" id="{A2EA3134-51F8-41CF-B117-AE61ACF161D9}"/>
+                    <a16:creationId xmlns:a16="http://schemas.microsoft.com/office/drawing/2014/main" xmlns="" id="{A2EA3134-51F8-41CF-B117-AE61ACF161D9}"/>
                   </a:ext>
                 </a:extLst>
               </p:cNvPr>
@@ -19126,7 +19218,7 @@
               <p:cNvPr id="10" name="타원 3">
                 <a:extLst>
                   <a:ext uri="{FF2B5EF4-FFF2-40B4-BE49-F238E27FC236}">
-                    <a16:creationId xmlns:a16="http://schemas.microsoft.com/office/drawing/2014/main" id="{62F62383-4697-456B-9594-7FC0237BB971}"/>
+                    <a16:creationId xmlns:a16="http://schemas.microsoft.com/office/drawing/2014/main" xmlns="" id="{62F62383-4697-456B-9594-7FC0237BB971}"/>
                   </a:ext>
                 </a:extLst>
               </p:cNvPr>
@@ -19207,7 +19299,7 @@
             <p:cNvPr id="11" name="Grupo 53">
               <a:extLst>
                 <a:ext uri="{FF2B5EF4-FFF2-40B4-BE49-F238E27FC236}">
-                  <a16:creationId xmlns:a16="http://schemas.microsoft.com/office/drawing/2014/main" id="{061B9B27-1D47-408F-8C96-96BF87065389}"/>
+                  <a16:creationId xmlns:a16="http://schemas.microsoft.com/office/drawing/2014/main" xmlns="" id="{061B9B27-1D47-408F-8C96-96BF87065389}"/>
                 </a:ext>
               </a:extLst>
             </p:cNvPr>
@@ -19227,7 +19319,7 @@
               <p:cNvPr id="12" name="Triángulo isósceles 54">
                 <a:extLst>
                   <a:ext uri="{FF2B5EF4-FFF2-40B4-BE49-F238E27FC236}">
-                    <a16:creationId xmlns:a16="http://schemas.microsoft.com/office/drawing/2014/main" id="{C2712DDC-F12F-4646-BB36-584E9815C315}"/>
+                    <a16:creationId xmlns:a16="http://schemas.microsoft.com/office/drawing/2014/main" xmlns="" id="{C2712DDC-F12F-4646-BB36-584E9815C315}"/>
                   </a:ext>
                 </a:extLst>
               </p:cNvPr>
@@ -19296,7 +19388,7 @@
               <p:cNvPr id="13" name="Grupo 55">
                 <a:extLst>
                   <a:ext uri="{FF2B5EF4-FFF2-40B4-BE49-F238E27FC236}">
-                    <a16:creationId xmlns:a16="http://schemas.microsoft.com/office/drawing/2014/main" id="{E711739F-4615-411F-8A62-377C870F8D18}"/>
+                    <a16:creationId xmlns:a16="http://schemas.microsoft.com/office/drawing/2014/main" xmlns="" id="{E711739F-4615-411F-8A62-377C870F8D18}"/>
                   </a:ext>
                 </a:extLst>
               </p:cNvPr>
@@ -19316,7 +19408,7 @@
                 <p:cNvPr id="14" name="Paralelogramo 56">
                   <a:extLst>
                     <a:ext uri="{FF2B5EF4-FFF2-40B4-BE49-F238E27FC236}">
-                      <a16:creationId xmlns:a16="http://schemas.microsoft.com/office/drawing/2014/main" id="{9372CE99-A251-43BD-B040-7F8E0668C9EC}"/>
+                      <a16:creationId xmlns:a16="http://schemas.microsoft.com/office/drawing/2014/main" xmlns="" id="{9372CE99-A251-43BD-B040-7F8E0668C9EC}"/>
                     </a:ext>
                   </a:extLst>
                 </p:cNvPr>
@@ -19380,7 +19472,7 @@
                 <p:cNvPr id="15" name="Paralelogramo 58">
                   <a:extLst>
                     <a:ext uri="{FF2B5EF4-FFF2-40B4-BE49-F238E27FC236}">
-                      <a16:creationId xmlns:a16="http://schemas.microsoft.com/office/drawing/2014/main" id="{C4411BAD-82DC-4187-A58E-44D34ABC3C35}"/>
+                      <a16:creationId xmlns:a16="http://schemas.microsoft.com/office/drawing/2014/main" xmlns="" id="{C4411BAD-82DC-4187-A58E-44D34ABC3C35}"/>
                     </a:ext>
                   </a:extLst>
                 </p:cNvPr>
@@ -19444,7 +19536,7 @@
                 <p:cNvPr id="16" name="Forma libre 59">
                   <a:extLst>
                     <a:ext uri="{FF2B5EF4-FFF2-40B4-BE49-F238E27FC236}">
-                      <a16:creationId xmlns:a16="http://schemas.microsoft.com/office/drawing/2014/main" id="{053BFC55-5892-43AC-891B-ADF4C1E864D4}"/>
+                      <a16:creationId xmlns:a16="http://schemas.microsoft.com/office/drawing/2014/main" xmlns="" id="{053BFC55-5892-43AC-891B-ADF4C1E864D4}"/>
                     </a:ext>
                   </a:extLst>
                 </p:cNvPr>
@@ -19725,7 +19817,7 @@
             <p:cNvPr id="17" name="Grupo 41">
               <a:extLst>
                 <a:ext uri="{FF2B5EF4-FFF2-40B4-BE49-F238E27FC236}">
-                  <a16:creationId xmlns:a16="http://schemas.microsoft.com/office/drawing/2014/main" id="{F8A26D4C-F50F-4E9C-A68E-E967457DFB79}"/>
+                  <a16:creationId xmlns:a16="http://schemas.microsoft.com/office/drawing/2014/main" xmlns="" id="{F8A26D4C-F50F-4E9C-A68E-E967457DFB79}"/>
                 </a:ext>
               </a:extLst>
             </p:cNvPr>
@@ -19745,7 +19837,7 @@
               <p:cNvPr id="18" name="Triángulo isósceles 42">
                 <a:extLst>
                   <a:ext uri="{FF2B5EF4-FFF2-40B4-BE49-F238E27FC236}">
-                    <a16:creationId xmlns:a16="http://schemas.microsoft.com/office/drawing/2014/main" id="{04B83801-D1FC-47E4-87EC-E1BA55E0DB24}"/>
+                    <a16:creationId xmlns:a16="http://schemas.microsoft.com/office/drawing/2014/main" xmlns="" id="{04B83801-D1FC-47E4-87EC-E1BA55E0DB24}"/>
                   </a:ext>
                 </a:extLst>
               </p:cNvPr>
@@ -19814,7 +19906,7 @@
               <p:cNvPr id="19" name="Grupo 43">
                 <a:extLst>
                   <a:ext uri="{FF2B5EF4-FFF2-40B4-BE49-F238E27FC236}">
-                    <a16:creationId xmlns:a16="http://schemas.microsoft.com/office/drawing/2014/main" id="{4D597BE1-770A-4C10-99B3-CFF9E23F30FC}"/>
+                    <a16:creationId xmlns:a16="http://schemas.microsoft.com/office/drawing/2014/main" xmlns="" id="{4D597BE1-770A-4C10-99B3-CFF9E23F30FC}"/>
                   </a:ext>
                 </a:extLst>
               </p:cNvPr>
@@ -19834,7 +19926,7 @@
                 <p:cNvPr id="20" name="Paralelogramo 44">
                   <a:extLst>
                     <a:ext uri="{FF2B5EF4-FFF2-40B4-BE49-F238E27FC236}">
-                      <a16:creationId xmlns:a16="http://schemas.microsoft.com/office/drawing/2014/main" id="{18D797FE-2FEC-468B-BB2B-551D70035520}"/>
+                      <a16:creationId xmlns:a16="http://schemas.microsoft.com/office/drawing/2014/main" xmlns="" id="{18D797FE-2FEC-468B-BB2B-551D70035520}"/>
                     </a:ext>
                   </a:extLst>
                 </p:cNvPr>
@@ -19898,7 +19990,7 @@
                 <p:cNvPr id="21" name="Paralelogramo 45">
                   <a:extLst>
                     <a:ext uri="{FF2B5EF4-FFF2-40B4-BE49-F238E27FC236}">
-                      <a16:creationId xmlns:a16="http://schemas.microsoft.com/office/drawing/2014/main" id="{66888D44-EA1D-4C03-81E6-9760C86F2DEE}"/>
+                      <a16:creationId xmlns:a16="http://schemas.microsoft.com/office/drawing/2014/main" xmlns="" id="{66888D44-EA1D-4C03-81E6-9760C86F2DEE}"/>
                     </a:ext>
                   </a:extLst>
                 </p:cNvPr>
@@ -19962,7 +20054,7 @@
                 <p:cNvPr id="22" name="Forma libre 46">
                   <a:extLst>
                     <a:ext uri="{FF2B5EF4-FFF2-40B4-BE49-F238E27FC236}">
-                      <a16:creationId xmlns:a16="http://schemas.microsoft.com/office/drawing/2014/main" id="{D43DC0A8-1E70-42F8-84A3-84D84F3A9E2E}"/>
+                      <a16:creationId xmlns:a16="http://schemas.microsoft.com/office/drawing/2014/main" xmlns="" id="{D43DC0A8-1E70-42F8-84A3-84D84F3A9E2E}"/>
                     </a:ext>
                   </a:extLst>
                 </p:cNvPr>
@@ -20243,7 +20335,7 @@
             <p:cNvPr id="23" name="Grupo 47">
               <a:extLst>
                 <a:ext uri="{FF2B5EF4-FFF2-40B4-BE49-F238E27FC236}">
-                  <a16:creationId xmlns:a16="http://schemas.microsoft.com/office/drawing/2014/main" id="{06616403-3E03-4E6D-8649-B4E411469DAB}"/>
+                  <a16:creationId xmlns:a16="http://schemas.microsoft.com/office/drawing/2014/main" xmlns="" id="{06616403-3E03-4E6D-8649-B4E411469DAB}"/>
                 </a:ext>
               </a:extLst>
             </p:cNvPr>
@@ -20263,7 +20355,7 @@
               <p:cNvPr id="24" name="Triángulo isósceles 48">
                 <a:extLst>
                   <a:ext uri="{FF2B5EF4-FFF2-40B4-BE49-F238E27FC236}">
-                    <a16:creationId xmlns:a16="http://schemas.microsoft.com/office/drawing/2014/main" id="{DA3D525F-09BE-4185-9D74-55191741B921}"/>
+                    <a16:creationId xmlns:a16="http://schemas.microsoft.com/office/drawing/2014/main" xmlns="" id="{DA3D525F-09BE-4185-9D74-55191741B921}"/>
                   </a:ext>
                 </a:extLst>
               </p:cNvPr>
@@ -20332,7 +20424,7 @@
               <p:cNvPr id="25" name="Grupo 49">
                 <a:extLst>
                   <a:ext uri="{FF2B5EF4-FFF2-40B4-BE49-F238E27FC236}">
-                    <a16:creationId xmlns:a16="http://schemas.microsoft.com/office/drawing/2014/main" id="{B4F02F81-BA29-4335-A2D0-F2379BCEC446}"/>
+                    <a16:creationId xmlns:a16="http://schemas.microsoft.com/office/drawing/2014/main" xmlns="" id="{B4F02F81-BA29-4335-A2D0-F2379BCEC446}"/>
                   </a:ext>
                 </a:extLst>
               </p:cNvPr>
@@ -20352,7 +20444,7 @@
                 <p:cNvPr id="26" name="Paralelogramo 50">
                   <a:extLst>
                     <a:ext uri="{FF2B5EF4-FFF2-40B4-BE49-F238E27FC236}">
-                      <a16:creationId xmlns:a16="http://schemas.microsoft.com/office/drawing/2014/main" id="{B163B3C5-A07E-4FFE-A8CE-EBAB5823497A}"/>
+                      <a16:creationId xmlns:a16="http://schemas.microsoft.com/office/drawing/2014/main" xmlns="" id="{B163B3C5-A07E-4FFE-A8CE-EBAB5823497A}"/>
                     </a:ext>
                   </a:extLst>
                 </p:cNvPr>
@@ -20416,7 +20508,7 @@
                 <p:cNvPr id="27" name="Paralelogramo 51">
                   <a:extLst>
                     <a:ext uri="{FF2B5EF4-FFF2-40B4-BE49-F238E27FC236}">
-                      <a16:creationId xmlns:a16="http://schemas.microsoft.com/office/drawing/2014/main" id="{E44DFB0C-F39E-4EF0-A5A5-7D67582804D0}"/>
+                      <a16:creationId xmlns:a16="http://schemas.microsoft.com/office/drawing/2014/main" xmlns="" id="{E44DFB0C-F39E-4EF0-A5A5-7D67582804D0}"/>
                     </a:ext>
                   </a:extLst>
                 </p:cNvPr>
@@ -20480,7 +20572,7 @@
                 <p:cNvPr id="28" name="Forma libre 52">
                   <a:extLst>
                     <a:ext uri="{FF2B5EF4-FFF2-40B4-BE49-F238E27FC236}">
-                      <a16:creationId xmlns:a16="http://schemas.microsoft.com/office/drawing/2014/main" id="{2FE899B5-4072-4C54-8004-038799F377B6}"/>
+                      <a16:creationId xmlns:a16="http://schemas.microsoft.com/office/drawing/2014/main" xmlns="" id="{2FE899B5-4072-4C54-8004-038799F377B6}"/>
                     </a:ext>
                   </a:extLst>
                 </p:cNvPr>
@@ -20762,7 +20854,7 @@
           <p:cNvPr id="50" name="Group 49">
             <a:extLst>
               <a:ext uri="{FF2B5EF4-FFF2-40B4-BE49-F238E27FC236}">
-                <a16:creationId xmlns:a16="http://schemas.microsoft.com/office/drawing/2014/main" id="{1011B4FB-9EA6-4D97-A524-5AEC93F51574}"/>
+                <a16:creationId xmlns:a16="http://schemas.microsoft.com/office/drawing/2014/main" xmlns="" id="{1011B4FB-9EA6-4D97-A524-5AEC93F51574}"/>
               </a:ext>
             </a:extLst>
           </p:cNvPr>
@@ -20782,7 +20874,7 @@
             <p:cNvPr id="44" name="Group 43">
               <a:extLst>
                 <a:ext uri="{FF2B5EF4-FFF2-40B4-BE49-F238E27FC236}">
-                  <a16:creationId xmlns:a16="http://schemas.microsoft.com/office/drawing/2014/main" id="{AF50FE08-A2B1-4EB9-AF41-C278BCCC83BC}"/>
+                  <a16:creationId xmlns:a16="http://schemas.microsoft.com/office/drawing/2014/main" xmlns="" id="{AF50FE08-A2B1-4EB9-AF41-C278BCCC83BC}"/>
                 </a:ext>
               </a:extLst>
             </p:cNvPr>
@@ -20802,7 +20894,7 @@
               <p:cNvPr id="40" name="Group 39">
                 <a:extLst>
                   <a:ext uri="{FF2B5EF4-FFF2-40B4-BE49-F238E27FC236}">
-                    <a16:creationId xmlns:a16="http://schemas.microsoft.com/office/drawing/2014/main" id="{416D6F30-8346-4B52-AD98-B91E24B30DE1}"/>
+                    <a16:creationId xmlns:a16="http://schemas.microsoft.com/office/drawing/2014/main" xmlns="" id="{416D6F30-8346-4B52-AD98-B91E24B30DE1}"/>
                   </a:ext>
                 </a:extLst>
               </p:cNvPr>
@@ -20822,7 +20914,7 @@
                 <p:cNvPr id="35" name="Teardrop 34">
                   <a:extLst>
                     <a:ext uri="{FF2B5EF4-FFF2-40B4-BE49-F238E27FC236}">
-                      <a16:creationId xmlns:a16="http://schemas.microsoft.com/office/drawing/2014/main" id="{853EDC72-6ED3-4B46-81C7-F943FDDBFC9D}"/>
+                      <a16:creationId xmlns:a16="http://schemas.microsoft.com/office/drawing/2014/main" xmlns="" id="{853EDC72-6ED3-4B46-81C7-F943FDDBFC9D}"/>
                     </a:ext>
                   </a:extLst>
                 </p:cNvPr>
@@ -20879,7 +20971,7 @@
                 <p:cNvPr id="37" name="Flowchart: Connector 36">
                   <a:extLst>
                     <a:ext uri="{FF2B5EF4-FFF2-40B4-BE49-F238E27FC236}">
-                      <a16:creationId xmlns:a16="http://schemas.microsoft.com/office/drawing/2014/main" id="{B2516620-298B-4F06-95EC-91255ABA850D}"/>
+                      <a16:creationId xmlns:a16="http://schemas.microsoft.com/office/drawing/2014/main" xmlns="" id="{B2516620-298B-4F06-95EC-91255ABA850D}"/>
                     </a:ext>
                   </a:extLst>
                 </p:cNvPr>
@@ -20932,7 +21024,7 @@
               <p:cNvPr id="39" name="Flowchart: Connector 38">
                 <a:extLst>
                   <a:ext uri="{FF2B5EF4-FFF2-40B4-BE49-F238E27FC236}">
-                    <a16:creationId xmlns:a16="http://schemas.microsoft.com/office/drawing/2014/main" id="{82009480-0F25-4AAC-8BE8-D2078D7EC471}"/>
+                    <a16:creationId xmlns:a16="http://schemas.microsoft.com/office/drawing/2014/main" xmlns="" id="{82009480-0F25-4AAC-8BE8-D2078D7EC471}"/>
                   </a:ext>
                 </a:extLst>
               </p:cNvPr>
@@ -20987,7 +21079,7 @@
             <p:cNvPr id="45" name="Group 44">
               <a:extLst>
                 <a:ext uri="{FF2B5EF4-FFF2-40B4-BE49-F238E27FC236}">
-                  <a16:creationId xmlns:a16="http://schemas.microsoft.com/office/drawing/2014/main" id="{E1C67D72-208D-440B-A44D-5DEFB4DC8493}"/>
+                  <a16:creationId xmlns:a16="http://schemas.microsoft.com/office/drawing/2014/main" xmlns="" id="{E1C67D72-208D-440B-A44D-5DEFB4DC8493}"/>
                 </a:ext>
               </a:extLst>
             </p:cNvPr>
@@ -21007,7 +21099,7 @@
               <p:cNvPr id="46" name="Group 45">
                 <a:extLst>
                   <a:ext uri="{FF2B5EF4-FFF2-40B4-BE49-F238E27FC236}">
-                    <a16:creationId xmlns:a16="http://schemas.microsoft.com/office/drawing/2014/main" id="{9D7B267B-4F28-4E03-A2B3-6593239B181F}"/>
+                    <a16:creationId xmlns:a16="http://schemas.microsoft.com/office/drawing/2014/main" xmlns="" id="{9D7B267B-4F28-4E03-A2B3-6593239B181F}"/>
                   </a:ext>
                 </a:extLst>
               </p:cNvPr>
@@ -21027,7 +21119,7 @@
                 <p:cNvPr id="48" name="Teardrop 47">
                   <a:extLst>
                     <a:ext uri="{FF2B5EF4-FFF2-40B4-BE49-F238E27FC236}">
-                      <a16:creationId xmlns:a16="http://schemas.microsoft.com/office/drawing/2014/main" id="{BD194261-BB8F-49F3-98FA-C2C1EE3CAF33}"/>
+                      <a16:creationId xmlns:a16="http://schemas.microsoft.com/office/drawing/2014/main" xmlns="" id="{BD194261-BB8F-49F3-98FA-C2C1EE3CAF33}"/>
                     </a:ext>
                   </a:extLst>
                 </p:cNvPr>
@@ -21084,7 +21176,7 @@
                 <p:cNvPr id="49" name="Flowchart: Connector 48">
                   <a:extLst>
                     <a:ext uri="{FF2B5EF4-FFF2-40B4-BE49-F238E27FC236}">
-                      <a16:creationId xmlns:a16="http://schemas.microsoft.com/office/drawing/2014/main" id="{EFC7D3B5-119B-4F80-8010-6C1C6FF0CAFF}"/>
+                      <a16:creationId xmlns:a16="http://schemas.microsoft.com/office/drawing/2014/main" xmlns="" id="{EFC7D3B5-119B-4F80-8010-6C1C6FF0CAFF}"/>
                     </a:ext>
                   </a:extLst>
                 </p:cNvPr>
@@ -21140,7 +21232,7 @@
               <p:cNvPr id="47" name="Flowchart: Connector 46">
                 <a:extLst>
                   <a:ext uri="{FF2B5EF4-FFF2-40B4-BE49-F238E27FC236}">
-                    <a16:creationId xmlns:a16="http://schemas.microsoft.com/office/drawing/2014/main" id="{C18BBAC3-FECE-4665-ACFC-E75A00DD1D32}"/>
+                    <a16:creationId xmlns:a16="http://schemas.microsoft.com/office/drawing/2014/main" xmlns="" id="{C18BBAC3-FECE-4665-ACFC-E75A00DD1D32}"/>
                   </a:ext>
                 </a:extLst>
               </p:cNvPr>
@@ -21196,7 +21288,7 @@
           <p:cNvPr id="51" name="Group 50">
             <a:extLst>
               <a:ext uri="{FF2B5EF4-FFF2-40B4-BE49-F238E27FC236}">
-                <a16:creationId xmlns:a16="http://schemas.microsoft.com/office/drawing/2014/main" id="{7BC1C308-1A63-446E-A96B-A97F14D15622}"/>
+                <a16:creationId xmlns:a16="http://schemas.microsoft.com/office/drawing/2014/main" xmlns="" id="{7BC1C308-1A63-446E-A96B-A97F14D15622}"/>
               </a:ext>
             </a:extLst>
           </p:cNvPr>
@@ -21216,7 +21308,7 @@
             <p:cNvPr id="52" name="Group 51">
               <a:extLst>
                 <a:ext uri="{FF2B5EF4-FFF2-40B4-BE49-F238E27FC236}">
-                  <a16:creationId xmlns:a16="http://schemas.microsoft.com/office/drawing/2014/main" id="{5E198B90-781D-4C8F-A198-12A508E0550F}"/>
+                  <a16:creationId xmlns:a16="http://schemas.microsoft.com/office/drawing/2014/main" xmlns="" id="{5E198B90-781D-4C8F-A198-12A508E0550F}"/>
                 </a:ext>
               </a:extLst>
             </p:cNvPr>
@@ -21236,7 +21328,7 @@
               <p:cNvPr id="54" name="Teardrop 53">
                 <a:extLst>
                   <a:ext uri="{FF2B5EF4-FFF2-40B4-BE49-F238E27FC236}">
-                    <a16:creationId xmlns:a16="http://schemas.microsoft.com/office/drawing/2014/main" id="{8D906AD8-0BCD-4DC4-93E2-2BB95FD377F8}"/>
+                    <a16:creationId xmlns:a16="http://schemas.microsoft.com/office/drawing/2014/main" xmlns="" id="{8D906AD8-0BCD-4DC4-93E2-2BB95FD377F8}"/>
                   </a:ext>
                 </a:extLst>
               </p:cNvPr>
@@ -21293,7 +21385,7 @@
               <p:cNvPr id="55" name="Flowchart: Connector 54">
                 <a:extLst>
                   <a:ext uri="{FF2B5EF4-FFF2-40B4-BE49-F238E27FC236}">
-                    <a16:creationId xmlns:a16="http://schemas.microsoft.com/office/drawing/2014/main" id="{933F8BB1-576A-4111-B962-DB97E39F6C90}"/>
+                    <a16:creationId xmlns:a16="http://schemas.microsoft.com/office/drawing/2014/main" xmlns="" id="{933F8BB1-576A-4111-B962-DB97E39F6C90}"/>
                   </a:ext>
                 </a:extLst>
               </p:cNvPr>
@@ -21349,7 +21441,7 @@
             <p:cNvPr id="53" name="Flowchart: Connector 52">
               <a:extLst>
                 <a:ext uri="{FF2B5EF4-FFF2-40B4-BE49-F238E27FC236}">
-                  <a16:creationId xmlns:a16="http://schemas.microsoft.com/office/drawing/2014/main" id="{17C07137-96E4-47EF-9261-EFFA76EB0975}"/>
+                  <a16:creationId xmlns:a16="http://schemas.microsoft.com/office/drawing/2014/main" xmlns="" id="{17C07137-96E4-47EF-9261-EFFA76EB0975}"/>
                 </a:ext>
               </a:extLst>
             </p:cNvPr>
@@ -21404,7 +21496,7 @@
           <p:cNvPr id="56" name="Group 55">
             <a:extLst>
               <a:ext uri="{FF2B5EF4-FFF2-40B4-BE49-F238E27FC236}">
-                <a16:creationId xmlns:a16="http://schemas.microsoft.com/office/drawing/2014/main" id="{511AEE4D-7719-4EB6-931D-DAF477FDEDB9}"/>
+                <a16:creationId xmlns:a16="http://schemas.microsoft.com/office/drawing/2014/main" xmlns="" id="{511AEE4D-7719-4EB6-931D-DAF477FDEDB9}"/>
               </a:ext>
             </a:extLst>
           </p:cNvPr>
@@ -21424,7 +21516,7 @@
             <p:cNvPr id="57" name="Group 56">
               <a:extLst>
                 <a:ext uri="{FF2B5EF4-FFF2-40B4-BE49-F238E27FC236}">
-                  <a16:creationId xmlns:a16="http://schemas.microsoft.com/office/drawing/2014/main" id="{E4C2E616-7FA9-4A24-9C09-33935595372D}"/>
+                  <a16:creationId xmlns:a16="http://schemas.microsoft.com/office/drawing/2014/main" xmlns="" id="{E4C2E616-7FA9-4A24-9C09-33935595372D}"/>
                 </a:ext>
               </a:extLst>
             </p:cNvPr>
@@ -21444,7 +21536,7 @@
               <p:cNvPr id="59" name="Teardrop 58">
                 <a:extLst>
                   <a:ext uri="{FF2B5EF4-FFF2-40B4-BE49-F238E27FC236}">
-                    <a16:creationId xmlns:a16="http://schemas.microsoft.com/office/drawing/2014/main" id="{E5160397-2AF5-4572-8BF9-8B30C465617C}"/>
+                    <a16:creationId xmlns:a16="http://schemas.microsoft.com/office/drawing/2014/main" xmlns="" id="{E5160397-2AF5-4572-8BF9-8B30C465617C}"/>
                   </a:ext>
                 </a:extLst>
               </p:cNvPr>
@@ -21501,7 +21593,7 @@
               <p:cNvPr id="60" name="Flowchart: Connector 59">
                 <a:extLst>
                   <a:ext uri="{FF2B5EF4-FFF2-40B4-BE49-F238E27FC236}">
-                    <a16:creationId xmlns:a16="http://schemas.microsoft.com/office/drawing/2014/main" id="{C17A6FD0-2D23-4E23-8942-BC4DC79348D4}"/>
+                    <a16:creationId xmlns:a16="http://schemas.microsoft.com/office/drawing/2014/main" xmlns="" id="{C17A6FD0-2D23-4E23-8942-BC4DC79348D4}"/>
                   </a:ext>
                 </a:extLst>
               </p:cNvPr>
@@ -21557,7 +21649,7 @@
             <p:cNvPr id="58" name="Flowchart: Connector 57">
               <a:extLst>
                 <a:ext uri="{FF2B5EF4-FFF2-40B4-BE49-F238E27FC236}">
-                  <a16:creationId xmlns:a16="http://schemas.microsoft.com/office/drawing/2014/main" id="{EC39A9E8-1189-4D4D-9D19-70EB56C24925}"/>
+                  <a16:creationId xmlns:a16="http://schemas.microsoft.com/office/drawing/2014/main" xmlns="" id="{EC39A9E8-1189-4D4D-9D19-70EB56C24925}"/>
                 </a:ext>
               </a:extLst>
             </p:cNvPr>
@@ -21612,7 +21704,7 @@
           <p:cNvPr id="61" name="Group 60">
             <a:extLst>
               <a:ext uri="{FF2B5EF4-FFF2-40B4-BE49-F238E27FC236}">
-                <a16:creationId xmlns:a16="http://schemas.microsoft.com/office/drawing/2014/main" id="{9A7FD9B4-6ADB-4B3A-A856-291CA78DAD8B}"/>
+                <a16:creationId xmlns:a16="http://schemas.microsoft.com/office/drawing/2014/main" xmlns="" id="{9A7FD9B4-6ADB-4B3A-A856-291CA78DAD8B}"/>
               </a:ext>
             </a:extLst>
           </p:cNvPr>
@@ -21632,7 +21724,7 @@
             <p:cNvPr id="62" name="Group 61">
               <a:extLst>
                 <a:ext uri="{FF2B5EF4-FFF2-40B4-BE49-F238E27FC236}">
-                  <a16:creationId xmlns:a16="http://schemas.microsoft.com/office/drawing/2014/main" id="{7F9240E9-58FD-4A0A-B0EA-57BE74B9F48E}"/>
+                  <a16:creationId xmlns:a16="http://schemas.microsoft.com/office/drawing/2014/main" xmlns="" id="{7F9240E9-58FD-4A0A-B0EA-57BE74B9F48E}"/>
                 </a:ext>
               </a:extLst>
             </p:cNvPr>
@@ -21652,7 +21744,7 @@
               <p:cNvPr id="64" name="Teardrop 63">
                 <a:extLst>
                   <a:ext uri="{FF2B5EF4-FFF2-40B4-BE49-F238E27FC236}">
-                    <a16:creationId xmlns:a16="http://schemas.microsoft.com/office/drawing/2014/main" id="{D841E421-00BA-44EA-8C58-3A1A29A4423E}"/>
+                    <a16:creationId xmlns:a16="http://schemas.microsoft.com/office/drawing/2014/main" xmlns="" id="{D841E421-00BA-44EA-8C58-3A1A29A4423E}"/>
                   </a:ext>
                 </a:extLst>
               </p:cNvPr>
@@ -21709,7 +21801,7 @@
               <p:cNvPr id="65" name="Flowchart: Connector 64">
                 <a:extLst>
                   <a:ext uri="{FF2B5EF4-FFF2-40B4-BE49-F238E27FC236}">
-                    <a16:creationId xmlns:a16="http://schemas.microsoft.com/office/drawing/2014/main" id="{4365AE8A-ADD1-4D1F-AB1F-F3C4F61E0B4E}"/>
+                    <a16:creationId xmlns:a16="http://schemas.microsoft.com/office/drawing/2014/main" xmlns="" id="{4365AE8A-ADD1-4D1F-AB1F-F3C4F61E0B4E}"/>
                   </a:ext>
                 </a:extLst>
               </p:cNvPr>
@@ -21765,7 +21857,7 @@
             <p:cNvPr id="63" name="Flowchart: Connector 62">
               <a:extLst>
                 <a:ext uri="{FF2B5EF4-FFF2-40B4-BE49-F238E27FC236}">
-                  <a16:creationId xmlns:a16="http://schemas.microsoft.com/office/drawing/2014/main" id="{80141600-B092-45F9-B4AF-599D337AB27B}"/>
+                  <a16:creationId xmlns:a16="http://schemas.microsoft.com/office/drawing/2014/main" xmlns="" id="{80141600-B092-45F9-B4AF-599D337AB27B}"/>
                 </a:ext>
               </a:extLst>
             </p:cNvPr>
@@ -21820,7 +21912,7 @@
           <p:cNvPr id="66" name="TextBox 65">
             <a:extLst>
               <a:ext uri="{FF2B5EF4-FFF2-40B4-BE49-F238E27FC236}">
-                <a16:creationId xmlns:a16="http://schemas.microsoft.com/office/drawing/2014/main" id="{240FAB94-5FE8-4194-8E86-967BB7EAAF58}"/>
+                <a16:creationId xmlns:a16="http://schemas.microsoft.com/office/drawing/2014/main" xmlns="" id="{240FAB94-5FE8-4194-8E86-967BB7EAAF58}"/>
               </a:ext>
             </a:extLst>
           </p:cNvPr>
@@ -21856,7 +21948,7 @@
           <p:cNvPr id="72" name="TextBox 71">
             <a:extLst>
               <a:ext uri="{FF2B5EF4-FFF2-40B4-BE49-F238E27FC236}">
-                <a16:creationId xmlns:a16="http://schemas.microsoft.com/office/drawing/2014/main" id="{8616D12C-E1F2-44F9-96B6-5DCBD40709BC}"/>
+                <a16:creationId xmlns:a16="http://schemas.microsoft.com/office/drawing/2014/main" xmlns="" id="{8616D12C-E1F2-44F9-96B6-5DCBD40709BC}"/>
               </a:ext>
             </a:extLst>
           </p:cNvPr>
@@ -21892,7 +21984,7 @@
           <p:cNvPr id="73" name="TextBox 72">
             <a:extLst>
               <a:ext uri="{FF2B5EF4-FFF2-40B4-BE49-F238E27FC236}">
-                <a16:creationId xmlns:a16="http://schemas.microsoft.com/office/drawing/2014/main" id="{D72A8D95-1B8C-4141-9743-EE14673FB711}"/>
+                <a16:creationId xmlns:a16="http://schemas.microsoft.com/office/drawing/2014/main" xmlns="" id="{D72A8D95-1B8C-4141-9743-EE14673FB711}"/>
               </a:ext>
             </a:extLst>
           </p:cNvPr>
@@ -21928,7 +22020,7 @@
           <p:cNvPr id="74" name="TextBox 73">
             <a:extLst>
               <a:ext uri="{FF2B5EF4-FFF2-40B4-BE49-F238E27FC236}">
-                <a16:creationId xmlns:a16="http://schemas.microsoft.com/office/drawing/2014/main" id="{DF98DD7B-0966-475C-9A43-2B0F2BAF62DC}"/>
+                <a16:creationId xmlns:a16="http://schemas.microsoft.com/office/drawing/2014/main" xmlns="" id="{DF98DD7B-0966-475C-9A43-2B0F2BAF62DC}"/>
               </a:ext>
             </a:extLst>
           </p:cNvPr>
@@ -21964,7 +22056,7 @@
           <p:cNvPr id="75" name="TextBox 74">
             <a:extLst>
               <a:ext uri="{FF2B5EF4-FFF2-40B4-BE49-F238E27FC236}">
-                <a16:creationId xmlns:a16="http://schemas.microsoft.com/office/drawing/2014/main" id="{C62C5E61-5237-44B3-8F77-1370793DF365}"/>
+                <a16:creationId xmlns:a16="http://schemas.microsoft.com/office/drawing/2014/main" xmlns="" id="{C62C5E61-5237-44B3-8F77-1370793DF365}"/>
               </a:ext>
             </a:extLst>
           </p:cNvPr>
@@ -22000,7 +22092,7 @@
           <p:cNvPr id="77" name="Straight Connector 76">
             <a:extLst>
               <a:ext uri="{FF2B5EF4-FFF2-40B4-BE49-F238E27FC236}">
-                <a16:creationId xmlns:a16="http://schemas.microsoft.com/office/drawing/2014/main" id="{CA46B599-E760-4088-B018-A7C10175617E}"/>
+                <a16:creationId xmlns:a16="http://schemas.microsoft.com/office/drawing/2014/main" xmlns="" id="{CA46B599-E760-4088-B018-A7C10175617E}"/>
               </a:ext>
             </a:extLst>
           </p:cNvPr>
@@ -22036,7 +22128,7 @@
           <p:cNvPr id="86" name="TextBox 85">
             <a:extLst>
               <a:ext uri="{FF2B5EF4-FFF2-40B4-BE49-F238E27FC236}">
-                <a16:creationId xmlns:a16="http://schemas.microsoft.com/office/drawing/2014/main" id="{93B2915D-9C58-4B6F-9C4F-64062F1158D8}"/>
+                <a16:creationId xmlns:a16="http://schemas.microsoft.com/office/drawing/2014/main" xmlns="" id="{93B2915D-9C58-4B6F-9C4F-64062F1158D8}"/>
               </a:ext>
             </a:extLst>
           </p:cNvPr>
@@ -22073,7 +22165,7 @@
           <p:cNvPr id="87" name="TextBox 86">
             <a:extLst>
               <a:ext uri="{FF2B5EF4-FFF2-40B4-BE49-F238E27FC236}">
-                <a16:creationId xmlns:a16="http://schemas.microsoft.com/office/drawing/2014/main" id="{2C878B51-69C5-4F4B-B983-92BE328008C2}"/>
+                <a16:creationId xmlns:a16="http://schemas.microsoft.com/office/drawing/2014/main" xmlns="" id="{2C878B51-69C5-4F4B-B983-92BE328008C2}"/>
               </a:ext>
             </a:extLst>
           </p:cNvPr>
@@ -22110,7 +22202,7 @@
           <p:cNvPr id="88" name="TextBox 87">
             <a:extLst>
               <a:ext uri="{FF2B5EF4-FFF2-40B4-BE49-F238E27FC236}">
-                <a16:creationId xmlns:a16="http://schemas.microsoft.com/office/drawing/2014/main" id="{15D4A9D9-9AE8-4320-BE23-E8127D13D98A}"/>
+                <a16:creationId xmlns:a16="http://schemas.microsoft.com/office/drawing/2014/main" xmlns="" id="{15D4A9D9-9AE8-4320-BE23-E8127D13D98A}"/>
               </a:ext>
             </a:extLst>
           </p:cNvPr>
@@ -22147,7 +22239,7 @@
           <p:cNvPr id="89" name="TextBox 88">
             <a:extLst>
               <a:ext uri="{FF2B5EF4-FFF2-40B4-BE49-F238E27FC236}">
-                <a16:creationId xmlns:a16="http://schemas.microsoft.com/office/drawing/2014/main" id="{C0A2B43F-9331-4417-9F2A-4CB45FBF6955}"/>
+                <a16:creationId xmlns:a16="http://schemas.microsoft.com/office/drawing/2014/main" xmlns="" id="{C0A2B43F-9331-4417-9F2A-4CB45FBF6955}"/>
               </a:ext>
             </a:extLst>
           </p:cNvPr>
@@ -22184,7 +22276,7 @@
           <p:cNvPr id="90" name="TextBox 89">
             <a:extLst>
               <a:ext uri="{FF2B5EF4-FFF2-40B4-BE49-F238E27FC236}">
-                <a16:creationId xmlns:a16="http://schemas.microsoft.com/office/drawing/2014/main" id="{E9DA21DA-5AAB-4329-B782-B787619789BB}"/>
+                <a16:creationId xmlns:a16="http://schemas.microsoft.com/office/drawing/2014/main" xmlns="" id="{E9DA21DA-5AAB-4329-B782-B787619789BB}"/>
               </a:ext>
             </a:extLst>
           </p:cNvPr>
@@ -22221,7 +22313,7 @@
           <p:cNvPr id="91" name="Grupo 34">
             <a:extLst>
               <a:ext uri="{FF2B5EF4-FFF2-40B4-BE49-F238E27FC236}">
-                <a16:creationId xmlns:a16="http://schemas.microsoft.com/office/drawing/2014/main" id="{E4284D2A-0196-4B6B-A96F-A40EFCB04082}"/>
+                <a16:creationId xmlns:a16="http://schemas.microsoft.com/office/drawing/2014/main" xmlns="" id="{E4284D2A-0196-4B6B-A96F-A40EFCB04082}"/>
               </a:ext>
             </a:extLst>
           </p:cNvPr>
@@ -22241,7 +22333,7 @@
             <p:cNvPr id="92" name="Freeform 13">
               <a:extLst>
                 <a:ext uri="{FF2B5EF4-FFF2-40B4-BE49-F238E27FC236}">
-                  <a16:creationId xmlns:a16="http://schemas.microsoft.com/office/drawing/2014/main" id="{B5D142E8-8828-4F21-9B31-581267DA0BB7}"/>
+                  <a16:creationId xmlns:a16="http://schemas.microsoft.com/office/drawing/2014/main" xmlns="" id="{B5D142E8-8828-4F21-9B31-581267DA0BB7}"/>
                 </a:ext>
               </a:extLst>
             </p:cNvPr>
@@ -22347,7 +22439,7 @@
             <p:cNvPr id="93" name="Freeform 10">
               <a:extLst>
                 <a:ext uri="{FF2B5EF4-FFF2-40B4-BE49-F238E27FC236}">
-                  <a16:creationId xmlns:a16="http://schemas.microsoft.com/office/drawing/2014/main" id="{AF6C7B6C-EC5A-47BC-ACD7-D008478D07EA}"/>
+                  <a16:creationId xmlns:a16="http://schemas.microsoft.com/office/drawing/2014/main" xmlns="" id="{AF6C7B6C-EC5A-47BC-ACD7-D008478D07EA}"/>
                 </a:ext>
               </a:extLst>
             </p:cNvPr>
@@ -22453,7 +22545,7 @@
             <p:cNvPr id="94" name="Freeform 19">
               <a:extLst>
                 <a:ext uri="{FF2B5EF4-FFF2-40B4-BE49-F238E27FC236}">
-                  <a16:creationId xmlns:a16="http://schemas.microsoft.com/office/drawing/2014/main" id="{ACED53B9-003D-4372-941C-D18C513E3223}"/>
+                  <a16:creationId xmlns:a16="http://schemas.microsoft.com/office/drawing/2014/main" xmlns="" id="{ACED53B9-003D-4372-941C-D18C513E3223}"/>
                 </a:ext>
               </a:extLst>
             </p:cNvPr>
@@ -22559,7 +22651,7 @@
             <p:cNvPr id="95" name="Freeform 16">
               <a:extLst>
                 <a:ext uri="{FF2B5EF4-FFF2-40B4-BE49-F238E27FC236}">
-                  <a16:creationId xmlns:a16="http://schemas.microsoft.com/office/drawing/2014/main" id="{049A96D7-6649-4672-AF42-F8358CF511A2}"/>
+                  <a16:creationId xmlns:a16="http://schemas.microsoft.com/office/drawing/2014/main" xmlns="" id="{049A96D7-6649-4672-AF42-F8358CF511A2}"/>
                 </a:ext>
               </a:extLst>
             </p:cNvPr>
@@ -22665,7 +22757,7 @@
             <p:cNvPr id="96" name="Freeform 7">
               <a:extLst>
                 <a:ext uri="{FF2B5EF4-FFF2-40B4-BE49-F238E27FC236}">
-                  <a16:creationId xmlns:a16="http://schemas.microsoft.com/office/drawing/2014/main" id="{728ED985-E587-452B-925F-04510CB8EE47}"/>
+                  <a16:creationId xmlns:a16="http://schemas.microsoft.com/office/drawing/2014/main" xmlns="" id="{728ED985-E587-452B-925F-04510CB8EE47}"/>
                 </a:ext>
               </a:extLst>
             </p:cNvPr>
@@ -22759,7 +22851,7 @@
             <p:cNvPr id="97" name="그룹 48">
               <a:extLst>
                 <a:ext uri="{FF2B5EF4-FFF2-40B4-BE49-F238E27FC236}">
-                  <a16:creationId xmlns:a16="http://schemas.microsoft.com/office/drawing/2014/main" id="{2E42EF33-C472-4499-BF26-EB4FC19F5D69}"/>
+                  <a16:creationId xmlns:a16="http://schemas.microsoft.com/office/drawing/2014/main" xmlns="" id="{2E42EF33-C472-4499-BF26-EB4FC19F5D69}"/>
                 </a:ext>
               </a:extLst>
             </p:cNvPr>
@@ -22779,7 +22871,7 @@
               <p:cNvPr id="114" name="이등변 삼각형 28">
                 <a:extLst>
                   <a:ext uri="{FF2B5EF4-FFF2-40B4-BE49-F238E27FC236}">
-                    <a16:creationId xmlns:a16="http://schemas.microsoft.com/office/drawing/2014/main" id="{0D92BEFB-8355-4DDB-BC8F-58AD03FDC421}"/>
+                    <a16:creationId xmlns:a16="http://schemas.microsoft.com/office/drawing/2014/main" xmlns="" id="{0D92BEFB-8355-4DDB-BC8F-58AD03FDC421}"/>
                   </a:ext>
                 </a:extLst>
               </p:cNvPr>
@@ -22833,7 +22925,7 @@
               <p:cNvPr id="115" name="직사각형 29">
                 <a:extLst>
                   <a:ext uri="{FF2B5EF4-FFF2-40B4-BE49-F238E27FC236}">
-                    <a16:creationId xmlns:a16="http://schemas.microsoft.com/office/drawing/2014/main" id="{A17372C9-5E23-4C7E-B17E-ED234257C2BF}"/>
+                    <a16:creationId xmlns:a16="http://schemas.microsoft.com/office/drawing/2014/main" xmlns="" id="{A17372C9-5E23-4C7E-B17E-ED234257C2BF}"/>
                   </a:ext>
                 </a:extLst>
               </p:cNvPr>
@@ -22893,7 +22985,7 @@
               <p:cNvPr id="116" name="직각 삼각형 30">
                 <a:extLst>
                   <a:ext uri="{FF2B5EF4-FFF2-40B4-BE49-F238E27FC236}">
-                    <a16:creationId xmlns:a16="http://schemas.microsoft.com/office/drawing/2014/main" id="{98D8E86E-9903-4AE6-8633-1ABB070AB9DA}"/>
+                    <a16:creationId xmlns:a16="http://schemas.microsoft.com/office/drawing/2014/main" xmlns="" id="{98D8E86E-9903-4AE6-8633-1ABB070AB9DA}"/>
                   </a:ext>
                 </a:extLst>
               </p:cNvPr>
@@ -22952,7 +23044,7 @@
             <p:cNvPr id="98" name="그룹 49">
               <a:extLst>
                 <a:ext uri="{FF2B5EF4-FFF2-40B4-BE49-F238E27FC236}">
-                  <a16:creationId xmlns:a16="http://schemas.microsoft.com/office/drawing/2014/main" id="{01BC2DD5-8EA1-4DFB-9B94-447EF26DFBA5}"/>
+                  <a16:creationId xmlns:a16="http://schemas.microsoft.com/office/drawing/2014/main" xmlns="" id="{01BC2DD5-8EA1-4DFB-9B94-447EF26DFBA5}"/>
                 </a:ext>
               </a:extLst>
             </p:cNvPr>
@@ -22972,7 +23064,7 @@
               <p:cNvPr id="111" name="이등변 삼각형 31">
                 <a:extLst>
                   <a:ext uri="{FF2B5EF4-FFF2-40B4-BE49-F238E27FC236}">
-                    <a16:creationId xmlns:a16="http://schemas.microsoft.com/office/drawing/2014/main" id="{47D1D8FA-6F0A-4493-BD5C-8B8B662A1F32}"/>
+                    <a16:creationId xmlns:a16="http://schemas.microsoft.com/office/drawing/2014/main" xmlns="" id="{47D1D8FA-6F0A-4493-BD5C-8B8B662A1F32}"/>
                   </a:ext>
                 </a:extLst>
               </p:cNvPr>
@@ -23026,7 +23118,7 @@
               <p:cNvPr id="112" name="직사각형 32">
                 <a:extLst>
                   <a:ext uri="{FF2B5EF4-FFF2-40B4-BE49-F238E27FC236}">
-                    <a16:creationId xmlns:a16="http://schemas.microsoft.com/office/drawing/2014/main" id="{0AC1EF1C-44B8-43FA-874C-5979AFF8F81B}"/>
+                    <a16:creationId xmlns:a16="http://schemas.microsoft.com/office/drawing/2014/main" xmlns="" id="{0AC1EF1C-44B8-43FA-874C-5979AFF8F81B}"/>
                   </a:ext>
                 </a:extLst>
               </p:cNvPr>
@@ -23086,7 +23178,7 @@
               <p:cNvPr id="113" name="직각 삼각형 33">
                 <a:extLst>
                   <a:ext uri="{FF2B5EF4-FFF2-40B4-BE49-F238E27FC236}">
-                    <a16:creationId xmlns:a16="http://schemas.microsoft.com/office/drawing/2014/main" id="{AD42EBF5-1642-4DC7-8DE5-2DF440A94759}"/>
+                    <a16:creationId xmlns:a16="http://schemas.microsoft.com/office/drawing/2014/main" xmlns="" id="{AD42EBF5-1642-4DC7-8DE5-2DF440A94759}"/>
                   </a:ext>
                 </a:extLst>
               </p:cNvPr>
@@ -23145,7 +23237,7 @@
             <p:cNvPr id="99" name="그룹 46">
               <a:extLst>
                 <a:ext uri="{FF2B5EF4-FFF2-40B4-BE49-F238E27FC236}">
-                  <a16:creationId xmlns:a16="http://schemas.microsoft.com/office/drawing/2014/main" id="{CA84279A-9757-4FD1-9381-41385EF14DAA}"/>
+                  <a16:creationId xmlns:a16="http://schemas.microsoft.com/office/drawing/2014/main" xmlns="" id="{CA84279A-9757-4FD1-9381-41385EF14DAA}"/>
                 </a:ext>
               </a:extLst>
             </p:cNvPr>
@@ -23165,7 +23257,7 @@
               <p:cNvPr id="108" name="이등변 삼각형 34">
                 <a:extLst>
                   <a:ext uri="{FF2B5EF4-FFF2-40B4-BE49-F238E27FC236}">
-                    <a16:creationId xmlns:a16="http://schemas.microsoft.com/office/drawing/2014/main" id="{935DA49F-F8BF-4E88-B437-F8F9937DACF9}"/>
+                    <a16:creationId xmlns:a16="http://schemas.microsoft.com/office/drawing/2014/main" xmlns="" id="{935DA49F-F8BF-4E88-B437-F8F9937DACF9}"/>
                   </a:ext>
                 </a:extLst>
               </p:cNvPr>
@@ -23219,7 +23311,7 @@
               <p:cNvPr id="109" name="직사각형 35">
                 <a:extLst>
                   <a:ext uri="{FF2B5EF4-FFF2-40B4-BE49-F238E27FC236}">
-                    <a16:creationId xmlns:a16="http://schemas.microsoft.com/office/drawing/2014/main" id="{214F5306-C3A0-43DD-8658-68E539250AF7}"/>
+                    <a16:creationId xmlns:a16="http://schemas.microsoft.com/office/drawing/2014/main" xmlns="" id="{214F5306-C3A0-43DD-8658-68E539250AF7}"/>
                   </a:ext>
                 </a:extLst>
               </p:cNvPr>
@@ -23279,7 +23371,7 @@
               <p:cNvPr id="110" name="직각 삼각형 36">
                 <a:extLst>
                   <a:ext uri="{FF2B5EF4-FFF2-40B4-BE49-F238E27FC236}">
-                    <a16:creationId xmlns:a16="http://schemas.microsoft.com/office/drawing/2014/main" id="{BA60F7C0-0318-4AF1-A88D-2B6C1CCAA215}"/>
+                    <a16:creationId xmlns:a16="http://schemas.microsoft.com/office/drawing/2014/main" xmlns="" id="{BA60F7C0-0318-4AF1-A88D-2B6C1CCAA215}"/>
                   </a:ext>
                 </a:extLst>
               </p:cNvPr>
@@ -23338,7 +23430,7 @@
             <p:cNvPr id="100" name="그룹 45">
               <a:extLst>
                 <a:ext uri="{FF2B5EF4-FFF2-40B4-BE49-F238E27FC236}">
-                  <a16:creationId xmlns:a16="http://schemas.microsoft.com/office/drawing/2014/main" id="{5B177551-7D3D-43C9-A946-106C56F78947}"/>
+                  <a16:creationId xmlns:a16="http://schemas.microsoft.com/office/drawing/2014/main" xmlns="" id="{5B177551-7D3D-43C9-A946-106C56F78947}"/>
                 </a:ext>
               </a:extLst>
             </p:cNvPr>
@@ -23358,7 +23450,7 @@
               <p:cNvPr id="105" name="이등변 삼각형 37">
                 <a:extLst>
                   <a:ext uri="{FF2B5EF4-FFF2-40B4-BE49-F238E27FC236}">
-                    <a16:creationId xmlns:a16="http://schemas.microsoft.com/office/drawing/2014/main" id="{E8781EBD-A150-4292-9C7F-2164A753E917}"/>
+                    <a16:creationId xmlns:a16="http://schemas.microsoft.com/office/drawing/2014/main" xmlns="" id="{E8781EBD-A150-4292-9C7F-2164A753E917}"/>
                   </a:ext>
                 </a:extLst>
               </p:cNvPr>
@@ -23412,7 +23504,7 @@
               <p:cNvPr id="106" name="직사각형 38">
                 <a:extLst>
                   <a:ext uri="{FF2B5EF4-FFF2-40B4-BE49-F238E27FC236}">
-                    <a16:creationId xmlns:a16="http://schemas.microsoft.com/office/drawing/2014/main" id="{5397061B-BCED-482E-9ACD-C0193E199526}"/>
+                    <a16:creationId xmlns:a16="http://schemas.microsoft.com/office/drawing/2014/main" xmlns="" id="{5397061B-BCED-482E-9ACD-C0193E199526}"/>
                   </a:ext>
                 </a:extLst>
               </p:cNvPr>
@@ -23472,7 +23564,7 @@
               <p:cNvPr id="107" name="직각 삼각형 39">
                 <a:extLst>
                   <a:ext uri="{FF2B5EF4-FFF2-40B4-BE49-F238E27FC236}">
-                    <a16:creationId xmlns:a16="http://schemas.microsoft.com/office/drawing/2014/main" id="{A35E47E7-441C-44EC-A87F-A1A2BD7E60E0}"/>
+                    <a16:creationId xmlns:a16="http://schemas.microsoft.com/office/drawing/2014/main" xmlns="" id="{A35E47E7-441C-44EC-A87F-A1A2BD7E60E0}"/>
                   </a:ext>
                 </a:extLst>
               </p:cNvPr>
@@ -23531,7 +23623,7 @@
             <p:cNvPr id="101" name="그룹 47">
               <a:extLst>
                 <a:ext uri="{FF2B5EF4-FFF2-40B4-BE49-F238E27FC236}">
-                  <a16:creationId xmlns:a16="http://schemas.microsoft.com/office/drawing/2014/main" id="{020C1A53-8964-4DEF-BFCC-E5051DAA0BD6}"/>
+                  <a16:creationId xmlns:a16="http://schemas.microsoft.com/office/drawing/2014/main" xmlns="" id="{020C1A53-8964-4DEF-BFCC-E5051DAA0BD6}"/>
                 </a:ext>
               </a:extLst>
             </p:cNvPr>
@@ -23551,7 +23643,7 @@
               <p:cNvPr id="102" name="이등변 삼각형 24">
                 <a:extLst>
                   <a:ext uri="{FF2B5EF4-FFF2-40B4-BE49-F238E27FC236}">
-                    <a16:creationId xmlns:a16="http://schemas.microsoft.com/office/drawing/2014/main" id="{873E32DD-2567-44B2-A8F1-4B4D49A51B78}"/>
+                    <a16:creationId xmlns:a16="http://schemas.microsoft.com/office/drawing/2014/main" xmlns="" id="{873E32DD-2567-44B2-A8F1-4B4D49A51B78}"/>
                   </a:ext>
                 </a:extLst>
               </p:cNvPr>
@@ -23605,7 +23697,7 @@
               <p:cNvPr id="103" name="직사각형 25">
                 <a:extLst>
                   <a:ext uri="{FF2B5EF4-FFF2-40B4-BE49-F238E27FC236}">
-                    <a16:creationId xmlns:a16="http://schemas.microsoft.com/office/drawing/2014/main" id="{2A228688-1061-4C17-9B53-09CC603C388A}"/>
+                    <a16:creationId xmlns:a16="http://schemas.microsoft.com/office/drawing/2014/main" xmlns="" id="{2A228688-1061-4C17-9B53-09CC603C388A}"/>
                   </a:ext>
                 </a:extLst>
               </p:cNvPr>
@@ -23665,7 +23757,7 @@
               <p:cNvPr id="104" name="직각 삼각형 63">
                 <a:extLst>
                   <a:ext uri="{FF2B5EF4-FFF2-40B4-BE49-F238E27FC236}">
-                    <a16:creationId xmlns:a16="http://schemas.microsoft.com/office/drawing/2014/main" id="{E66B55AD-9A96-4F8E-B307-D65F63D50425}"/>
+                    <a16:creationId xmlns:a16="http://schemas.microsoft.com/office/drawing/2014/main" xmlns="" id="{E66B55AD-9A96-4F8E-B307-D65F63D50425}"/>
                   </a:ext>
                 </a:extLst>
               </p:cNvPr>
@@ -23725,7 +23817,7 @@
           <p:cNvPr id="118" name="TextBox 117">
             <a:extLst>
               <a:ext uri="{FF2B5EF4-FFF2-40B4-BE49-F238E27FC236}">
-                <a16:creationId xmlns:a16="http://schemas.microsoft.com/office/drawing/2014/main" id="{A9BCBD77-F3B2-4675-9454-6F57FC48ED4B}"/>
+                <a16:creationId xmlns:a16="http://schemas.microsoft.com/office/drawing/2014/main" xmlns="" id="{A9BCBD77-F3B2-4675-9454-6F57FC48ED4B}"/>
               </a:ext>
             </a:extLst>
           </p:cNvPr>
@@ -23768,7 +23860,7 @@
           <p:cNvPr id="119" name="TextBox 118">
             <a:extLst>
               <a:ext uri="{FF2B5EF4-FFF2-40B4-BE49-F238E27FC236}">
-                <a16:creationId xmlns:a16="http://schemas.microsoft.com/office/drawing/2014/main" id="{57505F6A-E6DF-4A2F-AFF6-7D016B759722}"/>
+                <a16:creationId xmlns:a16="http://schemas.microsoft.com/office/drawing/2014/main" xmlns="" id="{57505F6A-E6DF-4A2F-AFF6-7D016B759722}"/>
               </a:ext>
             </a:extLst>
           </p:cNvPr>
@@ -23843,7 +23935,7 @@
           <p:cNvPr id="120" name="TextBox 119">
             <a:extLst>
               <a:ext uri="{FF2B5EF4-FFF2-40B4-BE49-F238E27FC236}">
-                <a16:creationId xmlns:a16="http://schemas.microsoft.com/office/drawing/2014/main" id="{17BAB5CE-FA76-4610-A124-70863F55A6A1}"/>
+                <a16:creationId xmlns:a16="http://schemas.microsoft.com/office/drawing/2014/main" xmlns="" id="{17BAB5CE-FA76-4610-A124-70863F55A6A1}"/>
               </a:ext>
             </a:extLst>
           </p:cNvPr>
@@ -23895,7 +23987,7 @@
           <p:cNvPr id="121" name="TextBox 120">
             <a:extLst>
               <a:ext uri="{FF2B5EF4-FFF2-40B4-BE49-F238E27FC236}">
-                <a16:creationId xmlns:a16="http://schemas.microsoft.com/office/drawing/2014/main" id="{6F7E89F4-DE83-41C3-A62F-69474748118E}"/>
+                <a16:creationId xmlns:a16="http://schemas.microsoft.com/office/drawing/2014/main" xmlns="" id="{6F7E89F4-DE83-41C3-A62F-69474748118E}"/>
               </a:ext>
             </a:extLst>
           </p:cNvPr>
@@ -23951,7 +24043,7 @@
           <p:cNvPr id="122" name="TextBox 121">
             <a:extLst>
               <a:ext uri="{FF2B5EF4-FFF2-40B4-BE49-F238E27FC236}">
-                <a16:creationId xmlns:a16="http://schemas.microsoft.com/office/drawing/2014/main" id="{4F52FBB8-D7DD-4768-8EF8-D27089678FDE}"/>
+                <a16:creationId xmlns:a16="http://schemas.microsoft.com/office/drawing/2014/main" xmlns="" id="{4F52FBB8-D7DD-4768-8EF8-D27089678FDE}"/>
               </a:ext>
             </a:extLst>
           </p:cNvPr>
@@ -24032,7 +24124,7 @@
           <p:cNvPr id="4" name="Title 3">
             <a:extLst>
               <a:ext uri="{FF2B5EF4-FFF2-40B4-BE49-F238E27FC236}">
-                <a16:creationId xmlns:a16="http://schemas.microsoft.com/office/drawing/2014/main" id="{EED9C34F-CA63-4A58-8737-443DFFAAB15D}"/>
+                <a16:creationId xmlns:a16="http://schemas.microsoft.com/office/drawing/2014/main" xmlns="" id="{EED9C34F-CA63-4A58-8737-443DFFAAB15D}"/>
               </a:ext>
             </a:extLst>
           </p:cNvPr>
@@ -24354,7 +24446,7 @@
           <p:cNvPr id="95" name="TextBox 94">
             <a:extLst>
               <a:ext uri="{FF2B5EF4-FFF2-40B4-BE49-F238E27FC236}">
-                <a16:creationId xmlns:a16="http://schemas.microsoft.com/office/drawing/2014/main" id="{5CB8652A-1233-4B9D-B9E0-D065F45F202F}"/>
+                <a16:creationId xmlns:a16="http://schemas.microsoft.com/office/drawing/2014/main" xmlns="" id="{5CB8652A-1233-4B9D-B9E0-D065F45F202F}"/>
               </a:ext>
             </a:extLst>
           </p:cNvPr>
@@ -24419,7 +24511,7 @@
           <p:cNvPr id="96" name="TextBox 95">
             <a:extLst>
               <a:ext uri="{FF2B5EF4-FFF2-40B4-BE49-F238E27FC236}">
-                <a16:creationId xmlns:a16="http://schemas.microsoft.com/office/drawing/2014/main" id="{AF27253D-2868-4416-9FBE-363BF3E543D5}"/>
+                <a16:creationId xmlns:a16="http://schemas.microsoft.com/office/drawing/2014/main" xmlns="" id="{AF27253D-2868-4416-9FBE-363BF3E543D5}"/>
               </a:ext>
             </a:extLst>
           </p:cNvPr>
@@ -24466,7 +24558,7 @@
           <p:cNvPr id="97" name="TextBox 96">
             <a:extLst>
               <a:ext uri="{FF2B5EF4-FFF2-40B4-BE49-F238E27FC236}">
-                <a16:creationId xmlns:a16="http://schemas.microsoft.com/office/drawing/2014/main" id="{A43595B3-E5A0-432B-BCDB-6CECA87E6D43}"/>
+                <a16:creationId xmlns:a16="http://schemas.microsoft.com/office/drawing/2014/main" xmlns="" id="{A43595B3-E5A0-432B-BCDB-6CECA87E6D43}"/>
               </a:ext>
             </a:extLst>
           </p:cNvPr>
@@ -24513,7 +24605,7 @@
           <p:cNvPr id="98" name="TextBox 97">
             <a:extLst>
               <a:ext uri="{FF2B5EF4-FFF2-40B4-BE49-F238E27FC236}">
-                <a16:creationId xmlns:a16="http://schemas.microsoft.com/office/drawing/2014/main" id="{1C071C8F-A14E-491D-953F-C35D7E5AEAD2}"/>
+                <a16:creationId xmlns:a16="http://schemas.microsoft.com/office/drawing/2014/main" xmlns="" id="{1C071C8F-A14E-491D-953F-C35D7E5AEAD2}"/>
               </a:ext>
             </a:extLst>
           </p:cNvPr>
@@ -24578,7 +24670,7 @@
           <p:cNvPr id="99" name="TextBox 98">
             <a:extLst>
               <a:ext uri="{FF2B5EF4-FFF2-40B4-BE49-F238E27FC236}">
-                <a16:creationId xmlns:a16="http://schemas.microsoft.com/office/drawing/2014/main" id="{7AFE94E2-61B5-4583-AD46-7B9B4E44E95C}"/>
+                <a16:creationId xmlns:a16="http://schemas.microsoft.com/office/drawing/2014/main" xmlns="" id="{7AFE94E2-61B5-4583-AD46-7B9B4E44E95C}"/>
               </a:ext>
             </a:extLst>
           </p:cNvPr>
@@ -25213,7 +25305,7 @@
           <p:cNvPr id="111" name="Picture 110">
             <a:extLst>
               <a:ext uri="{FF2B5EF4-FFF2-40B4-BE49-F238E27FC236}">
-                <a16:creationId xmlns:a16="http://schemas.microsoft.com/office/drawing/2014/main" id="{60838A7E-3D91-4E1E-BB8B-969D8F37FC55}"/>
+                <a16:creationId xmlns:a16="http://schemas.microsoft.com/office/drawing/2014/main" xmlns="" id="{60838A7E-3D91-4E1E-BB8B-969D8F37FC55}"/>
               </a:ext>
             </a:extLst>
           </p:cNvPr>
@@ -25261,7 +25353,7 @@
           <p:cNvPr id="113" name="Picture 112">
             <a:extLst>
               <a:ext uri="{FF2B5EF4-FFF2-40B4-BE49-F238E27FC236}">
-                <a16:creationId xmlns:a16="http://schemas.microsoft.com/office/drawing/2014/main" id="{7CC3C772-4B1E-4C71-A676-6DB1061D4CDD}"/>
+                <a16:creationId xmlns:a16="http://schemas.microsoft.com/office/drawing/2014/main" xmlns="" id="{7CC3C772-4B1E-4C71-A676-6DB1061D4CDD}"/>
               </a:ext>
             </a:extLst>
           </p:cNvPr>
@@ -25309,7 +25401,7 @@
           <p:cNvPr id="114" name="Picture 113">
             <a:extLst>
               <a:ext uri="{FF2B5EF4-FFF2-40B4-BE49-F238E27FC236}">
-                <a16:creationId xmlns:a16="http://schemas.microsoft.com/office/drawing/2014/main" id="{E466DC51-5899-41C5-9F99-875431869D41}"/>
+                <a16:creationId xmlns:a16="http://schemas.microsoft.com/office/drawing/2014/main" xmlns="" id="{E466DC51-5899-41C5-9F99-875431869D41}"/>
               </a:ext>
             </a:extLst>
           </p:cNvPr>
@@ -25357,7 +25449,7 @@
           <p:cNvPr id="115" name="Picture 114">
             <a:extLst>
               <a:ext uri="{FF2B5EF4-FFF2-40B4-BE49-F238E27FC236}">
-                <a16:creationId xmlns:a16="http://schemas.microsoft.com/office/drawing/2014/main" id="{2F7BE51F-7E64-4451-AD63-53BF4C5A4889}"/>
+                <a16:creationId xmlns:a16="http://schemas.microsoft.com/office/drawing/2014/main" xmlns="" id="{2F7BE51F-7E64-4451-AD63-53BF4C5A4889}"/>
               </a:ext>
             </a:extLst>
           </p:cNvPr>
@@ -25405,7 +25497,7 @@
           <p:cNvPr id="116" name="Picture 115">
             <a:extLst>
               <a:ext uri="{FF2B5EF4-FFF2-40B4-BE49-F238E27FC236}">
-                <a16:creationId xmlns:a16="http://schemas.microsoft.com/office/drawing/2014/main" id="{C64AC0F6-591F-4B1F-8B28-78E9C6F58ECC}"/>
+                <a16:creationId xmlns:a16="http://schemas.microsoft.com/office/drawing/2014/main" xmlns="" id="{C64AC0F6-591F-4B1F-8B28-78E9C6F58ECC}"/>
               </a:ext>
             </a:extLst>
           </p:cNvPr>
@@ -26072,7 +26164,7 @@
           <p:cNvPr id="130" name="Picture 129">
             <a:extLst>
               <a:ext uri="{FF2B5EF4-FFF2-40B4-BE49-F238E27FC236}">
-                <a16:creationId xmlns:a16="http://schemas.microsoft.com/office/drawing/2014/main" id="{BD89C4B3-9183-485B-A50E-536FF666150B}"/>
+                <a16:creationId xmlns:a16="http://schemas.microsoft.com/office/drawing/2014/main" xmlns="" id="{BD89C4B3-9183-485B-A50E-536FF666150B}"/>
               </a:ext>
             </a:extLst>
           </p:cNvPr>
@@ -26120,7 +26212,7 @@
           <p:cNvPr id="131" name="Picture 130">
             <a:extLst>
               <a:ext uri="{FF2B5EF4-FFF2-40B4-BE49-F238E27FC236}">
-                <a16:creationId xmlns:a16="http://schemas.microsoft.com/office/drawing/2014/main" id="{CF135B08-1E13-42F5-AB8C-4152747A5BC1}"/>
+                <a16:creationId xmlns:a16="http://schemas.microsoft.com/office/drawing/2014/main" xmlns="" id="{CF135B08-1E13-42F5-AB8C-4152747A5BC1}"/>
               </a:ext>
             </a:extLst>
           </p:cNvPr>
@@ -26731,7 +26823,7 @@
           <p:cNvPr id="2" name="Text Placeholder 1">
             <a:extLst>
               <a:ext uri="{FF2B5EF4-FFF2-40B4-BE49-F238E27FC236}">
-                <a16:creationId xmlns:a16="http://schemas.microsoft.com/office/drawing/2014/main" id="{214345E8-772C-4F3F-9805-06E0F638D2D4}"/>
+                <a16:creationId xmlns:a16="http://schemas.microsoft.com/office/drawing/2014/main" xmlns="" id="{214345E8-772C-4F3F-9805-06E0F638D2D4}"/>
               </a:ext>
             </a:extLst>
           </p:cNvPr>
@@ -26835,7 +26927,23 @@
           <a:p>
             <a:r>
               <a:rPr lang="en-IN" sz="1600" dirty="0" smtClean="0"/>
-              <a:t>Business Overview (JFM: 2022 v 2021)</a:t>
+              <a:t>Business Overview </a:t>
+            </a:r>
+            <a:r>
+              <a:rPr lang="en-IN" sz="1600" dirty="0" smtClean="0"/>
+              <a:t>(</a:t>
+            </a:r>
+            <a:r>
+              <a:rPr lang="en-IN" sz="1600" dirty="0" smtClean="0"/>
+              <a:t>AMJ</a:t>
+            </a:r>
+            <a:r>
+              <a:rPr lang="en-IN" sz="1600" dirty="0" smtClean="0"/>
+              <a:t>: </a:t>
+            </a:r>
+            <a:r>
+              <a:rPr lang="en-IN" sz="1600" dirty="0" smtClean="0"/>
+              <a:t>2022 v 2021)</a:t>
             </a:r>
           </a:p>
           <a:p>
@@ -26844,26 +26952,30 @@
           <a:p>
             <a:r>
               <a:rPr lang="en-IN" sz="1600" dirty="0" smtClean="0"/>
-              <a:t>Engagement Snapshot</a:t>
+              <a:t>Campaign Snapshot</a:t>
             </a:r>
+            <a:endParaRPr lang="en-IN" sz="1600" dirty="0" smtClean="0"/>
           </a:p>
           <a:p>
+            <a:pPr marL="0" indent="0">
+              <a:buNone/>
+            </a:pPr>
             <a:endParaRPr lang="en-IN" sz="1600" dirty="0"/>
           </a:p>
           <a:p>
             <a:r>
               <a:rPr lang="en-IN" sz="1600" dirty="0" smtClean="0"/>
-              <a:t>Key Priorities –AMJ’22</a:t>
+              <a:t>Customer Engagement Plan – </a:t>
             </a:r>
-          </a:p>
-          <a:p>
-            <a:endParaRPr lang="en-IN" sz="1600" dirty="0"/>
-          </a:p>
-          <a:p>
             <a:r>
               <a:rPr lang="en-IN" sz="1600" dirty="0" smtClean="0"/>
-              <a:t>Customer Engagement Plan – AMJ’22</a:t>
+              <a:t>JAS</a:t>
             </a:r>
+            <a:r>
+              <a:rPr lang="en-IN" sz="1600" dirty="0" smtClean="0"/>
+              <a:t>’22</a:t>
+            </a:r>
+            <a:endParaRPr lang="en-IN" sz="1600" dirty="0" smtClean="0"/>
           </a:p>
           <a:p>
             <a:endParaRPr lang="en-IN" sz="1600" dirty="0"/>
@@ -26939,7 +27051,7 @@
           <p:cNvPr id="6" name="Google Shape;73;p16">
             <a:extLst>
               <a:ext uri="{FF2B5EF4-FFF2-40B4-BE49-F238E27FC236}">
-                <a16:creationId xmlns:a16="http://schemas.microsoft.com/office/drawing/2014/main" id="{E65D5375-BBCA-448E-B464-609597A65BC5}"/>
+                <a16:creationId xmlns:a16="http://schemas.microsoft.com/office/drawing/2014/main" xmlns="" id="{E65D5375-BBCA-448E-B464-609597A65BC5}"/>
               </a:ext>
             </a:extLst>
           </p:cNvPr>
@@ -27234,7 +27346,7 @@
           <p:nvPr>
             <p:extLst>
               <p:ext uri="{D42A27DB-BD31-4B8C-83A1-F6EECF244321}">
-                <p14:modId xmlns:p14="http://schemas.microsoft.com/office/powerpoint/2010/main" val="2244472965"/>
+                <p14:modId xmlns:p14="http://schemas.microsoft.com/office/powerpoint/2010/main" val="2973073997"/>
               </p:ext>
             </p:extLst>
           </p:nvPr>
@@ -27253,28 +27365,28 @@
                 <a:gridCol w="2774308">
                   <a:extLst>
                     <a:ext uri="{9D8B030D-6E8A-4147-A177-3AD203B41FA5}">
-                      <a16:colId xmlns:a16="http://schemas.microsoft.com/office/drawing/2014/main" val="20000"/>
+                      <a16:colId xmlns:a16="http://schemas.microsoft.com/office/drawing/2014/main" xmlns="" val="20000"/>
                     </a:ext>
                   </a:extLst>
                 </a:gridCol>
                 <a:gridCol w="1094285">
                   <a:extLst>
                     <a:ext uri="{9D8B030D-6E8A-4147-A177-3AD203B41FA5}">
-                      <a16:colId xmlns:a16="http://schemas.microsoft.com/office/drawing/2014/main" val="20001"/>
+                      <a16:colId xmlns:a16="http://schemas.microsoft.com/office/drawing/2014/main" xmlns="" val="20001"/>
                     </a:ext>
                   </a:extLst>
                 </a:gridCol>
                 <a:gridCol w="1800400">
                   <a:extLst>
                     <a:ext uri="{9D8B030D-6E8A-4147-A177-3AD203B41FA5}">
-                      <a16:colId xmlns:a16="http://schemas.microsoft.com/office/drawing/2014/main" val="20002"/>
+                      <a16:colId xmlns:a16="http://schemas.microsoft.com/office/drawing/2014/main" xmlns="" val="20002"/>
                     </a:ext>
                   </a:extLst>
                 </a:gridCol>
                 <a:gridCol w="1318074">
                   <a:extLst>
                     <a:ext uri="{9D8B030D-6E8A-4147-A177-3AD203B41FA5}">
-                      <a16:colId xmlns:a16="http://schemas.microsoft.com/office/drawing/2014/main" val="4113487188"/>
+                      <a16:colId xmlns:a16="http://schemas.microsoft.com/office/drawing/2014/main" xmlns="" val="4113487188"/>
                     </a:ext>
                   </a:extLst>
                 </a:gridCol>
@@ -27427,7 +27539,7 @@
                       </a:pPr>
                       <a:r>
                         <a:rPr lang="en" sz="1400" dirty="0" smtClean="0"/>
-                        <a:t>(JFM’21</a:t>
+                        <a:t>(AMJ’21</a:t>
                       </a:r>
                       <a:r>
                         <a:rPr lang="en" sz="1400" baseline="0" dirty="0" smtClean="0"/>
@@ -27553,7 +27665,7 @@
                 </a:tc>
                 <a:extLst>
                   <a:ext uri="{0D108BD9-81ED-4DB2-BD59-A6C34878D82A}">
-                    <a16:rowId xmlns:a16="http://schemas.microsoft.com/office/drawing/2014/main" val="10000"/>
+                    <a16:rowId xmlns:a16="http://schemas.microsoft.com/office/drawing/2014/main" xmlns="" val="10000"/>
                   </a:ext>
                 </a:extLst>
               </a:tr>
@@ -27653,7 +27765,7 @@
                 </a:tc>
                 <a:extLst>
                   <a:ext uri="{0D108BD9-81ED-4DB2-BD59-A6C34878D82A}">
-                    <a16:rowId xmlns:a16="http://schemas.microsoft.com/office/drawing/2014/main" val="10001"/>
+                    <a16:rowId xmlns:a16="http://schemas.microsoft.com/office/drawing/2014/main" xmlns="" val="10001"/>
                   </a:ext>
                 </a:extLst>
               </a:tr>
@@ -27761,25 +27873,25 @@
                     <a:p>
                       <a:pPr algn="ctr" fontAlgn="ctr"/>
                       <a:r>
-                        <a:rPr lang="en-US" sz="1400" b="0" i="0" u="none" strike="noStrike" baseline="0" dirty="0" smtClean="0">
+                        <a:rPr lang="en-IN" sz="1400" b="0" i="0" u="none" strike="noStrike" dirty="0" smtClean="0">
                           <a:solidFill>
                             <a:srgbClr val="000000"/>
                           </a:solidFill>
                           <a:effectLst/>
-                          <a:latin typeface="Calibri" panose="020F0502020204030204" pitchFamily="34" charset="0"/>
+                          <a:latin typeface="Segoe UI" panose="020B0502040204020203" pitchFamily="34" charset="0"/>
                         </a:rPr>
-                        <a:t>51.83 Cr.</a:t>
+                        <a:t>15,68,03,236 </a:t>
                       </a:r>
-                      <a:endParaRPr lang="en-US" sz="1400" b="0" i="0" u="none" strike="noStrike" dirty="0">
+                      <a:endParaRPr lang="en-IN" sz="1400" b="0" i="0" u="none" strike="noStrike" dirty="0">
                         <a:solidFill>
                           <a:srgbClr val="000000"/>
                         </a:solidFill>
                         <a:effectLst/>
-                        <a:latin typeface="Calibri" panose="020F0502020204030204" pitchFamily="34" charset="0"/>
+                        <a:latin typeface="Segoe UI" panose="020B0502040204020203" pitchFamily="34" charset="0"/>
                       </a:endParaRPr>
                     </a:p>
                   </a:txBody>
-                  <a:tcPr marL="9525" marR="9525" marT="9525" marB="0" anchor="ctr">
+                  <a:tcPr marL="7620" marR="7620" marT="7620" marB="0" anchor="ctr">
                     <a:lnL w="12700" cap="flat" cmpd="sng" algn="ctr">
                       <a:solidFill>
                         <a:schemeClr val="tx1"/>
@@ -27823,27 +27935,20 @@
                     <a:bodyPr/>
                     <a:lstStyle/>
                     <a:p>
-                      <a:pPr algn="ctr" fontAlgn="ctr"/>
+                      <a:pPr algn="ctr" fontAlgn="b"/>
                       <a:r>
-                        <a:rPr lang="en-US" sz="1400" b="0" i="0" u="none" strike="noStrike" dirty="0" smtClean="0">
+                        <a:rPr lang="en-IN" sz="1400" b="0" i="0" u="none" strike="noStrike" dirty="0">
                           <a:solidFill>
                             <a:srgbClr val="000000"/>
                           </a:solidFill>
                           <a:effectLst/>
                           <a:latin typeface="Calibri" panose="020F0502020204030204" pitchFamily="34" charset="0"/>
                         </a:rPr>
-                        <a:t>180%</a:t>
+                        <a:t>210%</a:t>
                       </a:r>
-                      <a:endParaRPr lang="en-US" sz="1400" b="0" i="0" u="none" strike="noStrike" dirty="0">
-                        <a:solidFill>
-                          <a:srgbClr val="000000"/>
-                        </a:solidFill>
-                        <a:effectLst/>
-                        <a:latin typeface="Calibri" panose="020F0502020204030204" pitchFamily="34" charset="0"/>
-                      </a:endParaRPr>
                     </a:p>
                   </a:txBody>
-                  <a:tcPr marL="9525" marR="9525" marT="9525" marB="0" anchor="ctr">
+                  <a:tcPr marL="7620" marR="7620" marT="7620" marB="0" anchor="ctr">
                     <a:lnL w="12700" cap="flat" cmpd="sng" algn="ctr">
                       <a:solidFill>
                         <a:schemeClr val="tx1"/>
@@ -27890,28 +27995,18 @@
                     <a:bodyPr/>
                     <a:lstStyle/>
                     <a:p>
-                      <a:pPr algn="ctr" fontAlgn="ctr"/>
+                      <a:pPr algn="ctr" fontAlgn="b"/>
                       <a:r>
-                        <a:rPr lang="en-US" sz="1400" b="0" i="0" u="none" strike="noStrike" dirty="0" smtClean="0">
+                        <a:rPr lang="en-IN" sz="1400" b="0" i="0" u="none" strike="noStrike" dirty="0" smtClean="0">
                           <a:solidFill>
                             <a:srgbClr val="000000"/>
                           </a:solidFill>
                           <a:effectLst/>
                           <a:latin typeface="Calibri" panose="020F0502020204030204" pitchFamily="34" charset="0"/>
                         </a:rPr>
-                        <a:t>144.89</a:t>
+                        <a:t>48,59,24,392 </a:t>
                       </a:r>
-                      <a:r>
-                        <a:rPr lang="en-US" sz="1400" b="0" i="0" u="none" strike="noStrike" baseline="0" dirty="0" smtClean="0">
-                          <a:solidFill>
-                            <a:srgbClr val="000000"/>
-                          </a:solidFill>
-                          <a:effectLst/>
-                          <a:latin typeface="Calibri" panose="020F0502020204030204" pitchFamily="34" charset="0"/>
-                        </a:rPr>
-                        <a:t> Cr.</a:t>
-                      </a:r>
-                      <a:endParaRPr lang="en-US" sz="1400" b="0" i="0" u="none" strike="noStrike" dirty="0">
+                      <a:endParaRPr lang="en-IN" sz="1400" b="0" i="0" u="none" strike="noStrike" dirty="0">
                         <a:solidFill>
                           <a:srgbClr val="000000"/>
                         </a:solidFill>
@@ -27920,7 +28015,7 @@
                       </a:endParaRPr>
                     </a:p>
                   </a:txBody>
-                  <a:tcPr marL="9525" marR="9525" marT="9525" marB="0" anchor="ctr">
+                  <a:tcPr marL="7620" marR="7620" marT="7620" marB="0" anchor="ctr">
                     <a:lnL w="12700" cap="flat" cmpd="sng" algn="ctr">
                       <a:solidFill>
                         <a:schemeClr val="tx1"/>
@@ -27964,7 +28059,7 @@
                 </a:tc>
                 <a:extLst>
                   <a:ext uri="{0D108BD9-81ED-4DB2-BD59-A6C34878D82A}">
-                    <a16:rowId xmlns:a16="http://schemas.microsoft.com/office/drawing/2014/main" val="10002"/>
+                    <a16:rowId xmlns:a16="http://schemas.microsoft.com/office/drawing/2014/main" xmlns="" val="10002"/>
                   </a:ext>
                 </a:extLst>
               </a:tr>
@@ -28040,25 +28135,25 @@
                     <a:p>
                       <a:pPr algn="ctr" fontAlgn="ctr"/>
                       <a:r>
-                        <a:rPr lang="en-US" sz="1400" b="0" i="0" u="none" strike="noStrike" dirty="0" smtClean="0">
+                        <a:rPr lang="en-IN" sz="1400" b="0" i="0" u="none" strike="noStrike" dirty="0" smtClean="0">
                           <a:solidFill>
                             <a:srgbClr val="000000"/>
                           </a:solidFill>
                           <a:effectLst/>
-                          <a:latin typeface="Calibri" panose="020F0502020204030204" pitchFamily="34" charset="0"/>
+                          <a:latin typeface="Segoe UI" panose="020B0502040204020203" pitchFamily="34" charset="0"/>
                         </a:rPr>
-                        <a:t>50,829</a:t>
+                        <a:t>20,316 </a:t>
                       </a:r>
-                      <a:endParaRPr lang="en-US" sz="1400" b="0" i="0" u="none" strike="noStrike" dirty="0">
+                      <a:endParaRPr lang="en-IN" sz="1400" b="0" i="0" u="none" strike="noStrike" dirty="0">
                         <a:solidFill>
                           <a:srgbClr val="000000"/>
                         </a:solidFill>
                         <a:effectLst/>
-                        <a:latin typeface="Calibri" panose="020F0502020204030204" pitchFamily="34" charset="0"/>
+                        <a:latin typeface="Segoe UI" panose="020B0502040204020203" pitchFamily="34" charset="0"/>
                       </a:endParaRPr>
                     </a:p>
                   </a:txBody>
-                  <a:tcPr marL="9525" marR="9525" marT="9525" marB="0" anchor="ctr">
+                  <a:tcPr marL="7620" marR="7620" marT="7620" marB="0" anchor="ctr">
                     <a:lnL w="12700" cap="flat" cmpd="sng" algn="ctr">
                       <a:solidFill>
                         <a:schemeClr val="tx1"/>
@@ -28102,47 +28197,20 @@
                     <a:bodyPr/>
                     <a:lstStyle/>
                     <a:p>
-                      <a:pPr marR="0" algn="ctr" rtl="0" eaLnBrk="1" fontAlgn="ctr" hangingPunct="1">
-                        <a:lnSpc>
-                          <a:spcPct val="100000"/>
-                        </a:lnSpc>
-                        <a:spcBef>
-                          <a:spcPts val="0"/>
-                        </a:spcBef>
-                        <a:spcAft>
-                          <a:spcPts val="0"/>
-                        </a:spcAft>
-                        <a:buClr>
-                          <a:srgbClr val="000000"/>
-                        </a:buClr>
-                        <a:buFont typeface="Arial"/>
-                      </a:pPr>
+                      <a:pPr algn="ctr" fontAlgn="b"/>
                       <a:r>
-                        <a:rPr lang="en-US" sz="1400" b="0" i="0" u="none" strike="noStrike" cap="none" dirty="0" smtClean="0">
+                        <a:rPr lang="en-IN" sz="1400" b="0" i="0" u="none" strike="noStrike" dirty="0">
                           <a:solidFill>
                             <a:srgbClr val="000000"/>
                           </a:solidFill>
                           <a:effectLst/>
                           <a:latin typeface="Calibri" panose="020F0502020204030204" pitchFamily="34" charset="0"/>
-                          <a:ea typeface="+mn-ea"/>
-                          <a:cs typeface="+mn-cs"/>
-                          <a:sym typeface="Arial"/>
                         </a:rPr>
-                        <a:t>180%</a:t>
+                        <a:t>182%</a:t>
                       </a:r>
-                      <a:endParaRPr lang="en-US" sz="1400" b="0" i="0" u="none" strike="noStrike" cap="none" dirty="0">
-                        <a:solidFill>
-                          <a:srgbClr val="000000"/>
-                        </a:solidFill>
-                        <a:effectLst/>
-                        <a:latin typeface="Calibri" panose="020F0502020204030204" pitchFamily="34" charset="0"/>
-                        <a:ea typeface="+mn-ea"/>
-                        <a:cs typeface="+mn-cs"/>
-                        <a:sym typeface="Arial"/>
-                      </a:endParaRPr>
                     </a:p>
                   </a:txBody>
-                  <a:tcPr marL="9525" marR="9525" marT="9525" marB="0" anchor="ctr">
+                  <a:tcPr marL="7620" marR="7620" marT="7620" marB="0" anchor="ctr">
                     <a:lnL w="12700" cap="flat" cmpd="sng" algn="ctr">
                       <a:solidFill>
                         <a:schemeClr val="tx1"/>
@@ -28189,18 +28257,18 @@
                     <a:bodyPr/>
                     <a:lstStyle/>
                     <a:p>
-                      <a:pPr algn="ctr" fontAlgn="ctr"/>
+                      <a:pPr algn="ctr" fontAlgn="b"/>
                       <a:r>
-                        <a:rPr lang="en-US" sz="1400" b="0" i="0" u="none" strike="noStrike" dirty="0" smtClean="0">
+                        <a:rPr lang="en-IN" sz="1400" b="0" i="0" u="none" strike="noStrike" dirty="0" smtClean="0">
                           <a:solidFill>
                             <a:srgbClr val="000000"/>
                           </a:solidFill>
                           <a:effectLst/>
                           <a:latin typeface="Calibri" panose="020F0502020204030204" pitchFamily="34" charset="0"/>
                         </a:rPr>
-                        <a:t>1,42,294</a:t>
+                        <a:t>57,228 </a:t>
                       </a:r>
-                      <a:endParaRPr lang="en-US" sz="1400" b="0" i="0" u="none" strike="noStrike" dirty="0">
+                      <a:endParaRPr lang="en-IN" sz="1400" b="0" i="0" u="none" strike="noStrike" dirty="0">
                         <a:solidFill>
                           <a:srgbClr val="000000"/>
                         </a:solidFill>
@@ -28209,7 +28277,7 @@
                       </a:endParaRPr>
                     </a:p>
                   </a:txBody>
-                  <a:tcPr marL="9525" marR="9525" marT="9525" marB="0" anchor="ctr">
+                  <a:tcPr marL="7620" marR="7620" marT="7620" marB="0" anchor="ctr">
                     <a:lnL w="12700" cap="flat" cmpd="sng" algn="ctr">
                       <a:solidFill>
                         <a:schemeClr val="tx1"/>
@@ -28253,7 +28321,7 @@
                 </a:tc>
                 <a:extLst>
                   <a:ext uri="{0D108BD9-81ED-4DB2-BD59-A6C34878D82A}">
-                    <a16:rowId xmlns:a16="http://schemas.microsoft.com/office/drawing/2014/main" val="10003"/>
+                    <a16:rowId xmlns:a16="http://schemas.microsoft.com/office/drawing/2014/main" xmlns="" val="10003"/>
                   </a:ext>
                 </a:extLst>
               </a:tr>
@@ -28325,25 +28393,25 @@
                     <a:p>
                       <a:pPr algn="ctr" fontAlgn="ctr"/>
                       <a:r>
-                        <a:rPr lang="en-US" sz="1400" b="0" i="0" u="none" strike="noStrike" dirty="0" smtClean="0">
+                        <a:rPr lang="en-IN" sz="1400" b="0" i="0" u="none" strike="noStrike" dirty="0" smtClean="0">
                           <a:solidFill>
                             <a:srgbClr val="000000"/>
                           </a:solidFill>
                           <a:effectLst/>
-                          <a:latin typeface="Calibri" panose="020F0502020204030204" pitchFamily="34" charset="0"/>
+                          <a:latin typeface="Segoe UI" panose="020B0502040204020203" pitchFamily="34" charset="0"/>
                         </a:rPr>
-                        <a:t>6,949</a:t>
+                        <a:t>5,862 </a:t>
                       </a:r>
-                      <a:endParaRPr lang="en-US" sz="1400" b="0" i="0" u="none" strike="noStrike" dirty="0">
+                      <a:endParaRPr lang="en-IN" sz="1400" b="0" i="0" u="none" strike="noStrike" dirty="0">
                         <a:solidFill>
                           <a:srgbClr val="000000"/>
                         </a:solidFill>
                         <a:effectLst/>
-                        <a:latin typeface="Calibri" panose="020F0502020204030204" pitchFamily="34" charset="0"/>
+                        <a:latin typeface="Segoe UI" panose="020B0502040204020203" pitchFamily="34" charset="0"/>
                       </a:endParaRPr>
                     </a:p>
                   </a:txBody>
-                  <a:tcPr marL="9525" marR="9525" marT="9525" marB="0" anchor="ctr">
+                  <a:tcPr marL="7620" marR="7620" marT="7620" marB="0" anchor="ctr">
                     <a:lnL w="12700" cap="flat" cmpd="sng" algn="ctr">
                       <a:solidFill>
                         <a:schemeClr val="tx1"/>
@@ -28387,9 +28455,9 @@
                     <a:bodyPr/>
                     <a:lstStyle/>
                     <a:p>
-                      <a:pPr algn="ctr" fontAlgn="ctr"/>
+                      <a:pPr algn="ctr" fontAlgn="b"/>
                       <a:r>
-                        <a:rPr lang="en-US" sz="1400" b="0" i="0" u="none" strike="noStrike" dirty="0" smtClean="0">
+                        <a:rPr lang="en-IN" sz="1400" b="0" i="0" u="none" strike="noStrike" dirty="0">
                           <a:solidFill>
                             <a:srgbClr val="000000"/>
                           </a:solidFill>
@@ -28398,16 +28466,9 @@
                         </a:rPr>
                         <a:t>6%</a:t>
                       </a:r>
-                      <a:endParaRPr lang="en-US" sz="1400" b="0" i="0" u="none" strike="noStrike" dirty="0">
-                        <a:solidFill>
-                          <a:srgbClr val="000000"/>
-                        </a:solidFill>
-                        <a:effectLst/>
-                        <a:latin typeface="Calibri" panose="020F0502020204030204" pitchFamily="34" charset="0"/>
-                      </a:endParaRPr>
                     </a:p>
                   </a:txBody>
-                  <a:tcPr marL="9525" marR="9525" marT="9525" marB="0" anchor="ctr">
+                  <a:tcPr marL="7620" marR="7620" marT="7620" marB="0" anchor="ctr">
                     <a:lnL w="12700" cap="flat" cmpd="sng" algn="ctr">
                       <a:solidFill>
                         <a:schemeClr val="tx1"/>
@@ -28454,18 +28515,18 @@
                     <a:bodyPr/>
                     <a:lstStyle/>
                     <a:p>
-                      <a:pPr algn="ctr" fontAlgn="ctr"/>
+                      <a:pPr algn="ctr" fontAlgn="b"/>
                       <a:r>
-                        <a:rPr lang="en-US" sz="1400" b="0" i="0" u="none" strike="noStrike" dirty="0" smtClean="0">
+                        <a:rPr lang="en-IN" sz="1400" b="0" i="0" u="none" strike="noStrike" dirty="0" smtClean="0">
                           <a:solidFill>
                             <a:srgbClr val="000000"/>
                           </a:solidFill>
                           <a:effectLst/>
                           <a:latin typeface="Calibri" panose="020F0502020204030204" pitchFamily="34" charset="0"/>
                         </a:rPr>
-                        <a:t>7,341</a:t>
+                        <a:t>6,238 </a:t>
                       </a:r>
-                      <a:endParaRPr lang="en-US" sz="1400" b="0" i="0" u="none" strike="noStrike" dirty="0">
+                      <a:endParaRPr lang="en-IN" sz="1400" b="0" i="0" u="none" strike="noStrike" dirty="0">
                         <a:solidFill>
                           <a:srgbClr val="000000"/>
                         </a:solidFill>
@@ -28474,7 +28535,7 @@
                       </a:endParaRPr>
                     </a:p>
                   </a:txBody>
-                  <a:tcPr marL="9525" marR="9525" marT="9525" marB="0" anchor="ctr">
+                  <a:tcPr marL="7620" marR="7620" marT="7620" marB="0" anchor="ctr">
                     <a:lnL w="12700" cap="flat" cmpd="sng" algn="ctr">
                       <a:solidFill>
                         <a:schemeClr val="tx1"/>
@@ -28518,7 +28579,7 @@
                 </a:tc>
                 <a:extLst>
                   <a:ext uri="{0D108BD9-81ED-4DB2-BD59-A6C34878D82A}">
-                    <a16:rowId xmlns:a16="http://schemas.microsoft.com/office/drawing/2014/main" val="10004"/>
+                    <a16:rowId xmlns:a16="http://schemas.microsoft.com/office/drawing/2014/main" xmlns="" val="10004"/>
                   </a:ext>
                 </a:extLst>
               </a:tr>
@@ -28590,25 +28651,18 @@
                     <a:p>
                       <a:pPr algn="ctr" fontAlgn="ctr"/>
                       <a:r>
-                        <a:rPr lang="en-US" sz="1400" b="0" i="0" u="none" strike="noStrike" dirty="0" smtClean="0">
+                        <a:rPr lang="en-IN" sz="1400" b="0" i="0" u="none" strike="noStrike" dirty="0">
                           <a:solidFill>
                             <a:srgbClr val="000000"/>
                           </a:solidFill>
                           <a:effectLst/>
-                          <a:latin typeface="Calibri" panose="020F0502020204030204" pitchFamily="34" charset="0"/>
+                          <a:latin typeface="Segoe UI" panose="020B0502040204020203" pitchFamily="34" charset="0"/>
                         </a:rPr>
-                        <a:t>2.46</a:t>
+                        <a:t>3.70</a:t>
                       </a:r>
-                      <a:endParaRPr lang="en-US" sz="1400" b="0" i="0" u="none" strike="noStrike" dirty="0">
-                        <a:solidFill>
-                          <a:srgbClr val="000000"/>
-                        </a:solidFill>
-                        <a:effectLst/>
-                        <a:latin typeface="Calibri" panose="020F0502020204030204" pitchFamily="34" charset="0"/>
-                      </a:endParaRPr>
                     </a:p>
                   </a:txBody>
-                  <a:tcPr marL="9525" marR="9525" marT="9525" marB="0" anchor="ctr">
+                  <a:tcPr marL="7620" marR="7620" marT="7620" marB="0" anchor="ctr">
                     <a:lnL w="12700" cap="flat" cmpd="sng" algn="ctr">
                       <a:solidFill>
                         <a:schemeClr val="tx1"/>
@@ -28652,27 +28706,20 @@
                     <a:bodyPr/>
                     <a:lstStyle/>
                     <a:p>
-                      <a:pPr algn="ctr" fontAlgn="ctr"/>
+                      <a:pPr algn="ctr" fontAlgn="b"/>
                       <a:r>
-                        <a:rPr lang="en-US" sz="1400" b="0" i="0" u="none" strike="noStrike" dirty="0" smtClean="0">
+                        <a:rPr lang="en-IN" sz="1400" b="0" i="0" u="none" strike="noStrike" dirty="0">
                           <a:solidFill>
                             <a:srgbClr val="000000"/>
                           </a:solidFill>
                           <a:effectLst/>
                           <a:latin typeface="Calibri" panose="020F0502020204030204" pitchFamily="34" charset="0"/>
                         </a:rPr>
-                        <a:t>5%</a:t>
+                        <a:t>-8%</a:t>
                       </a:r>
-                      <a:endParaRPr lang="en-US" sz="1400" b="0" i="0" u="none" strike="noStrike" dirty="0">
-                        <a:solidFill>
-                          <a:srgbClr val="000000"/>
-                        </a:solidFill>
-                        <a:effectLst/>
-                        <a:latin typeface="Calibri" panose="020F0502020204030204" pitchFamily="34" charset="0"/>
-                      </a:endParaRPr>
                     </a:p>
                   </a:txBody>
-                  <a:tcPr marL="9525" marR="9525" marT="9525" marB="0" anchor="ctr">
+                  <a:tcPr marL="7620" marR="7620" marT="7620" marB="0" anchor="ctr">
                     <a:lnL w="12700" cap="flat" cmpd="sng" algn="ctr">
                       <a:solidFill>
                         <a:schemeClr val="tx1"/>
@@ -28710,7 +28757,7 @@
                       <a:tailEnd type="none" w="med" len="med"/>
                     </a:lnB>
                     <a:solidFill>
-                      <a:srgbClr val="92D050"/>
+                      <a:srgbClr val="FF8B8B"/>
                     </a:solidFill>
                   </a:tcPr>
                 </a:tc>
@@ -28719,27 +28766,20 @@
                     <a:bodyPr/>
                     <a:lstStyle/>
                     <a:p>
-                      <a:pPr algn="ctr" fontAlgn="ctr"/>
+                      <a:pPr algn="ctr" fontAlgn="b"/>
                       <a:r>
-                        <a:rPr lang="en-US" sz="1400" b="0" i="0" u="none" strike="noStrike" dirty="0" smtClean="0">
+                        <a:rPr lang="en-IN" sz="1400" b="0" i="0" u="none" strike="noStrike" dirty="0">
                           <a:solidFill>
                             <a:srgbClr val="000000"/>
                           </a:solidFill>
                           <a:effectLst/>
                           <a:latin typeface="Calibri" panose="020F0502020204030204" pitchFamily="34" charset="0"/>
                         </a:rPr>
-                        <a:t>2.59</a:t>
+                        <a:t>3.40</a:t>
                       </a:r>
-                      <a:endParaRPr lang="en-US" sz="1400" b="0" i="0" u="none" strike="noStrike" dirty="0">
-                        <a:solidFill>
-                          <a:srgbClr val="000000"/>
-                        </a:solidFill>
-                        <a:effectLst/>
-                        <a:latin typeface="Calibri" panose="020F0502020204030204" pitchFamily="34" charset="0"/>
-                      </a:endParaRPr>
                     </a:p>
                   </a:txBody>
-                  <a:tcPr marL="9525" marR="9525" marT="9525" marB="0" anchor="ctr">
+                  <a:tcPr marL="7620" marR="7620" marT="7620" marB="0" anchor="ctr">
                     <a:lnL w="12700" cap="flat" cmpd="sng" algn="ctr">
                       <a:solidFill>
                         <a:schemeClr val="tx1"/>
@@ -28783,7 +28823,7 @@
                 </a:tc>
                 <a:extLst>
                   <a:ext uri="{0D108BD9-81ED-4DB2-BD59-A6C34878D82A}">
-                    <a16:rowId xmlns:a16="http://schemas.microsoft.com/office/drawing/2014/main" val="10005"/>
+                    <a16:rowId xmlns:a16="http://schemas.microsoft.com/office/drawing/2014/main" xmlns="" val="10005"/>
                   </a:ext>
                 </a:extLst>
               </a:tr>
@@ -28902,7 +28942,7 @@
                 </a:tc>
                 <a:extLst>
                   <a:ext uri="{0D108BD9-81ED-4DB2-BD59-A6C34878D82A}">
-                    <a16:rowId xmlns:a16="http://schemas.microsoft.com/office/drawing/2014/main" val="10006"/>
+                    <a16:rowId xmlns:a16="http://schemas.microsoft.com/office/drawing/2014/main" xmlns="" val="10006"/>
                   </a:ext>
                 </a:extLst>
               </a:tr>
@@ -28972,15 +29012,20 @@
                     <a:bodyPr/>
                     <a:lstStyle/>
                     <a:p>
-                      <a:pPr algn="ctr"/>
+                      <a:pPr algn="ctr" fontAlgn="b"/>
                       <a:r>
-                        <a:rPr lang="en-IN" sz="1500" dirty="0" smtClean="0"/>
-                        <a:t>95.01%</a:t>
+                        <a:rPr lang="en-IN" sz="1400" b="0" i="0" u="none" strike="noStrike" dirty="0">
+                          <a:solidFill>
+                            <a:srgbClr val="000000"/>
+                          </a:solidFill>
+                          <a:effectLst/>
+                          <a:latin typeface="Calibri" panose="020F0502020204030204" pitchFamily="34" charset="0"/>
+                        </a:rPr>
+                        <a:t>90.41%</a:t>
                       </a:r>
-                      <a:endParaRPr lang="en-IN" sz="1500" dirty="0"/>
                     </a:p>
                   </a:txBody>
-                  <a:tcPr marL="121900" marR="121900" marT="121900" marB="121900">
+                  <a:tcPr marL="7620" marR="7620" marT="7620" marB="0" anchor="ctr">
                     <a:lnL w="12700" cap="flat" cmpd="sng" algn="ctr">
                       <a:solidFill>
                         <a:schemeClr val="tx1"/>
@@ -29024,27 +29069,20 @@
                     <a:bodyPr/>
                     <a:lstStyle/>
                     <a:p>
-                      <a:pPr algn="ctr" fontAlgn="ctr"/>
+                      <a:pPr algn="ctr" fontAlgn="b"/>
                       <a:r>
-                        <a:rPr lang="en-US" sz="1400" b="0" i="0" u="none" strike="noStrike" dirty="0" smtClean="0">
+                        <a:rPr lang="en-IN" sz="1400" b="0" i="0" u="none" strike="noStrike" dirty="0">
                           <a:solidFill>
                             <a:srgbClr val="000000"/>
                           </a:solidFill>
                           <a:effectLst/>
                           <a:latin typeface="Calibri" panose="020F0502020204030204" pitchFamily="34" charset="0"/>
                         </a:rPr>
-                        <a:t>178%</a:t>
+                        <a:t>226%</a:t>
                       </a:r>
-                      <a:endParaRPr lang="en-US" sz="1400" b="0" i="0" u="none" strike="noStrike" dirty="0">
-                        <a:solidFill>
-                          <a:srgbClr val="000000"/>
-                        </a:solidFill>
-                        <a:effectLst/>
-                        <a:latin typeface="Calibri" panose="020F0502020204030204" pitchFamily="34" charset="0"/>
-                      </a:endParaRPr>
                     </a:p>
                   </a:txBody>
-                  <a:tcPr marL="9525" marR="9525" marT="9525" marB="0" anchor="ctr">
+                  <a:tcPr marL="7620" marR="7620" marT="7620" marB="0" anchor="ctr">
                     <a:lnL w="12700" cap="flat" cmpd="sng" algn="ctr">
                       <a:solidFill>
                         <a:schemeClr val="tx1"/>
@@ -29091,23 +29129,20 @@
                     <a:bodyPr/>
                     <a:lstStyle/>
                     <a:p>
-                      <a:pPr marL="0" lvl="0" indent="0" algn="ctr" rtl="0">
-                        <a:spcBef>
-                          <a:spcPts val="0"/>
-                        </a:spcBef>
-                        <a:spcAft>
-                          <a:spcPts val="0"/>
-                        </a:spcAft>
-                        <a:buNone/>
-                      </a:pPr>
+                      <a:pPr algn="ctr" fontAlgn="b"/>
                       <a:r>
-                        <a:rPr lang="en-IN" sz="1500" dirty="0" smtClean="0"/>
-                        <a:t>94.65%</a:t>
+                        <a:rPr lang="en-IN" sz="1400" b="0" i="0" u="none" strike="noStrike" dirty="0">
+                          <a:solidFill>
+                            <a:srgbClr val="000000"/>
+                          </a:solidFill>
+                          <a:effectLst/>
+                          <a:latin typeface="Calibri" panose="020F0502020204030204" pitchFamily="34" charset="0"/>
+                        </a:rPr>
+                        <a:t>95.01%</a:t>
                       </a:r>
-                      <a:endParaRPr sz="1500" dirty="0"/>
                     </a:p>
                   </a:txBody>
-                  <a:tcPr marL="121900" marR="121900" marT="121900" marB="121900">
+                  <a:tcPr marL="7620" marR="7620" marT="7620" marB="0" anchor="ctr">
                     <a:lnL w="12700" cap="flat" cmpd="sng" algn="ctr">
                       <a:solidFill>
                         <a:schemeClr val="tx1"/>
@@ -29151,7 +29186,7 @@
                 </a:tc>
                 <a:extLst>
                   <a:ext uri="{0D108BD9-81ED-4DB2-BD59-A6C34878D82A}">
-                    <a16:rowId xmlns:a16="http://schemas.microsoft.com/office/drawing/2014/main" val="10007"/>
+                    <a16:rowId xmlns:a16="http://schemas.microsoft.com/office/drawing/2014/main" xmlns="" val="10007"/>
                   </a:ext>
                 </a:extLst>
               </a:tr>
@@ -29231,16 +29266,140 @@
                     <a:p>
                       <a:pPr algn="ctr" fontAlgn="ctr"/>
                       <a:r>
-                        <a:rPr lang="en-US" sz="1400" b="0" i="0" u="none" strike="noStrike" dirty="0" smtClean="0">
+                        <a:rPr lang="en-IN" sz="1400" b="0" i="0" u="none" strike="noStrike" dirty="0" smtClean="0">
+                          <a:solidFill>
+                            <a:srgbClr val="000000"/>
+                          </a:solidFill>
+                          <a:effectLst/>
+                          <a:latin typeface="Segoe UI" panose="020B0502040204020203" pitchFamily="34" charset="0"/>
+                        </a:rPr>
+                        <a:t>5,776 </a:t>
+                      </a:r>
+                      <a:endParaRPr lang="en-IN" sz="1400" b="0" i="0" u="none" strike="noStrike" dirty="0">
+                        <a:solidFill>
+                          <a:srgbClr val="000000"/>
+                        </a:solidFill>
+                        <a:effectLst/>
+                        <a:latin typeface="Segoe UI" panose="020B0502040204020203" pitchFamily="34" charset="0"/>
+                      </a:endParaRPr>
+                    </a:p>
+                  </a:txBody>
+                  <a:tcPr marL="7620" marR="7620" marT="7620" marB="0" anchor="ctr">
+                    <a:lnL w="12700" cap="flat" cmpd="sng" algn="ctr">
+                      <a:solidFill>
+                        <a:schemeClr val="tx1"/>
+                      </a:solidFill>
+                      <a:prstDash val="solid"/>
+                      <a:round/>
+                      <a:headEnd type="none" w="med" len="med"/>
+                      <a:tailEnd type="none" w="med" len="med"/>
+                    </a:lnL>
+                    <a:lnR w="12700" cap="flat" cmpd="sng" algn="ctr">
+                      <a:solidFill>
+                        <a:schemeClr val="tx1"/>
+                      </a:solidFill>
+                      <a:prstDash val="solid"/>
+                      <a:round/>
+                      <a:headEnd type="none" w="med" len="med"/>
+                      <a:tailEnd type="none" w="med" len="med"/>
+                    </a:lnR>
+                    <a:lnT w="12700" cap="flat" cmpd="sng" algn="ctr">
+                      <a:solidFill>
+                        <a:schemeClr val="tx1"/>
+                      </a:solidFill>
+                      <a:prstDash val="solid"/>
+                      <a:round/>
+                      <a:headEnd type="none" w="med" len="med"/>
+                      <a:tailEnd type="none" w="med" len="med"/>
+                    </a:lnT>
+                    <a:lnB w="12700" cap="flat" cmpd="sng" algn="ctr">
+                      <a:solidFill>
+                        <a:schemeClr val="tx1"/>
+                      </a:solidFill>
+                      <a:prstDash val="solid"/>
+                      <a:round/>
+                      <a:headEnd type="none" w="med" len="med"/>
+                      <a:tailEnd type="none" w="med" len="med"/>
+                    </a:lnB>
+                  </a:tcPr>
+                </a:tc>
+                <a:tc>
+                  <a:txBody>
+                    <a:bodyPr/>
+                    <a:lstStyle/>
+                    <a:p>
+                      <a:pPr algn="ctr" fontAlgn="b"/>
+                      <a:r>
+                        <a:rPr lang="en-IN" sz="1400" b="0" i="0" u="none" strike="noStrike" dirty="0">
                           <a:solidFill>
                             <a:srgbClr val="000000"/>
                           </a:solidFill>
                           <a:effectLst/>
                           <a:latin typeface="Calibri" panose="020F0502020204030204" pitchFamily="34" charset="0"/>
                         </a:rPr>
-                        <a:t>7,538</a:t>
+                        <a:t>7%</a:t>
                       </a:r>
-                      <a:endParaRPr lang="en-US" sz="1400" b="0" i="0" u="none" strike="noStrike" dirty="0">
+                    </a:p>
+                  </a:txBody>
+                  <a:tcPr marL="7620" marR="7620" marT="7620" marB="0" anchor="ctr">
+                    <a:lnL w="12700" cap="flat" cmpd="sng" algn="ctr">
+                      <a:solidFill>
+                        <a:schemeClr val="tx1"/>
+                      </a:solidFill>
+                      <a:prstDash val="solid"/>
+                      <a:round/>
+                      <a:headEnd type="none" w="med" len="med"/>
+                      <a:tailEnd type="none" w="med" len="med"/>
+                    </a:lnL>
+                    <a:lnR w="12700" cap="flat" cmpd="sng" algn="ctr">
+                      <a:solidFill>
+                        <a:schemeClr val="tx1"/>
+                      </a:solidFill>
+                      <a:prstDash val="solid"/>
+                      <a:round/>
+                      <a:headEnd type="none" w="med" len="med"/>
+                      <a:tailEnd type="none" w="med" len="med"/>
+                    </a:lnR>
+                    <a:lnT w="12700" cap="flat" cmpd="sng" algn="ctr">
+                      <a:solidFill>
+                        <a:schemeClr val="tx1"/>
+                      </a:solidFill>
+                      <a:prstDash val="solid"/>
+                      <a:round/>
+                      <a:headEnd type="none" w="med" len="med"/>
+                      <a:tailEnd type="none" w="med" len="med"/>
+                    </a:lnT>
+                    <a:lnB w="12700" cap="flat" cmpd="sng" algn="ctr">
+                      <a:solidFill>
+                        <a:schemeClr val="tx1"/>
+                      </a:solidFill>
+                      <a:prstDash val="solid"/>
+                      <a:round/>
+                      <a:headEnd type="none" w="med" len="med"/>
+                      <a:tailEnd type="none" w="med" len="med"/>
+                    </a:lnB>
+                    <a:solidFill>
+                      <a:srgbClr val="92D050"/>
+                    </a:solidFill>
+                  </a:tcPr>
+                </a:tc>
+                <a:tc>
+                  <a:txBody>
+                    <a:bodyPr/>
+                    <a:lstStyle/>
+                    <a:p>
+                      <a:pPr algn="ctr" fontAlgn="b"/>
+                      <a:r>
+                        <a:rPr lang="en-IN" sz="1400" b="0" i="0" u="none" strike="noStrike" dirty="0" smtClean="0">
+                          <a:solidFill>
+                            <a:srgbClr val="000000"/>
+                          </a:solidFill>
+                          <a:effectLst/>
+                          <a:latin typeface="Calibri" panose="020F0502020204030204" pitchFamily="34" charset="0"/>
+                        </a:rPr>
+                        <a:t>6,161 </a:t>
+                      </a:r>
+                      <a:endParaRPr lang="en-IN" sz="1400" b="0" i="0" u="none" strike="noStrike" dirty="0">
                         <a:solidFill>
                           <a:srgbClr val="000000"/>
                         </a:solidFill>
@@ -29249,138 +29408,7 @@
                       </a:endParaRPr>
                     </a:p>
                   </a:txBody>
-                  <a:tcPr marL="9525" marR="9525" marT="9525" marB="0" anchor="ctr">
-                    <a:lnL w="12700" cap="flat" cmpd="sng" algn="ctr">
-                      <a:solidFill>
-                        <a:schemeClr val="tx1"/>
-                      </a:solidFill>
-                      <a:prstDash val="solid"/>
-                      <a:round/>
-                      <a:headEnd type="none" w="med" len="med"/>
-                      <a:tailEnd type="none" w="med" len="med"/>
-                    </a:lnL>
-                    <a:lnR w="12700" cap="flat" cmpd="sng" algn="ctr">
-                      <a:solidFill>
-                        <a:schemeClr val="tx1"/>
-                      </a:solidFill>
-                      <a:prstDash val="solid"/>
-                      <a:round/>
-                      <a:headEnd type="none" w="med" len="med"/>
-                      <a:tailEnd type="none" w="med" len="med"/>
-                    </a:lnR>
-                    <a:lnT w="12700" cap="flat" cmpd="sng" algn="ctr">
-                      <a:solidFill>
-                        <a:schemeClr val="tx1"/>
-                      </a:solidFill>
-                      <a:prstDash val="solid"/>
-                      <a:round/>
-                      <a:headEnd type="none" w="med" len="med"/>
-                      <a:tailEnd type="none" w="med" len="med"/>
-                    </a:lnT>
-                    <a:lnB w="12700" cap="flat" cmpd="sng" algn="ctr">
-                      <a:solidFill>
-                        <a:schemeClr val="tx1"/>
-                      </a:solidFill>
-                      <a:prstDash val="solid"/>
-                      <a:round/>
-                      <a:headEnd type="none" w="med" len="med"/>
-                      <a:tailEnd type="none" w="med" len="med"/>
-                    </a:lnB>
-                  </a:tcPr>
-                </a:tc>
-                <a:tc>
-                  <a:txBody>
-                    <a:bodyPr/>
-                    <a:lstStyle/>
-                    <a:p>
-                      <a:pPr algn="ctr" fontAlgn="ctr"/>
-                      <a:r>
-                        <a:rPr lang="en-US" sz="1400" b="0" i="0" u="none" strike="noStrike" dirty="0" smtClean="0">
-                          <a:solidFill>
-                            <a:srgbClr val="000000"/>
-                          </a:solidFill>
-                          <a:effectLst/>
-                          <a:latin typeface="Calibri" panose="020F0502020204030204" pitchFamily="34" charset="0"/>
-                        </a:rPr>
-                        <a:t>-1%</a:t>
-                      </a:r>
-                      <a:endParaRPr lang="en-US" sz="1400" b="0" i="0" u="none" strike="noStrike" dirty="0">
-                        <a:solidFill>
-                          <a:srgbClr val="000000"/>
-                        </a:solidFill>
-                        <a:effectLst/>
-                        <a:latin typeface="Calibri" panose="020F0502020204030204" pitchFamily="34" charset="0"/>
-                      </a:endParaRPr>
-                    </a:p>
-                  </a:txBody>
-                  <a:tcPr marL="9525" marR="9525" marT="9525" marB="0" anchor="ctr">
-                    <a:lnL w="12700" cap="flat" cmpd="sng" algn="ctr">
-                      <a:solidFill>
-                        <a:schemeClr val="tx1"/>
-                      </a:solidFill>
-                      <a:prstDash val="solid"/>
-                      <a:round/>
-                      <a:headEnd type="none" w="med" len="med"/>
-                      <a:tailEnd type="none" w="med" len="med"/>
-                    </a:lnL>
-                    <a:lnR w="12700" cap="flat" cmpd="sng" algn="ctr">
-                      <a:solidFill>
-                        <a:schemeClr val="tx1"/>
-                      </a:solidFill>
-                      <a:prstDash val="solid"/>
-                      <a:round/>
-                      <a:headEnd type="none" w="med" len="med"/>
-                      <a:tailEnd type="none" w="med" len="med"/>
-                    </a:lnR>
-                    <a:lnT w="12700" cap="flat" cmpd="sng" algn="ctr">
-                      <a:solidFill>
-                        <a:schemeClr val="tx1"/>
-                      </a:solidFill>
-                      <a:prstDash val="solid"/>
-                      <a:round/>
-                      <a:headEnd type="none" w="med" len="med"/>
-                      <a:tailEnd type="none" w="med" len="med"/>
-                    </a:lnT>
-                    <a:lnB w="12700" cap="flat" cmpd="sng" algn="ctr">
-                      <a:solidFill>
-                        <a:schemeClr val="tx1"/>
-                      </a:solidFill>
-                      <a:prstDash val="solid"/>
-                      <a:round/>
-                      <a:headEnd type="none" w="med" len="med"/>
-                      <a:tailEnd type="none" w="med" len="med"/>
-                    </a:lnB>
-                    <a:solidFill>
-                      <a:srgbClr val="FF8B8B"/>
-                    </a:solidFill>
-                  </a:tcPr>
-                </a:tc>
-                <a:tc>
-                  <a:txBody>
-                    <a:bodyPr/>
-                    <a:lstStyle/>
-                    <a:p>
-                      <a:pPr algn="ctr" fontAlgn="ctr"/>
-                      <a:r>
-                        <a:rPr lang="en-US" sz="1400" b="0" i="0" u="none" strike="noStrike" dirty="0" smtClean="0">
-                          <a:solidFill>
-                            <a:srgbClr val="000000"/>
-                          </a:solidFill>
-                          <a:effectLst/>
-                          <a:latin typeface="Calibri" panose="020F0502020204030204" pitchFamily="34" charset="0"/>
-                        </a:rPr>
-                        <a:t>7,467</a:t>
-                      </a:r>
-                      <a:endParaRPr lang="en-US" sz="1400" b="0" i="0" u="none" strike="noStrike" dirty="0">
-                        <a:solidFill>
-                          <a:srgbClr val="000000"/>
-                        </a:solidFill>
-                        <a:effectLst/>
-                        <a:latin typeface="Calibri" panose="020F0502020204030204" pitchFamily="34" charset="0"/>
-                      </a:endParaRPr>
-                    </a:p>
-                  </a:txBody>
-                  <a:tcPr marL="9525" marR="9525" marT="9525" marB="0" anchor="ctr">
+                  <a:tcPr marL="7620" marR="7620" marT="7620" marB="0" anchor="ctr">
                     <a:lnL w="12700" cap="flat" cmpd="sng" algn="ctr">
                       <a:solidFill>
                         <a:schemeClr val="tx1"/>
@@ -29424,7 +29452,7 @@
                 </a:tc>
                 <a:extLst>
                   <a:ext uri="{0D108BD9-81ED-4DB2-BD59-A6C34878D82A}">
-                    <a16:rowId xmlns:a16="http://schemas.microsoft.com/office/drawing/2014/main" val="10008"/>
+                    <a16:rowId xmlns:a16="http://schemas.microsoft.com/office/drawing/2014/main" xmlns="" val="10008"/>
                   </a:ext>
                 </a:extLst>
               </a:tr>
@@ -29441,7 +29469,7 @@
         <p:spPr>
           <a:xfrm>
             <a:off x="7665841" y="1513018"/>
-            <a:ext cx="3931545" cy="2554545"/>
+            <a:ext cx="3931545" cy="1815882"/>
           </a:xfrm>
           <a:prstGeom prst="rect">
             <a:avLst/>
@@ -29480,54 +29508,6 @@
               <a:buAutoNum type="arabicPeriod"/>
             </a:pPr>
             <a:endParaRPr lang="en-IN" sz="1600" dirty="0"/>
-          </a:p>
-          <a:p>
-            <a:pPr marL="342900" indent="-342900">
-              <a:buAutoNum type="arabicPeriod"/>
-            </a:pPr>
-            <a:r>
-              <a:rPr lang="en-IN" sz="1600" dirty="0" smtClean="0"/>
-              <a:t>Loyalty sales contribution remains at the same level for both the quarters.</a:t>
-            </a:r>
-          </a:p>
-          <a:p>
-            <a:pPr marL="342900" indent="-342900">
-              <a:buAutoNum type="arabicPeriod"/>
-            </a:pPr>
-            <a:endParaRPr lang="en-IN" sz="1600" dirty="0"/>
-          </a:p>
-        </p:txBody>
-      </p:sp>
-      <p:sp>
-        <p:nvSpPr>
-          <p:cNvPr id="7" name="TextBox 6"/>
-          <p:cNvSpPr txBox="1"/>
-          <p:nvPr/>
-        </p:nvSpPr>
-        <p:spPr>
-          <a:xfrm>
-            <a:off x="10478530" y="6450227"/>
-            <a:ext cx="1118856" cy="307777"/>
-          </a:xfrm>
-          <a:prstGeom prst="rect">
-            <a:avLst/>
-          </a:prstGeom>
-          <a:solidFill>
-            <a:srgbClr val="92D050"/>
-          </a:solidFill>
-        </p:spPr>
-        <p:txBody>
-          <a:bodyPr wrap="square" rtlCol="0">
-            <a:spAutoFit/>
-          </a:bodyPr>
-          <a:lstStyle/>
-          <a:p>
-            <a:pPr algn="ctr"/>
-            <a:r>
-              <a:rPr lang="en-US" dirty="0" smtClean="0"/>
-              <a:t>P. DONE</a:t>
-            </a:r>
-            <a:endParaRPr lang="en-IN" dirty="0"/>
           </a:p>
         </p:txBody>
       </p:sp>
@@ -29596,7 +29576,11 @@
             </a:r>
             <a:r>
               <a:rPr lang="en-IN" b="0" dirty="0" smtClean="0"/>
-              <a:t>JFM’22</a:t>
+              <a:t>AMJ</a:t>
+            </a:r>
+            <a:r>
+              <a:rPr lang="en-IN" b="0" dirty="0" smtClean="0"/>
+              <a:t>’22</a:t>
             </a:r>
             <a:endParaRPr lang="en-IN" dirty="0"/>
           </a:p>
@@ -29653,35 +29637,35 @@
                 <a:gridCol w="2225029">
                   <a:extLst>
                     <a:ext uri="{9D8B030D-6E8A-4147-A177-3AD203B41FA5}">
-                      <a16:colId xmlns:a16="http://schemas.microsoft.com/office/drawing/2014/main" val="20000"/>
+                      <a16:colId xmlns:a16="http://schemas.microsoft.com/office/drawing/2014/main" xmlns="" val="20000"/>
                     </a:ext>
                   </a:extLst>
                 </a:gridCol>
                 <a:gridCol w="2225029">
                   <a:extLst>
                     <a:ext uri="{9D8B030D-6E8A-4147-A177-3AD203B41FA5}">
-                      <a16:colId xmlns:a16="http://schemas.microsoft.com/office/drawing/2014/main" val="20001"/>
+                      <a16:colId xmlns:a16="http://schemas.microsoft.com/office/drawing/2014/main" xmlns="" val="20001"/>
                     </a:ext>
                   </a:extLst>
                 </a:gridCol>
                 <a:gridCol w="2225029">
                   <a:extLst>
                     <a:ext uri="{9D8B030D-6E8A-4147-A177-3AD203B41FA5}">
-                      <a16:colId xmlns:a16="http://schemas.microsoft.com/office/drawing/2014/main" val="20002"/>
+                      <a16:colId xmlns:a16="http://schemas.microsoft.com/office/drawing/2014/main" xmlns="" val="20002"/>
                     </a:ext>
                   </a:extLst>
                 </a:gridCol>
                 <a:gridCol w="2225029">
                   <a:extLst>
                     <a:ext uri="{9D8B030D-6E8A-4147-A177-3AD203B41FA5}">
-                      <a16:colId xmlns:a16="http://schemas.microsoft.com/office/drawing/2014/main" val="20003"/>
+                      <a16:colId xmlns:a16="http://schemas.microsoft.com/office/drawing/2014/main" xmlns="" val="20003"/>
                     </a:ext>
                   </a:extLst>
                 </a:gridCol>
                 <a:gridCol w="2225029">
                   <a:extLst>
                     <a:ext uri="{9D8B030D-6E8A-4147-A177-3AD203B41FA5}">
-                      <a16:colId xmlns:a16="http://schemas.microsoft.com/office/drawing/2014/main" val="20004"/>
+                      <a16:colId xmlns:a16="http://schemas.microsoft.com/office/drawing/2014/main" xmlns="" val="20004"/>
                     </a:ext>
                   </a:extLst>
                 </a:gridCol>
@@ -30023,7 +30007,7 @@
                 </a:tc>
                 <a:extLst>
                   <a:ext uri="{0D108BD9-81ED-4DB2-BD59-A6C34878D82A}">
-                    <a16:rowId xmlns:a16="http://schemas.microsoft.com/office/drawing/2014/main" val="10000"/>
+                    <a16:rowId xmlns:a16="http://schemas.microsoft.com/office/drawing/2014/main" xmlns="" val="10000"/>
                   </a:ext>
                 </a:extLst>
               </a:tr>
@@ -30371,7 +30355,7 @@
                 </a:tc>
                 <a:extLst>
                   <a:ext uri="{0D108BD9-81ED-4DB2-BD59-A6C34878D82A}">
-                    <a16:rowId xmlns:a16="http://schemas.microsoft.com/office/drawing/2014/main" val="10001"/>
+                    <a16:rowId xmlns:a16="http://schemas.microsoft.com/office/drawing/2014/main" xmlns="" val="10001"/>
                   </a:ext>
                 </a:extLst>
               </a:tr>
@@ -30719,7 +30703,7 @@
                 </a:tc>
                 <a:extLst>
                   <a:ext uri="{0D108BD9-81ED-4DB2-BD59-A6C34878D82A}">
-                    <a16:rowId xmlns:a16="http://schemas.microsoft.com/office/drawing/2014/main" val="10002"/>
+                    <a16:rowId xmlns:a16="http://schemas.microsoft.com/office/drawing/2014/main" xmlns="" val="10002"/>
                   </a:ext>
                 </a:extLst>
               </a:tr>
@@ -31074,7 +31058,7 @@
                 </a:tc>
                 <a:extLst>
                   <a:ext uri="{0D108BD9-81ED-4DB2-BD59-A6C34878D82A}">
-                    <a16:rowId xmlns:a16="http://schemas.microsoft.com/office/drawing/2014/main" val="10003"/>
+                    <a16:rowId xmlns:a16="http://schemas.microsoft.com/office/drawing/2014/main" xmlns="" val="10003"/>
                   </a:ext>
                 </a:extLst>
               </a:tr>
@@ -31439,7 +31423,7 @@
                 </a:tc>
                 <a:extLst>
                   <a:ext uri="{0D108BD9-81ED-4DB2-BD59-A6C34878D82A}">
-                    <a16:rowId xmlns:a16="http://schemas.microsoft.com/office/drawing/2014/main" val="10004"/>
+                    <a16:rowId xmlns:a16="http://schemas.microsoft.com/office/drawing/2014/main" xmlns="" val="10004"/>
                   </a:ext>
                 </a:extLst>
               </a:tr>
@@ -31794,7 +31778,7 @@
                 </a:tc>
                 <a:extLst>
                   <a:ext uri="{0D108BD9-81ED-4DB2-BD59-A6C34878D82A}">
-                    <a16:rowId xmlns:a16="http://schemas.microsoft.com/office/drawing/2014/main" val="10005"/>
+                    <a16:rowId xmlns:a16="http://schemas.microsoft.com/office/drawing/2014/main" xmlns="" val="10005"/>
                   </a:ext>
                 </a:extLst>
               </a:tr>
@@ -32156,7 +32140,7 @@
                 </a:tc>
                 <a:extLst>
                   <a:ext uri="{0D108BD9-81ED-4DB2-BD59-A6C34878D82A}">
-                    <a16:rowId xmlns:a16="http://schemas.microsoft.com/office/drawing/2014/main" val="10006"/>
+                    <a16:rowId xmlns:a16="http://schemas.microsoft.com/office/drawing/2014/main" xmlns="" val="10006"/>
                   </a:ext>
                 </a:extLst>
               </a:tr>
@@ -32284,7 +32268,15 @@
           <a:p>
             <a:r>
               <a:rPr lang="en-IN" b="0" dirty="0" smtClean="0"/>
-              <a:t>Engagement Plan – AMJ’22</a:t>
+              <a:t>Engagement Plan – </a:t>
+            </a:r>
+            <a:r>
+              <a:rPr lang="en-IN" b="0" dirty="0" smtClean="0"/>
+              <a:t>JAS</a:t>
+            </a:r>
+            <a:r>
+              <a:rPr lang="en-IN" b="0" dirty="0" smtClean="0"/>
+              <a:t>’22</a:t>
             </a:r>
             <a:endParaRPr lang="en-IN" b="0" dirty="0"/>
           </a:p>
@@ -32297,14 +32289,14 @@
           <p:nvPr>
             <p:extLst>
               <p:ext uri="{D42A27DB-BD31-4B8C-83A1-F6EECF244321}">
-                <p14:modId xmlns:p14="http://schemas.microsoft.com/office/powerpoint/2010/main" val="3307820916"/>
+                <p14:modId xmlns:p14="http://schemas.microsoft.com/office/powerpoint/2010/main" val="4174452183"/>
               </p:ext>
             </p:extLst>
           </p:nvPr>
         </p:nvGraphicFramePr>
         <p:xfrm>
           <a:off x="167426" y="1064544"/>
-          <a:ext cx="11706895" cy="5100037"/>
+          <a:ext cx="11706895" cy="5012406"/>
         </p:xfrm>
         <a:graphic>
           <a:graphicData uri="http://schemas.openxmlformats.org/drawingml/2006/table">
@@ -32316,33 +32308,33 @@
                 <a:gridCol w="1914357">
                   <a:extLst>
                     <a:ext uri="{9D8B030D-6E8A-4147-A177-3AD203B41FA5}">
-                      <a16:colId xmlns:a16="http://schemas.microsoft.com/office/drawing/2014/main" val="20000"/>
+                      <a16:colId xmlns:a16="http://schemas.microsoft.com/office/drawing/2014/main" xmlns="" val="20000"/>
                     </a:ext>
                   </a:extLst>
                 </a:gridCol>
                 <a:gridCol w="3639212">
                   <a:extLst>
                     <a:ext uri="{9D8B030D-6E8A-4147-A177-3AD203B41FA5}">
-                      <a16:colId xmlns:a16="http://schemas.microsoft.com/office/drawing/2014/main" val="20001"/>
+                      <a16:colId xmlns:a16="http://schemas.microsoft.com/office/drawing/2014/main" xmlns="" val="20001"/>
                     </a:ext>
                   </a:extLst>
                 </a:gridCol>
                 <a:gridCol w="3069718">
                   <a:extLst>
                     <a:ext uri="{9D8B030D-6E8A-4147-A177-3AD203B41FA5}">
-                      <a16:colId xmlns:a16="http://schemas.microsoft.com/office/drawing/2014/main" val="20002"/>
+                      <a16:colId xmlns:a16="http://schemas.microsoft.com/office/drawing/2014/main" xmlns="" val="20002"/>
                     </a:ext>
                   </a:extLst>
                 </a:gridCol>
                 <a:gridCol w="3083608">
                   <a:extLst>
                     <a:ext uri="{9D8B030D-6E8A-4147-A177-3AD203B41FA5}">
-                      <a16:colId xmlns:a16="http://schemas.microsoft.com/office/drawing/2014/main" val="20003"/>
+                      <a16:colId xmlns:a16="http://schemas.microsoft.com/office/drawing/2014/main" xmlns="" val="20003"/>
                     </a:ext>
                   </a:extLst>
                 </a:gridCol>
               </a:tblGrid>
-              <a:tr h="490657">
+              <a:tr h="558064">
                 <a:tc>
                   <a:txBody>
                     <a:bodyPr/>
@@ -32597,11 +32589,11 @@
                 </a:tc>
                 <a:extLst>
                   <a:ext uri="{0D108BD9-81ED-4DB2-BD59-A6C34878D82A}">
-                    <a16:rowId xmlns:a16="http://schemas.microsoft.com/office/drawing/2014/main" val="10000"/>
+                    <a16:rowId xmlns:a16="http://schemas.microsoft.com/office/drawing/2014/main" xmlns="" val="10000"/>
                   </a:ext>
                 </a:extLst>
               </a:tr>
-              <a:tr h="921876">
+              <a:tr h="1178646">
                 <a:tc>
                   <a:txBody>
                     <a:bodyPr/>
@@ -32635,7 +32627,7 @@
                       <a:endParaRPr sz="1300" dirty="0"/>
                     </a:p>
                   </a:txBody>
-                  <a:tcPr marL="121900" marR="121900" marT="121900" marB="121900">
+                  <a:tcPr marL="121900" marR="121900" marT="121900" marB="121900" anchor="ctr">
                     <a:lnL w="12700" cap="flat" cmpd="sng" algn="ctr">
                       <a:solidFill>
                         <a:schemeClr val="tx1"/>
@@ -32719,7 +32711,11 @@
                       </a:pPr>
                       <a:r>
                         <a:rPr lang="en-IN" sz="1300" baseline="0" dirty="0"/>
-                        <a:t>-Bonus Point based campaigns (TG: 95K)</a:t>
+                        <a:t>-Bonus Point based </a:t>
+                      </a:r>
+                      <a:r>
+                        <a:rPr lang="en-IN" sz="1300" baseline="0" dirty="0" smtClean="0"/>
+                        <a:t>campaigns</a:t>
                       </a:r>
                     </a:p>
                     <a:p>
@@ -32734,13 +32730,54 @@
                         <a:buNone/>
                       </a:pPr>
                       <a:r>
+                        <a:rPr lang="en-IN" sz="1300" baseline="0" dirty="0" smtClean="0"/>
+                        <a:t> -</a:t>
+                      </a:r>
+                      <a:r>
                         <a:rPr lang="en-IN" sz="1300" baseline="0" dirty="0"/>
-                        <a:t>-GV based campaigns (TG: 2.80 Lakh)</a:t>
+                        <a:t>GV based </a:t>
                       </a:r>
-                      <a:endParaRPr sz="1300" dirty="0"/>
+                      <a:r>
+                        <a:rPr lang="en-IN" sz="1300" baseline="0" dirty="0" smtClean="0"/>
+                        <a:t>campaigns</a:t>
+                      </a:r>
+                    </a:p>
+                    <a:p>
+                      <a:pPr marL="0" marR="0" lvl="0" indent="0" algn="l" defTabSz="914400" rtl="0" eaLnBrk="1" fontAlgn="auto" latinLnBrk="0" hangingPunct="1">
+                        <a:lnSpc>
+                          <a:spcPct val="100000"/>
+                        </a:lnSpc>
+                        <a:spcBef>
+                          <a:spcPts val="0"/>
+                        </a:spcBef>
+                        <a:spcAft>
+                          <a:spcPts val="0"/>
+                        </a:spcAft>
+                        <a:buClr>
+                          <a:srgbClr val="000000"/>
+                        </a:buClr>
+                        <a:buSzTx/>
+                        <a:buFontTx/>
+                        <a:buNone/>
+                        <a:tabLst/>
+                        <a:defRPr/>
+                      </a:pPr>
+                      <a:r>
+                        <a:rPr lang="en-US" sz="1300" baseline="0" dirty="0" smtClean="0"/>
+                        <a:t>(Target Base: 4.7 Lac, ATV: </a:t>
+                      </a:r>
+                      <a:r>
+                        <a:rPr lang="en-US" sz="1300" baseline="0" dirty="0" err="1" smtClean="0"/>
+                        <a:t>Rs</a:t>
+                      </a:r>
+                      <a:r>
+                        <a:rPr lang="en-US" sz="1300" baseline="0" dirty="0" smtClean="0"/>
+                        <a:t>. 4911)</a:t>
+                      </a:r>
+                      <a:endParaRPr lang="en-US" sz="1300" dirty="0" smtClean="0"/>
                     </a:p>
                   </a:txBody>
-                  <a:tcPr marL="121900" marR="121900" marT="121900" marB="121900">
+                  <a:tcPr marL="121900" marR="121900" marT="121900" marB="121900" anchor="ctr">
                     <a:lnL w="12700" cap="flat" cmpd="sng" algn="ctr">
                       <a:solidFill>
                         <a:schemeClr val="tx1"/>
@@ -32819,11 +32856,19 @@
                       </a:r>
                       <a:r>
                         <a:rPr lang="en-IN" sz="1300" dirty="0"/>
-                        <a:t>. 9.18</a:t>
+                        <a:t>. </a:t>
+                      </a:r>
+                      <a:r>
+                        <a:rPr lang="en-IN" sz="1300" dirty="0" smtClean="0"/>
+                        <a:t>4.6</a:t>
+                      </a:r>
+                      <a:r>
+                        <a:rPr lang="en-IN" sz="1300" baseline="0" dirty="0" smtClean="0"/>
+                        <a:t> </a:t>
                       </a:r>
                       <a:r>
                         <a:rPr lang="en-IN" sz="1300" baseline="0" dirty="0"/>
-                        <a:t> Cr</a:t>
+                        <a:t>Cr</a:t>
                       </a:r>
                     </a:p>
                     <a:p>
@@ -32839,11 +32884,16 @@
                       </a:pPr>
                       <a:r>
                         <a:rPr lang="en-IN" sz="1300" baseline="0" dirty="0"/>
-                        <a:t>- Incremental Rev: Rs.2. 2 Cr</a:t>
+                        <a:t>- Incremental Rev: </a:t>
                       </a:r>
+                      <a:r>
+                        <a:rPr lang="en-IN" sz="1300" baseline="0" dirty="0" smtClean="0"/>
+                        <a:t>Rs.58.1  lac</a:t>
+                      </a:r>
+                      <a:endParaRPr lang="en-IN" sz="1300" baseline="0" dirty="0"/>
                     </a:p>
                   </a:txBody>
-                  <a:tcPr marL="121900" marR="121900" marT="121900" marB="121900">
+                  <a:tcPr marL="121900" marR="121900" marT="121900" marB="121900" anchor="ctr">
                     <a:lnL w="12700" cap="flat" cmpd="sng" algn="ctr">
                       <a:solidFill>
                         <a:schemeClr val="tx1"/>
@@ -32907,8 +32957,12 @@
                         <a:defRPr/>
                       </a:pPr>
                       <a:r>
+                        <a:rPr lang="en-US" sz="1300" dirty="0" smtClean="0"/>
+                        <a:t>67.1% </a:t>
+                      </a:r>
+                      <a:r>
                         <a:rPr lang="en-US" sz="1300" dirty="0"/>
-                        <a:t>24.4% of the</a:t>
+                        <a:t>of the</a:t>
                       </a:r>
                       <a:r>
                         <a:rPr lang="en-US" sz="1300" baseline="0" dirty="0"/>
@@ -32916,7 +32970,7 @@
                       </a:r>
                     </a:p>
                   </a:txBody>
-                  <a:tcPr marL="121900" marR="121900" marT="121900" marB="121900">
+                  <a:tcPr marL="121900" marR="121900" marT="121900" marB="121900" anchor="ctr">
                     <a:lnL w="12700" cap="flat" cmpd="sng" algn="ctr">
                       <a:solidFill>
                         <a:schemeClr val="tx1"/>
@@ -32957,11 +33011,11 @@
                 </a:tc>
                 <a:extLst>
                   <a:ext uri="{0D108BD9-81ED-4DB2-BD59-A6C34878D82A}">
-                    <a16:rowId xmlns:a16="http://schemas.microsoft.com/office/drawing/2014/main" val="10001"/>
+                    <a16:rowId xmlns:a16="http://schemas.microsoft.com/office/drawing/2014/main" xmlns="" val="10001"/>
                   </a:ext>
                 </a:extLst>
               </a:tr>
-              <a:tr h="921876">
+              <a:tr h="1048525">
                 <a:tc>
                   <a:txBody>
                     <a:bodyPr/>
@@ -32983,7 +33037,7 @@
                       <a:endParaRPr sz="1300" dirty="0"/>
                     </a:p>
                   </a:txBody>
-                  <a:tcPr marL="121900" marR="121900" marT="121900" marB="121900">
+                  <a:tcPr marL="121900" marR="121900" marT="121900" marB="121900" anchor="ctr">
                     <a:lnL w="12700" cap="flat" cmpd="sng" algn="ctr">
                       <a:solidFill>
                         <a:schemeClr val="tx1"/>
@@ -33057,12 +33111,49 @@
                       </a:pPr>
                       <a:r>
                         <a:rPr lang="en-IN" sz="1300" baseline="0" dirty="0"/>
-                        <a:t>( Target base: 38.7% of Transacting customer)</a:t>
+                        <a:t>( Target base: 38.7% of Transacting customer</a:t>
                       </a:r>
-                      <a:endParaRPr sz="1300" dirty="0"/>
+                      <a:r>
+                        <a:rPr lang="en-IN" sz="1300" baseline="0" dirty="0" smtClean="0"/>
+                        <a:t>)</a:t>
+                      </a:r>
+                    </a:p>
+                    <a:p>
+                      <a:pPr marL="0" marR="0" lvl="0" indent="0" algn="l" defTabSz="914400" rtl="0" eaLnBrk="1" fontAlgn="auto" latinLnBrk="0" hangingPunct="1">
+                        <a:lnSpc>
+                          <a:spcPct val="100000"/>
+                        </a:lnSpc>
+                        <a:spcBef>
+                          <a:spcPts val="0"/>
+                        </a:spcBef>
+                        <a:spcAft>
+                          <a:spcPts val="0"/>
+                        </a:spcAft>
+                        <a:buClr>
+                          <a:srgbClr val="000000"/>
+                        </a:buClr>
+                        <a:buSzTx/>
+                        <a:buFont typeface="Arial"/>
+                        <a:buNone/>
+                        <a:tabLst/>
+                        <a:defRPr/>
+                      </a:pPr>
+                      <a:r>
+                        <a:rPr lang="en-US" sz="1300" baseline="0" dirty="0" smtClean="0"/>
+                        <a:t>(Target Base: 2 Lac, ATV: </a:t>
+                      </a:r>
+                      <a:r>
+                        <a:rPr lang="en-US" sz="1300" baseline="0" dirty="0" err="1" smtClean="0"/>
+                        <a:t>Rs</a:t>
+                      </a:r>
+                      <a:r>
+                        <a:rPr lang="en-US" sz="1300" baseline="0" dirty="0" smtClean="0"/>
+                        <a:t>. 5139)</a:t>
+                      </a:r>
+                      <a:endParaRPr lang="en-US" sz="1300" dirty="0" smtClean="0"/>
                     </a:p>
                   </a:txBody>
-                  <a:tcPr marL="121900" marR="121900" marT="121900" marB="121900">
+                  <a:tcPr marL="121900" marR="121900" marT="121900" marB="121900" anchor="ctr">
                     <a:lnL w="12700" cap="flat" cmpd="sng" algn="ctr">
                       <a:solidFill>
                         <a:schemeClr val="tx1"/>
@@ -33144,7 +33235,15 @@
                       </a:r>
                       <a:r>
                         <a:rPr lang="en-IN" sz="1300" baseline="0" dirty="0"/>
-                        <a:t> 4 Cr</a:t>
+                        <a:t> </a:t>
+                      </a:r>
+                      <a:r>
+                        <a:rPr lang="en-IN" sz="1300" baseline="0" dirty="0" smtClean="0"/>
+                        <a:t>5.2 </a:t>
+                      </a:r>
+                      <a:r>
+                        <a:rPr lang="en-IN" sz="1300" baseline="0" dirty="0"/>
+                        <a:t>Cr</a:t>
                       </a:r>
                     </a:p>
                     <a:p>
@@ -33167,12 +33266,16 @@
                       </a:r>
                       <a:r>
                         <a:rPr lang="en-IN" sz="1300" baseline="0" dirty="0"/>
-                        <a:t>. 1 Cr</a:t>
+                        <a:t>. </a:t>
+                      </a:r>
+                      <a:r>
+                        <a:rPr lang="en-IN" sz="1300" baseline="0" dirty="0" smtClean="0"/>
+                        <a:t>66 Lac</a:t>
                       </a:r>
                       <a:endParaRPr sz="1300" dirty="0"/>
                     </a:p>
                   </a:txBody>
-                  <a:tcPr marL="121900" marR="121900" marT="121900" marB="121900">
+                  <a:tcPr marL="121900" marR="121900" marT="121900" marB="121900" anchor="ctr">
                     <a:lnL w="12700" cap="flat" cmpd="sng" algn="ctr">
                       <a:solidFill>
                         <a:schemeClr val="tx1"/>
@@ -33225,26 +33328,10 @@
                         </a:spcAft>
                         <a:buNone/>
                       </a:pPr>
-                      <a:r>
-                        <a:rPr lang="en-IN" sz="1300" dirty="0"/>
-                        <a:t>Generated</a:t>
-                      </a:r>
-                      <a:r>
-                        <a:rPr lang="en-IN" sz="1300" baseline="0" dirty="0"/>
-                        <a:t> Incremental sales worth </a:t>
-                      </a:r>
-                      <a:r>
-                        <a:rPr lang="en-IN" sz="1300" baseline="0" dirty="0" err="1"/>
-                        <a:t>Rs</a:t>
-                      </a:r>
-                      <a:r>
-                        <a:rPr lang="en-IN" sz="1300" baseline="0" dirty="0"/>
-                        <a:t>. 8 Cr in FY: 19-20</a:t>
-                      </a:r>
                       <a:endParaRPr sz="1300" dirty="0"/>
                     </a:p>
                   </a:txBody>
-                  <a:tcPr marL="121900" marR="121900" marT="121900" marB="121900">
+                  <a:tcPr marL="121900" marR="121900" marT="121900" marB="121900" anchor="ctr">
                     <a:lnL w="12700" cap="flat" cmpd="sng" algn="ctr">
                       <a:solidFill>
                         <a:schemeClr val="tx1"/>
@@ -33285,327 +33372,11 @@
                 </a:tc>
                 <a:extLst>
                   <a:ext uri="{0D108BD9-81ED-4DB2-BD59-A6C34878D82A}">
-                    <a16:rowId xmlns:a16="http://schemas.microsoft.com/office/drawing/2014/main" val="10002"/>
+                    <a16:rowId xmlns:a16="http://schemas.microsoft.com/office/drawing/2014/main" xmlns="" val="10002"/>
                   </a:ext>
                 </a:extLst>
               </a:tr>
-              <a:tr h="921876">
-                <a:tc>
-                  <a:txBody>
-                    <a:bodyPr/>
-                    <a:lstStyle/>
-                    <a:p>
-                      <a:pPr marL="0" lvl="0" indent="0" algn="l" rtl="0">
-                        <a:spcBef>
-                          <a:spcPts val="0"/>
-                        </a:spcBef>
-                        <a:spcAft>
-                          <a:spcPts val="0"/>
-                        </a:spcAft>
-                        <a:buNone/>
-                      </a:pPr>
-                      <a:r>
-                        <a:rPr lang="en-US" sz="1300" dirty="0" smtClean="0"/>
-                        <a:t>Conversion</a:t>
-                      </a:r>
-                      <a:r>
-                        <a:rPr lang="en-US" sz="1300" baseline="0" dirty="0" smtClean="0"/>
-                        <a:t> of Non-transacting base to active base </a:t>
-                      </a:r>
-                      <a:endParaRPr sz="1300" dirty="0"/>
-                    </a:p>
-                  </a:txBody>
-                  <a:tcPr marL="121900" marR="121900" marT="121900" marB="121900">
-                    <a:lnL w="12700" cap="flat" cmpd="sng" algn="ctr">
-                      <a:solidFill>
-                        <a:schemeClr val="tx1"/>
-                      </a:solidFill>
-                      <a:prstDash val="solid"/>
-                      <a:round/>
-                      <a:headEnd type="none" w="med" len="med"/>
-                      <a:tailEnd type="none" w="med" len="med"/>
-                    </a:lnL>
-                    <a:lnR w="12700" cap="flat" cmpd="sng" algn="ctr">
-                      <a:solidFill>
-                        <a:schemeClr val="tx1"/>
-                      </a:solidFill>
-                      <a:prstDash val="solid"/>
-                      <a:round/>
-                      <a:headEnd type="none" w="med" len="med"/>
-                      <a:tailEnd type="none" w="med" len="med"/>
-                    </a:lnR>
-                    <a:lnT w="12700" cap="flat" cmpd="sng" algn="ctr">
-                      <a:solidFill>
-                        <a:schemeClr val="tx1"/>
-                      </a:solidFill>
-                      <a:prstDash val="solid"/>
-                      <a:round/>
-                      <a:headEnd type="none" w="med" len="med"/>
-                      <a:tailEnd type="none" w="med" len="med"/>
-                    </a:lnT>
-                    <a:lnB w="12700" cap="flat" cmpd="sng" algn="ctr">
-                      <a:solidFill>
-                        <a:schemeClr val="tx1"/>
-                      </a:solidFill>
-                      <a:prstDash val="solid"/>
-                      <a:round/>
-                      <a:headEnd type="none" w="med" len="med"/>
-                      <a:tailEnd type="none" w="med" len="med"/>
-                    </a:lnB>
-                  </a:tcPr>
-                </a:tc>
-                <a:tc>
-                  <a:txBody>
-                    <a:bodyPr/>
-                    <a:lstStyle/>
-                    <a:p>
-                      <a:pPr marL="0" lvl="0" indent="0" algn="l" rtl="0">
-                        <a:spcBef>
-                          <a:spcPts val="0"/>
-                        </a:spcBef>
-                        <a:spcAft>
-                          <a:spcPts val="0"/>
-                        </a:spcAft>
-                        <a:buNone/>
-                      </a:pPr>
-                      <a:r>
-                        <a:rPr lang="en-US" sz="1300" dirty="0" smtClean="0"/>
-                        <a:t>Social CRM</a:t>
-                      </a:r>
-                      <a:r>
-                        <a:rPr lang="en-US" sz="1300" baseline="0" dirty="0" smtClean="0"/>
-                        <a:t> Campaigns </a:t>
-                      </a:r>
-                    </a:p>
-                    <a:p>
-                      <a:pPr marL="0" lvl="0" indent="0" algn="l" rtl="0">
-                        <a:spcBef>
-                          <a:spcPts val="0"/>
-                        </a:spcBef>
-                        <a:spcAft>
-                          <a:spcPts val="0"/>
-                        </a:spcAft>
-                        <a:buNone/>
-                      </a:pPr>
-                      <a:r>
-                        <a:rPr lang="en-US" sz="1300" baseline="0" dirty="0" smtClean="0"/>
-                        <a:t>( Target base: 13.85L)</a:t>
-                      </a:r>
-                      <a:endParaRPr lang="en-US" sz="1300" dirty="0" smtClean="0"/>
-                    </a:p>
-                  </a:txBody>
-                  <a:tcPr marL="121900" marR="121900" marT="121900" marB="121900">
-                    <a:lnL w="12700" cap="flat" cmpd="sng" algn="ctr">
-                      <a:solidFill>
-                        <a:schemeClr val="tx1"/>
-                      </a:solidFill>
-                      <a:prstDash val="solid"/>
-                      <a:round/>
-                      <a:headEnd type="none" w="med" len="med"/>
-                      <a:tailEnd type="none" w="med" len="med"/>
-                    </a:lnL>
-                    <a:lnR w="12700" cap="flat" cmpd="sng" algn="ctr">
-                      <a:solidFill>
-                        <a:schemeClr val="tx1"/>
-                      </a:solidFill>
-                      <a:prstDash val="solid"/>
-                      <a:round/>
-                      <a:headEnd type="none" w="med" len="med"/>
-                      <a:tailEnd type="none" w="med" len="med"/>
-                    </a:lnR>
-                    <a:lnT w="12700" cap="flat" cmpd="sng" algn="ctr">
-                      <a:solidFill>
-                        <a:schemeClr val="tx1"/>
-                      </a:solidFill>
-                      <a:prstDash val="solid"/>
-                      <a:round/>
-                      <a:headEnd type="none" w="med" len="med"/>
-                      <a:tailEnd type="none" w="med" len="med"/>
-                    </a:lnT>
-                    <a:lnB w="12700" cap="flat" cmpd="sng" algn="ctr">
-                      <a:solidFill>
-                        <a:schemeClr val="tx1"/>
-                      </a:solidFill>
-                      <a:prstDash val="solid"/>
-                      <a:round/>
-                      <a:headEnd type="none" w="med" len="med"/>
-                      <a:tailEnd type="none" w="med" len="med"/>
-                    </a:lnB>
-                  </a:tcPr>
-                </a:tc>
-                <a:tc>
-                  <a:txBody>
-                    <a:bodyPr/>
-                    <a:lstStyle/>
-                    <a:p>
-                      <a:pPr marL="0" lvl="0" indent="0" algn="l" rtl="0">
-                        <a:spcBef>
-                          <a:spcPts val="0"/>
-                        </a:spcBef>
-                        <a:spcAft>
-                          <a:spcPts val="0"/>
-                        </a:spcAft>
-                        <a:buNone/>
-                      </a:pPr>
-                      <a:r>
-                        <a:rPr lang="en-US" sz="1300" dirty="0" smtClean="0"/>
-                        <a:t>0.5% additional loyalty</a:t>
-                      </a:r>
-                      <a:r>
-                        <a:rPr lang="en-US" sz="1300" baseline="0" dirty="0" smtClean="0"/>
-                        <a:t> sales</a:t>
-                      </a:r>
-                      <a:br>
-                        <a:rPr lang="en-US" sz="1300" baseline="0" dirty="0" smtClean="0"/>
-                      </a:br>
-                      <a:r>
-                        <a:rPr lang="en-IN" sz="1300" baseline="0" dirty="0" smtClean="0"/>
-                        <a:t>- Responder Sales: </a:t>
-                      </a:r>
-                      <a:r>
-                        <a:rPr lang="en-IN" sz="1300" baseline="0" dirty="0" err="1" smtClean="0"/>
-                        <a:t>Rs</a:t>
-                      </a:r>
-                      <a:r>
-                        <a:rPr lang="en-IN" sz="1300" baseline="0" dirty="0" smtClean="0"/>
-                        <a:t> 50 L</a:t>
-                      </a:r>
-                    </a:p>
-                    <a:p>
-                      <a:pPr marL="0" lvl="0" indent="0" algn="l" rtl="0">
-                        <a:spcBef>
-                          <a:spcPts val="0"/>
-                        </a:spcBef>
-                        <a:spcAft>
-                          <a:spcPts val="0"/>
-                        </a:spcAft>
-                        <a:buNone/>
-                      </a:pPr>
-                      <a:r>
-                        <a:rPr lang="en-IN" sz="1300" baseline="0" dirty="0" smtClean="0"/>
-                        <a:t>- Incremental Rev: </a:t>
-                      </a:r>
-                      <a:r>
-                        <a:rPr lang="en-IN" sz="1300" baseline="0" dirty="0" err="1" smtClean="0"/>
-                        <a:t>Rs</a:t>
-                      </a:r>
-                      <a:r>
-                        <a:rPr lang="en-IN" sz="1300" baseline="0" dirty="0" smtClean="0"/>
-                        <a:t>. 12 L</a:t>
-                      </a:r>
-                      <a:endParaRPr lang="en-IN" sz="1300" dirty="0" smtClean="0"/>
-                    </a:p>
-                  </a:txBody>
-                  <a:tcPr marL="121900" marR="121900" marT="121900" marB="121900">
-                    <a:lnL w="12700" cap="flat" cmpd="sng" algn="ctr">
-                      <a:solidFill>
-                        <a:schemeClr val="tx1"/>
-                      </a:solidFill>
-                      <a:prstDash val="solid"/>
-                      <a:round/>
-                      <a:headEnd type="none" w="med" len="med"/>
-                      <a:tailEnd type="none" w="med" len="med"/>
-                    </a:lnL>
-                    <a:lnR w="12700" cap="flat" cmpd="sng" algn="ctr">
-                      <a:solidFill>
-                        <a:schemeClr val="tx1"/>
-                      </a:solidFill>
-                      <a:prstDash val="solid"/>
-                      <a:round/>
-                      <a:headEnd type="none" w="med" len="med"/>
-                      <a:tailEnd type="none" w="med" len="med"/>
-                    </a:lnR>
-                    <a:lnT w="12700" cap="flat" cmpd="sng" algn="ctr">
-                      <a:solidFill>
-                        <a:schemeClr val="tx1"/>
-                      </a:solidFill>
-                      <a:prstDash val="solid"/>
-                      <a:round/>
-                      <a:headEnd type="none" w="med" len="med"/>
-                      <a:tailEnd type="none" w="med" len="med"/>
-                    </a:lnT>
-                    <a:lnB w="12700" cap="flat" cmpd="sng" algn="ctr">
-                      <a:solidFill>
-                        <a:schemeClr val="tx1"/>
-                      </a:solidFill>
-                      <a:prstDash val="solid"/>
-                      <a:round/>
-                      <a:headEnd type="none" w="med" len="med"/>
-                      <a:tailEnd type="none" w="med" len="med"/>
-                    </a:lnB>
-                  </a:tcPr>
-                </a:tc>
-                <a:tc>
-                  <a:txBody>
-                    <a:bodyPr/>
-                    <a:lstStyle/>
-                    <a:p>
-                      <a:pPr marL="0" lvl="0" indent="0" algn="l" rtl="0">
-                        <a:spcBef>
-                          <a:spcPts val="0"/>
-                        </a:spcBef>
-                        <a:spcAft>
-                          <a:spcPts val="0"/>
-                        </a:spcAft>
-                        <a:buNone/>
-                      </a:pPr>
-                      <a:r>
-                        <a:rPr lang="en-US" sz="1300" dirty="0" smtClean="0"/>
-                        <a:t>We</a:t>
-                      </a:r>
-                      <a:r>
-                        <a:rPr lang="en-US" sz="1300" baseline="0" dirty="0" smtClean="0"/>
-                        <a:t> converted 300+ non transacting customers through just one campaign.</a:t>
-                      </a:r>
-                      <a:endParaRPr sz="1300" dirty="0"/>
-                    </a:p>
-                  </a:txBody>
-                  <a:tcPr marL="121900" marR="121900" marT="121900" marB="121900">
-                    <a:lnL w="12700" cap="flat" cmpd="sng" algn="ctr">
-                      <a:solidFill>
-                        <a:schemeClr val="tx1"/>
-                      </a:solidFill>
-                      <a:prstDash val="solid"/>
-                      <a:round/>
-                      <a:headEnd type="none" w="med" len="med"/>
-                      <a:tailEnd type="none" w="med" len="med"/>
-                    </a:lnL>
-                    <a:lnR w="12700" cap="flat" cmpd="sng" algn="ctr">
-                      <a:solidFill>
-                        <a:schemeClr val="tx1"/>
-                      </a:solidFill>
-                      <a:prstDash val="solid"/>
-                      <a:round/>
-                      <a:headEnd type="none" w="med" len="med"/>
-                      <a:tailEnd type="none" w="med" len="med"/>
-                    </a:lnR>
-                    <a:lnT w="12700" cap="flat" cmpd="sng" algn="ctr">
-                      <a:solidFill>
-                        <a:schemeClr val="tx1"/>
-                      </a:solidFill>
-                      <a:prstDash val="solid"/>
-                      <a:round/>
-                      <a:headEnd type="none" w="med" len="med"/>
-                      <a:tailEnd type="none" w="med" len="med"/>
-                    </a:lnT>
-                    <a:lnB w="12700" cap="flat" cmpd="sng" algn="ctr">
-                      <a:solidFill>
-                        <a:schemeClr val="tx1"/>
-                      </a:solidFill>
-                      <a:prstDash val="solid"/>
-                      <a:round/>
-                      <a:headEnd type="none" w="med" len="med"/>
-                      <a:tailEnd type="none" w="med" len="med"/>
-                    </a:lnB>
-                  </a:tcPr>
-                </a:tc>
-                <a:extLst>
-                  <a:ext uri="{0D108BD9-81ED-4DB2-BD59-A6C34878D82A}">
-                    <a16:rowId xmlns:a16="http://schemas.microsoft.com/office/drawing/2014/main" val="10006"/>
-                  </a:ext>
-                </a:extLst>
-              </a:tr>
-              <a:tr h="921876">
+              <a:tr h="1048525">
                 <a:tc>
                   <a:txBody>
                     <a:bodyPr/>
@@ -33631,7 +33402,7 @@
                       <a:endParaRPr lang="en-IN" sz="1300" dirty="0"/>
                     </a:p>
                   </a:txBody>
-                  <a:tcPr marL="121900" marR="121900" marT="121900" marB="121900">
+                  <a:tcPr marL="121900" marR="121900" marT="121900" marB="121900" anchor="ctr">
                     <a:lnL w="12700" cap="flat" cmpd="sng" algn="ctr">
                       <a:solidFill>
                         <a:schemeClr val="tx1"/>
@@ -33698,11 +33469,19 @@
                       </a:r>
                       <a:r>
                         <a:rPr lang="en-IN" sz="1300" dirty="0"/>
-                        <a:t>(Target base: 60K, Avg. bill</a:t>
+                        <a:t>(Target base: </a:t>
+                      </a:r>
+                      <a:r>
+                        <a:rPr lang="en-IN" sz="1300" dirty="0" smtClean="0"/>
+                        <a:t>1.1</a:t>
+                      </a:r>
+                      <a:r>
+                        <a:rPr lang="en-IN" sz="1300" baseline="0" dirty="0" smtClean="0"/>
+                        <a:t> Lac, Expected </a:t>
                       </a:r>
                       <a:r>
                         <a:rPr lang="en-IN" sz="1300" baseline="0" dirty="0"/>
-                        <a:t> per customer: 1.4, Expected ATV: </a:t>
+                        <a:t>ATV: </a:t>
                       </a:r>
                       <a:r>
                         <a:rPr lang="en-IN" sz="1300" baseline="0" dirty="0" err="1"/>
@@ -33710,16 +33489,20 @@
                       </a:r>
                       <a:r>
                         <a:rPr lang="en-IN" sz="1300" baseline="0" dirty="0"/>
-                        <a:t>. 6500</a:t>
+                        <a:t>. </a:t>
                       </a:r>
                       <a:r>
-                        <a:rPr lang="en-IN" sz="1300" dirty="0"/>
+                        <a:rPr lang="en-IN" sz="1300" baseline="0" dirty="0" smtClean="0"/>
+                        <a:t>5933</a:t>
+                      </a:r>
+                      <a:r>
+                        <a:rPr lang="en-IN" sz="1300" dirty="0" smtClean="0"/>
                         <a:t>)</a:t>
                       </a:r>
                       <a:endParaRPr sz="1300" dirty="0"/>
                     </a:p>
                   </a:txBody>
-                  <a:tcPr marL="121900" marR="121900" marT="121900" marB="121900">
+                  <a:tcPr marL="121900" marR="121900" marT="121900" marB="121900" anchor="ctr">
                     <a:lnL w="12700" cap="flat" cmpd="sng" algn="ctr">
                       <a:solidFill>
                         <a:schemeClr val="tx1"/>
@@ -33801,7 +33584,15 @@
                       </a:r>
                       <a:r>
                         <a:rPr lang="en-IN" sz="1300" baseline="0" dirty="0"/>
-                        <a:t>. 1.63 Cr</a:t>
+                        <a:t>. </a:t>
+                      </a:r>
+                      <a:r>
+                        <a:rPr lang="en-IN" sz="1300" baseline="0" dirty="0" smtClean="0"/>
+                        <a:t>2.1 </a:t>
+                      </a:r>
+                      <a:r>
+                        <a:rPr lang="en-IN" sz="1300" baseline="0" dirty="0"/>
+                        <a:t>Cr</a:t>
                       </a:r>
                     </a:p>
                     <a:p>
@@ -33824,12 +33615,16 @@
                       </a:r>
                       <a:r>
                         <a:rPr lang="en-IN" sz="1300" baseline="0" dirty="0"/>
-                        <a:t>. 40 Lakh</a:t>
+                        <a:t>. </a:t>
+                      </a:r>
+                      <a:r>
+                        <a:rPr lang="en-IN" sz="1300" baseline="0" dirty="0" smtClean="0"/>
+                        <a:t>26.4 Lac</a:t>
                       </a:r>
                       <a:endParaRPr sz="1300" dirty="0"/>
                     </a:p>
                   </a:txBody>
-                  <a:tcPr marL="121900" marR="121900" marT="121900" marB="121900">
+                  <a:tcPr marL="121900" marR="121900" marT="121900" marB="121900" anchor="ctr">
                     <a:lnL w="12700" cap="flat" cmpd="sng" algn="ctr">
                       <a:solidFill>
                         <a:schemeClr val="tx1"/>
@@ -33893,7 +33688,7 @@
                       <a:endParaRPr sz="1300" dirty="0"/>
                     </a:p>
                   </a:txBody>
-                  <a:tcPr marL="121900" marR="121900" marT="121900" marB="121900">
+                  <a:tcPr marL="121900" marR="121900" marT="121900" marB="121900" anchor="ctr">
                     <a:lnL w="12700" cap="flat" cmpd="sng" algn="ctr">
                       <a:solidFill>
                         <a:schemeClr val="tx1"/>
@@ -33934,11 +33729,11 @@
                 </a:tc>
                 <a:extLst>
                   <a:ext uri="{0D108BD9-81ED-4DB2-BD59-A6C34878D82A}">
-                    <a16:rowId xmlns:a16="http://schemas.microsoft.com/office/drawing/2014/main" val="10003"/>
+                    <a16:rowId xmlns:a16="http://schemas.microsoft.com/office/drawing/2014/main" xmlns="" val="10003"/>
                   </a:ext>
                 </a:extLst>
               </a:tr>
-              <a:tr h="921876">
+              <a:tr h="1178646">
                 <a:tc>
                   <a:txBody>
                     <a:bodyPr/>
@@ -33960,7 +33755,7 @@
                       <a:endParaRPr sz="1300" dirty="0"/>
                     </a:p>
                   </a:txBody>
-                  <a:tcPr marL="121900" marR="121900" marT="121900" marB="121900">
+                  <a:tcPr marL="121900" marR="121900" marT="121900" marB="121900" anchor="ctr">
                     <a:lnL w="12700" cap="flat" cmpd="sng" algn="ctr">
                       <a:solidFill>
                         <a:schemeClr val="tx1"/>
@@ -34015,43 +33810,69 @@
                       </a:pPr>
                       <a:r>
                         <a:rPr lang="en-IN" sz="1300" baseline="0" dirty="0" smtClean="0"/>
-                        <a:t>Personalized campaign </a:t>
+                        <a:t>Personalized </a:t>
                       </a:r>
                       <a:r>
-                        <a:rPr lang="en-IN" sz="1300" dirty="0" smtClean="0"/>
-                        <a:t>(</a:t>
+                        <a:rPr lang="en-IN" sz="1300" baseline="0" dirty="0" smtClean="0"/>
+                        <a:t>campaign &amp; lifecycle </a:t>
                       </a:r>
                       <a:r>
-                        <a:rPr lang="en-IN" sz="1300" dirty="0"/>
-                        <a:t>Target</a:t>
-                      </a:r>
-                      <a:r>
-                        <a:rPr lang="en-IN" sz="1300" baseline="0" dirty="0"/>
-                        <a:t> base: 4.5 Lakh for last 3 </a:t>
-                      </a:r>
-                      <a:r>
-                        <a:rPr lang="en-IN" sz="1300" baseline="0" dirty="0" err="1"/>
-                        <a:t>yr</a:t>
-                      </a:r>
-                      <a:r>
-                        <a:rPr lang="en-IN" sz="1300" baseline="0" dirty="0"/>
-                        <a:t> transacting base only</a:t>
+                        <a:rPr lang="en-IN" sz="1300" baseline="0" dirty="0" smtClean="0"/>
+                        <a:t>campaign (New enrolled customers</a:t>
                       </a:r>
                       <a:r>
                         <a:rPr lang="en-IN" sz="1300" baseline="0" dirty="0" smtClean="0"/>
                         <a:t>)</a:t>
                       </a:r>
-                      <a:br>
-                        <a:rPr lang="en-IN" sz="1300" baseline="0" dirty="0" smtClean="0"/>
-                      </a:br>
+                    </a:p>
+                    <a:p>
+                      <a:pPr marL="0" marR="0" lvl="0" indent="0" algn="l" defTabSz="914400" rtl="0" eaLnBrk="1" fontAlgn="auto" latinLnBrk="0" hangingPunct="1">
+                        <a:lnSpc>
+                          <a:spcPct val="100000"/>
+                        </a:lnSpc>
+                        <a:spcBef>
+                          <a:spcPts val="0"/>
+                        </a:spcBef>
+                        <a:spcAft>
+                          <a:spcPts val="0"/>
+                        </a:spcAft>
+                        <a:buClr>
+                          <a:srgbClr val="000000"/>
+                        </a:buClr>
+                        <a:buSzTx/>
+                        <a:buFont typeface="Arial"/>
+                        <a:buNone/>
+                        <a:tabLst/>
+                        <a:defRPr/>
+                      </a:pPr>
                       <a:r>
-                        <a:rPr lang="en-IN" sz="1300" baseline="0" dirty="0" smtClean="0"/>
-                        <a:t>lifecycle campaign (New enrolled customers)</a:t>
+                        <a:rPr lang="en-US" sz="1300" baseline="0" dirty="0" smtClean="0"/>
+                        <a:t>(Target Base: 4.1 Lac, ATV: </a:t>
                       </a:r>
+                      <a:r>
+                        <a:rPr lang="en-US" sz="1300" baseline="0" dirty="0" err="1" smtClean="0"/>
+                        <a:t>Rs</a:t>
+                      </a:r>
+                      <a:r>
+                        <a:rPr lang="en-US" sz="1300" baseline="0" dirty="0" smtClean="0"/>
+                        <a:t>. 4931)</a:t>
+                      </a:r>
+                      <a:endParaRPr lang="en-US" sz="1300" dirty="0" smtClean="0"/>
+                    </a:p>
+                    <a:p>
+                      <a:pPr marL="0" lvl="0" indent="0" algn="l" rtl="0">
+                        <a:spcBef>
+                          <a:spcPts val="0"/>
+                        </a:spcBef>
+                        <a:spcAft>
+                          <a:spcPts val="0"/>
+                        </a:spcAft>
+                        <a:buNone/>
+                      </a:pPr>
                       <a:endParaRPr sz="1300" dirty="0"/>
                     </a:p>
                   </a:txBody>
-                  <a:tcPr marL="121900" marR="121900" marT="121900" marB="121900">
+                  <a:tcPr marL="121900" marR="121900" marT="121900" marB="121900" anchor="ctr">
                     <a:lnL w="12700" cap="flat" cmpd="sng" algn="ctr">
                       <a:solidFill>
                         <a:schemeClr val="tx1"/>
@@ -34133,7 +33954,15 @@
                       </a:r>
                       <a:r>
                         <a:rPr lang="en-IN" sz="1300" baseline="0" dirty="0"/>
-                        <a:t>. 7.3 Cr</a:t>
+                        <a:t>. </a:t>
+                      </a:r>
+                      <a:r>
+                        <a:rPr lang="en-IN" sz="1300" baseline="0" dirty="0" smtClean="0"/>
+                        <a:t>6.1 </a:t>
+                      </a:r>
+                      <a:r>
+                        <a:rPr lang="en-IN" sz="1300" baseline="0" dirty="0"/>
+                        <a:t>Cr</a:t>
                       </a:r>
                     </a:p>
                     <a:p>
@@ -34148,12 +33977,16 @@
                       </a:pPr>
                       <a:r>
                         <a:rPr lang="en-IN" sz="1300" baseline="0" dirty="0"/>
-                        <a:t>- Incremental Sales: 1.3 Cr</a:t>
+                        <a:t>- Incremental Sales: </a:t>
+                      </a:r>
+                      <a:r>
+                        <a:rPr lang="en-IN" sz="1300" baseline="0" dirty="0" smtClean="0"/>
+                        <a:t>76.3 Lac</a:t>
                       </a:r>
                       <a:endParaRPr sz="1300" dirty="0"/>
                     </a:p>
                   </a:txBody>
-                  <a:tcPr marL="121900" marR="121900" marT="121900" marB="121900">
+                  <a:tcPr marL="121900" marR="121900" marT="121900" marB="121900" anchor="ctr">
                     <a:lnL w="12700" cap="flat" cmpd="sng" algn="ctr">
                       <a:solidFill>
                         <a:schemeClr val="tx1"/>
@@ -34207,8 +34040,12 @@
                         <a:buNone/>
                       </a:pPr>
                       <a:r>
+                        <a:rPr lang="en-IN" sz="1300" dirty="0" smtClean="0"/>
+                        <a:t>69.6% </a:t>
+                      </a:r>
+                      <a:r>
                         <a:rPr lang="en-IN" sz="1300" dirty="0"/>
-                        <a:t>34.2% of the</a:t>
+                        <a:t>of the</a:t>
                       </a:r>
                       <a:r>
                         <a:rPr lang="en-IN" sz="1300" baseline="0" dirty="0"/>
@@ -34217,7 +34054,7 @@
                       <a:endParaRPr sz="1300" dirty="0"/>
                     </a:p>
                   </a:txBody>
-                  <a:tcPr marL="121900" marR="121900" marT="121900" marB="121900">
+                  <a:tcPr marL="121900" marR="121900" marT="121900" marB="121900" anchor="ctr">
                     <a:lnL w="12700" cap="flat" cmpd="sng" algn="ctr">
                       <a:solidFill>
                         <a:schemeClr val="tx1"/>
@@ -34258,7 +34095,7 @@
                 </a:tc>
                 <a:extLst>
                   <a:ext uri="{0D108BD9-81ED-4DB2-BD59-A6C34878D82A}">
-                    <a16:rowId xmlns:a16="http://schemas.microsoft.com/office/drawing/2014/main" val="10004"/>
+                    <a16:rowId xmlns:a16="http://schemas.microsoft.com/office/drawing/2014/main" xmlns="" val="10004"/>
                   </a:ext>
                 </a:extLst>
               </a:tr>
@@ -34386,42 +34223,42 @@
                 <a:gridCol w="1597188">
                   <a:extLst>
                     <a:ext uri="{9D8B030D-6E8A-4147-A177-3AD203B41FA5}">
-                      <a16:colId xmlns:a16="http://schemas.microsoft.com/office/drawing/2014/main" val="20000"/>
+                      <a16:colId xmlns:a16="http://schemas.microsoft.com/office/drawing/2014/main" xmlns="" val="20000"/>
                     </a:ext>
                   </a:extLst>
                 </a:gridCol>
                 <a:gridCol w="1597188">
                   <a:extLst>
                     <a:ext uri="{9D8B030D-6E8A-4147-A177-3AD203B41FA5}">
-                      <a16:colId xmlns:a16="http://schemas.microsoft.com/office/drawing/2014/main" val="20001"/>
+                      <a16:colId xmlns:a16="http://schemas.microsoft.com/office/drawing/2014/main" xmlns="" val="20001"/>
                     </a:ext>
                   </a:extLst>
                 </a:gridCol>
                 <a:gridCol w="1597188">
                   <a:extLst>
                     <a:ext uri="{9D8B030D-6E8A-4147-A177-3AD203B41FA5}">
-                      <a16:colId xmlns:a16="http://schemas.microsoft.com/office/drawing/2014/main" val="20002"/>
+                      <a16:colId xmlns:a16="http://schemas.microsoft.com/office/drawing/2014/main" xmlns="" val="20002"/>
                     </a:ext>
                   </a:extLst>
                 </a:gridCol>
                 <a:gridCol w="1597188">
                   <a:extLst>
                     <a:ext uri="{9D8B030D-6E8A-4147-A177-3AD203B41FA5}">
-                      <a16:colId xmlns:a16="http://schemas.microsoft.com/office/drawing/2014/main" val="20003"/>
+                      <a16:colId xmlns:a16="http://schemas.microsoft.com/office/drawing/2014/main" xmlns="" val="20003"/>
                     </a:ext>
                   </a:extLst>
                 </a:gridCol>
                 <a:gridCol w="1597188">
                   <a:extLst>
                     <a:ext uri="{9D8B030D-6E8A-4147-A177-3AD203B41FA5}">
-                      <a16:colId xmlns:a16="http://schemas.microsoft.com/office/drawing/2014/main" val="20004"/>
+                      <a16:colId xmlns:a16="http://schemas.microsoft.com/office/drawing/2014/main" xmlns="" val="20004"/>
                     </a:ext>
                   </a:extLst>
                 </a:gridCol>
                 <a:gridCol w="1597188">
                   <a:extLst>
                     <a:ext uri="{9D8B030D-6E8A-4147-A177-3AD203B41FA5}">
-                      <a16:colId xmlns:a16="http://schemas.microsoft.com/office/drawing/2014/main" val="20005"/>
+                      <a16:colId xmlns:a16="http://schemas.microsoft.com/office/drawing/2014/main" xmlns="" val="20005"/>
                     </a:ext>
                   </a:extLst>
                 </a:gridCol>
@@ -34538,7 +34375,7 @@
                 </a:tc>
                 <a:extLst>
                   <a:ext uri="{0D108BD9-81ED-4DB2-BD59-A6C34878D82A}">
-                    <a16:rowId xmlns:a16="http://schemas.microsoft.com/office/drawing/2014/main" val="10000"/>
+                    <a16:rowId xmlns:a16="http://schemas.microsoft.com/office/drawing/2014/main" xmlns="" val="10000"/>
                   </a:ext>
                 </a:extLst>
               </a:tr>
@@ -34871,7 +34708,7 @@
                 </a:tc>
                 <a:extLst>
                   <a:ext uri="{0D108BD9-81ED-4DB2-BD59-A6C34878D82A}">
-                    <a16:rowId xmlns:a16="http://schemas.microsoft.com/office/drawing/2014/main" val="10001"/>
+                    <a16:rowId xmlns:a16="http://schemas.microsoft.com/office/drawing/2014/main" xmlns="" val="10001"/>
                   </a:ext>
                 </a:extLst>
               </a:tr>
@@ -35188,7 +35025,7 @@
                 </a:tc>
                 <a:extLst>
                   <a:ext uri="{0D108BD9-81ED-4DB2-BD59-A6C34878D82A}">
-                    <a16:rowId xmlns:a16="http://schemas.microsoft.com/office/drawing/2014/main" val="10002"/>
+                    <a16:rowId xmlns:a16="http://schemas.microsoft.com/office/drawing/2014/main" xmlns="" val="10002"/>
                   </a:ext>
                 </a:extLst>
               </a:tr>
@@ -35502,7 +35339,7 @@
                 </a:tc>
                 <a:extLst>
                   <a:ext uri="{0D108BD9-81ED-4DB2-BD59-A6C34878D82A}">
-                    <a16:rowId xmlns:a16="http://schemas.microsoft.com/office/drawing/2014/main" val="10003"/>
+                    <a16:rowId xmlns:a16="http://schemas.microsoft.com/office/drawing/2014/main" xmlns="" val="10003"/>
                   </a:ext>
                 </a:extLst>
               </a:tr>
@@ -35818,7 +35655,7 @@
                 </a:tc>
                 <a:extLst>
                   <a:ext uri="{0D108BD9-81ED-4DB2-BD59-A6C34878D82A}">
-                    <a16:rowId xmlns:a16="http://schemas.microsoft.com/office/drawing/2014/main" val="10004"/>
+                    <a16:rowId xmlns:a16="http://schemas.microsoft.com/office/drawing/2014/main" xmlns="" val="10004"/>
                   </a:ext>
                 </a:extLst>
               </a:tr>
@@ -36028,7 +35865,7 @@
           <p:cNvPr id="2" name="Title 1">
             <a:extLst>
               <a:ext uri="{FF2B5EF4-FFF2-40B4-BE49-F238E27FC236}">
-                <a16:creationId xmlns:a16="http://schemas.microsoft.com/office/drawing/2014/main" id="{87F03CE4-C990-4A0E-B8F9-B7CD1EB45F5C}"/>
+                <a16:creationId xmlns:a16="http://schemas.microsoft.com/office/drawing/2014/main" xmlns="" id="{87F03CE4-C990-4A0E-B8F9-B7CD1EB45F5C}"/>
               </a:ext>
             </a:extLst>
           </p:cNvPr>
@@ -36066,7 +35903,7 @@
         </p:nvSpPr>
         <p:spPr>
           <a:xfrm>
-            <a:off x="4649274" y="1704256"/>
+            <a:off x="4649274" y="1742356"/>
             <a:ext cx="2202287" cy="4616648"/>
           </a:xfrm>
           <a:prstGeom prst="rect">
@@ -36088,8 +35925,17 @@
               <a:rPr lang="en-US" dirty="0" smtClean="0">
                 <a:latin typeface="Gotham" panose="02000604030000020004"/>
               </a:rPr>
-              <a:t>Customer shopped increased for every slab except Platinum.</a:t>
+              <a:t>Customer shopped increased for every </a:t>
             </a:r>
+            <a:r>
+              <a:rPr lang="en-US" dirty="0" smtClean="0">
+                <a:latin typeface="Gotham" panose="02000604030000020004"/>
+              </a:rPr>
+              <a:t>slab.</a:t>
+            </a:r>
+            <a:endParaRPr lang="en-US" dirty="0" smtClean="0">
+              <a:latin typeface="Gotham" panose="02000604030000020004"/>
+            </a:endParaRPr>
           </a:p>
           <a:p>
             <a:pPr marL="285750" indent="-285750">
@@ -36100,7 +35946,25 @@
               <a:rPr lang="en-US" dirty="0" smtClean="0">
                 <a:latin typeface="Gotham" panose="02000604030000020004"/>
               </a:rPr>
-              <a:t>We need to work on targeting platinum slab customers, motivating them to come and shop with BB.</a:t>
+              <a:t>We need to work on targeting </a:t>
+            </a:r>
+            <a:r>
+              <a:rPr lang="en-US" dirty="0" smtClean="0">
+                <a:latin typeface="Gotham" panose="02000604030000020004"/>
+              </a:rPr>
+              <a:t>gold and silver</a:t>
+            </a:r>
+            <a:r>
+              <a:rPr lang="en-US" dirty="0" smtClean="0">
+                <a:latin typeface="Gotham" panose="02000604030000020004"/>
+              </a:rPr>
+              <a:t> </a:t>
+            </a:r>
+            <a:r>
+              <a:rPr lang="en-US" dirty="0" smtClean="0">
+                <a:latin typeface="Gotham" panose="02000604030000020004"/>
+              </a:rPr>
+              <a:t>slab customers, motivating them to come and shop with BB.</a:t>
             </a:r>
           </a:p>
           <a:p>
@@ -36133,20 +35997,20 @@
       </p:sp>
       <p:graphicFrame>
         <p:nvGraphicFramePr>
-          <p:cNvPr id="12" name="Chart 11"/>
+          <p:cNvPr id="9" name="Chart 8"/>
           <p:cNvGraphicFramePr>
             <a:graphicFrameLocks/>
           </p:cNvGraphicFramePr>
           <p:nvPr>
             <p:extLst>
               <p:ext uri="{D42A27DB-BD31-4B8C-83A1-F6EECF244321}">
-                <p14:modId xmlns:p14="http://schemas.microsoft.com/office/powerpoint/2010/main" val="2519029690"/>
+                <p14:modId xmlns:p14="http://schemas.microsoft.com/office/powerpoint/2010/main" val="3699374223"/>
               </p:ext>
             </p:extLst>
           </p:nvPr>
         </p:nvGraphicFramePr>
         <p:xfrm>
-          <a:off x="173369" y="1269380"/>
+          <a:off x="77274" y="1207977"/>
           <a:ext cx="4572000" cy="2743200"/>
         </p:xfrm>
         <a:graphic>
@@ -36157,20 +36021,20 @@
       </p:graphicFrame>
       <p:graphicFrame>
         <p:nvGraphicFramePr>
-          <p:cNvPr id="14" name="Chart 13"/>
+          <p:cNvPr id="10" name="Chart 9"/>
           <p:cNvGraphicFramePr>
             <a:graphicFrameLocks/>
           </p:cNvGraphicFramePr>
           <p:nvPr>
             <p:extLst>
               <p:ext uri="{D42A27DB-BD31-4B8C-83A1-F6EECF244321}">
-                <p14:modId xmlns:p14="http://schemas.microsoft.com/office/powerpoint/2010/main" val="2397494240"/>
+                <p14:modId xmlns:p14="http://schemas.microsoft.com/office/powerpoint/2010/main" val="2457898348"/>
               </p:ext>
             </p:extLst>
           </p:nvPr>
         </p:nvGraphicFramePr>
         <p:xfrm>
-          <a:off x="6980349" y="1269380"/>
+          <a:off x="6851561" y="1269124"/>
           <a:ext cx="4572000" cy="2743200"/>
         </p:xfrm>
         <a:graphic>
@@ -36181,21 +36045,21 @@
       </p:graphicFrame>
       <p:graphicFrame>
         <p:nvGraphicFramePr>
-          <p:cNvPr id="15" name="Chart 14"/>
+          <p:cNvPr id="11" name="Chart 10"/>
           <p:cNvGraphicFramePr>
             <a:graphicFrameLocks/>
           </p:cNvGraphicFramePr>
           <p:nvPr>
             <p:extLst>
               <p:ext uri="{D42A27DB-BD31-4B8C-83A1-F6EECF244321}">
-                <p14:modId xmlns:p14="http://schemas.microsoft.com/office/powerpoint/2010/main" val="3229594769"/>
+                <p14:modId xmlns:p14="http://schemas.microsoft.com/office/powerpoint/2010/main" val="1759805348"/>
               </p:ext>
             </p:extLst>
           </p:nvPr>
         </p:nvGraphicFramePr>
         <p:xfrm>
-          <a:off x="6980349" y="3949819"/>
-          <a:ext cx="4572000" cy="2743200"/>
+          <a:off x="7025386" y="4014804"/>
+          <a:ext cx="4572000" cy="2719282"/>
         </p:xfrm>
         <a:graphic>
           <a:graphicData uri="http://schemas.openxmlformats.org/drawingml/2006/chart">
@@ -36205,20 +36069,20 @@
       </p:graphicFrame>
       <p:graphicFrame>
         <p:nvGraphicFramePr>
-          <p:cNvPr id="16" name="Chart 15"/>
+          <p:cNvPr id="13" name="Chart 12"/>
           <p:cNvGraphicFramePr>
             <a:graphicFrameLocks/>
           </p:cNvGraphicFramePr>
           <p:nvPr>
             <p:extLst>
               <p:ext uri="{D42A27DB-BD31-4B8C-83A1-F6EECF244321}">
-                <p14:modId xmlns:p14="http://schemas.microsoft.com/office/powerpoint/2010/main" val="2285199228"/>
+                <p14:modId xmlns:p14="http://schemas.microsoft.com/office/powerpoint/2010/main" val="4246340261"/>
               </p:ext>
             </p:extLst>
           </p:nvPr>
         </p:nvGraphicFramePr>
         <p:xfrm>
-          <a:off x="302157" y="3949819"/>
+          <a:off x="77274" y="4014804"/>
           <a:ext cx="4572000" cy="2743200"/>
         </p:xfrm>
         <a:graphic>
@@ -36227,39 +36091,6 @@
           </a:graphicData>
         </a:graphic>
       </p:graphicFrame>
-      <p:sp>
-        <p:nvSpPr>
-          <p:cNvPr id="17" name="TextBox 16"/>
-          <p:cNvSpPr txBox="1"/>
-          <p:nvPr/>
-        </p:nvSpPr>
-        <p:spPr>
-          <a:xfrm>
-            <a:off x="10478530" y="6450227"/>
-            <a:ext cx="1118856" cy="307777"/>
-          </a:xfrm>
-          <a:prstGeom prst="rect">
-            <a:avLst/>
-          </a:prstGeom>
-          <a:solidFill>
-            <a:srgbClr val="92D050"/>
-          </a:solidFill>
-        </p:spPr>
-        <p:txBody>
-          <a:bodyPr wrap="square" rtlCol="0">
-            <a:spAutoFit/>
-          </a:bodyPr>
-          <a:lstStyle/>
-          <a:p>
-            <a:pPr algn="ctr"/>
-            <a:r>
-              <a:rPr lang="en-US" dirty="0" smtClean="0"/>
-              <a:t>P. DONE</a:t>
-            </a:r>
-            <a:endParaRPr lang="en-IN" dirty="0"/>
-          </a:p>
-        </p:txBody>
-      </p:sp>
     </p:spTree>
     <p:extLst>
       <p:ext uri="{BB962C8B-B14F-4D97-AF65-F5344CB8AC3E}">
@@ -36305,7 +36136,7 @@
           <p:cNvPr id="2" name="Title 1">
             <a:extLst>
               <a:ext uri="{FF2B5EF4-FFF2-40B4-BE49-F238E27FC236}">
-                <a16:creationId xmlns:a16="http://schemas.microsoft.com/office/drawing/2014/main" id="{21CC7B6D-EED2-4E74-88F0-D21DDC6BA3B2}"/>
+                <a16:creationId xmlns:a16="http://schemas.microsoft.com/office/drawing/2014/main" xmlns="" id="{21CC7B6D-EED2-4E74-88F0-D21DDC6BA3B2}"/>
               </a:ext>
             </a:extLst>
           </p:cNvPr>
@@ -36340,7 +36171,7 @@
           <p:cNvPr id="10" name="TextBox 9">
             <a:extLst>
               <a:ext uri="{FF2B5EF4-FFF2-40B4-BE49-F238E27FC236}">
-                <a16:creationId xmlns:a16="http://schemas.microsoft.com/office/drawing/2014/main" id="{D623E987-B682-418E-8600-21F6F8E71519}"/>
+                <a16:creationId xmlns:a16="http://schemas.microsoft.com/office/drawing/2014/main" xmlns="" id="{D623E987-B682-418E-8600-21F6F8E71519}"/>
               </a:ext>
             </a:extLst>
           </p:cNvPr>
@@ -36399,7 +36230,29 @@
                 <a:ea typeface="+mn-ea"/>
                 <a:cs typeface="+mn-cs"/>
               </a:rPr>
-              <a:t>increased by 200% </a:t>
+              <a:t>increased by </a:t>
+            </a:r>
+            <a:r>
+              <a:rPr lang="en-IN" sz="1800" kern="1200" dirty="0" smtClean="0">
+                <a:solidFill>
+                  <a:prstClr val="black"/>
+                </a:solidFill>
+                <a:latin typeface="Gotham Black" panose="02000604030000020004"/>
+                <a:ea typeface="+mn-ea"/>
+                <a:cs typeface="+mn-cs"/>
+              </a:rPr>
+              <a:t>170</a:t>
+            </a:r>
+            <a:r>
+              <a:rPr lang="en-IN" sz="1800" kern="1200" dirty="0" smtClean="0">
+                <a:solidFill>
+                  <a:prstClr val="black"/>
+                </a:solidFill>
+                <a:latin typeface="Gotham Black" panose="02000604030000020004"/>
+                <a:ea typeface="+mn-ea"/>
+                <a:cs typeface="+mn-cs"/>
+              </a:rPr>
+              <a:t>% </a:t>
             </a:r>
             <a:r>
               <a:rPr lang="en-IN" sz="1800" kern="1200" dirty="0">
@@ -36469,28 +36322,50 @@
                 <a:ea typeface="+mn-ea"/>
                 <a:cs typeface="+mn-cs"/>
               </a:rPr>
-              <a:t>We managed to retain the repeater conversion and a 221% increase in Enrol to repeaters w.r.t FY 21</a:t>
+              <a:t>We managed to retain the repeater conversion and a </a:t>
+            </a:r>
+            <a:r>
+              <a:rPr lang="en-IN" sz="1800" kern="1200" dirty="0" smtClean="0">
+                <a:solidFill>
+                  <a:prstClr val="black"/>
+                </a:solidFill>
+                <a:latin typeface="Gotham Black" panose="02000604030000020004"/>
+                <a:ea typeface="+mn-ea"/>
+                <a:cs typeface="+mn-cs"/>
+              </a:rPr>
+              <a:t>321</a:t>
+            </a:r>
+            <a:r>
+              <a:rPr lang="en-IN" sz="1800" kern="1200" dirty="0" smtClean="0">
+                <a:solidFill>
+                  <a:prstClr val="black"/>
+                </a:solidFill>
+                <a:latin typeface="Gotham Black" panose="02000604030000020004"/>
+                <a:ea typeface="+mn-ea"/>
+                <a:cs typeface="+mn-cs"/>
+              </a:rPr>
+              <a:t>% increase in Enrol to repeaters w.r.t FY 21</a:t>
             </a:r>
           </a:p>
         </p:txBody>
       </p:sp>
       <p:graphicFrame>
         <p:nvGraphicFramePr>
-          <p:cNvPr id="5" name="Chart 4"/>
+          <p:cNvPr id="7" name="Chart 6"/>
           <p:cNvGraphicFramePr>
             <a:graphicFrameLocks/>
           </p:cNvGraphicFramePr>
           <p:nvPr>
             <p:extLst>
               <p:ext uri="{D42A27DB-BD31-4B8C-83A1-F6EECF244321}">
-                <p14:modId xmlns:p14="http://schemas.microsoft.com/office/powerpoint/2010/main" val="2962454677"/>
+                <p14:modId xmlns:p14="http://schemas.microsoft.com/office/powerpoint/2010/main" val="4127673371"/>
               </p:ext>
             </p:extLst>
           </p:nvPr>
         </p:nvGraphicFramePr>
         <p:xfrm>
-          <a:off x="926757" y="1495168"/>
-          <a:ext cx="10163432" cy="3305432"/>
+          <a:off x="1367327" y="1418602"/>
+          <a:ext cx="9111203" cy="3433273"/>
         </p:xfrm>
         <a:graphic>
           <a:graphicData uri="http://schemas.openxmlformats.org/drawingml/2006/chart">
@@ -36498,39 +36373,6 @@
           </a:graphicData>
         </a:graphic>
       </p:graphicFrame>
-      <p:sp>
-        <p:nvSpPr>
-          <p:cNvPr id="6" name="TextBox 5"/>
-          <p:cNvSpPr txBox="1"/>
-          <p:nvPr/>
-        </p:nvSpPr>
-        <p:spPr>
-          <a:xfrm>
-            <a:off x="10478530" y="6450227"/>
-            <a:ext cx="1118856" cy="307777"/>
-          </a:xfrm>
-          <a:prstGeom prst="rect">
-            <a:avLst/>
-          </a:prstGeom>
-          <a:solidFill>
-            <a:srgbClr val="92D050"/>
-          </a:solidFill>
-        </p:spPr>
-        <p:txBody>
-          <a:bodyPr wrap="square" rtlCol="0">
-            <a:spAutoFit/>
-          </a:bodyPr>
-          <a:lstStyle/>
-          <a:p>
-            <a:pPr algn="ctr"/>
-            <a:r>
-              <a:rPr lang="en-US" dirty="0" smtClean="0"/>
-              <a:t>P. DONE</a:t>
-            </a:r>
-            <a:endParaRPr lang="en-IN" dirty="0"/>
-          </a:p>
-        </p:txBody>
-      </p:sp>
     </p:spTree>
     <p:extLst>
       <p:ext uri="{BB962C8B-B14F-4D97-AF65-F5344CB8AC3E}">
